--- a/Doxygen/physics/2. Shapes Library/figures.pptx
+++ b/Doxygen/physics/2. Shapes Library/figures.pptx
@@ -2,7 +2,7 @@
 <file path=ppt/presentation.xml><?xml version="1.0" encoding="utf-8"?>
 <p:presentation xmlns:a="http://schemas.openxmlformats.org/drawingml/2006/main" xmlns:r="http://schemas.openxmlformats.org/officeDocument/2006/relationships" xmlns:p="http://schemas.openxmlformats.org/presentationml/2006/main" saveSubsetFonts="1">
   <p:sldMasterIdLst>
-    <p:sldMasterId id="2147483660" r:id="rId1"/>
+    <p:sldMasterId id="2147483684" r:id="rId1"/>
   </p:sldMasterIdLst>
   <p:sldIdLst>
     <p:sldId id="256" r:id="rId2"/>
@@ -105,6 +105,11 @@
       </a:defRPr>
     </a:lvl9pPr>
   </p:defaultTextStyle>
+  <p:extLst>
+    <p:ext uri="{EFAFB233-063F-42B5-8137-9DF3F51BA10A}">
+      <p15:sldGuideLst xmlns:p15="http://schemas.microsoft.com/office/powerpoint/2012/main"/>
+    </p:ext>
+  </p:extLst>
 </p:presentation>
 </file>
 
@@ -239,7 +244,7 @@
           <a:p>
             <a:fld id="{6BF0DA6D-33A5-4CFF-88F3-29EF9F49F523}" type="datetimeFigureOut">
               <a:rPr lang="en-US" smtClean="0"/>
-              <a:t>12/13/2023</a:t>
+              <a:t>12/15/2023</a:t>
             </a:fld>
             <a:endParaRPr lang="en-US"/>
           </a:p>
@@ -290,7 +295,7 @@
     </p:spTree>
     <p:extLst>
       <p:ext uri="{BB962C8B-B14F-4D97-AF65-F5344CB8AC3E}">
-        <p14:creationId xmlns:p14="http://schemas.microsoft.com/office/powerpoint/2010/main" val="3881120721"/>
+        <p14:creationId xmlns:p14="http://schemas.microsoft.com/office/powerpoint/2010/main" val="3861670509"/>
       </p:ext>
     </p:extLst>
   </p:cSld>
@@ -358,7 +363,7 @@
             <a:pPr lvl="0"/>
             <a:r>
               <a:rPr lang="en-US"/>
-              <a:t>Edit Master text styles</a:t>
+              <a:t>Click to edit Master text styles</a:t>
             </a:r>
           </a:p>
           <a:p>
@@ -409,7 +414,7 @@
           <a:p>
             <a:fld id="{6BF0DA6D-33A5-4CFF-88F3-29EF9F49F523}" type="datetimeFigureOut">
               <a:rPr lang="en-US" smtClean="0"/>
-              <a:t>12/13/2023</a:t>
+              <a:t>12/15/2023</a:t>
             </a:fld>
             <a:endParaRPr lang="en-US"/>
           </a:p>
@@ -460,7 +465,7 @@
     </p:spTree>
     <p:extLst>
       <p:ext uri="{BB962C8B-B14F-4D97-AF65-F5344CB8AC3E}">
-        <p14:creationId xmlns:p14="http://schemas.microsoft.com/office/powerpoint/2010/main" val="2507990236"/>
+        <p14:creationId xmlns:p14="http://schemas.microsoft.com/office/powerpoint/2010/main" val="318379117"/>
       </p:ext>
     </p:extLst>
   </p:cSld>
@@ -538,7 +543,7 @@
             <a:pPr lvl="0"/>
             <a:r>
               <a:rPr lang="en-US"/>
-              <a:t>Edit Master text styles</a:t>
+              <a:t>Click to edit Master text styles</a:t>
             </a:r>
           </a:p>
           <a:p>
@@ -589,7 +594,7 @@
           <a:p>
             <a:fld id="{6BF0DA6D-33A5-4CFF-88F3-29EF9F49F523}" type="datetimeFigureOut">
               <a:rPr lang="en-US" smtClean="0"/>
-              <a:t>12/13/2023</a:t>
+              <a:t>12/15/2023</a:t>
             </a:fld>
             <a:endParaRPr lang="en-US"/>
           </a:p>
@@ -640,7 +645,7 @@
     </p:spTree>
     <p:extLst>
       <p:ext uri="{BB962C8B-B14F-4D97-AF65-F5344CB8AC3E}">
-        <p14:creationId xmlns:p14="http://schemas.microsoft.com/office/powerpoint/2010/main" val="917480888"/>
+        <p14:creationId xmlns:p14="http://schemas.microsoft.com/office/powerpoint/2010/main" val="3926246749"/>
       </p:ext>
     </p:extLst>
   </p:cSld>
@@ -708,7 +713,7 @@
             <a:pPr lvl="0"/>
             <a:r>
               <a:rPr lang="en-US"/>
-              <a:t>Edit Master text styles</a:t>
+              <a:t>Click to edit Master text styles</a:t>
             </a:r>
           </a:p>
           <a:p>
@@ -759,7 +764,7 @@
           <a:p>
             <a:fld id="{6BF0DA6D-33A5-4CFF-88F3-29EF9F49F523}" type="datetimeFigureOut">
               <a:rPr lang="en-US" smtClean="0"/>
-              <a:t>12/13/2023</a:t>
+              <a:t>12/15/2023</a:t>
             </a:fld>
             <a:endParaRPr lang="en-US"/>
           </a:p>
@@ -810,7 +815,7 @@
     </p:spTree>
     <p:extLst>
       <p:ext uri="{BB962C8B-B14F-4D97-AF65-F5344CB8AC3E}">
-        <p14:creationId xmlns:p14="http://schemas.microsoft.com/office/powerpoint/2010/main" val="1951022222"/>
+        <p14:creationId xmlns:p14="http://schemas.microsoft.com/office/powerpoint/2010/main" val="2329892096"/>
       </p:ext>
     </p:extLst>
   </p:cSld>
@@ -981,7 +986,7 @@
             <a:pPr lvl="0"/>
             <a:r>
               <a:rPr lang="en-US"/>
-              <a:t>Edit Master text styles</a:t>
+              <a:t>Click to edit Master text styles</a:t>
             </a:r>
           </a:p>
         </p:txBody>
@@ -1003,7 +1008,7 @@
           <a:p>
             <a:fld id="{6BF0DA6D-33A5-4CFF-88F3-29EF9F49F523}" type="datetimeFigureOut">
               <a:rPr lang="en-US" smtClean="0"/>
-              <a:t>12/13/2023</a:t>
+              <a:t>12/15/2023</a:t>
             </a:fld>
             <a:endParaRPr lang="en-US"/>
           </a:p>
@@ -1054,7 +1059,7 @@
     </p:spTree>
     <p:extLst>
       <p:ext uri="{BB962C8B-B14F-4D97-AF65-F5344CB8AC3E}">
-        <p14:creationId xmlns:p14="http://schemas.microsoft.com/office/powerpoint/2010/main" val="3393286178"/>
+        <p14:creationId xmlns:p14="http://schemas.microsoft.com/office/powerpoint/2010/main" val="610961375"/>
       </p:ext>
     </p:extLst>
   </p:cSld>
@@ -1127,7 +1132,7 @@
             <a:pPr lvl="0"/>
             <a:r>
               <a:rPr lang="en-US"/>
-              <a:t>Edit Master text styles</a:t>
+              <a:t>Click to edit Master text styles</a:t>
             </a:r>
           </a:p>
           <a:p>
@@ -1184,7 +1189,7 @@
             <a:pPr lvl="0"/>
             <a:r>
               <a:rPr lang="en-US"/>
-              <a:t>Edit Master text styles</a:t>
+              <a:t>Click to edit Master text styles</a:t>
             </a:r>
           </a:p>
           <a:p>
@@ -1235,7 +1240,7 @@
           <a:p>
             <a:fld id="{6BF0DA6D-33A5-4CFF-88F3-29EF9F49F523}" type="datetimeFigureOut">
               <a:rPr lang="en-US" smtClean="0"/>
-              <a:t>12/13/2023</a:t>
+              <a:t>12/15/2023</a:t>
             </a:fld>
             <a:endParaRPr lang="en-US"/>
           </a:p>
@@ -1286,7 +1291,7 @@
     </p:spTree>
     <p:extLst>
       <p:ext uri="{BB962C8B-B14F-4D97-AF65-F5344CB8AC3E}">
-        <p14:creationId xmlns:p14="http://schemas.microsoft.com/office/powerpoint/2010/main" val="865546493"/>
+        <p14:creationId xmlns:p14="http://schemas.microsoft.com/office/powerpoint/2010/main" val="1638651271"/>
       </p:ext>
     </p:extLst>
   </p:cSld>
@@ -1401,7 +1406,7 @@
             <a:pPr lvl="0"/>
             <a:r>
               <a:rPr lang="en-US"/>
-              <a:t>Edit Master text styles</a:t>
+              <a:t>Click to edit Master text styles</a:t>
             </a:r>
           </a:p>
         </p:txBody>
@@ -1429,7 +1434,7 @@
             <a:pPr lvl="0"/>
             <a:r>
               <a:rPr lang="en-US"/>
-              <a:t>Edit Master text styles</a:t>
+              <a:t>Click to edit Master text styles</a:t>
             </a:r>
           </a:p>
           <a:p>
@@ -1523,7 +1528,7 @@
             <a:pPr lvl="0"/>
             <a:r>
               <a:rPr lang="en-US"/>
-              <a:t>Edit Master text styles</a:t>
+              <a:t>Click to edit Master text styles</a:t>
             </a:r>
           </a:p>
         </p:txBody>
@@ -1551,7 +1556,7 @@
             <a:pPr lvl="0"/>
             <a:r>
               <a:rPr lang="en-US"/>
-              <a:t>Edit Master text styles</a:t>
+              <a:t>Click to edit Master text styles</a:t>
             </a:r>
           </a:p>
           <a:p>
@@ -1602,7 +1607,7 @@
           <a:p>
             <a:fld id="{6BF0DA6D-33A5-4CFF-88F3-29EF9F49F523}" type="datetimeFigureOut">
               <a:rPr lang="en-US" smtClean="0"/>
-              <a:t>12/13/2023</a:t>
+              <a:t>12/15/2023</a:t>
             </a:fld>
             <a:endParaRPr lang="en-US"/>
           </a:p>
@@ -1653,7 +1658,7 @@
     </p:spTree>
     <p:extLst>
       <p:ext uri="{BB962C8B-B14F-4D97-AF65-F5344CB8AC3E}">
-        <p14:creationId xmlns:p14="http://schemas.microsoft.com/office/powerpoint/2010/main" val="4035290876"/>
+        <p14:creationId xmlns:p14="http://schemas.microsoft.com/office/powerpoint/2010/main" val="2752191620"/>
       </p:ext>
     </p:extLst>
   </p:cSld>
@@ -1720,7 +1725,7 @@
           <a:p>
             <a:fld id="{6BF0DA6D-33A5-4CFF-88F3-29EF9F49F523}" type="datetimeFigureOut">
               <a:rPr lang="en-US" smtClean="0"/>
-              <a:t>12/13/2023</a:t>
+              <a:t>12/15/2023</a:t>
             </a:fld>
             <a:endParaRPr lang="en-US"/>
           </a:p>
@@ -1771,7 +1776,7 @@
     </p:spTree>
     <p:extLst>
       <p:ext uri="{BB962C8B-B14F-4D97-AF65-F5344CB8AC3E}">
-        <p14:creationId xmlns:p14="http://schemas.microsoft.com/office/powerpoint/2010/main" val="733188957"/>
+        <p14:creationId xmlns:p14="http://schemas.microsoft.com/office/powerpoint/2010/main" val="1832911874"/>
       </p:ext>
     </p:extLst>
   </p:cSld>
@@ -1815,7 +1820,7 @@
           <a:p>
             <a:fld id="{6BF0DA6D-33A5-4CFF-88F3-29EF9F49F523}" type="datetimeFigureOut">
               <a:rPr lang="en-US" smtClean="0"/>
-              <a:t>12/13/2023</a:t>
+              <a:t>12/15/2023</a:t>
             </a:fld>
             <a:endParaRPr lang="en-US"/>
           </a:p>
@@ -1866,7 +1871,7 @@
     </p:spTree>
     <p:extLst>
       <p:ext uri="{BB962C8B-B14F-4D97-AF65-F5344CB8AC3E}">
-        <p14:creationId xmlns:p14="http://schemas.microsoft.com/office/powerpoint/2010/main" val="3731042770"/>
+        <p14:creationId xmlns:p14="http://schemas.microsoft.com/office/powerpoint/2010/main" val="2702944909"/>
       </p:ext>
     </p:extLst>
   </p:cSld>
@@ -1976,7 +1981,7 @@
             <a:pPr lvl="0"/>
             <a:r>
               <a:rPr lang="en-US"/>
-              <a:t>Edit Master text styles</a:t>
+              <a:t>Click to edit Master text styles</a:t>
             </a:r>
           </a:p>
           <a:p>
@@ -2070,7 +2075,7 @@
             <a:pPr lvl="0"/>
             <a:r>
               <a:rPr lang="en-US"/>
-              <a:t>Edit Master text styles</a:t>
+              <a:t>Click to edit Master text styles</a:t>
             </a:r>
           </a:p>
         </p:txBody>
@@ -2092,7 +2097,7 @@
           <a:p>
             <a:fld id="{6BF0DA6D-33A5-4CFF-88F3-29EF9F49F523}" type="datetimeFigureOut">
               <a:rPr lang="en-US" smtClean="0"/>
-              <a:t>12/13/2023</a:t>
+              <a:t>12/15/2023</a:t>
             </a:fld>
             <a:endParaRPr lang="en-US"/>
           </a:p>
@@ -2143,7 +2148,7 @@
     </p:spTree>
     <p:extLst>
       <p:ext uri="{BB962C8B-B14F-4D97-AF65-F5344CB8AC3E}">
-        <p14:creationId xmlns:p14="http://schemas.microsoft.com/office/powerpoint/2010/main" val="3111304182"/>
+        <p14:creationId xmlns:p14="http://schemas.microsoft.com/office/powerpoint/2010/main" val="4032228795"/>
       </p:ext>
     </p:extLst>
   </p:cSld>
@@ -2327,7 +2332,7 @@
             <a:pPr lvl="0"/>
             <a:r>
               <a:rPr lang="en-US"/>
-              <a:t>Edit Master text styles</a:t>
+              <a:t>Click to edit Master text styles</a:t>
             </a:r>
           </a:p>
         </p:txBody>
@@ -2349,7 +2354,7 @@
           <a:p>
             <a:fld id="{6BF0DA6D-33A5-4CFF-88F3-29EF9F49F523}" type="datetimeFigureOut">
               <a:rPr lang="en-US" smtClean="0"/>
-              <a:t>12/13/2023</a:t>
+              <a:t>12/15/2023</a:t>
             </a:fld>
             <a:endParaRPr lang="en-US"/>
           </a:p>
@@ -2400,7 +2405,7 @@
     </p:spTree>
     <p:extLst>
       <p:ext uri="{BB962C8B-B14F-4D97-AF65-F5344CB8AC3E}">
-        <p14:creationId xmlns:p14="http://schemas.microsoft.com/office/powerpoint/2010/main" val="4272506023"/>
+        <p14:creationId xmlns:p14="http://schemas.microsoft.com/office/powerpoint/2010/main" val="1203780357"/>
       </p:ext>
     </p:extLst>
   </p:cSld>
@@ -2493,7 +2498,7 @@
             <a:pPr lvl="0"/>
             <a:r>
               <a:rPr lang="en-US"/>
-              <a:t>Edit Master text styles</a:t>
+              <a:t>Click to edit Master text styles</a:t>
             </a:r>
           </a:p>
           <a:p>
@@ -2562,7 +2567,7 @@
           <a:p>
             <a:fld id="{6BF0DA6D-33A5-4CFF-88F3-29EF9F49F523}" type="datetimeFigureOut">
               <a:rPr lang="en-US" smtClean="0"/>
-              <a:t>12/13/2023</a:t>
+              <a:t>12/15/2023</a:t>
             </a:fld>
             <a:endParaRPr lang="en-US"/>
           </a:p>
@@ -2649,23 +2654,23 @@
     </p:spTree>
     <p:extLst>
       <p:ext uri="{BB962C8B-B14F-4D97-AF65-F5344CB8AC3E}">
-        <p14:creationId xmlns:p14="http://schemas.microsoft.com/office/powerpoint/2010/main" val="1213421320"/>
+        <p14:creationId xmlns:p14="http://schemas.microsoft.com/office/powerpoint/2010/main" val="2490719087"/>
       </p:ext>
     </p:extLst>
   </p:cSld>
   <p:clrMap bg1="lt1" tx1="dk1" bg2="lt2" tx2="dk2" accent1="accent1" accent2="accent2" accent3="accent3" accent4="accent4" accent5="accent5" accent6="accent6" hlink="hlink" folHlink="folHlink"/>
   <p:sldLayoutIdLst>
-    <p:sldLayoutId id="2147483661" r:id="rId1"/>
-    <p:sldLayoutId id="2147483662" r:id="rId2"/>
-    <p:sldLayoutId id="2147483663" r:id="rId3"/>
-    <p:sldLayoutId id="2147483664" r:id="rId4"/>
-    <p:sldLayoutId id="2147483665" r:id="rId5"/>
-    <p:sldLayoutId id="2147483666" r:id="rId6"/>
-    <p:sldLayoutId id="2147483667" r:id="rId7"/>
-    <p:sldLayoutId id="2147483668" r:id="rId8"/>
-    <p:sldLayoutId id="2147483669" r:id="rId9"/>
-    <p:sldLayoutId id="2147483670" r:id="rId10"/>
-    <p:sldLayoutId id="2147483671" r:id="rId11"/>
+    <p:sldLayoutId id="2147483685" r:id="rId1"/>
+    <p:sldLayoutId id="2147483686" r:id="rId2"/>
+    <p:sldLayoutId id="2147483687" r:id="rId3"/>
+    <p:sldLayoutId id="2147483688" r:id="rId4"/>
+    <p:sldLayoutId id="2147483689" r:id="rId5"/>
+    <p:sldLayoutId id="2147483690" r:id="rId6"/>
+    <p:sldLayoutId id="2147483691" r:id="rId7"/>
+    <p:sldLayoutId id="2147483692" r:id="rId8"/>
+    <p:sldLayoutId id="2147483693" r:id="rId9"/>
+    <p:sldLayoutId id="2147483694" r:id="rId10"/>
+    <p:sldLayoutId id="2147483695" r:id="rId11"/>
   </p:sldLayoutIdLst>
   <p:txStyles>
     <p:titleStyle>
@@ -2995,8 +3000,8 @@
         </p:blipFill>
         <p:spPr>
           <a:xfrm>
-            <a:off x="782659" y="992244"/>
-            <a:ext cx="2690093" cy="1188823"/>
+            <a:off x="1729995" y="1601434"/>
+            <a:ext cx="2017570" cy="891617"/>
           </a:xfrm>
           <a:prstGeom prst="rect">
             <a:avLst/>
@@ -3017,14 +3022,14 @@
         </p:nvGrpSpPr>
         <p:grpSpPr>
           <a:xfrm>
-            <a:off x="6932364" y="719963"/>
-            <a:ext cx="1428977" cy="1300066"/>
+            <a:off x="6342274" y="1397222"/>
+            <a:ext cx="1071733" cy="975050"/>
             <a:chOff x="5911314" y="3065084"/>
             <a:chExt cx="1428977" cy="1300066"/>
           </a:xfrm>
         </p:grpSpPr>
-        <mc:AlternateContent xmlns:mc="http://schemas.openxmlformats.org/markup-compatibility/2006">
-          <mc:Choice xmlns:a14="http://schemas.microsoft.com/office/drawing/2010/main" Requires="a14">
+        <mc:AlternateContent xmlns:mc="http://schemas.openxmlformats.org/markup-compatibility/2006" xmlns:a14="http://schemas.microsoft.com/office/drawing/2010/main">
+          <mc:Choice Requires="a14">
             <p:sp>
               <p:nvSpPr>
                 <p:cNvPr id="3" name="Rectangle 2">
@@ -3080,7 +3085,7 @@
                       </m:oMathParaPr>
                       <m:oMath xmlns:m="http://schemas.openxmlformats.org/officeDocument/2006/math">
                         <m:r>
-                          <a:rPr lang="en-US" i="1" dirty="0" smtClean="0">
+                          <a:rPr lang="en-US" sz="1350" i="1" dirty="0">
                             <a:solidFill>
                               <a:srgbClr val="92D050"/>
                             </a:solidFill>
@@ -3091,7 +3096,7 @@
                       </m:oMath>
                     </m:oMathPara>
                   </a14:m>
-                  <a:endParaRPr lang="en-US" dirty="0">
+                  <a:endParaRPr lang="en-US" sz="1350" dirty="0">
                     <a:solidFill>
                       <a:schemeClr val="accent3">
                         <a:lumMod val="75000"/>
@@ -3102,7 +3107,7 @@
               </p:txBody>
             </p:sp>
           </mc:Choice>
-          <mc:Fallback>
+          <mc:Fallback xmlns="">
             <p:sp>
               <p:nvSpPr>
                 <p:cNvPr id="3" name="Rectangle 2">
@@ -3200,7 +3205,7 @@
             <a:lstStyle/>
             <a:p>
               <a:pPr algn="ctr"/>
-              <a:endParaRPr lang="en-US"/>
+              <a:endParaRPr lang="en-US" sz="1350"/>
             </a:p>
           </p:txBody>
         </p:sp>
@@ -3221,7 +3226,7 @@
               <p:spPr>
                 <a:xfrm>
                   <a:off x="6918166" y="3551690"/>
-                  <a:ext cx="422125" cy="369332"/>
+                  <a:ext cx="422125" cy="400109"/>
                 </a:xfrm>
                 <a:prstGeom prst="rect">
                   <a:avLst/>
@@ -3245,7 +3250,7 @@
                           <m:accPr>
                             <m:chr m:val="⃗"/>
                             <m:ctrlPr>
-                              <a:rPr lang="en-US" i="1" smtClean="0">
+                              <a:rPr lang="en-US" sz="1350" i="1">
                                 <a:solidFill>
                                   <a:srgbClr val="FB0BD9"/>
                                 </a:solidFill>
@@ -3255,7 +3260,7 @@
                           </m:accPr>
                           <m:e>
                             <m:r>
-                              <a:rPr lang="en-US" b="0" i="1" smtClean="0">
+                              <a:rPr lang="en-US" sz="1350" i="1">
                                 <a:solidFill>
                                   <a:srgbClr val="FF00FF"/>
                                 </a:solidFill>
@@ -3268,7 +3273,7 @@
                       </m:oMath>
                     </m:oMathPara>
                   </a14:m>
-                  <a:endParaRPr lang="en-US" dirty="0">
+                  <a:endParaRPr lang="en-US" sz="1350" dirty="0">
                     <a:solidFill>
                       <a:srgbClr val="FB0BD9"/>
                     </a:solidFill>
@@ -3295,7 +3300,7 @@
               <p:spPr>
                 <a:xfrm>
                   <a:off x="6918166" y="3551690"/>
-                  <a:ext cx="422125" cy="369332"/>
+                  <a:ext cx="422125" cy="400109"/>
                 </a:xfrm>
                 <a:prstGeom prst="rect">
                   <a:avLst/>
@@ -3303,7 +3308,7 @@
                 <a:blipFill>
                   <a:blip r:embed="rId4"/>
                   <a:stretch>
-                    <a:fillRect t="-22951" r="-31429" b="-4918"/>
+                    <a:fillRect t="-12245" r="-15385" b="-2041"/>
                   </a:stretch>
                 </a:blipFill>
               </p:spPr>
@@ -3337,8 +3342,8 @@
         </p:nvGrpSpPr>
         <p:grpSpPr>
           <a:xfrm>
-            <a:off x="4212009" y="2469246"/>
-            <a:ext cx="2114300" cy="1346806"/>
+            <a:off x="4302007" y="2709184"/>
+            <a:ext cx="1585725" cy="1010105"/>
             <a:chOff x="4860294" y="2119219"/>
             <a:chExt cx="2114300" cy="1346806"/>
           </a:xfrm>
@@ -3391,7 +3396,7 @@
             <a:lstStyle/>
             <a:p>
               <a:pPr algn="ctr"/>
-              <a:endParaRPr lang="en-US"/>
+              <a:endParaRPr lang="en-US" sz="1350"/>
             </a:p>
           </p:txBody>
         </p:sp>
@@ -3443,7 +3448,7 @@
             <a:lstStyle/>
             <a:p>
               <a:pPr algn="ctr"/>
-              <a:endParaRPr lang="en-US"/>
+              <a:endParaRPr lang="en-US" sz="1350"/>
             </a:p>
           </p:txBody>
         </p:sp>
@@ -3495,7 +3500,7 @@
             <a:lstStyle/>
             <a:p>
               <a:pPr algn="ctr"/>
-              <a:endParaRPr lang="en-US"/>
+              <a:endParaRPr lang="en-US" sz="1350"/>
             </a:p>
           </p:txBody>
         </p:sp>
@@ -3514,8 +3519,8 @@
         </p:nvSpPr>
         <p:spPr>
           <a:xfrm>
-            <a:off x="2483114" y="2353196"/>
-            <a:ext cx="1759819" cy="369332"/>
+            <a:off x="3005337" y="2622147"/>
+            <a:ext cx="1319864" cy="300082"/>
           </a:xfrm>
           <a:prstGeom prst="rect">
             <a:avLst/>
@@ -3530,13 +3535,13 @@
           <a:p>
             <a:pPr algn="r"/>
             <a:r>
-              <a:rPr lang="en-US" dirty="0" err="1">
+              <a:rPr lang="en-US" sz="1350" dirty="0" err="1">
                 <a:latin typeface="Courier New" panose="02070309020205020404" pitchFamily="49" charset="0"/>
                 <a:cs typeface="Courier New" panose="02070309020205020404" pitchFamily="49" charset="0"/>
               </a:rPr>
               <a:t>m_vTopLeft</a:t>
             </a:r>
-            <a:endParaRPr lang="en-US" dirty="0">
+            <a:endParaRPr lang="en-US" sz="1350" dirty="0">
               <a:latin typeface="Courier New" panose="02070309020205020404" pitchFamily="49" charset="0"/>
               <a:cs typeface="Courier New" panose="02070309020205020404" pitchFamily="49" charset="0"/>
             </a:endParaRPr>
@@ -3557,8 +3562,8 @@
         </p:nvSpPr>
         <p:spPr>
           <a:xfrm>
-            <a:off x="6347611" y="3551648"/>
-            <a:ext cx="1759819" cy="369332"/>
+            <a:off x="5903710" y="3520986"/>
+            <a:ext cx="1319864" cy="300082"/>
           </a:xfrm>
           <a:prstGeom prst="rect">
             <a:avLst/>
@@ -3572,13 +3577,13 @@
           <a:lstStyle/>
           <a:p>
             <a:r>
-              <a:rPr lang="en-US" dirty="0" err="1">
+              <a:rPr lang="en-US" sz="1350" dirty="0" err="1">
                 <a:latin typeface="Courier New" panose="02070309020205020404" pitchFamily="49" charset="0"/>
                 <a:cs typeface="Courier New" panose="02070309020205020404" pitchFamily="49" charset="0"/>
               </a:rPr>
               <a:t>m_vBottomRt</a:t>
             </a:r>
-            <a:endParaRPr lang="en-US" dirty="0">
+            <a:endParaRPr lang="en-US" sz="1350" dirty="0">
               <a:latin typeface="Courier New" panose="02070309020205020404" pitchFamily="49" charset="0"/>
               <a:cs typeface="Courier New" panose="02070309020205020404" pitchFamily="49" charset="0"/>
             </a:endParaRPr>
@@ -3629,8 +3634,8 @@
         </p:nvGrpSpPr>
         <p:grpSpPr>
           <a:xfrm>
-            <a:off x="5308351" y="939038"/>
-            <a:ext cx="2482810" cy="1300066"/>
+            <a:off x="5124263" y="1561528"/>
+            <a:ext cx="1862108" cy="975050"/>
             <a:chOff x="5911314" y="3065084"/>
             <a:chExt cx="2482810" cy="1300066"/>
           </a:xfrm>
@@ -3683,7 +3688,7 @@
             <a:lstStyle/>
             <a:p>
               <a:pPr algn="ctr"/>
-              <a:endParaRPr lang="en-US" dirty="0">
+              <a:endParaRPr lang="en-US" sz="1350" dirty="0">
                 <a:solidFill>
                   <a:schemeClr val="accent3">
                     <a:lumMod val="75000"/>
@@ -3741,7 +3746,7 @@
             <a:lstStyle/>
             <a:p>
               <a:pPr algn="ctr"/>
-              <a:endParaRPr lang="en-US"/>
+              <a:endParaRPr lang="en-US" sz="1350"/>
             </a:p>
           </p:txBody>
         </p:sp>
@@ -3761,8 +3766,8 @@
               </p:nvSpPr>
               <p:spPr>
                 <a:xfrm>
-                  <a:off x="6734521" y="3529957"/>
-                  <a:ext cx="1659603" cy="391261"/>
+                  <a:off x="6734520" y="3529957"/>
+                  <a:ext cx="1659604" cy="421910"/>
                 </a:xfrm>
                 <a:prstGeom prst="rect">
                   <a:avLst/>
@@ -3786,20 +3791,14 @@
                           <m:accPr>
                             <m:chr m:val="⃗"/>
                             <m:ctrlPr>
-                              <a:rPr lang="en-US" i="1" smtClean="0">
-                                <a:solidFill>
-                                  <a:schemeClr val="tx1"/>
-                                </a:solidFill>
+                              <a:rPr lang="en-US" sz="1350" i="1">
                                 <a:latin typeface="Cambria Math" panose="02040503050406030204" pitchFamily="18" charset="0"/>
                               </a:rPr>
                             </m:ctrlPr>
                           </m:accPr>
                           <m:e>
                             <m:r>
-                              <a:rPr lang="en-US" b="0" i="1" smtClean="0">
-                                <a:solidFill>
-                                  <a:schemeClr val="tx1"/>
-                                </a:solidFill>
+                              <a:rPr lang="en-US" sz="1350" i="1">
                                 <a:latin typeface="Cambria Math" panose="02040503050406030204" pitchFamily="18" charset="0"/>
                               </a:rPr>
                               <m:t>𝑝</m:t>
@@ -3807,10 +3806,7 @@
                           </m:e>
                         </m:acc>
                         <m:r>
-                          <a:rPr lang="en-US" b="0" i="1" smtClean="0">
-                            <a:solidFill>
-                              <a:schemeClr val="tx1"/>
-                            </a:solidFill>
+                          <a:rPr lang="en-US" sz="1350" i="1">
                             <a:latin typeface="Cambria Math" panose="02040503050406030204" pitchFamily="18" charset="0"/>
                           </a:rPr>
                           <m:t>=[</m:t>
@@ -3818,20 +3814,14 @@
                         <m:sSub>
                           <m:sSubPr>
                             <m:ctrlPr>
-                              <a:rPr lang="en-US" b="0" i="1" smtClean="0">
-                                <a:solidFill>
-                                  <a:schemeClr val="tx1"/>
-                                </a:solidFill>
+                              <a:rPr lang="en-US" sz="1350" i="1">
                                 <a:latin typeface="Cambria Math" panose="02040503050406030204" pitchFamily="18" charset="0"/>
                               </a:rPr>
                             </m:ctrlPr>
                           </m:sSubPr>
                           <m:e>
                             <m:r>
-                              <a:rPr lang="en-US" b="0" i="1" smtClean="0">
-                                <a:solidFill>
-                                  <a:schemeClr val="tx1"/>
-                                </a:solidFill>
+                              <a:rPr lang="en-US" sz="1350" i="1">
                                 <a:latin typeface="Cambria Math" panose="02040503050406030204" pitchFamily="18" charset="0"/>
                               </a:rPr>
                               <m:t>𝑝</m:t>
@@ -3839,10 +3829,7 @@
                           </m:e>
                           <m:sub>
                             <m:r>
-                              <a:rPr lang="en-US" b="0" i="1" smtClean="0">
-                                <a:solidFill>
-                                  <a:schemeClr val="tx1"/>
-                                </a:solidFill>
+                              <a:rPr lang="en-US" sz="1350" i="1">
                                 <a:latin typeface="Cambria Math" panose="02040503050406030204" pitchFamily="18" charset="0"/>
                               </a:rPr>
                               <m:t>𝑥</m:t>
@@ -3850,10 +3837,7 @@
                           </m:sub>
                         </m:sSub>
                         <m:r>
-                          <a:rPr lang="en-US" b="0" i="1" smtClean="0">
-                            <a:solidFill>
-                              <a:schemeClr val="tx1"/>
-                            </a:solidFill>
+                          <a:rPr lang="en-US" sz="1350" i="1">
                             <a:latin typeface="Cambria Math" panose="02040503050406030204" pitchFamily="18" charset="0"/>
                           </a:rPr>
                           <m:t>,</m:t>
@@ -3861,20 +3845,14 @@
                         <m:sSub>
                           <m:sSubPr>
                             <m:ctrlPr>
-                              <a:rPr lang="en-US" b="0" i="1" smtClean="0">
-                                <a:solidFill>
-                                  <a:schemeClr val="tx1"/>
-                                </a:solidFill>
+                              <a:rPr lang="en-US" sz="1350" i="1">
                                 <a:latin typeface="Cambria Math" panose="02040503050406030204" pitchFamily="18" charset="0"/>
                               </a:rPr>
                             </m:ctrlPr>
                           </m:sSubPr>
                           <m:e>
                             <m:r>
-                              <a:rPr lang="en-US" b="0" i="1" smtClean="0">
-                                <a:solidFill>
-                                  <a:schemeClr val="tx1"/>
-                                </a:solidFill>
+                              <a:rPr lang="en-US" sz="1350" i="1">
                                 <a:latin typeface="Cambria Math" panose="02040503050406030204" pitchFamily="18" charset="0"/>
                               </a:rPr>
                               <m:t>𝑝</m:t>
@@ -3882,10 +3860,7 @@
                           </m:e>
                           <m:sub>
                             <m:r>
-                              <a:rPr lang="en-US" b="0" i="1" smtClean="0">
-                                <a:solidFill>
-                                  <a:schemeClr val="tx1"/>
-                                </a:solidFill>
+                              <a:rPr lang="en-US" sz="1350" i="1">
                                 <a:latin typeface="Cambria Math" panose="02040503050406030204" pitchFamily="18" charset="0"/>
                               </a:rPr>
                               <m:t>𝑦</m:t>
@@ -3893,10 +3868,7 @@
                           </m:sub>
                         </m:sSub>
                         <m:r>
-                          <a:rPr lang="en-US" b="0" i="1" smtClean="0">
-                            <a:solidFill>
-                              <a:schemeClr val="tx1"/>
-                            </a:solidFill>
+                          <a:rPr lang="en-US" sz="1350" i="1">
                             <a:latin typeface="Cambria Math" panose="02040503050406030204" pitchFamily="18" charset="0"/>
                           </a:rPr>
                           <m:t>]</m:t>
@@ -3904,11 +3876,7 @@
                       </m:oMath>
                     </m:oMathPara>
                   </a14:m>
-                  <a:endParaRPr lang="en-US" dirty="0">
-                    <a:solidFill>
-                      <a:schemeClr val="tx1"/>
-                    </a:solidFill>
-                  </a:endParaRPr>
+                  <a:endParaRPr lang="en-US" sz="1350" dirty="0"/>
                 </a:p>
               </p:txBody>
             </p:sp>
@@ -3930,8 +3898,8 @@
               </p:nvSpPr>
               <p:spPr>
                 <a:xfrm>
-                  <a:off x="6734521" y="3529957"/>
-                  <a:ext cx="1659603" cy="391261"/>
+                  <a:off x="6734520" y="3529957"/>
+                  <a:ext cx="1659604" cy="421910"/>
                 </a:xfrm>
                 <a:prstGeom prst="rect">
                   <a:avLst/>
@@ -3939,7 +3907,7 @@
                 <a:blipFill>
                   <a:blip r:embed="rId2"/>
                   <a:stretch>
-                    <a:fillRect t="-20313" b="-10938"/>
+                    <a:fillRect t="-9615" b="-3846"/>
                   </a:stretch>
                 </a:blipFill>
               </p:spPr>
@@ -3973,8 +3941,8 @@
         </p:nvSpPr>
         <p:spPr>
           <a:xfrm>
-            <a:off x="5246503" y="877190"/>
-            <a:ext cx="123695" cy="123695"/>
+            <a:off x="5077879" y="1515144"/>
+            <a:ext cx="92771" cy="92771"/>
           </a:xfrm>
           <a:prstGeom prst="ellipse">
             <a:avLst/>
@@ -4007,7 +3975,7 @@
           <a:lstStyle/>
           <a:p>
             <a:pPr algn="ctr"/>
-            <a:endParaRPr lang="en-US"/>
+            <a:endParaRPr lang="en-US" sz="1350"/>
           </a:p>
         </p:txBody>
       </p:sp>
@@ -4025,8 +3993,8 @@
         </p:nvSpPr>
         <p:spPr>
           <a:xfrm>
-            <a:off x="6656657" y="2177255"/>
-            <a:ext cx="123695" cy="123695"/>
+            <a:off x="6135494" y="2490193"/>
+            <a:ext cx="92771" cy="92771"/>
           </a:xfrm>
           <a:prstGeom prst="ellipse">
             <a:avLst/>
@@ -4059,7 +4027,7 @@
           <a:lstStyle/>
           <a:p>
             <a:pPr algn="ctr"/>
-            <a:endParaRPr lang="en-US"/>
+            <a:endParaRPr lang="en-US" sz="1350"/>
           </a:p>
         </p:txBody>
       </p:sp>
@@ -4079,8 +4047,8 @@
             </p:nvSpPr>
             <p:spPr>
               <a:xfrm>
-                <a:off x="4612608" y="516853"/>
-                <a:ext cx="1659603" cy="391261"/>
+                <a:off x="4602457" y="1244891"/>
+                <a:ext cx="1244702" cy="316433"/>
               </a:xfrm>
               <a:prstGeom prst="rect">
                 <a:avLst/>
@@ -4104,20 +4072,14 @@
                         <m:accPr>
                           <m:chr m:val="⃗"/>
                           <m:ctrlPr>
-                            <a:rPr lang="en-US" i="1" smtClean="0">
-                              <a:solidFill>
-                                <a:schemeClr val="tx1"/>
-                              </a:solidFill>
+                            <a:rPr lang="en-US" sz="1350" i="1">
                               <a:latin typeface="Cambria Math" panose="02040503050406030204" pitchFamily="18" charset="0"/>
                             </a:rPr>
                           </m:ctrlPr>
                         </m:accPr>
                         <m:e>
                           <m:r>
-                            <a:rPr lang="en-US" b="0" i="1" smtClean="0">
-                              <a:solidFill>
-                                <a:schemeClr val="tx1"/>
-                              </a:solidFill>
+                            <a:rPr lang="en-US" sz="1350" i="1">
                               <a:latin typeface="Cambria Math" panose="02040503050406030204" pitchFamily="18" charset="0"/>
                             </a:rPr>
                             <m:t>𝑢</m:t>
@@ -4125,10 +4087,7 @@
                         </m:e>
                       </m:acc>
                       <m:r>
-                        <a:rPr lang="en-US" b="0" i="1" smtClean="0">
-                          <a:solidFill>
-                            <a:schemeClr val="tx1"/>
-                          </a:solidFill>
+                        <a:rPr lang="en-US" sz="1350" i="1">
                           <a:latin typeface="Cambria Math" panose="02040503050406030204" pitchFamily="18" charset="0"/>
                         </a:rPr>
                         <m:t>=[</m:t>
@@ -4136,20 +4095,14 @@
                       <m:sSub>
                         <m:sSubPr>
                           <m:ctrlPr>
-                            <a:rPr lang="en-US" b="0" i="1" smtClean="0">
-                              <a:solidFill>
-                                <a:schemeClr val="tx1"/>
-                              </a:solidFill>
+                            <a:rPr lang="en-US" sz="1350" i="1">
                               <a:latin typeface="Cambria Math" panose="02040503050406030204" pitchFamily="18" charset="0"/>
                             </a:rPr>
                           </m:ctrlPr>
                         </m:sSubPr>
                         <m:e>
                           <m:r>
-                            <a:rPr lang="en-US" b="0" i="1" smtClean="0">
-                              <a:solidFill>
-                                <a:schemeClr val="tx1"/>
-                              </a:solidFill>
+                            <a:rPr lang="en-US" sz="1350" i="1">
                               <a:latin typeface="Cambria Math" panose="02040503050406030204" pitchFamily="18" charset="0"/>
                             </a:rPr>
                             <m:t>𝑢</m:t>
@@ -4157,10 +4110,7 @@
                         </m:e>
                         <m:sub>
                           <m:r>
-                            <a:rPr lang="en-US" b="0" i="1" smtClean="0">
-                              <a:solidFill>
-                                <a:schemeClr val="tx1"/>
-                              </a:solidFill>
+                            <a:rPr lang="en-US" sz="1350" i="1">
                               <a:latin typeface="Cambria Math" panose="02040503050406030204" pitchFamily="18" charset="0"/>
                             </a:rPr>
                             <m:t>𝑥</m:t>
@@ -4168,10 +4118,7 @@
                         </m:sub>
                       </m:sSub>
                       <m:r>
-                        <a:rPr lang="en-US" b="0" i="1" smtClean="0">
-                          <a:solidFill>
-                            <a:schemeClr val="tx1"/>
-                          </a:solidFill>
+                        <a:rPr lang="en-US" sz="1350" i="1">
                           <a:latin typeface="Cambria Math" panose="02040503050406030204" pitchFamily="18" charset="0"/>
                         </a:rPr>
                         <m:t>,</m:t>
@@ -4179,20 +4126,14 @@
                       <m:sSub>
                         <m:sSubPr>
                           <m:ctrlPr>
-                            <a:rPr lang="en-US" b="0" i="1" smtClean="0">
-                              <a:solidFill>
-                                <a:schemeClr val="tx1"/>
-                              </a:solidFill>
+                            <a:rPr lang="en-US" sz="1350" i="1">
                               <a:latin typeface="Cambria Math" panose="02040503050406030204" pitchFamily="18" charset="0"/>
                             </a:rPr>
                           </m:ctrlPr>
                         </m:sSubPr>
                         <m:e>
                           <m:r>
-                            <a:rPr lang="en-US" b="0" i="1" smtClean="0">
-                              <a:solidFill>
-                                <a:schemeClr val="tx1"/>
-                              </a:solidFill>
+                            <a:rPr lang="en-US" sz="1350" i="1">
                               <a:latin typeface="Cambria Math" panose="02040503050406030204" pitchFamily="18" charset="0"/>
                             </a:rPr>
                             <m:t>𝑢</m:t>
@@ -4200,10 +4141,7 @@
                         </m:e>
                         <m:sub>
                           <m:r>
-                            <a:rPr lang="en-US" b="0" i="1" smtClean="0">
-                              <a:solidFill>
-                                <a:schemeClr val="tx1"/>
-                              </a:solidFill>
+                            <a:rPr lang="en-US" sz="1350" i="1">
                               <a:latin typeface="Cambria Math" panose="02040503050406030204" pitchFamily="18" charset="0"/>
                             </a:rPr>
                             <m:t>𝑦</m:t>
@@ -4211,10 +4149,7 @@
                         </m:sub>
                       </m:sSub>
                       <m:r>
-                        <a:rPr lang="en-US" b="0" i="1" smtClean="0">
-                          <a:solidFill>
-                            <a:schemeClr val="tx1"/>
-                          </a:solidFill>
+                        <a:rPr lang="en-US" sz="1350" i="1">
                           <a:latin typeface="Cambria Math" panose="02040503050406030204" pitchFamily="18" charset="0"/>
                         </a:rPr>
                         <m:t>]</m:t>
@@ -4222,11 +4157,7 @@
                     </m:oMath>
                   </m:oMathPara>
                 </a14:m>
-                <a:endParaRPr lang="en-US" dirty="0">
-                  <a:solidFill>
-                    <a:schemeClr val="tx1"/>
-                  </a:solidFill>
-                </a:endParaRPr>
+                <a:endParaRPr lang="en-US" sz="1350" dirty="0"/>
               </a:p>
             </p:txBody>
           </p:sp>
@@ -4248,8 +4179,8 @@
             </p:nvSpPr>
             <p:spPr>
               <a:xfrm>
-                <a:off x="4612608" y="516853"/>
-                <a:ext cx="1659603" cy="391261"/>
+                <a:off x="4602457" y="1244891"/>
+                <a:ext cx="1244702" cy="316433"/>
               </a:xfrm>
               <a:prstGeom prst="rect">
                 <a:avLst/>
@@ -4257,7 +4188,7 @@
               <a:blipFill>
                 <a:blip r:embed="rId3"/>
                 <a:stretch>
-                  <a:fillRect b="-10938"/>
+                  <a:fillRect b="-3846"/>
                 </a:stretch>
               </a:blipFill>
             </p:spPr>
@@ -4292,8 +4223,8 @@
             </p:nvSpPr>
             <p:spPr>
               <a:xfrm>
-                <a:off x="6272211" y="2255370"/>
-                <a:ext cx="1659603" cy="391261"/>
+                <a:off x="5847160" y="2548779"/>
+                <a:ext cx="1244702" cy="316433"/>
               </a:xfrm>
               <a:prstGeom prst="rect">
                 <a:avLst/>
@@ -4317,20 +4248,14 @@
                         <m:accPr>
                           <m:chr m:val="⃗"/>
                           <m:ctrlPr>
-                            <a:rPr lang="en-US" i="1" smtClean="0">
-                              <a:solidFill>
-                                <a:schemeClr val="tx1"/>
-                              </a:solidFill>
+                            <a:rPr lang="en-US" sz="1350" i="1">
                               <a:latin typeface="Cambria Math" panose="02040503050406030204" pitchFamily="18" charset="0"/>
                             </a:rPr>
                           </m:ctrlPr>
                         </m:accPr>
                         <m:e>
                           <m:r>
-                            <a:rPr lang="en-US" b="0" i="1" smtClean="0">
-                              <a:solidFill>
-                                <a:schemeClr val="tx1"/>
-                              </a:solidFill>
+                            <a:rPr lang="en-US" sz="1350" i="1">
                               <a:latin typeface="Cambria Math" panose="02040503050406030204" pitchFamily="18" charset="0"/>
                             </a:rPr>
                             <m:t>𝑣</m:t>
@@ -4338,10 +4263,7 @@
                         </m:e>
                       </m:acc>
                       <m:r>
-                        <a:rPr lang="en-US" b="0" i="1" smtClean="0">
-                          <a:solidFill>
-                            <a:schemeClr val="tx1"/>
-                          </a:solidFill>
+                        <a:rPr lang="en-US" sz="1350" i="1">
                           <a:latin typeface="Cambria Math" panose="02040503050406030204" pitchFamily="18" charset="0"/>
                         </a:rPr>
                         <m:t>=[</m:t>
@@ -4349,20 +4271,14 @@
                       <m:sSub>
                         <m:sSubPr>
                           <m:ctrlPr>
-                            <a:rPr lang="en-US" b="0" i="1" smtClean="0">
-                              <a:solidFill>
-                                <a:schemeClr val="tx1"/>
-                              </a:solidFill>
+                            <a:rPr lang="en-US" sz="1350" i="1">
                               <a:latin typeface="Cambria Math" panose="02040503050406030204" pitchFamily="18" charset="0"/>
                             </a:rPr>
                           </m:ctrlPr>
                         </m:sSubPr>
                         <m:e>
                           <m:r>
-                            <a:rPr lang="en-US" b="0" i="1" smtClean="0">
-                              <a:solidFill>
-                                <a:schemeClr val="tx1"/>
-                              </a:solidFill>
+                            <a:rPr lang="en-US" sz="1350" i="1">
                               <a:latin typeface="Cambria Math" panose="02040503050406030204" pitchFamily="18" charset="0"/>
                             </a:rPr>
                             <m:t>𝑣</m:t>
@@ -4370,10 +4286,7 @@
                         </m:e>
                         <m:sub>
                           <m:r>
-                            <a:rPr lang="en-US" b="0" i="1" smtClean="0">
-                              <a:solidFill>
-                                <a:schemeClr val="tx1"/>
-                              </a:solidFill>
+                            <a:rPr lang="en-US" sz="1350" i="1">
                               <a:latin typeface="Cambria Math" panose="02040503050406030204" pitchFamily="18" charset="0"/>
                             </a:rPr>
                             <m:t>𝑥</m:t>
@@ -4381,10 +4294,7 @@
                         </m:sub>
                       </m:sSub>
                       <m:r>
-                        <a:rPr lang="en-US" b="0" i="1" smtClean="0">
-                          <a:solidFill>
-                            <a:schemeClr val="tx1"/>
-                          </a:solidFill>
+                        <a:rPr lang="en-US" sz="1350" i="1">
                           <a:latin typeface="Cambria Math" panose="02040503050406030204" pitchFamily="18" charset="0"/>
                         </a:rPr>
                         <m:t>,</m:t>
@@ -4392,20 +4302,14 @@
                       <m:sSub>
                         <m:sSubPr>
                           <m:ctrlPr>
-                            <a:rPr lang="en-US" b="0" i="1" smtClean="0">
-                              <a:solidFill>
-                                <a:schemeClr val="tx1"/>
-                              </a:solidFill>
+                            <a:rPr lang="en-US" sz="1350" i="1">
                               <a:latin typeface="Cambria Math" panose="02040503050406030204" pitchFamily="18" charset="0"/>
                             </a:rPr>
                           </m:ctrlPr>
                         </m:sSubPr>
                         <m:e>
                           <m:r>
-                            <a:rPr lang="en-US" b="0" i="1" smtClean="0">
-                              <a:solidFill>
-                                <a:schemeClr val="tx1"/>
-                              </a:solidFill>
+                            <a:rPr lang="en-US" sz="1350" i="1">
                               <a:latin typeface="Cambria Math" panose="02040503050406030204" pitchFamily="18" charset="0"/>
                             </a:rPr>
                             <m:t>𝑣</m:t>
@@ -4413,10 +4317,7 @@
                         </m:e>
                         <m:sub>
                           <m:r>
-                            <a:rPr lang="en-US" b="0" i="1" smtClean="0">
-                              <a:solidFill>
-                                <a:schemeClr val="tx1"/>
-                              </a:solidFill>
+                            <a:rPr lang="en-US" sz="1350" i="1">
                               <a:latin typeface="Cambria Math" panose="02040503050406030204" pitchFamily="18" charset="0"/>
                             </a:rPr>
                             <m:t>𝑦</m:t>
@@ -4424,10 +4325,7 @@
                         </m:sub>
                       </m:sSub>
                       <m:r>
-                        <a:rPr lang="en-US" b="0" i="1" smtClean="0">
-                          <a:solidFill>
-                            <a:schemeClr val="tx1"/>
-                          </a:solidFill>
+                        <a:rPr lang="en-US" sz="1350" i="1">
                           <a:latin typeface="Cambria Math" panose="02040503050406030204" pitchFamily="18" charset="0"/>
                         </a:rPr>
                         <m:t>]</m:t>
@@ -4435,11 +4333,7 @@
                     </m:oMath>
                   </m:oMathPara>
                 </a14:m>
-                <a:endParaRPr lang="en-US" dirty="0">
-                  <a:solidFill>
-                    <a:schemeClr val="tx1"/>
-                  </a:solidFill>
-                </a:endParaRPr>
+                <a:endParaRPr lang="en-US" sz="1350" dirty="0"/>
               </a:p>
             </p:txBody>
           </p:sp>
@@ -4461,8 +4355,8 @@
             </p:nvSpPr>
             <p:spPr>
               <a:xfrm>
-                <a:off x="6272211" y="2255370"/>
-                <a:ext cx="1659603" cy="391261"/>
+                <a:off x="5847160" y="2548779"/>
+                <a:ext cx="1244702" cy="316433"/>
               </a:xfrm>
               <a:prstGeom prst="rect">
                 <a:avLst/>
@@ -4470,7 +4364,7 @@
               <a:blipFill>
                 <a:blip r:embed="rId4"/>
                 <a:stretch>
-                  <a:fillRect t="-20313" b="-10938"/>
+                  <a:fillRect t="-9615" b="-3846"/>
                 </a:stretch>
               </a:blipFill>
             </p:spPr>
@@ -4505,8 +4399,8 @@
             </p:nvSpPr>
             <p:spPr>
               <a:xfrm>
-                <a:off x="1352551" y="3264199"/>
-                <a:ext cx="1587476" cy="1380415"/>
+                <a:off x="2157413" y="3305401"/>
+                <a:ext cx="1190607" cy="1035311"/>
               </a:xfrm>
               <a:prstGeom prst="rect">
                 <a:avLst/>
@@ -4546,7 +4440,7 @@
                     </m:oMathParaPr>
                     <m:oMath xmlns:m="http://schemas.openxmlformats.org/officeDocument/2006/math">
                       <m:r>
-                        <a:rPr lang="en-US" b="0" i="1" dirty="0" smtClean="0">
+                        <a:rPr lang="en-US" sz="1350" i="1" dirty="0">
                           <a:solidFill>
                             <a:srgbClr val="FF00FF"/>
                           </a:solidFill>
@@ -4557,7 +4451,7 @@
                     </m:oMath>
                   </m:oMathPara>
                 </a14:m>
-                <a:endParaRPr lang="en-US" dirty="0">
+                <a:endParaRPr lang="en-US" sz="1350" dirty="0">
                   <a:solidFill>
                     <a:srgbClr val="FF00FF"/>
                   </a:solidFill>
@@ -4583,8 +4477,8 @@
             </p:nvSpPr>
             <p:spPr>
               <a:xfrm>
-                <a:off x="1352551" y="3264199"/>
-                <a:ext cx="1587476" cy="1380415"/>
+                <a:off x="2157413" y="3305401"/>
+                <a:ext cx="1190607" cy="1035311"/>
               </a:xfrm>
               <a:prstGeom prst="rect">
                 <a:avLst/>
@@ -4632,8 +4526,8 @@
             </p:nvSpPr>
             <p:spPr>
               <a:xfrm>
-                <a:off x="3109459" y="3600450"/>
-                <a:ext cx="1027564" cy="947345"/>
+                <a:off x="3475094" y="3557589"/>
+                <a:ext cx="770673" cy="710509"/>
               </a:xfrm>
               <a:prstGeom prst="rect">
                 <a:avLst/>
@@ -4673,7 +4567,7 @@
                     </m:oMathParaPr>
                     <m:oMath xmlns:m="http://schemas.openxmlformats.org/officeDocument/2006/math">
                       <m:r>
-                        <a:rPr lang="en-US" b="0" i="1" dirty="0" smtClean="0">
+                        <a:rPr lang="en-US" sz="1350" i="1" dirty="0">
                           <a:solidFill>
                             <a:srgbClr val="92D050"/>
                           </a:solidFill>
@@ -4684,7 +4578,7 @@
                     </m:oMath>
                   </m:oMathPara>
                 </a14:m>
-                <a:endParaRPr lang="en-US" dirty="0">
+                <a:endParaRPr lang="en-US" sz="1350" dirty="0">
                   <a:solidFill>
                     <a:srgbClr val="92D050"/>
                   </a:solidFill>
@@ -4710,8 +4604,8 @@
             </p:nvSpPr>
             <p:spPr>
               <a:xfrm>
-                <a:off x="3109459" y="3600450"/>
-                <a:ext cx="1027564" cy="947345"/>
+                <a:off x="3475094" y="3557589"/>
+                <a:ext cx="770673" cy="710509"/>
               </a:xfrm>
               <a:prstGeom prst="rect">
                 <a:avLst/>
@@ -4757,8 +4651,8 @@
         </p:nvSpPr>
         <p:spPr>
           <a:xfrm>
-            <a:off x="3047611" y="3538602"/>
-            <a:ext cx="123695" cy="123695"/>
+            <a:off x="3428710" y="3511203"/>
+            <a:ext cx="92771" cy="92771"/>
           </a:xfrm>
           <a:prstGeom prst="ellipse">
             <a:avLst/>
@@ -4791,7 +4685,7 @@
           <a:lstStyle/>
           <a:p>
             <a:pPr algn="ctr"/>
-            <a:endParaRPr lang="en-US"/>
+            <a:endParaRPr lang="en-US" sz="1350"/>
           </a:p>
         </p:txBody>
       </p:sp>
@@ -4809,8 +4703,8 @@
         </p:nvSpPr>
         <p:spPr>
           <a:xfrm>
-            <a:off x="4075175" y="4485947"/>
-            <a:ext cx="123695" cy="123695"/>
+            <a:off x="4199383" y="4221712"/>
+            <a:ext cx="92771" cy="92771"/>
           </a:xfrm>
           <a:prstGeom prst="ellipse">
             <a:avLst/>
@@ -4843,7 +4737,7 @@
           <a:lstStyle/>
           <a:p>
             <a:pPr algn="ctr"/>
-            <a:endParaRPr lang="en-US"/>
+            <a:endParaRPr lang="en-US" sz="1350"/>
           </a:p>
         </p:txBody>
       </p:sp>
@@ -4861,8 +4755,8 @@
         </p:nvSpPr>
         <p:spPr>
           <a:xfrm>
-            <a:off x="1290703" y="3202351"/>
-            <a:ext cx="123695" cy="123695"/>
+            <a:off x="2111029" y="3259015"/>
+            <a:ext cx="92771" cy="92771"/>
           </a:xfrm>
           <a:prstGeom prst="ellipse">
             <a:avLst/>
@@ -4895,7 +4789,7 @@
           <a:lstStyle/>
           <a:p>
             <a:pPr algn="ctr"/>
-            <a:endParaRPr lang="en-US"/>
+            <a:endParaRPr lang="en-US" sz="1350"/>
           </a:p>
         </p:txBody>
       </p:sp>
@@ -4913,8 +4807,8 @@
         </p:nvSpPr>
         <p:spPr>
           <a:xfrm>
-            <a:off x="2870124" y="4582766"/>
-            <a:ext cx="123695" cy="123695"/>
+            <a:off x="3295594" y="4294326"/>
+            <a:ext cx="92771" cy="92771"/>
           </a:xfrm>
           <a:prstGeom prst="ellipse">
             <a:avLst/>
@@ -4947,7 +4841,7 @@
           <a:lstStyle/>
           <a:p>
             <a:pPr algn="ctr"/>
-            <a:endParaRPr lang="en-US"/>
+            <a:endParaRPr lang="en-US" sz="1350"/>
           </a:p>
         </p:txBody>
       </p:sp>
@@ -4967,8 +4861,8 @@
             </p:nvSpPr>
             <p:spPr>
               <a:xfrm>
-                <a:off x="2870125" y="3178265"/>
-                <a:ext cx="946226" cy="369332"/>
+                <a:off x="3295594" y="3240949"/>
+                <a:ext cx="709670" cy="300082"/>
               </a:xfrm>
               <a:prstGeom prst="rect">
                 <a:avLst/>
@@ -4989,10 +4883,7 @@
                     </m:oMathParaPr>
                     <m:oMath xmlns:m="http://schemas.openxmlformats.org/officeDocument/2006/math">
                       <m:r>
-                        <a:rPr lang="en-US" b="0" i="1" smtClean="0">
-                          <a:solidFill>
-                            <a:schemeClr val="tx1"/>
-                          </a:solidFill>
+                        <a:rPr lang="en-US" sz="1350" i="1">
                           <a:latin typeface="Cambria Math" panose="02040503050406030204" pitchFamily="18" charset="0"/>
                         </a:rPr>
                         <m:t>[</m:t>
@@ -5000,20 +4891,14 @@
                       <m:sSub>
                         <m:sSubPr>
                           <m:ctrlPr>
-                            <a:rPr lang="en-US" b="0" i="1" smtClean="0">
-                              <a:solidFill>
-                                <a:schemeClr val="tx1"/>
-                              </a:solidFill>
+                            <a:rPr lang="en-US" sz="1350" i="1">
                               <a:latin typeface="Cambria Math" panose="02040503050406030204" pitchFamily="18" charset="0"/>
                             </a:rPr>
                           </m:ctrlPr>
                         </m:sSubPr>
                         <m:e>
                           <m:r>
-                            <a:rPr lang="en-US" b="0" i="1" smtClean="0">
-                              <a:solidFill>
-                                <a:schemeClr val="tx1"/>
-                              </a:solidFill>
+                            <a:rPr lang="en-US" sz="1350" i="1">
                               <a:latin typeface="Cambria Math" panose="02040503050406030204" pitchFamily="18" charset="0"/>
                             </a:rPr>
                             <m:t>𝑏</m:t>
@@ -5021,10 +4906,7 @@
                         </m:e>
                         <m:sub>
                           <m:r>
-                            <a:rPr lang="en-US" b="0" i="1" smtClean="0">
-                              <a:solidFill>
-                                <a:schemeClr val="tx1"/>
-                              </a:solidFill>
+                            <a:rPr lang="en-US" sz="1350" i="1">
                               <a:latin typeface="Cambria Math" panose="02040503050406030204" pitchFamily="18" charset="0"/>
                             </a:rPr>
                             <m:t>𝑙</m:t>
@@ -5032,10 +4914,7 @@
                         </m:sub>
                       </m:sSub>
                       <m:r>
-                        <a:rPr lang="en-US" b="0" i="1" smtClean="0">
-                          <a:solidFill>
-                            <a:schemeClr val="tx1"/>
-                          </a:solidFill>
+                        <a:rPr lang="en-US" sz="1350" i="1">
                           <a:latin typeface="Cambria Math" panose="02040503050406030204" pitchFamily="18" charset="0"/>
                         </a:rPr>
                         <m:t>,</m:t>
@@ -5043,20 +4922,14 @@
                       <m:sSub>
                         <m:sSubPr>
                           <m:ctrlPr>
-                            <a:rPr lang="en-US" b="0" i="1" smtClean="0">
-                              <a:solidFill>
-                                <a:schemeClr val="tx1"/>
-                              </a:solidFill>
+                            <a:rPr lang="en-US" sz="1350" i="1">
                               <a:latin typeface="Cambria Math" panose="02040503050406030204" pitchFamily="18" charset="0"/>
                             </a:rPr>
                           </m:ctrlPr>
                         </m:sSubPr>
                         <m:e>
                           <m:r>
-                            <a:rPr lang="en-US" b="0" i="1" smtClean="0">
-                              <a:solidFill>
-                                <a:schemeClr val="tx1"/>
-                              </a:solidFill>
+                            <a:rPr lang="en-US" sz="1350" i="1">
                               <a:latin typeface="Cambria Math" panose="02040503050406030204" pitchFamily="18" charset="0"/>
                             </a:rPr>
                             <m:t>𝑏</m:t>
@@ -5064,10 +4937,7 @@
                         </m:e>
                         <m:sub>
                           <m:r>
-                            <a:rPr lang="en-US" b="0" i="1" smtClean="0">
-                              <a:solidFill>
-                                <a:schemeClr val="tx1"/>
-                              </a:solidFill>
+                            <a:rPr lang="en-US" sz="1350" i="1">
                               <a:latin typeface="Cambria Math" panose="02040503050406030204" pitchFamily="18" charset="0"/>
                             </a:rPr>
                             <m:t>𝑡</m:t>
@@ -5075,10 +4945,7 @@
                         </m:sub>
                       </m:sSub>
                       <m:r>
-                        <a:rPr lang="en-US" b="0" i="1" smtClean="0">
-                          <a:solidFill>
-                            <a:schemeClr val="tx1"/>
-                          </a:solidFill>
+                        <a:rPr lang="en-US" sz="1350" i="1">
                           <a:latin typeface="Cambria Math" panose="02040503050406030204" pitchFamily="18" charset="0"/>
                         </a:rPr>
                         <m:t>]</m:t>
@@ -5086,11 +4953,7 @@
                     </m:oMath>
                   </m:oMathPara>
                 </a14:m>
-                <a:endParaRPr lang="en-US" dirty="0">
-                  <a:solidFill>
-                    <a:schemeClr val="tx1"/>
-                  </a:solidFill>
-                </a:endParaRPr>
+                <a:endParaRPr lang="en-US" sz="1350" dirty="0"/>
               </a:p>
             </p:txBody>
           </p:sp>
@@ -5112,8 +4975,8 @@
             </p:nvSpPr>
             <p:spPr>
               <a:xfrm>
-                <a:off x="2870125" y="3178265"/>
-                <a:ext cx="946226" cy="369332"/>
+                <a:off x="3295594" y="3240949"/>
+                <a:ext cx="709670" cy="300082"/>
               </a:xfrm>
               <a:prstGeom prst="rect">
                 <a:avLst/>
@@ -5121,7 +4984,7 @@
               <a:blipFill>
                 <a:blip r:embed="rId7"/>
                 <a:stretch>
-                  <a:fillRect b="-14754"/>
+                  <a:fillRect b="-8163"/>
                 </a:stretch>
               </a:blipFill>
             </p:spPr>
@@ -5156,8 +5019,8 @@
             </p:nvSpPr>
             <p:spPr>
               <a:xfrm>
-                <a:off x="3742199" y="4578719"/>
-                <a:ext cx="1027564" cy="369332"/>
+                <a:off x="3949649" y="4291289"/>
+                <a:ext cx="770673" cy="300082"/>
               </a:xfrm>
               <a:prstGeom prst="rect">
                 <a:avLst/>
@@ -5178,10 +5041,7 @@
                     </m:oMathParaPr>
                     <m:oMath xmlns:m="http://schemas.openxmlformats.org/officeDocument/2006/math">
                       <m:r>
-                        <a:rPr lang="en-US" b="0" i="1" smtClean="0">
-                          <a:solidFill>
-                            <a:schemeClr val="tx1"/>
-                          </a:solidFill>
+                        <a:rPr lang="en-US" sz="1350" i="1">
                           <a:latin typeface="Cambria Math" panose="02040503050406030204" pitchFamily="18" charset="0"/>
                         </a:rPr>
                         <m:t>[</m:t>
@@ -5189,20 +5049,14 @@
                       <m:sSub>
                         <m:sSubPr>
                           <m:ctrlPr>
-                            <a:rPr lang="en-US" b="0" i="1" smtClean="0">
-                              <a:solidFill>
-                                <a:schemeClr val="tx1"/>
-                              </a:solidFill>
+                            <a:rPr lang="en-US" sz="1350" i="1">
                               <a:latin typeface="Cambria Math" panose="02040503050406030204" pitchFamily="18" charset="0"/>
                             </a:rPr>
                           </m:ctrlPr>
                         </m:sSubPr>
                         <m:e>
                           <m:r>
-                            <a:rPr lang="en-US" b="0" i="1" smtClean="0">
-                              <a:solidFill>
-                                <a:schemeClr val="tx1"/>
-                              </a:solidFill>
+                            <a:rPr lang="en-US" sz="1350" i="1">
                               <a:latin typeface="Cambria Math" panose="02040503050406030204" pitchFamily="18" charset="0"/>
                             </a:rPr>
                             <m:t>𝑏</m:t>
@@ -5210,10 +5064,7 @@
                         </m:e>
                         <m:sub>
                           <m:r>
-                            <a:rPr lang="en-US" b="0" i="1" smtClean="0">
-                              <a:solidFill>
-                                <a:schemeClr val="tx1"/>
-                              </a:solidFill>
+                            <a:rPr lang="en-US" sz="1350" i="1">
                               <a:latin typeface="Cambria Math" panose="02040503050406030204" pitchFamily="18" charset="0"/>
                             </a:rPr>
                             <m:t>𝑟</m:t>
@@ -5221,10 +5072,7 @@
                         </m:sub>
                       </m:sSub>
                       <m:r>
-                        <a:rPr lang="en-US" b="0" i="1" smtClean="0">
-                          <a:solidFill>
-                            <a:schemeClr val="tx1"/>
-                          </a:solidFill>
+                        <a:rPr lang="en-US" sz="1350" i="1">
                           <a:latin typeface="Cambria Math" panose="02040503050406030204" pitchFamily="18" charset="0"/>
                         </a:rPr>
                         <m:t>,</m:t>
@@ -5232,20 +5080,14 @@
                       <m:sSub>
                         <m:sSubPr>
                           <m:ctrlPr>
-                            <a:rPr lang="en-US" b="0" i="1" smtClean="0">
-                              <a:solidFill>
-                                <a:schemeClr val="tx1"/>
-                              </a:solidFill>
+                            <a:rPr lang="en-US" sz="1350" i="1">
                               <a:latin typeface="Cambria Math" panose="02040503050406030204" pitchFamily="18" charset="0"/>
                             </a:rPr>
                           </m:ctrlPr>
                         </m:sSubPr>
                         <m:e>
                           <m:r>
-                            <a:rPr lang="en-US" b="0" i="1" smtClean="0">
-                              <a:solidFill>
-                                <a:schemeClr val="tx1"/>
-                              </a:solidFill>
+                            <a:rPr lang="en-US" sz="1350" i="1">
                               <a:latin typeface="Cambria Math" panose="02040503050406030204" pitchFamily="18" charset="0"/>
                             </a:rPr>
                             <m:t>𝑏</m:t>
@@ -5253,10 +5095,7 @@
                         </m:e>
                         <m:sub>
                           <m:r>
-                            <a:rPr lang="en-US" b="0" i="1" smtClean="0">
-                              <a:solidFill>
-                                <a:schemeClr val="tx1"/>
-                              </a:solidFill>
+                            <a:rPr lang="en-US" sz="1350" i="1">
                               <a:latin typeface="Cambria Math" panose="02040503050406030204" pitchFamily="18" charset="0"/>
                             </a:rPr>
                             <m:t>𝑏</m:t>
@@ -5264,10 +5103,7 @@
                         </m:sub>
                       </m:sSub>
                       <m:r>
-                        <a:rPr lang="en-US" b="0" i="1" smtClean="0">
-                          <a:solidFill>
-                            <a:schemeClr val="tx1"/>
-                          </a:solidFill>
+                        <a:rPr lang="en-US" sz="1350" i="1">
                           <a:latin typeface="Cambria Math" panose="02040503050406030204" pitchFamily="18" charset="0"/>
                         </a:rPr>
                         <m:t>]</m:t>
@@ -5275,11 +5111,7 @@
                     </m:oMath>
                   </m:oMathPara>
                 </a14:m>
-                <a:endParaRPr lang="en-US" dirty="0">
-                  <a:solidFill>
-                    <a:schemeClr val="tx1"/>
-                  </a:solidFill>
-                </a:endParaRPr>
+                <a:endParaRPr lang="en-US" sz="1350" dirty="0"/>
               </a:p>
             </p:txBody>
           </p:sp>
@@ -5301,8 +5133,8 @@
             </p:nvSpPr>
             <p:spPr>
               <a:xfrm>
-                <a:off x="3742199" y="4578719"/>
-                <a:ext cx="1027564" cy="369332"/>
+                <a:off x="3949649" y="4291289"/>
+                <a:ext cx="770673" cy="300082"/>
               </a:xfrm>
               <a:prstGeom prst="rect">
                 <a:avLst/>
@@ -5310,7 +5142,7 @@
               <a:blipFill>
                 <a:blip r:embed="rId8"/>
                 <a:stretch>
-                  <a:fillRect b="-14754"/>
+                  <a:fillRect b="-8163"/>
                 </a:stretch>
               </a:blipFill>
             </p:spPr>
@@ -5345,8 +5177,8 @@
             </p:nvSpPr>
             <p:spPr>
               <a:xfrm>
-                <a:off x="674612" y="2829971"/>
-                <a:ext cx="1659603" cy="369332"/>
+                <a:off x="1648960" y="2979728"/>
+                <a:ext cx="1244702" cy="300082"/>
               </a:xfrm>
               <a:prstGeom prst="rect">
                 <a:avLst/>
@@ -5367,10 +5199,7 @@
                     </m:oMathParaPr>
                     <m:oMath xmlns:m="http://schemas.openxmlformats.org/officeDocument/2006/math">
                       <m:r>
-                        <a:rPr lang="en-US" b="0" i="1" smtClean="0">
-                          <a:solidFill>
-                            <a:schemeClr val="tx1"/>
-                          </a:solidFill>
+                        <a:rPr lang="en-US" sz="1350" i="1">
                           <a:latin typeface="Cambria Math" panose="02040503050406030204" pitchFamily="18" charset="0"/>
                         </a:rPr>
                         <m:t>[</m:t>
@@ -5378,20 +5207,14 @@
                       <m:sSub>
                         <m:sSubPr>
                           <m:ctrlPr>
-                            <a:rPr lang="en-US" b="0" i="1" smtClean="0">
-                              <a:solidFill>
-                                <a:schemeClr val="tx1"/>
-                              </a:solidFill>
+                            <a:rPr lang="en-US" sz="1350" i="1">
                               <a:latin typeface="Cambria Math" panose="02040503050406030204" pitchFamily="18" charset="0"/>
                             </a:rPr>
                           </m:ctrlPr>
                         </m:sSubPr>
                         <m:e>
                           <m:r>
-                            <a:rPr lang="en-US" b="0" i="1" smtClean="0">
-                              <a:solidFill>
-                                <a:schemeClr val="tx1"/>
-                              </a:solidFill>
+                            <a:rPr lang="en-US" sz="1350" i="1">
                               <a:latin typeface="Cambria Math" panose="02040503050406030204" pitchFamily="18" charset="0"/>
                             </a:rPr>
                             <m:t>𝑎</m:t>
@@ -5399,10 +5222,7 @@
                         </m:e>
                         <m:sub>
                           <m:r>
-                            <a:rPr lang="en-US" b="0" i="1" smtClean="0">
-                              <a:solidFill>
-                                <a:schemeClr val="tx1"/>
-                              </a:solidFill>
+                            <a:rPr lang="en-US" sz="1350" i="1">
                               <a:latin typeface="Cambria Math" panose="02040503050406030204" pitchFamily="18" charset="0"/>
                             </a:rPr>
                             <m:t>𝑙</m:t>
@@ -5410,10 +5230,7 @@
                         </m:sub>
                       </m:sSub>
                       <m:r>
-                        <a:rPr lang="en-US" b="0" i="1" smtClean="0">
-                          <a:solidFill>
-                            <a:schemeClr val="tx1"/>
-                          </a:solidFill>
+                        <a:rPr lang="en-US" sz="1350" i="1">
                           <a:latin typeface="Cambria Math" panose="02040503050406030204" pitchFamily="18" charset="0"/>
                         </a:rPr>
                         <m:t>,</m:t>
@@ -5421,20 +5238,14 @@
                       <m:sSub>
                         <m:sSubPr>
                           <m:ctrlPr>
-                            <a:rPr lang="en-US" b="0" i="1" smtClean="0">
-                              <a:solidFill>
-                                <a:schemeClr val="tx1"/>
-                              </a:solidFill>
+                            <a:rPr lang="en-US" sz="1350" i="1">
                               <a:latin typeface="Cambria Math" panose="02040503050406030204" pitchFamily="18" charset="0"/>
                             </a:rPr>
                           </m:ctrlPr>
                         </m:sSubPr>
                         <m:e>
                           <m:r>
-                            <a:rPr lang="en-US" b="0" i="1" smtClean="0">
-                              <a:solidFill>
-                                <a:schemeClr val="tx1"/>
-                              </a:solidFill>
+                            <a:rPr lang="en-US" sz="1350" i="1">
                               <a:latin typeface="Cambria Math" panose="02040503050406030204" pitchFamily="18" charset="0"/>
                             </a:rPr>
                             <m:t>𝑎</m:t>
@@ -5442,10 +5253,7 @@
                         </m:e>
                         <m:sub>
                           <m:r>
-                            <a:rPr lang="en-US" b="0" i="1" smtClean="0">
-                              <a:solidFill>
-                                <a:schemeClr val="tx1"/>
-                              </a:solidFill>
+                            <a:rPr lang="en-US" sz="1350" i="1">
                               <a:latin typeface="Cambria Math" panose="02040503050406030204" pitchFamily="18" charset="0"/>
                             </a:rPr>
                             <m:t>𝑡</m:t>
@@ -5453,10 +5261,7 @@
                         </m:sub>
                       </m:sSub>
                       <m:r>
-                        <a:rPr lang="en-US" b="0" i="1" smtClean="0">
-                          <a:solidFill>
-                            <a:schemeClr val="tx1"/>
-                          </a:solidFill>
+                        <a:rPr lang="en-US" sz="1350" i="1">
                           <a:latin typeface="Cambria Math" panose="02040503050406030204" pitchFamily="18" charset="0"/>
                         </a:rPr>
                         <m:t>]</m:t>
@@ -5464,11 +5269,7 @@
                     </m:oMath>
                   </m:oMathPara>
                 </a14:m>
-                <a:endParaRPr lang="en-US" dirty="0">
-                  <a:solidFill>
-                    <a:schemeClr val="tx1"/>
-                  </a:solidFill>
-                </a:endParaRPr>
+                <a:endParaRPr lang="en-US" sz="1350" dirty="0"/>
               </a:p>
             </p:txBody>
           </p:sp>
@@ -5490,8 +5291,8 @@
             </p:nvSpPr>
             <p:spPr>
               <a:xfrm>
-                <a:off x="674612" y="2829971"/>
-                <a:ext cx="1659603" cy="369332"/>
+                <a:off x="1648960" y="2979728"/>
+                <a:ext cx="1244702" cy="300082"/>
               </a:xfrm>
               <a:prstGeom prst="rect">
                 <a:avLst/>
@@ -5499,7 +5300,7 @@
               <a:blipFill>
                 <a:blip r:embed="rId9"/>
                 <a:stretch>
-                  <a:fillRect b="-14754"/>
+                  <a:fillRect b="-8163"/>
                 </a:stretch>
               </a:blipFill>
             </p:spPr>
@@ -5534,8 +5335,8 @@
             </p:nvSpPr>
             <p:spPr>
               <a:xfrm>
-                <a:off x="2040322" y="4687581"/>
-                <a:ext cx="1659603" cy="369332"/>
+                <a:off x="2673243" y="4372936"/>
+                <a:ext cx="1244702" cy="300082"/>
               </a:xfrm>
               <a:prstGeom prst="rect">
                 <a:avLst/>
@@ -5556,10 +5357,7 @@
                     </m:oMathParaPr>
                     <m:oMath xmlns:m="http://schemas.openxmlformats.org/officeDocument/2006/math">
                       <m:r>
-                        <a:rPr lang="en-US" b="0" i="1" smtClean="0">
-                          <a:solidFill>
-                            <a:schemeClr val="tx1"/>
-                          </a:solidFill>
+                        <a:rPr lang="en-US" sz="1350" i="1">
                           <a:latin typeface="Cambria Math" panose="02040503050406030204" pitchFamily="18" charset="0"/>
                         </a:rPr>
                         <m:t>[</m:t>
@@ -5567,20 +5365,14 @@
                       <m:sSub>
                         <m:sSubPr>
                           <m:ctrlPr>
-                            <a:rPr lang="en-US" b="0" i="1" smtClean="0">
-                              <a:solidFill>
-                                <a:schemeClr val="tx1"/>
-                              </a:solidFill>
+                            <a:rPr lang="en-US" sz="1350" i="1">
                               <a:latin typeface="Cambria Math" panose="02040503050406030204" pitchFamily="18" charset="0"/>
                             </a:rPr>
                           </m:ctrlPr>
                         </m:sSubPr>
                         <m:e>
                           <m:r>
-                            <a:rPr lang="en-US" b="0" i="1" smtClean="0">
-                              <a:solidFill>
-                                <a:schemeClr val="tx1"/>
-                              </a:solidFill>
+                            <a:rPr lang="en-US" sz="1350" i="1">
                               <a:latin typeface="Cambria Math" panose="02040503050406030204" pitchFamily="18" charset="0"/>
                             </a:rPr>
                             <m:t>𝑎</m:t>
@@ -5588,10 +5380,7 @@
                         </m:e>
                         <m:sub>
                           <m:r>
-                            <a:rPr lang="en-US" b="0" i="1" smtClean="0">
-                              <a:solidFill>
-                                <a:schemeClr val="tx1"/>
-                              </a:solidFill>
+                            <a:rPr lang="en-US" sz="1350" i="1">
                               <a:latin typeface="Cambria Math" panose="02040503050406030204" pitchFamily="18" charset="0"/>
                             </a:rPr>
                             <m:t>𝑟</m:t>
@@ -5599,10 +5388,7 @@
                         </m:sub>
                       </m:sSub>
                       <m:r>
-                        <a:rPr lang="en-US" b="0" i="1" smtClean="0">
-                          <a:solidFill>
-                            <a:schemeClr val="tx1"/>
-                          </a:solidFill>
+                        <a:rPr lang="en-US" sz="1350" i="1">
                           <a:latin typeface="Cambria Math" panose="02040503050406030204" pitchFamily="18" charset="0"/>
                         </a:rPr>
                         <m:t>,</m:t>
@@ -5610,20 +5396,14 @@
                       <m:sSub>
                         <m:sSubPr>
                           <m:ctrlPr>
-                            <a:rPr lang="en-US" b="0" i="1" smtClean="0">
-                              <a:solidFill>
-                                <a:schemeClr val="tx1"/>
-                              </a:solidFill>
+                            <a:rPr lang="en-US" sz="1350" i="1">
                               <a:latin typeface="Cambria Math" panose="02040503050406030204" pitchFamily="18" charset="0"/>
                             </a:rPr>
                           </m:ctrlPr>
                         </m:sSubPr>
                         <m:e>
                           <m:r>
-                            <a:rPr lang="en-US" b="0" i="1" smtClean="0">
-                              <a:solidFill>
-                                <a:schemeClr val="tx1"/>
-                              </a:solidFill>
+                            <a:rPr lang="en-US" sz="1350" i="1">
                               <a:latin typeface="Cambria Math" panose="02040503050406030204" pitchFamily="18" charset="0"/>
                             </a:rPr>
                             <m:t>𝑎</m:t>
@@ -5631,10 +5411,7 @@
                         </m:e>
                         <m:sub>
                           <m:r>
-                            <a:rPr lang="en-US" b="0" i="1" smtClean="0">
-                              <a:solidFill>
-                                <a:schemeClr val="tx1"/>
-                              </a:solidFill>
+                            <a:rPr lang="en-US" sz="1350" i="1">
                               <a:latin typeface="Cambria Math" panose="02040503050406030204" pitchFamily="18" charset="0"/>
                             </a:rPr>
                             <m:t>𝑏</m:t>
@@ -5642,10 +5419,7 @@
                         </m:sub>
                       </m:sSub>
                       <m:r>
-                        <a:rPr lang="en-US" b="0" i="1" smtClean="0">
-                          <a:solidFill>
-                            <a:schemeClr val="tx1"/>
-                          </a:solidFill>
+                        <a:rPr lang="en-US" sz="1350" i="1">
                           <a:latin typeface="Cambria Math" panose="02040503050406030204" pitchFamily="18" charset="0"/>
                         </a:rPr>
                         <m:t>]</m:t>
@@ -5653,11 +5427,7 @@
                     </m:oMath>
                   </m:oMathPara>
                 </a14:m>
-                <a:endParaRPr lang="en-US" dirty="0">
-                  <a:solidFill>
-                    <a:schemeClr val="tx1"/>
-                  </a:solidFill>
-                </a:endParaRPr>
+                <a:endParaRPr lang="en-US" sz="1350" dirty="0"/>
               </a:p>
             </p:txBody>
           </p:sp>
@@ -5679,8 +5449,8 @@
             </p:nvSpPr>
             <p:spPr>
               <a:xfrm>
-                <a:off x="2040322" y="4687581"/>
-                <a:ext cx="1659603" cy="369332"/>
+                <a:off x="2673243" y="4372936"/>
+                <a:ext cx="1244702" cy="300082"/>
               </a:xfrm>
               <a:prstGeom prst="rect">
                 <a:avLst/>
@@ -5688,7 +5458,7 @@
               <a:blipFill>
                 <a:blip r:embed="rId10"/>
                 <a:stretch>
-                  <a:fillRect b="-14754"/>
+                  <a:fillRect b="-6000"/>
                 </a:stretch>
               </a:blipFill>
             </p:spPr>
@@ -5975,7 +5745,7 @@
   <a:extraClrSchemeLst/>
   <a:extLst>
     <a:ext uri="{05A4C25C-085E-4340-85A3-A5531E510DB2}">
-      <thm15:themeFamily xmlns:thm15="http://schemas.microsoft.com/office/thememl/2012/main" name="Office Theme" id="{62F939B6-93AF-4DB8-9C6B-D6C7DFDC589F}" vid="{4A3C46E8-61CC-4603-A589-7422A47A8E4A}"/>
+      <thm15:themeFamily xmlns:thm15="http://schemas.microsoft.com/office/thememl/2012/main" name="Office 2013 - 2022 Theme" id="{62F939B6-93AF-4DB8-9C6B-D6C7DFDC589F}" vid="{4A3C46E8-61CC-4603-A589-7422A47A8E4A}"/>
     </a:ext>
   </a:extLst>
 </a:theme>

--- a/Doxygen/physics/2. Shapes Library/figures.pptx
+++ b/Doxygen/physics/2. Shapes Library/figures.pptx
@@ -4,9 +4,18 @@
   <p:sldMasterIdLst>
     <p:sldMasterId id="2147483684" r:id="rId1"/>
   </p:sldMasterIdLst>
+  <p:notesMasterIdLst>
+    <p:notesMasterId r:id="rId10"/>
+  </p:notesMasterIdLst>
   <p:sldIdLst>
     <p:sldId id="256" r:id="rId2"/>
     <p:sldId id="257" r:id="rId3"/>
+    <p:sldId id="568" r:id="rId4"/>
+    <p:sldId id="566" r:id="rId5"/>
+    <p:sldId id="567" r:id="rId6"/>
+    <p:sldId id="321" r:id="rId7"/>
+    <p:sldId id="327" r:id="rId8"/>
+    <p:sldId id="328" r:id="rId9"/>
   </p:sldIdLst>
   <p:sldSz cx="9144000" cy="6858000" type="screen4x3"/>
   <p:notesSz cx="6858000" cy="9144000"/>
@@ -113,6 +122,634 @@
 </p:presentation>
 </file>
 
+<file path=ppt/notesMasters/notesMaster1.xml><?xml version="1.0" encoding="utf-8"?>
+<p:notesMaster xmlns:a="http://schemas.openxmlformats.org/drawingml/2006/main" xmlns:r="http://schemas.openxmlformats.org/officeDocument/2006/relationships" xmlns:p="http://schemas.openxmlformats.org/presentationml/2006/main">
+  <p:cSld>
+    <p:bg>
+      <p:bgRef idx="1001">
+        <a:schemeClr val="bg1"/>
+      </p:bgRef>
+    </p:bg>
+    <p:spTree>
+      <p:nvGrpSpPr>
+        <p:cNvPr id="1" name=""/>
+        <p:cNvGrpSpPr/>
+        <p:nvPr/>
+      </p:nvGrpSpPr>
+      <p:grpSpPr>
+        <a:xfrm>
+          <a:off x="0" y="0"/>
+          <a:ext cx="0" cy="0"/>
+          <a:chOff x="0" y="0"/>
+          <a:chExt cx="0" cy="0"/>
+        </a:xfrm>
+      </p:grpSpPr>
+      <p:sp>
+        <p:nvSpPr>
+          <p:cNvPr id="2" name="Header Placeholder 1"/>
+          <p:cNvSpPr>
+            <a:spLocks noGrp="1"/>
+          </p:cNvSpPr>
+          <p:nvPr>
+            <p:ph type="hdr" sz="quarter"/>
+          </p:nvPr>
+        </p:nvSpPr>
+        <p:spPr>
+          <a:xfrm>
+            <a:off x="0" y="0"/>
+            <a:ext cx="2971800" cy="458788"/>
+          </a:xfrm>
+          <a:prstGeom prst="rect">
+            <a:avLst/>
+          </a:prstGeom>
+        </p:spPr>
+        <p:txBody>
+          <a:bodyPr vert="horz" lIns="91440" tIns="45720" rIns="91440" bIns="45720" rtlCol="0"/>
+          <a:lstStyle>
+            <a:lvl1pPr algn="l">
+              <a:defRPr sz="1200"/>
+            </a:lvl1pPr>
+          </a:lstStyle>
+          <a:p>
+            <a:endParaRPr lang="en-US"/>
+          </a:p>
+        </p:txBody>
+      </p:sp>
+      <p:sp>
+        <p:nvSpPr>
+          <p:cNvPr id="3" name="Date Placeholder 2"/>
+          <p:cNvSpPr>
+            <a:spLocks noGrp="1"/>
+          </p:cNvSpPr>
+          <p:nvPr>
+            <p:ph type="dt" idx="1"/>
+          </p:nvPr>
+        </p:nvSpPr>
+        <p:spPr>
+          <a:xfrm>
+            <a:off x="3884613" y="0"/>
+            <a:ext cx="2971800" cy="458788"/>
+          </a:xfrm>
+          <a:prstGeom prst="rect">
+            <a:avLst/>
+          </a:prstGeom>
+        </p:spPr>
+        <p:txBody>
+          <a:bodyPr vert="horz" lIns="91440" tIns="45720" rIns="91440" bIns="45720" rtlCol="0"/>
+          <a:lstStyle>
+            <a:lvl1pPr algn="r">
+              <a:defRPr sz="1200"/>
+            </a:lvl1pPr>
+          </a:lstStyle>
+          <a:p>
+            <a:fld id="{D2A1998F-B673-40FE-9867-882E6492A537}" type="datetimeFigureOut">
+              <a:rPr lang="en-US" smtClean="0"/>
+              <a:t>12/28/2023</a:t>
+            </a:fld>
+            <a:endParaRPr lang="en-US"/>
+          </a:p>
+        </p:txBody>
+      </p:sp>
+      <p:sp>
+        <p:nvSpPr>
+          <p:cNvPr id="4" name="Slide Image Placeholder 3"/>
+          <p:cNvSpPr>
+            <a:spLocks noGrp="1" noRot="1" noChangeAspect="1"/>
+          </p:cNvSpPr>
+          <p:nvPr>
+            <p:ph type="sldImg" idx="2"/>
+          </p:nvPr>
+        </p:nvSpPr>
+        <p:spPr>
+          <a:xfrm>
+            <a:off x="1371600" y="1143000"/>
+            <a:ext cx="4114800" cy="3086100"/>
+          </a:xfrm>
+          <a:prstGeom prst="rect">
+            <a:avLst/>
+          </a:prstGeom>
+          <a:noFill/>
+          <a:ln w="12700">
+            <a:solidFill>
+              <a:prstClr val="black"/>
+            </a:solidFill>
+          </a:ln>
+        </p:spPr>
+        <p:txBody>
+          <a:bodyPr vert="horz" lIns="91440" tIns="45720" rIns="91440" bIns="45720" rtlCol="0" anchor="ctr"/>
+          <a:lstStyle/>
+          <a:p>
+            <a:endParaRPr lang="en-US"/>
+          </a:p>
+        </p:txBody>
+      </p:sp>
+      <p:sp>
+        <p:nvSpPr>
+          <p:cNvPr id="5" name="Notes Placeholder 4"/>
+          <p:cNvSpPr>
+            <a:spLocks noGrp="1"/>
+          </p:cNvSpPr>
+          <p:nvPr>
+            <p:ph type="body" sz="quarter" idx="3"/>
+          </p:nvPr>
+        </p:nvSpPr>
+        <p:spPr>
+          <a:xfrm>
+            <a:off x="685800" y="4400550"/>
+            <a:ext cx="5486400" cy="3600450"/>
+          </a:xfrm>
+          <a:prstGeom prst="rect">
+            <a:avLst/>
+          </a:prstGeom>
+        </p:spPr>
+        <p:txBody>
+          <a:bodyPr vert="horz" lIns="91440" tIns="45720" rIns="91440" bIns="45720" rtlCol="0"/>
+          <a:lstStyle/>
+          <a:p>
+            <a:pPr lvl="0"/>
+            <a:r>
+              <a:rPr lang="en-US"/>
+              <a:t>Click to edit Master text styles</a:t>
+            </a:r>
+          </a:p>
+          <a:p>
+            <a:pPr lvl="1"/>
+            <a:r>
+              <a:rPr lang="en-US"/>
+              <a:t>Second level</a:t>
+            </a:r>
+          </a:p>
+          <a:p>
+            <a:pPr lvl="2"/>
+            <a:r>
+              <a:rPr lang="en-US"/>
+              <a:t>Third level</a:t>
+            </a:r>
+          </a:p>
+          <a:p>
+            <a:pPr lvl="3"/>
+            <a:r>
+              <a:rPr lang="en-US"/>
+              <a:t>Fourth level</a:t>
+            </a:r>
+          </a:p>
+          <a:p>
+            <a:pPr lvl="4"/>
+            <a:r>
+              <a:rPr lang="en-US"/>
+              <a:t>Fifth level</a:t>
+            </a:r>
+          </a:p>
+        </p:txBody>
+      </p:sp>
+      <p:sp>
+        <p:nvSpPr>
+          <p:cNvPr id="6" name="Footer Placeholder 5"/>
+          <p:cNvSpPr>
+            <a:spLocks noGrp="1"/>
+          </p:cNvSpPr>
+          <p:nvPr>
+            <p:ph type="ftr" sz="quarter" idx="4"/>
+          </p:nvPr>
+        </p:nvSpPr>
+        <p:spPr>
+          <a:xfrm>
+            <a:off x="0" y="8685213"/>
+            <a:ext cx="2971800" cy="458787"/>
+          </a:xfrm>
+          <a:prstGeom prst="rect">
+            <a:avLst/>
+          </a:prstGeom>
+        </p:spPr>
+        <p:txBody>
+          <a:bodyPr vert="horz" lIns="91440" tIns="45720" rIns="91440" bIns="45720" rtlCol="0" anchor="b"/>
+          <a:lstStyle>
+            <a:lvl1pPr algn="l">
+              <a:defRPr sz="1200"/>
+            </a:lvl1pPr>
+          </a:lstStyle>
+          <a:p>
+            <a:endParaRPr lang="en-US"/>
+          </a:p>
+        </p:txBody>
+      </p:sp>
+      <p:sp>
+        <p:nvSpPr>
+          <p:cNvPr id="7" name="Slide Number Placeholder 6"/>
+          <p:cNvSpPr>
+            <a:spLocks noGrp="1"/>
+          </p:cNvSpPr>
+          <p:nvPr>
+            <p:ph type="sldNum" sz="quarter" idx="5"/>
+          </p:nvPr>
+        </p:nvSpPr>
+        <p:spPr>
+          <a:xfrm>
+            <a:off x="3884613" y="8685213"/>
+            <a:ext cx="2971800" cy="458787"/>
+          </a:xfrm>
+          <a:prstGeom prst="rect">
+            <a:avLst/>
+          </a:prstGeom>
+        </p:spPr>
+        <p:txBody>
+          <a:bodyPr vert="horz" lIns="91440" tIns="45720" rIns="91440" bIns="45720" rtlCol="0" anchor="b"/>
+          <a:lstStyle>
+            <a:lvl1pPr algn="r">
+              <a:defRPr sz="1200"/>
+            </a:lvl1pPr>
+          </a:lstStyle>
+          <a:p>
+            <a:fld id="{12CC2D49-D5A7-490F-B7E2-597241C1028C}" type="slidenum">
+              <a:rPr lang="en-US" smtClean="0"/>
+              <a:t>‹#›</a:t>
+            </a:fld>
+            <a:endParaRPr lang="en-US"/>
+          </a:p>
+        </p:txBody>
+      </p:sp>
+    </p:spTree>
+    <p:extLst>
+      <p:ext uri="{BB962C8B-B14F-4D97-AF65-F5344CB8AC3E}">
+        <p14:creationId xmlns:p14="http://schemas.microsoft.com/office/powerpoint/2010/main" val="1639314745"/>
+      </p:ext>
+    </p:extLst>
+  </p:cSld>
+  <p:clrMap bg1="lt1" tx1="dk1" bg2="lt2" tx2="dk2" accent1="accent1" accent2="accent2" accent3="accent3" accent4="accent4" accent5="accent5" accent6="accent6" hlink="hlink" folHlink="folHlink"/>
+  <p:notesStyle>
+    <a:lvl1pPr marL="0" algn="l" defTabSz="914400" rtl="0" eaLnBrk="1" latinLnBrk="0" hangingPunct="1">
+      <a:defRPr sz="1200" kern="1200">
+        <a:solidFill>
+          <a:schemeClr val="tx1"/>
+        </a:solidFill>
+        <a:latin typeface="+mn-lt"/>
+        <a:ea typeface="+mn-ea"/>
+        <a:cs typeface="+mn-cs"/>
+      </a:defRPr>
+    </a:lvl1pPr>
+    <a:lvl2pPr marL="457200" algn="l" defTabSz="914400" rtl="0" eaLnBrk="1" latinLnBrk="0" hangingPunct="1">
+      <a:defRPr sz="1200" kern="1200">
+        <a:solidFill>
+          <a:schemeClr val="tx1"/>
+        </a:solidFill>
+        <a:latin typeface="+mn-lt"/>
+        <a:ea typeface="+mn-ea"/>
+        <a:cs typeface="+mn-cs"/>
+      </a:defRPr>
+    </a:lvl2pPr>
+    <a:lvl3pPr marL="914400" algn="l" defTabSz="914400" rtl="0" eaLnBrk="1" latinLnBrk="0" hangingPunct="1">
+      <a:defRPr sz="1200" kern="1200">
+        <a:solidFill>
+          <a:schemeClr val="tx1"/>
+        </a:solidFill>
+        <a:latin typeface="+mn-lt"/>
+        <a:ea typeface="+mn-ea"/>
+        <a:cs typeface="+mn-cs"/>
+      </a:defRPr>
+    </a:lvl3pPr>
+    <a:lvl4pPr marL="1371600" algn="l" defTabSz="914400" rtl="0" eaLnBrk="1" latinLnBrk="0" hangingPunct="1">
+      <a:defRPr sz="1200" kern="1200">
+        <a:solidFill>
+          <a:schemeClr val="tx1"/>
+        </a:solidFill>
+        <a:latin typeface="+mn-lt"/>
+        <a:ea typeface="+mn-ea"/>
+        <a:cs typeface="+mn-cs"/>
+      </a:defRPr>
+    </a:lvl4pPr>
+    <a:lvl5pPr marL="1828800" algn="l" defTabSz="914400" rtl="0" eaLnBrk="1" latinLnBrk="0" hangingPunct="1">
+      <a:defRPr sz="1200" kern="1200">
+        <a:solidFill>
+          <a:schemeClr val="tx1"/>
+        </a:solidFill>
+        <a:latin typeface="+mn-lt"/>
+        <a:ea typeface="+mn-ea"/>
+        <a:cs typeface="+mn-cs"/>
+      </a:defRPr>
+    </a:lvl5pPr>
+    <a:lvl6pPr marL="2286000" algn="l" defTabSz="914400" rtl="0" eaLnBrk="1" latinLnBrk="0" hangingPunct="1">
+      <a:defRPr sz="1200" kern="1200">
+        <a:solidFill>
+          <a:schemeClr val="tx1"/>
+        </a:solidFill>
+        <a:latin typeface="+mn-lt"/>
+        <a:ea typeface="+mn-ea"/>
+        <a:cs typeface="+mn-cs"/>
+      </a:defRPr>
+    </a:lvl6pPr>
+    <a:lvl7pPr marL="2743200" algn="l" defTabSz="914400" rtl="0" eaLnBrk="1" latinLnBrk="0" hangingPunct="1">
+      <a:defRPr sz="1200" kern="1200">
+        <a:solidFill>
+          <a:schemeClr val="tx1"/>
+        </a:solidFill>
+        <a:latin typeface="+mn-lt"/>
+        <a:ea typeface="+mn-ea"/>
+        <a:cs typeface="+mn-cs"/>
+      </a:defRPr>
+    </a:lvl7pPr>
+    <a:lvl8pPr marL="3200400" algn="l" defTabSz="914400" rtl="0" eaLnBrk="1" latinLnBrk="0" hangingPunct="1">
+      <a:defRPr sz="1200" kern="1200">
+        <a:solidFill>
+          <a:schemeClr val="tx1"/>
+        </a:solidFill>
+        <a:latin typeface="+mn-lt"/>
+        <a:ea typeface="+mn-ea"/>
+        <a:cs typeface="+mn-cs"/>
+      </a:defRPr>
+    </a:lvl8pPr>
+    <a:lvl9pPr marL="3657600" algn="l" defTabSz="914400" rtl="0" eaLnBrk="1" latinLnBrk="0" hangingPunct="1">
+      <a:defRPr sz="1200" kern="1200">
+        <a:solidFill>
+          <a:schemeClr val="tx1"/>
+        </a:solidFill>
+        <a:latin typeface="+mn-lt"/>
+        <a:ea typeface="+mn-ea"/>
+        <a:cs typeface="+mn-cs"/>
+      </a:defRPr>
+    </a:lvl9pPr>
+  </p:notesStyle>
+</p:notesMaster>
+</file>
+
+<file path=ppt/notesSlides/notesSlide1.xml><?xml version="1.0" encoding="utf-8"?>
+<p:notes xmlns:a="http://schemas.openxmlformats.org/drawingml/2006/main" xmlns:r="http://schemas.openxmlformats.org/officeDocument/2006/relationships" xmlns:p="http://schemas.openxmlformats.org/presentationml/2006/main">
+  <p:cSld>
+    <p:spTree>
+      <p:nvGrpSpPr>
+        <p:cNvPr id="1" name=""/>
+        <p:cNvGrpSpPr/>
+        <p:nvPr/>
+      </p:nvGrpSpPr>
+      <p:grpSpPr>
+        <a:xfrm>
+          <a:off x="0" y="0"/>
+          <a:ext cx="0" cy="0"/>
+          <a:chOff x="0" y="0"/>
+          <a:chExt cx="0" cy="0"/>
+        </a:xfrm>
+      </p:grpSpPr>
+      <p:sp>
+        <p:nvSpPr>
+          <p:cNvPr id="2" name="Slide Image Placeholder 1"/>
+          <p:cNvSpPr>
+            <a:spLocks noGrp="1" noRot="1" noChangeAspect="1"/>
+          </p:cNvSpPr>
+          <p:nvPr>
+            <p:ph type="sldImg"/>
+          </p:nvPr>
+        </p:nvSpPr>
+        <p:spPr/>
+      </p:sp>
+      <p:sp>
+        <p:nvSpPr>
+          <p:cNvPr id="3" name="Notes Placeholder 2"/>
+          <p:cNvSpPr>
+            <a:spLocks noGrp="1"/>
+          </p:cNvSpPr>
+          <p:nvPr>
+            <p:ph type="body" idx="1"/>
+          </p:nvPr>
+        </p:nvSpPr>
+        <p:spPr/>
+        <p:txBody>
+          <a:bodyPr/>
+          <a:lstStyle/>
+          <a:p>
+            <a:endParaRPr lang="en-US"/>
+          </a:p>
+        </p:txBody>
+      </p:sp>
+      <p:sp>
+        <p:nvSpPr>
+          <p:cNvPr id="4" name="Slide Number Placeholder 3"/>
+          <p:cNvSpPr>
+            <a:spLocks noGrp="1"/>
+          </p:cNvSpPr>
+          <p:nvPr>
+            <p:ph type="sldNum" sz="quarter" idx="10"/>
+          </p:nvPr>
+        </p:nvSpPr>
+        <p:spPr/>
+        <p:txBody>
+          <a:bodyPr/>
+          <a:lstStyle/>
+          <a:p>
+            <a:fld id="{7932FA65-FBE7-4A3A-B02B-854EA750C293}" type="slidenum">
+              <a:rPr lang="en-US" smtClean="0">
+                <a:solidFill>
+                  <a:prstClr val="black"/>
+                </a:solidFill>
+              </a:rPr>
+              <a:pPr/>
+              <a:t>3</a:t>
+            </a:fld>
+            <a:endParaRPr lang="en-US">
+              <a:solidFill>
+                <a:prstClr val="black"/>
+              </a:solidFill>
+            </a:endParaRPr>
+          </a:p>
+        </p:txBody>
+      </p:sp>
+    </p:spTree>
+    <p:extLst>
+      <p:ext uri="{BB962C8B-B14F-4D97-AF65-F5344CB8AC3E}">
+        <p14:creationId xmlns:p14="http://schemas.microsoft.com/office/powerpoint/2010/main" val="2221523335"/>
+      </p:ext>
+    </p:extLst>
+  </p:cSld>
+  <p:clrMapOvr>
+    <a:masterClrMapping/>
+  </p:clrMapOvr>
+</p:notes>
+</file>
+
+<file path=ppt/notesSlides/notesSlide2.xml><?xml version="1.0" encoding="utf-8"?>
+<p:notes xmlns:a="http://schemas.openxmlformats.org/drawingml/2006/main" xmlns:r="http://schemas.openxmlformats.org/officeDocument/2006/relationships" xmlns:p="http://schemas.openxmlformats.org/presentationml/2006/main">
+  <p:cSld>
+    <p:spTree>
+      <p:nvGrpSpPr>
+        <p:cNvPr id="1" name=""/>
+        <p:cNvGrpSpPr/>
+        <p:nvPr/>
+      </p:nvGrpSpPr>
+      <p:grpSpPr>
+        <a:xfrm>
+          <a:off x="0" y="0"/>
+          <a:ext cx="0" cy="0"/>
+          <a:chOff x="0" y="0"/>
+          <a:chExt cx="0" cy="0"/>
+        </a:xfrm>
+      </p:grpSpPr>
+      <p:sp>
+        <p:nvSpPr>
+          <p:cNvPr id="2" name="Slide Image Placeholder 1"/>
+          <p:cNvSpPr>
+            <a:spLocks noGrp="1" noRot="1" noChangeAspect="1"/>
+          </p:cNvSpPr>
+          <p:nvPr>
+            <p:ph type="sldImg"/>
+          </p:nvPr>
+        </p:nvSpPr>
+        <p:spPr/>
+      </p:sp>
+      <p:sp>
+        <p:nvSpPr>
+          <p:cNvPr id="3" name="Notes Placeholder 2"/>
+          <p:cNvSpPr>
+            <a:spLocks noGrp="1"/>
+          </p:cNvSpPr>
+          <p:nvPr>
+            <p:ph type="body" idx="1"/>
+          </p:nvPr>
+        </p:nvSpPr>
+        <p:spPr/>
+        <p:txBody>
+          <a:bodyPr/>
+          <a:lstStyle/>
+          <a:p>
+            <a:endParaRPr lang="en-US"/>
+          </a:p>
+        </p:txBody>
+      </p:sp>
+      <p:sp>
+        <p:nvSpPr>
+          <p:cNvPr id="4" name="Slide Number Placeholder 3"/>
+          <p:cNvSpPr>
+            <a:spLocks noGrp="1"/>
+          </p:cNvSpPr>
+          <p:nvPr>
+            <p:ph type="sldNum" sz="quarter" idx="10"/>
+          </p:nvPr>
+        </p:nvSpPr>
+        <p:spPr/>
+        <p:txBody>
+          <a:bodyPr/>
+          <a:lstStyle/>
+          <a:p>
+            <a:fld id="{7932FA65-FBE7-4A3A-B02B-854EA750C293}" type="slidenum">
+              <a:rPr lang="en-US" smtClean="0">
+                <a:solidFill>
+                  <a:prstClr val="black"/>
+                </a:solidFill>
+              </a:rPr>
+              <a:pPr/>
+              <a:t>4</a:t>
+            </a:fld>
+            <a:endParaRPr lang="en-US">
+              <a:solidFill>
+                <a:prstClr val="black"/>
+              </a:solidFill>
+            </a:endParaRPr>
+          </a:p>
+        </p:txBody>
+      </p:sp>
+    </p:spTree>
+    <p:extLst>
+      <p:ext uri="{BB962C8B-B14F-4D97-AF65-F5344CB8AC3E}">
+        <p14:creationId xmlns:p14="http://schemas.microsoft.com/office/powerpoint/2010/main" val="2731762582"/>
+      </p:ext>
+    </p:extLst>
+  </p:cSld>
+  <p:clrMapOvr>
+    <a:masterClrMapping/>
+  </p:clrMapOvr>
+</p:notes>
+</file>
+
+<file path=ppt/notesSlides/notesSlide3.xml><?xml version="1.0" encoding="utf-8"?>
+<p:notes xmlns:a="http://schemas.openxmlformats.org/drawingml/2006/main" xmlns:r="http://schemas.openxmlformats.org/officeDocument/2006/relationships" xmlns:p="http://schemas.openxmlformats.org/presentationml/2006/main">
+  <p:cSld>
+    <p:spTree>
+      <p:nvGrpSpPr>
+        <p:cNvPr id="1" name=""/>
+        <p:cNvGrpSpPr/>
+        <p:nvPr/>
+      </p:nvGrpSpPr>
+      <p:grpSpPr>
+        <a:xfrm>
+          <a:off x="0" y="0"/>
+          <a:ext cx="0" cy="0"/>
+          <a:chOff x="0" y="0"/>
+          <a:chExt cx="0" cy="0"/>
+        </a:xfrm>
+      </p:grpSpPr>
+      <p:sp>
+        <p:nvSpPr>
+          <p:cNvPr id="2" name="Slide Image Placeholder 1"/>
+          <p:cNvSpPr>
+            <a:spLocks noGrp="1" noRot="1" noChangeAspect="1"/>
+          </p:cNvSpPr>
+          <p:nvPr>
+            <p:ph type="sldImg"/>
+          </p:nvPr>
+        </p:nvSpPr>
+        <p:spPr/>
+      </p:sp>
+      <p:sp>
+        <p:nvSpPr>
+          <p:cNvPr id="3" name="Notes Placeholder 2"/>
+          <p:cNvSpPr>
+            <a:spLocks noGrp="1"/>
+          </p:cNvSpPr>
+          <p:nvPr>
+            <p:ph type="body" idx="1"/>
+          </p:nvPr>
+        </p:nvSpPr>
+        <p:spPr/>
+        <p:txBody>
+          <a:bodyPr/>
+          <a:lstStyle/>
+          <a:p>
+            <a:endParaRPr lang="en-US"/>
+          </a:p>
+        </p:txBody>
+      </p:sp>
+      <p:sp>
+        <p:nvSpPr>
+          <p:cNvPr id="4" name="Slide Number Placeholder 3"/>
+          <p:cNvSpPr>
+            <a:spLocks noGrp="1"/>
+          </p:cNvSpPr>
+          <p:nvPr>
+            <p:ph type="sldNum" sz="quarter" idx="10"/>
+          </p:nvPr>
+        </p:nvSpPr>
+        <p:spPr/>
+        <p:txBody>
+          <a:bodyPr/>
+          <a:lstStyle/>
+          <a:p>
+            <a:fld id="{7932FA65-FBE7-4A3A-B02B-854EA750C293}" type="slidenum">
+              <a:rPr lang="en-US" smtClean="0">
+                <a:solidFill>
+                  <a:prstClr val="black"/>
+                </a:solidFill>
+              </a:rPr>
+              <a:pPr/>
+              <a:t>5</a:t>
+            </a:fld>
+            <a:endParaRPr lang="en-US">
+              <a:solidFill>
+                <a:prstClr val="black"/>
+              </a:solidFill>
+            </a:endParaRPr>
+          </a:p>
+        </p:txBody>
+      </p:sp>
+    </p:spTree>
+    <p:extLst>
+      <p:ext uri="{BB962C8B-B14F-4D97-AF65-F5344CB8AC3E}">
+        <p14:creationId xmlns:p14="http://schemas.microsoft.com/office/powerpoint/2010/main" val="1106110425"/>
+      </p:ext>
+    </p:extLst>
+  </p:cSld>
+  <p:clrMapOvr>
+    <a:masterClrMapping/>
+  </p:clrMapOvr>
+</p:notes>
+</file>
+
 <file path=ppt/slideLayouts/slideLayout1.xml><?xml version="1.0" encoding="utf-8"?>
 <p:sldLayout xmlns:a="http://schemas.openxmlformats.org/drawingml/2006/main" xmlns:r="http://schemas.openxmlformats.org/officeDocument/2006/relationships" xmlns:p="http://schemas.openxmlformats.org/presentationml/2006/main" type="title" preserve="1">
   <p:cSld name="Title Slide">
@@ -244,7 +881,7 @@
           <a:p>
             <a:fld id="{6BF0DA6D-33A5-4CFF-88F3-29EF9F49F523}" type="datetimeFigureOut">
               <a:rPr lang="en-US" smtClean="0"/>
-              <a:t>12/15/2023</a:t>
+              <a:t>12/28/2023</a:t>
             </a:fld>
             <a:endParaRPr lang="en-US"/>
           </a:p>
@@ -414,7 +1051,7 @@
           <a:p>
             <a:fld id="{6BF0DA6D-33A5-4CFF-88F3-29EF9F49F523}" type="datetimeFigureOut">
               <a:rPr lang="en-US" smtClean="0"/>
-              <a:t>12/15/2023</a:t>
+              <a:t>12/28/2023</a:t>
             </a:fld>
             <a:endParaRPr lang="en-US"/>
           </a:p>
@@ -594,7 +1231,7 @@
           <a:p>
             <a:fld id="{6BF0DA6D-33A5-4CFF-88F3-29EF9F49F523}" type="datetimeFigureOut">
               <a:rPr lang="en-US" smtClean="0"/>
-              <a:t>12/15/2023</a:t>
+              <a:t>12/28/2023</a:t>
             </a:fld>
             <a:endParaRPr lang="en-US"/>
           </a:p>
@@ -764,7 +1401,7 @@
           <a:p>
             <a:fld id="{6BF0DA6D-33A5-4CFF-88F3-29EF9F49F523}" type="datetimeFigureOut">
               <a:rPr lang="en-US" smtClean="0"/>
-              <a:t>12/15/2023</a:t>
+              <a:t>12/28/2023</a:t>
             </a:fld>
             <a:endParaRPr lang="en-US"/>
           </a:p>
@@ -1008,7 +1645,7 @@
           <a:p>
             <a:fld id="{6BF0DA6D-33A5-4CFF-88F3-29EF9F49F523}" type="datetimeFigureOut">
               <a:rPr lang="en-US" smtClean="0"/>
-              <a:t>12/15/2023</a:t>
+              <a:t>12/28/2023</a:t>
             </a:fld>
             <a:endParaRPr lang="en-US"/>
           </a:p>
@@ -1240,7 +1877,7 @@
           <a:p>
             <a:fld id="{6BF0DA6D-33A5-4CFF-88F3-29EF9F49F523}" type="datetimeFigureOut">
               <a:rPr lang="en-US" smtClean="0"/>
-              <a:t>12/15/2023</a:t>
+              <a:t>12/28/2023</a:t>
             </a:fld>
             <a:endParaRPr lang="en-US"/>
           </a:p>
@@ -1607,7 +2244,7 @@
           <a:p>
             <a:fld id="{6BF0DA6D-33A5-4CFF-88F3-29EF9F49F523}" type="datetimeFigureOut">
               <a:rPr lang="en-US" smtClean="0"/>
-              <a:t>12/15/2023</a:t>
+              <a:t>12/28/2023</a:t>
             </a:fld>
             <a:endParaRPr lang="en-US"/>
           </a:p>
@@ -1725,7 +2362,7 @@
           <a:p>
             <a:fld id="{6BF0DA6D-33A5-4CFF-88F3-29EF9F49F523}" type="datetimeFigureOut">
               <a:rPr lang="en-US" smtClean="0"/>
-              <a:t>12/15/2023</a:t>
+              <a:t>12/28/2023</a:t>
             </a:fld>
             <a:endParaRPr lang="en-US"/>
           </a:p>
@@ -1820,7 +2457,7 @@
           <a:p>
             <a:fld id="{6BF0DA6D-33A5-4CFF-88F3-29EF9F49F523}" type="datetimeFigureOut">
               <a:rPr lang="en-US" smtClean="0"/>
-              <a:t>12/15/2023</a:t>
+              <a:t>12/28/2023</a:t>
             </a:fld>
             <a:endParaRPr lang="en-US"/>
           </a:p>
@@ -2097,7 +2734,7 @@
           <a:p>
             <a:fld id="{6BF0DA6D-33A5-4CFF-88F3-29EF9F49F523}" type="datetimeFigureOut">
               <a:rPr lang="en-US" smtClean="0"/>
-              <a:t>12/15/2023</a:t>
+              <a:t>12/28/2023</a:t>
             </a:fld>
             <a:endParaRPr lang="en-US"/>
           </a:p>
@@ -2354,7 +2991,7 @@
           <a:p>
             <a:fld id="{6BF0DA6D-33A5-4CFF-88F3-29EF9F49F523}" type="datetimeFigureOut">
               <a:rPr lang="en-US" smtClean="0"/>
-              <a:t>12/15/2023</a:t>
+              <a:t>12/28/2023</a:t>
             </a:fld>
             <a:endParaRPr lang="en-US"/>
           </a:p>
@@ -2567,7 +3204,7 @@
           <a:p>
             <a:fld id="{6BF0DA6D-33A5-4CFF-88F3-29EF9F49F523}" type="datetimeFigureOut">
               <a:rPr lang="en-US" smtClean="0"/>
-              <a:t>12/15/2023</a:t>
+              <a:t>12/28/2023</a:t>
             </a:fld>
             <a:endParaRPr lang="en-US"/>
           </a:p>
@@ -3209,8 +3846,8 @@
             </a:p>
           </p:txBody>
         </p:sp>
-        <mc:AlternateContent xmlns:mc="http://schemas.openxmlformats.org/markup-compatibility/2006">
-          <mc:Choice xmlns:a14="http://schemas.microsoft.com/office/drawing/2010/main" Requires="a14">
+        <mc:AlternateContent xmlns:mc="http://schemas.openxmlformats.org/markup-compatibility/2006" xmlns:a14="http://schemas.microsoft.com/office/drawing/2010/main">
+          <mc:Choice Requires="a14">
             <p:sp>
               <p:nvSpPr>
                 <p:cNvPr id="5" name="TextBox 4">
@@ -3282,7 +3919,7 @@
               </p:txBody>
             </p:sp>
           </mc:Choice>
-          <mc:Fallback>
+          <mc:Fallback xmlns="">
             <p:sp>
               <p:nvSpPr>
                 <p:cNvPr id="5" name="TextBox 4">
@@ -3750,8 +4387,8 @@
             </a:p>
           </p:txBody>
         </p:sp>
-        <mc:AlternateContent xmlns:mc="http://schemas.openxmlformats.org/markup-compatibility/2006">
-          <mc:Choice xmlns:a14="http://schemas.microsoft.com/office/drawing/2010/main" Requires="a14">
+        <mc:AlternateContent xmlns:mc="http://schemas.openxmlformats.org/markup-compatibility/2006" xmlns:a14="http://schemas.microsoft.com/office/drawing/2010/main">
+          <mc:Choice Requires="a14">
             <p:sp>
               <p:nvSpPr>
                 <p:cNvPr id="5" name="TextBox 4">
@@ -3881,7 +4518,7 @@
               </p:txBody>
             </p:sp>
           </mc:Choice>
-          <mc:Fallback>
+          <mc:Fallback xmlns="">
             <p:sp>
               <p:nvSpPr>
                 <p:cNvPr id="5" name="TextBox 4">
@@ -4031,8 +4668,8 @@
           </a:p>
         </p:txBody>
       </p:sp>
-      <mc:AlternateContent xmlns:mc="http://schemas.openxmlformats.org/markup-compatibility/2006">
-        <mc:Choice xmlns:a14="http://schemas.microsoft.com/office/drawing/2010/main" Requires="a14">
+      <mc:AlternateContent xmlns:mc="http://schemas.openxmlformats.org/markup-compatibility/2006" xmlns:a14="http://schemas.microsoft.com/office/drawing/2010/main">
+        <mc:Choice Requires="a14">
           <p:sp>
             <p:nvSpPr>
               <p:cNvPr id="8" name="TextBox 7">
@@ -4162,7 +4799,7 @@
             </p:txBody>
           </p:sp>
         </mc:Choice>
-        <mc:Fallback>
+        <mc:Fallback xmlns="">
           <p:sp>
             <p:nvSpPr>
               <p:cNvPr id="8" name="TextBox 7">
@@ -4207,8 +4844,8 @@
           </p:sp>
         </mc:Fallback>
       </mc:AlternateContent>
-      <mc:AlternateContent xmlns:mc="http://schemas.openxmlformats.org/markup-compatibility/2006">
-        <mc:Choice xmlns:a14="http://schemas.microsoft.com/office/drawing/2010/main" Requires="a14">
+      <mc:AlternateContent xmlns:mc="http://schemas.openxmlformats.org/markup-compatibility/2006" xmlns:a14="http://schemas.microsoft.com/office/drawing/2010/main">
+        <mc:Choice Requires="a14">
           <p:sp>
             <p:nvSpPr>
               <p:cNvPr id="9" name="TextBox 8">
@@ -4338,7 +4975,7 @@
             </p:txBody>
           </p:sp>
         </mc:Choice>
-        <mc:Fallback>
+        <mc:Fallback xmlns="">
           <p:sp>
             <p:nvSpPr>
               <p:cNvPr id="9" name="TextBox 8">
@@ -4383,8 +5020,8 @@
           </p:sp>
         </mc:Fallback>
       </mc:AlternateContent>
-      <mc:AlternateContent xmlns:mc="http://schemas.openxmlformats.org/markup-compatibility/2006">
-        <mc:Choice xmlns:a14="http://schemas.microsoft.com/office/drawing/2010/main" Requires="a14">
+      <mc:AlternateContent xmlns:mc="http://schemas.openxmlformats.org/markup-compatibility/2006" xmlns:a14="http://schemas.microsoft.com/office/drawing/2010/main">
+        <mc:Choice Requires="a14">
           <p:sp>
             <p:nvSpPr>
               <p:cNvPr id="29" name="Rectangle 28">
@@ -4460,7 +5097,7 @@
             </p:txBody>
           </p:sp>
         </mc:Choice>
-        <mc:Fallback>
+        <mc:Fallback xmlns="">
           <p:sp>
             <p:nvSpPr>
               <p:cNvPr id="29" name="Rectangle 28">
@@ -4510,8 +5147,8 @@
           </p:sp>
         </mc:Fallback>
       </mc:AlternateContent>
-      <mc:AlternateContent xmlns:mc="http://schemas.openxmlformats.org/markup-compatibility/2006">
-        <mc:Choice xmlns:a14="http://schemas.microsoft.com/office/drawing/2010/main" Requires="a14">
+      <mc:AlternateContent xmlns:mc="http://schemas.openxmlformats.org/markup-compatibility/2006" xmlns:a14="http://schemas.microsoft.com/office/drawing/2010/main">
+        <mc:Choice Requires="a14">
           <p:sp>
             <p:nvSpPr>
               <p:cNvPr id="30" name="Rectangle 29">
@@ -4587,7 +5224,7 @@
             </p:txBody>
           </p:sp>
         </mc:Choice>
-        <mc:Fallback>
+        <mc:Fallback xmlns="">
           <p:sp>
             <p:nvSpPr>
               <p:cNvPr id="30" name="Rectangle 29">
@@ -4845,8 +5482,8 @@
           </a:p>
         </p:txBody>
       </p:sp>
-      <mc:AlternateContent xmlns:mc="http://schemas.openxmlformats.org/markup-compatibility/2006">
-        <mc:Choice xmlns:a14="http://schemas.microsoft.com/office/drawing/2010/main" Requires="a14">
+      <mc:AlternateContent xmlns:mc="http://schemas.openxmlformats.org/markup-compatibility/2006" xmlns:a14="http://schemas.microsoft.com/office/drawing/2010/main">
+        <mc:Choice Requires="a14">
           <p:sp>
             <p:nvSpPr>
               <p:cNvPr id="40" name="TextBox 39">
@@ -4958,7 +5595,7 @@
             </p:txBody>
           </p:sp>
         </mc:Choice>
-        <mc:Fallback>
+        <mc:Fallback xmlns="">
           <p:sp>
             <p:nvSpPr>
               <p:cNvPr id="40" name="TextBox 39">
@@ -5003,8 +5640,8 @@
           </p:sp>
         </mc:Fallback>
       </mc:AlternateContent>
-      <mc:AlternateContent xmlns:mc="http://schemas.openxmlformats.org/markup-compatibility/2006">
-        <mc:Choice xmlns:a14="http://schemas.microsoft.com/office/drawing/2010/main" Requires="a14">
+      <mc:AlternateContent xmlns:mc="http://schemas.openxmlformats.org/markup-compatibility/2006" xmlns:a14="http://schemas.microsoft.com/office/drawing/2010/main">
+        <mc:Choice Requires="a14">
           <p:sp>
             <p:nvSpPr>
               <p:cNvPr id="41" name="TextBox 40">
@@ -5116,7 +5753,7 @@
             </p:txBody>
           </p:sp>
         </mc:Choice>
-        <mc:Fallback>
+        <mc:Fallback xmlns="">
           <p:sp>
             <p:nvSpPr>
               <p:cNvPr id="41" name="TextBox 40">
@@ -5161,8 +5798,8 @@
           </p:sp>
         </mc:Fallback>
       </mc:AlternateContent>
-      <mc:AlternateContent xmlns:mc="http://schemas.openxmlformats.org/markup-compatibility/2006">
-        <mc:Choice xmlns:a14="http://schemas.microsoft.com/office/drawing/2010/main" Requires="a14">
+      <mc:AlternateContent xmlns:mc="http://schemas.openxmlformats.org/markup-compatibility/2006" xmlns:a14="http://schemas.microsoft.com/office/drawing/2010/main">
+        <mc:Choice Requires="a14">
           <p:sp>
             <p:nvSpPr>
               <p:cNvPr id="42" name="TextBox 41">
@@ -5274,7 +5911,7 @@
             </p:txBody>
           </p:sp>
         </mc:Choice>
-        <mc:Fallback>
+        <mc:Fallback xmlns="">
           <p:sp>
             <p:nvSpPr>
               <p:cNvPr id="42" name="TextBox 41">
@@ -5319,8 +5956,8 @@
           </p:sp>
         </mc:Fallback>
       </mc:AlternateContent>
-      <mc:AlternateContent xmlns:mc="http://schemas.openxmlformats.org/markup-compatibility/2006">
-        <mc:Choice xmlns:a14="http://schemas.microsoft.com/office/drawing/2010/main" Requires="a14">
+      <mc:AlternateContent xmlns:mc="http://schemas.openxmlformats.org/markup-compatibility/2006" xmlns:a14="http://schemas.microsoft.com/office/drawing/2010/main">
+        <mc:Choice Requires="a14">
           <p:sp>
             <p:nvSpPr>
               <p:cNvPr id="43" name="TextBox 42">
@@ -5432,7 +6069,7 @@
             </p:txBody>
           </p:sp>
         </mc:Choice>
-        <mc:Fallback>
+        <mc:Fallback xmlns="">
           <p:sp>
             <p:nvSpPr>
               <p:cNvPr id="43" name="TextBox 42">
@@ -5487,6 +6124,3633 @@
   <p:clrMapOvr>
     <a:masterClrMapping/>
   </p:clrMapOvr>
+</p:sld>
+</file>
+
+<file path=ppt/slides/slide3.xml><?xml version="1.0" encoding="utf-8"?>
+<p:sld xmlns:a="http://schemas.openxmlformats.org/drawingml/2006/main" xmlns:r="http://schemas.openxmlformats.org/officeDocument/2006/relationships" xmlns:p="http://schemas.openxmlformats.org/presentationml/2006/main">
+  <p:cSld>
+    <p:spTree>
+      <p:nvGrpSpPr>
+        <p:cNvPr id="1" name=""/>
+        <p:cNvGrpSpPr/>
+        <p:nvPr/>
+      </p:nvGrpSpPr>
+      <p:grpSpPr>
+        <a:xfrm>
+          <a:off x="0" y="0"/>
+          <a:ext cx="0" cy="0"/>
+          <a:chOff x="0" y="0"/>
+          <a:chExt cx="0" cy="0"/>
+        </a:xfrm>
+      </p:grpSpPr>
+      <p:cxnSp>
+        <p:nvCxnSpPr>
+          <p:cNvPr id="17" name="Straight Connector 16"/>
+          <p:cNvCxnSpPr>
+            <a:cxnSpLocks/>
+          </p:cNvCxnSpPr>
+          <p:nvPr/>
+        </p:nvCxnSpPr>
+        <p:spPr>
+          <a:xfrm flipV="1">
+            <a:off x="3276958" y="2302320"/>
+            <a:ext cx="1" cy="500536"/>
+          </a:xfrm>
+          <a:prstGeom prst="line">
+            <a:avLst/>
+          </a:prstGeom>
+          <a:ln w="19050">
+            <a:solidFill>
+              <a:schemeClr val="tx1"/>
+            </a:solidFill>
+            <a:headEnd type="none" w="med" len="lg"/>
+            <a:tailEnd type="arrow" w="med" len="lg"/>
+          </a:ln>
+        </p:spPr>
+        <p:style>
+          <a:lnRef idx="1">
+            <a:schemeClr val="accent1"/>
+          </a:lnRef>
+          <a:fillRef idx="0">
+            <a:schemeClr val="accent1"/>
+          </a:fillRef>
+          <a:effectRef idx="0">
+            <a:schemeClr val="accent1"/>
+          </a:effectRef>
+          <a:fontRef idx="minor">
+            <a:schemeClr val="tx1"/>
+          </a:fontRef>
+        </p:style>
+      </p:cxnSp>
+      <p:sp>
+        <p:nvSpPr>
+          <p:cNvPr id="7" name="Flowchart: Document 6"/>
+          <p:cNvSpPr/>
+          <p:nvPr/>
+        </p:nvSpPr>
+        <p:spPr>
+          <a:xfrm>
+            <a:off x="2771150" y="1917710"/>
+            <a:ext cx="1011617" cy="411837"/>
+          </a:xfrm>
+          <a:prstGeom prst="flowChartDocument">
+            <a:avLst/>
+          </a:prstGeom>
+          <a:solidFill>
+            <a:schemeClr val="accent4">
+              <a:lumMod val="40000"/>
+              <a:lumOff val="60000"/>
+            </a:schemeClr>
+          </a:solidFill>
+          <a:ln>
+            <a:solidFill>
+              <a:schemeClr val="tx1"/>
+            </a:solidFill>
+          </a:ln>
+        </p:spPr>
+        <p:style>
+          <a:lnRef idx="2">
+            <a:schemeClr val="accent1">
+              <a:shade val="50000"/>
+            </a:schemeClr>
+          </a:lnRef>
+          <a:fillRef idx="1">
+            <a:schemeClr val="accent1"/>
+          </a:fillRef>
+          <a:effectRef idx="0">
+            <a:schemeClr val="accent1"/>
+          </a:effectRef>
+          <a:fontRef idx="minor">
+            <a:schemeClr val="lt1"/>
+          </a:fontRef>
+        </p:style>
+        <p:txBody>
+          <a:bodyPr rtlCol="0" anchor="ctr"/>
+          <a:lstStyle/>
+          <a:p>
+            <a:pPr algn="ctr"/>
+            <a:r>
+              <a:rPr lang="en-US" dirty="0">
+                <a:solidFill>
+                  <a:prstClr val="black"/>
+                </a:solidFill>
+                <a:latin typeface="Consolas" panose="020B0609020204030204" pitchFamily="49" charset="0"/>
+                <a:cs typeface="Consolas" panose="020B0609020204030204" pitchFamily="49" charset="0"/>
+              </a:rPr>
+              <a:t>CShape</a:t>
+            </a:r>
+            <a:endParaRPr lang="en-US" sz="1600" dirty="0">
+              <a:solidFill>
+                <a:prstClr val="black"/>
+              </a:solidFill>
+              <a:latin typeface="Consolas" panose="020B0609020204030204" pitchFamily="49" charset="0"/>
+              <a:cs typeface="Consolas" panose="020B0609020204030204" pitchFamily="49" charset="0"/>
+            </a:endParaRPr>
+          </a:p>
+        </p:txBody>
+      </p:sp>
+      <p:cxnSp>
+        <p:nvCxnSpPr>
+          <p:cNvPr id="71" name="Straight Connector 70"/>
+          <p:cNvCxnSpPr>
+            <a:cxnSpLocks/>
+          </p:cNvCxnSpPr>
+          <p:nvPr/>
+        </p:nvCxnSpPr>
+        <p:spPr>
+          <a:xfrm flipV="1">
+            <a:off x="3276958" y="3187466"/>
+            <a:ext cx="0" cy="498048"/>
+          </a:xfrm>
+          <a:prstGeom prst="line">
+            <a:avLst/>
+          </a:prstGeom>
+          <a:ln w="19050">
+            <a:solidFill>
+              <a:schemeClr val="tx1"/>
+            </a:solidFill>
+            <a:headEnd type="none" w="med" len="lg"/>
+            <a:tailEnd type="arrow" w="med" len="lg"/>
+          </a:ln>
+        </p:spPr>
+        <p:style>
+          <a:lnRef idx="1">
+            <a:schemeClr val="accent1"/>
+          </a:lnRef>
+          <a:fillRef idx="0">
+            <a:schemeClr val="accent1"/>
+          </a:fillRef>
+          <a:effectRef idx="0">
+            <a:schemeClr val="accent1"/>
+          </a:effectRef>
+          <a:fontRef idx="minor">
+            <a:schemeClr val="tx1"/>
+          </a:fontRef>
+        </p:style>
+      </p:cxnSp>
+      <p:sp>
+        <p:nvSpPr>
+          <p:cNvPr id="74" name="Flowchart: Document 73"/>
+          <p:cNvSpPr/>
+          <p:nvPr/>
+        </p:nvSpPr>
+        <p:spPr>
+          <a:xfrm>
+            <a:off x="2771150" y="2802856"/>
+            <a:ext cx="1011616" cy="411837"/>
+          </a:xfrm>
+          <a:prstGeom prst="flowChartDocument">
+            <a:avLst/>
+          </a:prstGeom>
+          <a:solidFill>
+            <a:schemeClr val="accent4">
+              <a:lumMod val="40000"/>
+              <a:lumOff val="60000"/>
+            </a:schemeClr>
+          </a:solidFill>
+          <a:ln>
+            <a:solidFill>
+              <a:schemeClr val="tx1"/>
+            </a:solidFill>
+          </a:ln>
+        </p:spPr>
+        <p:style>
+          <a:lnRef idx="2">
+            <a:schemeClr val="accent1">
+              <a:shade val="50000"/>
+            </a:schemeClr>
+          </a:lnRef>
+          <a:fillRef idx="1">
+            <a:schemeClr val="accent1"/>
+          </a:fillRef>
+          <a:effectRef idx="0">
+            <a:schemeClr val="accent1"/>
+          </a:effectRef>
+          <a:fontRef idx="minor">
+            <a:schemeClr val="lt1"/>
+          </a:fontRef>
+        </p:style>
+        <p:txBody>
+          <a:bodyPr rtlCol="0" anchor="ctr"/>
+          <a:lstStyle/>
+          <a:p>
+            <a:pPr algn="ctr"/>
+            <a:r>
+              <a:rPr lang="en-US" dirty="0">
+                <a:solidFill>
+                  <a:prstClr val="black"/>
+                </a:solidFill>
+                <a:latin typeface="Consolas" panose="020B0609020204030204" pitchFamily="49" charset="0"/>
+                <a:cs typeface="Consolas" panose="020B0609020204030204" pitchFamily="49" charset="0"/>
+              </a:rPr>
+              <a:t>CLine</a:t>
+            </a:r>
+            <a:endParaRPr lang="en-US" sz="1600" dirty="0">
+              <a:solidFill>
+                <a:prstClr val="black"/>
+              </a:solidFill>
+              <a:latin typeface="Consolas" panose="020B0609020204030204" pitchFamily="49" charset="0"/>
+              <a:cs typeface="Consolas" panose="020B0609020204030204" pitchFamily="49" charset="0"/>
+            </a:endParaRPr>
+          </a:p>
+        </p:txBody>
+      </p:sp>
+      <p:sp>
+        <p:nvSpPr>
+          <p:cNvPr id="75" name="Rectangle 74"/>
+          <p:cNvSpPr/>
+          <p:nvPr/>
+        </p:nvSpPr>
+        <p:spPr>
+          <a:xfrm>
+            <a:off x="2669340" y="3685514"/>
+            <a:ext cx="1215236" cy="411837"/>
+          </a:xfrm>
+          <a:prstGeom prst="rect">
+            <a:avLst/>
+          </a:prstGeom>
+          <a:solidFill>
+            <a:schemeClr val="accent1">
+              <a:lumMod val="40000"/>
+              <a:lumOff val="60000"/>
+            </a:schemeClr>
+          </a:solidFill>
+          <a:ln>
+            <a:solidFill>
+              <a:schemeClr val="tx1"/>
+            </a:solidFill>
+          </a:ln>
+        </p:spPr>
+        <p:style>
+          <a:lnRef idx="2">
+            <a:schemeClr val="accent1">
+              <a:shade val="50000"/>
+            </a:schemeClr>
+          </a:lnRef>
+          <a:fillRef idx="1">
+            <a:schemeClr val="accent1"/>
+          </a:fillRef>
+          <a:effectRef idx="0">
+            <a:schemeClr val="accent1"/>
+          </a:effectRef>
+          <a:fontRef idx="minor">
+            <a:schemeClr val="lt1"/>
+          </a:fontRef>
+        </p:style>
+        <p:txBody>
+          <a:bodyPr rtlCol="0" anchor="ctr"/>
+          <a:lstStyle/>
+          <a:p>
+            <a:pPr algn="ctr"/>
+            <a:r>
+              <a:rPr lang="en-US" dirty="0" err="1">
+                <a:solidFill>
+                  <a:prstClr val="black"/>
+                </a:solidFill>
+                <a:latin typeface="Consolas" panose="020B0609020204030204" pitchFamily="49" charset="0"/>
+                <a:cs typeface="Consolas" panose="020B0609020204030204" pitchFamily="49" charset="0"/>
+              </a:rPr>
+              <a:t>CLineSeg</a:t>
+            </a:r>
+            <a:endParaRPr lang="en-US" sz="1600" dirty="0">
+              <a:solidFill>
+                <a:prstClr val="black"/>
+              </a:solidFill>
+              <a:latin typeface="Consolas" panose="020B0609020204030204" pitchFamily="49" charset="0"/>
+              <a:cs typeface="Consolas" panose="020B0609020204030204" pitchFamily="49" charset="0"/>
+            </a:endParaRPr>
+          </a:p>
+        </p:txBody>
+      </p:sp>
+      <p:sp>
+        <p:nvSpPr>
+          <p:cNvPr id="76" name="Snip Single Corner Rectangle 75"/>
+          <p:cNvSpPr/>
+          <p:nvPr/>
+        </p:nvSpPr>
+        <p:spPr>
+          <a:xfrm>
+            <a:off x="2094031" y="4568172"/>
+            <a:ext cx="2365855" cy="411837"/>
+          </a:xfrm>
+          <a:prstGeom prst="snip1Rect">
+            <a:avLst/>
+          </a:prstGeom>
+          <a:solidFill>
+            <a:schemeClr val="accent6">
+              <a:lumMod val="40000"/>
+              <a:lumOff val="60000"/>
+            </a:schemeClr>
+          </a:solidFill>
+          <a:ln/>
+        </p:spPr>
+        <p:style>
+          <a:lnRef idx="2">
+            <a:schemeClr val="dk1"/>
+          </a:lnRef>
+          <a:fillRef idx="1">
+            <a:schemeClr val="lt1"/>
+          </a:fillRef>
+          <a:effectRef idx="0">
+            <a:schemeClr val="dk1"/>
+          </a:effectRef>
+          <a:fontRef idx="minor">
+            <a:schemeClr val="dk1"/>
+          </a:fontRef>
+        </p:style>
+        <p:txBody>
+          <a:bodyPr rtlCol="0" anchor="ctr"/>
+          <a:lstStyle/>
+          <a:p>
+            <a:pPr algn="ctr"/>
+            <a:r>
+              <a:rPr lang="en-US" dirty="0" err="1">
+                <a:solidFill>
+                  <a:prstClr val="black"/>
+                </a:solidFill>
+                <a:latin typeface="Consolas" panose="020B0609020204030204" pitchFamily="49" charset="0"/>
+                <a:cs typeface="Consolas" panose="020B0609020204030204" pitchFamily="49" charset="0"/>
+              </a:rPr>
+              <a:t>CKinematicLineSeg</a:t>
+            </a:r>
+            <a:endParaRPr lang="en-US" sz="1600" dirty="0">
+              <a:solidFill>
+                <a:prstClr val="black"/>
+              </a:solidFill>
+              <a:latin typeface="Consolas" panose="020B0609020204030204" pitchFamily="49" charset="0"/>
+              <a:cs typeface="Consolas" panose="020B0609020204030204" pitchFamily="49" charset="0"/>
+            </a:endParaRPr>
+          </a:p>
+        </p:txBody>
+      </p:sp>
+      <p:cxnSp>
+        <p:nvCxnSpPr>
+          <p:cNvPr id="77" name="Straight Connector 76"/>
+          <p:cNvCxnSpPr>
+            <a:cxnSpLocks/>
+          </p:cNvCxnSpPr>
+          <p:nvPr/>
+        </p:nvCxnSpPr>
+        <p:spPr>
+          <a:xfrm flipH="1" flipV="1">
+            <a:off x="3276958" y="4097351"/>
+            <a:ext cx="1" cy="470821"/>
+          </a:xfrm>
+          <a:prstGeom prst="line">
+            <a:avLst/>
+          </a:prstGeom>
+          <a:ln w="19050">
+            <a:solidFill>
+              <a:schemeClr val="tx1"/>
+            </a:solidFill>
+            <a:headEnd type="none" w="med" len="lg"/>
+            <a:tailEnd type="arrow" w="med" len="lg"/>
+          </a:ln>
+        </p:spPr>
+        <p:style>
+          <a:lnRef idx="1">
+            <a:schemeClr val="accent1"/>
+          </a:lnRef>
+          <a:fillRef idx="0">
+            <a:schemeClr val="accent1"/>
+          </a:fillRef>
+          <a:effectRef idx="0">
+            <a:schemeClr val="accent1"/>
+          </a:effectRef>
+          <a:fontRef idx="minor">
+            <a:schemeClr val="tx1"/>
+          </a:fontRef>
+        </p:style>
+      </p:cxnSp>
+    </p:spTree>
+    <p:extLst>
+      <p:ext uri="{BB962C8B-B14F-4D97-AF65-F5344CB8AC3E}">
+        <p14:creationId xmlns:p14="http://schemas.microsoft.com/office/powerpoint/2010/main" val="3129664781"/>
+      </p:ext>
+    </p:extLst>
+  </p:cSld>
+  <p:clrMapOvr>
+    <a:masterClrMapping/>
+  </p:clrMapOvr>
+  <mc:AlternateContent xmlns:mc="http://schemas.openxmlformats.org/markup-compatibility/2006">
+    <mc:Choice xmlns:p14="http://schemas.microsoft.com/office/powerpoint/2010/main" Requires="p14">
+      <p:transition p14:dur="10"/>
+    </mc:Choice>
+    <mc:Fallback>
+      <p:transition/>
+    </mc:Fallback>
+  </mc:AlternateContent>
+</p:sld>
+</file>
+
+<file path=ppt/slides/slide4.xml><?xml version="1.0" encoding="utf-8"?>
+<p:sld xmlns:a="http://schemas.openxmlformats.org/drawingml/2006/main" xmlns:r="http://schemas.openxmlformats.org/officeDocument/2006/relationships" xmlns:p="http://schemas.openxmlformats.org/presentationml/2006/main">
+  <p:cSld>
+    <p:spTree>
+      <p:nvGrpSpPr>
+        <p:cNvPr id="1" name=""/>
+        <p:cNvGrpSpPr/>
+        <p:nvPr/>
+      </p:nvGrpSpPr>
+      <p:grpSpPr>
+        <a:xfrm>
+          <a:off x="0" y="0"/>
+          <a:ext cx="0" cy="0"/>
+          <a:chOff x="0" y="0"/>
+          <a:chExt cx="0" cy="0"/>
+        </a:xfrm>
+      </p:grpSpPr>
+      <p:cxnSp>
+        <p:nvCxnSpPr>
+          <p:cNvPr id="17" name="Straight Connector 16"/>
+          <p:cNvCxnSpPr>
+            <a:endCxn id="7" idx="2"/>
+          </p:cNvCxnSpPr>
+          <p:nvPr/>
+        </p:nvCxnSpPr>
+        <p:spPr>
+          <a:xfrm flipV="1">
+            <a:off x="3276959" y="2302320"/>
+            <a:ext cx="1" cy="500538"/>
+          </a:xfrm>
+          <a:prstGeom prst="line">
+            <a:avLst/>
+          </a:prstGeom>
+          <a:ln w="19050">
+            <a:solidFill>
+              <a:schemeClr val="tx1"/>
+            </a:solidFill>
+            <a:headEnd type="none" w="med" len="lg"/>
+            <a:tailEnd type="arrow" w="med" len="lg"/>
+          </a:ln>
+        </p:spPr>
+        <p:style>
+          <a:lnRef idx="1">
+            <a:schemeClr val="accent1"/>
+          </a:lnRef>
+          <a:fillRef idx="0">
+            <a:schemeClr val="accent1"/>
+          </a:fillRef>
+          <a:effectRef idx="0">
+            <a:schemeClr val="accent1"/>
+          </a:effectRef>
+          <a:fontRef idx="minor">
+            <a:schemeClr val="tx1"/>
+          </a:fontRef>
+        </p:style>
+      </p:cxnSp>
+      <p:sp>
+        <p:nvSpPr>
+          <p:cNvPr id="7" name="Flowchart: Document 6"/>
+          <p:cNvSpPr/>
+          <p:nvPr/>
+        </p:nvSpPr>
+        <p:spPr>
+          <a:xfrm>
+            <a:off x="2771151" y="1917710"/>
+            <a:ext cx="1011617" cy="411837"/>
+          </a:xfrm>
+          <a:prstGeom prst="flowChartDocument">
+            <a:avLst/>
+          </a:prstGeom>
+          <a:solidFill>
+            <a:schemeClr val="accent4">
+              <a:lumMod val="40000"/>
+              <a:lumOff val="60000"/>
+            </a:schemeClr>
+          </a:solidFill>
+          <a:ln>
+            <a:solidFill>
+              <a:schemeClr val="tx1"/>
+            </a:solidFill>
+          </a:ln>
+        </p:spPr>
+        <p:style>
+          <a:lnRef idx="2">
+            <a:schemeClr val="accent1">
+              <a:shade val="50000"/>
+            </a:schemeClr>
+          </a:lnRef>
+          <a:fillRef idx="1">
+            <a:schemeClr val="accent1"/>
+          </a:fillRef>
+          <a:effectRef idx="0">
+            <a:schemeClr val="accent1"/>
+          </a:effectRef>
+          <a:fontRef idx="minor">
+            <a:schemeClr val="lt1"/>
+          </a:fontRef>
+        </p:style>
+        <p:txBody>
+          <a:bodyPr rtlCol="0" anchor="ctr"/>
+          <a:lstStyle/>
+          <a:p>
+            <a:pPr algn="ctr"/>
+            <a:r>
+              <a:rPr lang="en-US" dirty="0">
+                <a:solidFill>
+                  <a:prstClr val="black"/>
+                </a:solidFill>
+                <a:latin typeface="Consolas" panose="020B0609020204030204" pitchFamily="49" charset="0"/>
+                <a:cs typeface="Consolas" panose="020B0609020204030204" pitchFamily="49" charset="0"/>
+              </a:rPr>
+              <a:t>CShape</a:t>
+            </a:r>
+            <a:endParaRPr lang="en-US" sz="1600" dirty="0">
+              <a:solidFill>
+                <a:prstClr val="black"/>
+              </a:solidFill>
+              <a:latin typeface="Consolas" panose="020B0609020204030204" pitchFamily="49" charset="0"/>
+              <a:cs typeface="Consolas" panose="020B0609020204030204" pitchFamily="49" charset="0"/>
+            </a:endParaRPr>
+          </a:p>
+        </p:txBody>
+      </p:sp>
+      <p:sp>
+        <p:nvSpPr>
+          <p:cNvPr id="16" name="Rectangle 15"/>
+          <p:cNvSpPr/>
+          <p:nvPr/>
+        </p:nvSpPr>
+        <p:spPr>
+          <a:xfrm>
+            <a:off x="2563728" y="2802857"/>
+            <a:ext cx="1426464" cy="411837"/>
+          </a:xfrm>
+          <a:prstGeom prst="rect">
+            <a:avLst/>
+          </a:prstGeom>
+          <a:solidFill>
+            <a:schemeClr val="accent1">
+              <a:lumMod val="40000"/>
+              <a:lumOff val="60000"/>
+            </a:schemeClr>
+          </a:solidFill>
+          <a:ln>
+            <a:solidFill>
+              <a:schemeClr val="tx1"/>
+            </a:solidFill>
+          </a:ln>
+        </p:spPr>
+        <p:style>
+          <a:lnRef idx="2">
+            <a:schemeClr val="accent1">
+              <a:shade val="50000"/>
+            </a:schemeClr>
+          </a:lnRef>
+          <a:fillRef idx="1">
+            <a:schemeClr val="accent1"/>
+          </a:fillRef>
+          <a:effectRef idx="0">
+            <a:schemeClr val="accent1"/>
+          </a:effectRef>
+          <a:fontRef idx="minor">
+            <a:schemeClr val="lt1"/>
+          </a:fontRef>
+        </p:style>
+        <p:txBody>
+          <a:bodyPr rtlCol="0" anchor="ctr"/>
+          <a:lstStyle/>
+          <a:p>
+            <a:pPr algn="ctr"/>
+            <a:r>
+              <a:rPr lang="en-US" dirty="0">
+                <a:solidFill>
+                  <a:prstClr val="black"/>
+                </a:solidFill>
+                <a:latin typeface="Consolas" panose="020B0609020204030204" pitchFamily="49" charset="0"/>
+                <a:cs typeface="Consolas" panose="020B0609020204030204" pitchFamily="49" charset="0"/>
+              </a:rPr>
+              <a:t>CPoint</a:t>
+            </a:r>
+            <a:endParaRPr lang="en-US" sz="1600" dirty="0">
+              <a:solidFill>
+                <a:prstClr val="black"/>
+              </a:solidFill>
+              <a:latin typeface="Consolas" panose="020B0609020204030204" pitchFamily="49" charset="0"/>
+              <a:cs typeface="Consolas" panose="020B0609020204030204" pitchFamily="49" charset="0"/>
+            </a:endParaRPr>
+          </a:p>
+        </p:txBody>
+      </p:sp>
+      <p:sp>
+        <p:nvSpPr>
+          <p:cNvPr id="22" name="Snip Single Corner Rectangle 21"/>
+          <p:cNvSpPr/>
+          <p:nvPr/>
+        </p:nvSpPr>
+        <p:spPr>
+          <a:xfrm>
+            <a:off x="2217587" y="3688004"/>
+            <a:ext cx="2118743" cy="411837"/>
+          </a:xfrm>
+          <a:prstGeom prst="snip1Rect">
+            <a:avLst/>
+          </a:prstGeom>
+          <a:solidFill>
+            <a:schemeClr val="accent6">
+              <a:lumMod val="40000"/>
+              <a:lumOff val="60000"/>
+            </a:schemeClr>
+          </a:solidFill>
+          <a:ln/>
+        </p:spPr>
+        <p:style>
+          <a:lnRef idx="2">
+            <a:schemeClr val="dk1"/>
+          </a:lnRef>
+          <a:fillRef idx="1">
+            <a:schemeClr val="lt1"/>
+          </a:fillRef>
+          <a:effectRef idx="0">
+            <a:schemeClr val="dk1"/>
+          </a:effectRef>
+          <a:fontRef idx="minor">
+            <a:schemeClr val="dk1"/>
+          </a:fontRef>
+        </p:style>
+        <p:txBody>
+          <a:bodyPr rtlCol="0" anchor="ctr"/>
+          <a:lstStyle/>
+          <a:p>
+            <a:pPr algn="ctr"/>
+            <a:r>
+              <a:rPr lang="en-US" dirty="0" err="1">
+                <a:solidFill>
+                  <a:prstClr val="black"/>
+                </a:solidFill>
+                <a:latin typeface="Consolas" panose="020B0609020204030204" pitchFamily="49" charset="0"/>
+                <a:cs typeface="Consolas" panose="020B0609020204030204" pitchFamily="49" charset="0"/>
+              </a:rPr>
+              <a:t>CKinematicPoint</a:t>
+            </a:r>
+            <a:endParaRPr lang="en-US" sz="1600" dirty="0">
+              <a:solidFill>
+                <a:prstClr val="black"/>
+              </a:solidFill>
+              <a:latin typeface="Consolas" panose="020B0609020204030204" pitchFamily="49" charset="0"/>
+              <a:cs typeface="Consolas" panose="020B0609020204030204" pitchFamily="49" charset="0"/>
+            </a:endParaRPr>
+          </a:p>
+        </p:txBody>
+      </p:sp>
+      <p:cxnSp>
+        <p:nvCxnSpPr>
+          <p:cNvPr id="33" name="Straight Connector 32"/>
+          <p:cNvCxnSpPr>
+            <a:stCxn id="22" idx="3"/>
+            <a:endCxn id="16" idx="2"/>
+          </p:cNvCxnSpPr>
+          <p:nvPr/>
+        </p:nvCxnSpPr>
+        <p:spPr>
+          <a:xfrm flipV="1">
+            <a:off x="3276959" y="3214694"/>
+            <a:ext cx="1" cy="473310"/>
+          </a:xfrm>
+          <a:prstGeom prst="line">
+            <a:avLst/>
+          </a:prstGeom>
+          <a:ln w="19050">
+            <a:solidFill>
+              <a:schemeClr val="tx1"/>
+            </a:solidFill>
+            <a:headEnd type="none" w="med" len="lg"/>
+            <a:tailEnd type="arrow" w="med" len="lg"/>
+          </a:ln>
+        </p:spPr>
+        <p:style>
+          <a:lnRef idx="1">
+            <a:schemeClr val="accent1"/>
+          </a:lnRef>
+          <a:fillRef idx="0">
+            <a:schemeClr val="accent1"/>
+          </a:fillRef>
+          <a:effectRef idx="0">
+            <a:schemeClr val="accent1"/>
+          </a:effectRef>
+          <a:fontRef idx="minor">
+            <a:schemeClr val="tx1"/>
+          </a:fontRef>
+        </p:style>
+      </p:cxnSp>
+    </p:spTree>
+    <p:extLst>
+      <p:ext uri="{BB962C8B-B14F-4D97-AF65-F5344CB8AC3E}">
+        <p14:creationId xmlns:p14="http://schemas.microsoft.com/office/powerpoint/2010/main" val="2979127903"/>
+      </p:ext>
+    </p:extLst>
+  </p:cSld>
+  <p:clrMapOvr>
+    <a:masterClrMapping/>
+  </p:clrMapOvr>
+  <mc:AlternateContent xmlns:mc="http://schemas.openxmlformats.org/markup-compatibility/2006" xmlns:p14="http://schemas.microsoft.com/office/powerpoint/2010/main">
+    <mc:Choice Requires="p14">
+      <p:transition p14:dur="10"/>
+    </mc:Choice>
+    <mc:Fallback xmlns="">
+      <p:transition/>
+    </mc:Fallback>
+  </mc:AlternateContent>
+</p:sld>
+</file>
+
+<file path=ppt/slides/slide5.xml><?xml version="1.0" encoding="utf-8"?>
+<p:sld xmlns:a="http://schemas.openxmlformats.org/drawingml/2006/main" xmlns:r="http://schemas.openxmlformats.org/officeDocument/2006/relationships" xmlns:p="http://schemas.openxmlformats.org/presentationml/2006/main">
+  <p:cSld>
+    <p:spTree>
+      <p:nvGrpSpPr>
+        <p:cNvPr id="1" name=""/>
+        <p:cNvGrpSpPr/>
+        <p:nvPr/>
+      </p:nvGrpSpPr>
+      <p:grpSpPr>
+        <a:xfrm>
+          <a:off x="0" y="0"/>
+          <a:ext cx="0" cy="0"/>
+          <a:chOff x="0" y="0"/>
+          <a:chExt cx="0" cy="0"/>
+        </a:xfrm>
+      </p:grpSpPr>
+      <p:grpSp>
+        <p:nvGrpSpPr>
+          <p:cNvPr id="2" name="Group 1"/>
+          <p:cNvGrpSpPr/>
+          <p:nvPr/>
+        </p:nvGrpSpPr>
+        <p:grpSpPr>
+          <a:xfrm>
+            <a:off x="1334080" y="1905823"/>
+            <a:ext cx="6475841" cy="3046354"/>
+            <a:chOff x="1518920" y="1641809"/>
+            <a:chExt cx="6475841" cy="3046354"/>
+          </a:xfrm>
+        </p:grpSpPr>
+        <p:cxnSp>
+          <p:nvCxnSpPr>
+            <p:cNvPr id="17" name="Straight Connector 16"/>
+            <p:cNvCxnSpPr>
+              <a:stCxn id="10" idx="0"/>
+              <a:endCxn id="7" idx="2"/>
+            </p:cNvCxnSpPr>
+            <p:nvPr/>
+          </p:nvCxnSpPr>
+          <p:spPr>
+            <a:xfrm flipV="1">
+              <a:off x="4779918" y="2026419"/>
+              <a:ext cx="0" cy="493557"/>
+            </a:xfrm>
+            <a:prstGeom prst="line">
+              <a:avLst/>
+            </a:prstGeom>
+            <a:ln w="19050">
+              <a:solidFill>
+                <a:schemeClr val="tx1"/>
+              </a:solidFill>
+              <a:headEnd type="none" w="med" len="lg"/>
+              <a:tailEnd type="arrow" w="med" len="lg"/>
+            </a:ln>
+          </p:spPr>
+          <p:style>
+            <a:lnRef idx="1">
+              <a:schemeClr val="accent1"/>
+            </a:lnRef>
+            <a:fillRef idx="0">
+              <a:schemeClr val="accent1"/>
+            </a:fillRef>
+            <a:effectRef idx="0">
+              <a:schemeClr val="accent1"/>
+            </a:effectRef>
+            <a:fontRef idx="minor">
+              <a:schemeClr val="tx1"/>
+            </a:fontRef>
+          </p:style>
+        </p:cxnSp>
+        <p:sp>
+          <p:nvSpPr>
+            <p:cNvPr id="7" name="Flowchart: Document 6"/>
+            <p:cNvSpPr/>
+            <p:nvPr/>
+          </p:nvSpPr>
+          <p:spPr>
+            <a:xfrm>
+              <a:off x="4274109" y="1641809"/>
+              <a:ext cx="1011617" cy="411837"/>
+            </a:xfrm>
+            <a:prstGeom prst="flowChartDocument">
+              <a:avLst/>
+            </a:prstGeom>
+            <a:solidFill>
+              <a:schemeClr val="accent4">
+                <a:lumMod val="40000"/>
+                <a:lumOff val="60000"/>
+              </a:schemeClr>
+            </a:solidFill>
+            <a:ln>
+              <a:solidFill>
+                <a:schemeClr val="tx1"/>
+              </a:solidFill>
+            </a:ln>
+          </p:spPr>
+          <p:style>
+            <a:lnRef idx="2">
+              <a:schemeClr val="accent1">
+                <a:shade val="50000"/>
+              </a:schemeClr>
+            </a:lnRef>
+            <a:fillRef idx="1">
+              <a:schemeClr val="accent1"/>
+            </a:fillRef>
+            <a:effectRef idx="0">
+              <a:schemeClr val="accent1"/>
+            </a:effectRef>
+            <a:fontRef idx="minor">
+              <a:schemeClr val="lt1"/>
+            </a:fontRef>
+          </p:style>
+          <p:txBody>
+            <a:bodyPr rtlCol="0" anchor="ctr"/>
+            <a:lstStyle/>
+            <a:p>
+              <a:pPr algn="ctr"/>
+              <a:r>
+                <a:rPr lang="en-US" dirty="0">
+                  <a:solidFill>
+                    <a:prstClr val="black"/>
+                  </a:solidFill>
+                  <a:latin typeface="Consolas" panose="020B0609020204030204" pitchFamily="49" charset="0"/>
+                  <a:cs typeface="Consolas" panose="020B0609020204030204" pitchFamily="49" charset="0"/>
+                </a:rPr>
+                <a:t>CShape</a:t>
+              </a:r>
+            </a:p>
+          </p:txBody>
+        </p:sp>
+        <p:sp>
+          <p:nvSpPr>
+            <p:cNvPr id="10" name="Rectangle 9"/>
+            <p:cNvSpPr/>
+            <p:nvPr/>
+          </p:nvSpPr>
+          <p:spPr>
+            <a:xfrm>
+              <a:off x="4192699" y="2519976"/>
+              <a:ext cx="1174438" cy="411837"/>
+            </a:xfrm>
+            <a:prstGeom prst="rect">
+              <a:avLst/>
+            </a:prstGeom>
+            <a:solidFill>
+              <a:schemeClr val="accent1">
+                <a:lumMod val="40000"/>
+                <a:lumOff val="60000"/>
+              </a:schemeClr>
+            </a:solidFill>
+            <a:ln>
+              <a:solidFill>
+                <a:schemeClr val="tx1"/>
+              </a:solidFill>
+            </a:ln>
+          </p:spPr>
+          <p:style>
+            <a:lnRef idx="2">
+              <a:schemeClr val="accent1">
+                <a:shade val="50000"/>
+              </a:schemeClr>
+            </a:lnRef>
+            <a:fillRef idx="1">
+              <a:schemeClr val="accent1"/>
+            </a:fillRef>
+            <a:effectRef idx="0">
+              <a:schemeClr val="accent1"/>
+            </a:effectRef>
+            <a:fontRef idx="minor">
+              <a:schemeClr val="lt1"/>
+            </a:fontRef>
+          </p:style>
+          <p:txBody>
+            <a:bodyPr rtlCol="0" anchor="ctr"/>
+            <a:lstStyle/>
+            <a:p>
+              <a:pPr algn="ctr"/>
+              <a:r>
+                <a:rPr lang="en-US" dirty="0" err="1">
+                  <a:solidFill>
+                    <a:prstClr val="black"/>
+                  </a:solidFill>
+                  <a:latin typeface="Consolas" panose="020B0609020204030204" pitchFamily="49" charset="0"/>
+                  <a:cs typeface="Consolas" panose="020B0609020204030204" pitchFamily="49" charset="0"/>
+                </a:rPr>
+                <a:t>CCircle</a:t>
+              </a:r>
+              <a:endParaRPr lang="en-US" dirty="0">
+                <a:solidFill>
+                  <a:prstClr val="black"/>
+                </a:solidFill>
+                <a:latin typeface="Consolas" panose="020B0609020204030204" pitchFamily="49" charset="0"/>
+                <a:cs typeface="Consolas" panose="020B0609020204030204" pitchFamily="49" charset="0"/>
+              </a:endParaRPr>
+            </a:p>
+          </p:txBody>
+        </p:sp>
+        <p:sp>
+          <p:nvSpPr>
+            <p:cNvPr id="11" name="Rectangle 10"/>
+            <p:cNvSpPr/>
+            <p:nvPr/>
+          </p:nvSpPr>
+          <p:spPr>
+            <a:xfrm>
+              <a:off x="4314877" y="3410248"/>
+              <a:ext cx="930082" cy="411837"/>
+            </a:xfrm>
+            <a:prstGeom prst="rect">
+              <a:avLst/>
+            </a:prstGeom>
+            <a:solidFill>
+              <a:schemeClr val="accent1">
+                <a:lumMod val="40000"/>
+                <a:lumOff val="60000"/>
+              </a:schemeClr>
+            </a:solidFill>
+            <a:ln>
+              <a:solidFill>
+                <a:schemeClr val="tx1"/>
+              </a:solidFill>
+            </a:ln>
+          </p:spPr>
+          <p:style>
+            <a:lnRef idx="2">
+              <a:schemeClr val="accent1">
+                <a:shade val="50000"/>
+              </a:schemeClr>
+            </a:lnRef>
+            <a:fillRef idx="1">
+              <a:schemeClr val="accent1"/>
+            </a:fillRef>
+            <a:effectRef idx="0">
+              <a:schemeClr val="accent1"/>
+            </a:effectRef>
+            <a:fontRef idx="minor">
+              <a:schemeClr val="lt1"/>
+            </a:fontRef>
+          </p:style>
+          <p:txBody>
+            <a:bodyPr rtlCol="0" anchor="ctr"/>
+            <a:lstStyle/>
+            <a:p>
+              <a:pPr algn="ctr"/>
+              <a:r>
+                <a:rPr lang="en-US" dirty="0">
+                  <a:solidFill>
+                    <a:prstClr val="black"/>
+                  </a:solidFill>
+                  <a:latin typeface="Consolas" panose="020B0609020204030204" pitchFamily="49" charset="0"/>
+                  <a:cs typeface="Consolas" panose="020B0609020204030204" pitchFamily="49" charset="0"/>
+                </a:rPr>
+                <a:t>CArc</a:t>
+              </a:r>
+            </a:p>
+          </p:txBody>
+        </p:sp>
+        <p:cxnSp>
+          <p:nvCxnSpPr>
+            <p:cNvPr id="13" name="Straight Connector 12"/>
+            <p:cNvCxnSpPr>
+              <a:stCxn id="11" idx="0"/>
+              <a:endCxn id="10" idx="2"/>
+            </p:cNvCxnSpPr>
+            <p:nvPr/>
+          </p:nvCxnSpPr>
+          <p:spPr>
+            <a:xfrm flipV="1">
+              <a:off x="4779918" y="2931813"/>
+              <a:ext cx="0" cy="478435"/>
+            </a:xfrm>
+            <a:prstGeom prst="line">
+              <a:avLst/>
+            </a:prstGeom>
+            <a:ln w="19050">
+              <a:solidFill>
+                <a:schemeClr val="tx1"/>
+              </a:solidFill>
+              <a:headEnd type="none" w="med" len="lg"/>
+              <a:tailEnd type="arrow" w="med" len="lg"/>
+            </a:ln>
+          </p:spPr>
+          <p:style>
+            <a:lnRef idx="1">
+              <a:schemeClr val="accent1"/>
+            </a:lnRef>
+            <a:fillRef idx="0">
+              <a:schemeClr val="accent1"/>
+            </a:fillRef>
+            <a:effectRef idx="0">
+              <a:schemeClr val="accent1"/>
+            </a:effectRef>
+            <a:fontRef idx="minor">
+              <a:schemeClr val="tx1"/>
+            </a:fontRef>
+          </p:style>
+        </p:cxnSp>
+        <p:sp>
+          <p:nvSpPr>
+            <p:cNvPr id="20" name="Flowchart: Alternate Process 19"/>
+            <p:cNvSpPr/>
+            <p:nvPr/>
+          </p:nvSpPr>
+          <p:spPr>
+            <a:xfrm>
+              <a:off x="5963609" y="4270977"/>
+              <a:ext cx="2031152" cy="411837"/>
+            </a:xfrm>
+            <a:prstGeom prst="flowChartAlternateProcess">
+              <a:avLst/>
+            </a:prstGeom>
+            <a:solidFill>
+              <a:srgbClr val="F7C5CA"/>
+            </a:solidFill>
+            <a:ln>
+              <a:solidFill>
+                <a:schemeClr val="tx1"/>
+              </a:solidFill>
+            </a:ln>
+          </p:spPr>
+          <p:style>
+            <a:lnRef idx="2">
+              <a:schemeClr val="accent1">
+                <a:shade val="50000"/>
+              </a:schemeClr>
+            </a:lnRef>
+            <a:fillRef idx="1">
+              <a:schemeClr val="accent1"/>
+            </a:fillRef>
+            <a:effectRef idx="0">
+              <a:schemeClr val="accent1"/>
+            </a:effectRef>
+            <a:fontRef idx="minor">
+              <a:schemeClr val="lt1"/>
+            </a:fontRef>
+          </p:style>
+          <p:txBody>
+            <a:bodyPr rtlCol="0" anchor="ctr"/>
+            <a:lstStyle/>
+            <a:p>
+              <a:pPr algn="ctr"/>
+              <a:r>
+                <a:rPr lang="en-US" dirty="0" err="1">
+                  <a:solidFill>
+                    <a:prstClr val="black"/>
+                  </a:solidFill>
+                  <a:latin typeface="Consolas" panose="020B0609020204030204" pitchFamily="49" charset="0"/>
+                  <a:cs typeface="Consolas" panose="020B0609020204030204" pitchFamily="49" charset="0"/>
+                </a:rPr>
+                <a:t>CDynamicCircle</a:t>
+              </a:r>
+              <a:endParaRPr lang="en-US" dirty="0">
+                <a:solidFill>
+                  <a:prstClr val="black"/>
+                </a:solidFill>
+                <a:latin typeface="Consolas" panose="020B0609020204030204" pitchFamily="49" charset="0"/>
+                <a:cs typeface="Consolas" panose="020B0609020204030204" pitchFamily="49" charset="0"/>
+              </a:endParaRPr>
+            </a:p>
+          </p:txBody>
+        </p:sp>
+        <p:cxnSp>
+          <p:nvCxnSpPr>
+            <p:cNvPr id="32" name="Elbow Connector 31"/>
+            <p:cNvCxnSpPr>
+              <a:stCxn id="10" idx="3"/>
+              <a:endCxn id="20" idx="0"/>
+            </p:cNvCxnSpPr>
+            <p:nvPr/>
+          </p:nvCxnSpPr>
+          <p:spPr>
+            <a:xfrm>
+              <a:off x="5367137" y="2725895"/>
+              <a:ext cx="1612048" cy="1545082"/>
+            </a:xfrm>
+            <a:prstGeom prst="bentConnector2">
+              <a:avLst/>
+            </a:prstGeom>
+            <a:ln w="19050">
+              <a:solidFill>
+                <a:schemeClr val="tx1"/>
+              </a:solidFill>
+              <a:headEnd type="arrow" w="med" len="lg"/>
+              <a:tailEnd type="none" w="med" len="lg"/>
+            </a:ln>
+          </p:spPr>
+          <p:style>
+            <a:lnRef idx="1">
+              <a:schemeClr val="accent1"/>
+            </a:lnRef>
+            <a:fillRef idx="0">
+              <a:schemeClr val="accent1"/>
+            </a:fillRef>
+            <a:effectRef idx="0">
+              <a:schemeClr val="accent1"/>
+            </a:effectRef>
+            <a:fontRef idx="minor">
+              <a:schemeClr val="tx1"/>
+            </a:fontRef>
+          </p:style>
+        </p:cxnSp>
+        <p:sp>
+          <p:nvSpPr>
+            <p:cNvPr id="18" name="Snip Single Corner Rectangle 17"/>
+            <p:cNvSpPr/>
+            <p:nvPr/>
+          </p:nvSpPr>
+          <p:spPr>
+            <a:xfrm>
+              <a:off x="1518920" y="4270978"/>
+              <a:ext cx="2291461" cy="411837"/>
+            </a:xfrm>
+            <a:prstGeom prst="snip1Rect">
+              <a:avLst/>
+            </a:prstGeom>
+            <a:solidFill>
+              <a:schemeClr val="accent6">
+                <a:lumMod val="40000"/>
+                <a:lumOff val="60000"/>
+              </a:schemeClr>
+            </a:solidFill>
+            <a:ln/>
+          </p:spPr>
+          <p:style>
+            <a:lnRef idx="2">
+              <a:schemeClr val="dk1"/>
+            </a:lnRef>
+            <a:fillRef idx="1">
+              <a:schemeClr val="lt1"/>
+            </a:fillRef>
+            <a:effectRef idx="0">
+              <a:schemeClr val="dk1"/>
+            </a:effectRef>
+            <a:fontRef idx="minor">
+              <a:schemeClr val="dk1"/>
+            </a:fontRef>
+          </p:style>
+          <p:txBody>
+            <a:bodyPr rtlCol="0" anchor="ctr"/>
+            <a:lstStyle/>
+            <a:p>
+              <a:pPr algn="ctr"/>
+              <a:r>
+                <a:rPr lang="en-US" dirty="0" err="1">
+                  <a:solidFill>
+                    <a:prstClr val="black"/>
+                  </a:solidFill>
+                  <a:latin typeface="Consolas" panose="020B0609020204030204" pitchFamily="49" charset="0"/>
+                  <a:cs typeface="Consolas" panose="020B0609020204030204" pitchFamily="49" charset="0"/>
+                </a:rPr>
+                <a:t>CKinematicCircle</a:t>
+              </a:r>
+              <a:endParaRPr lang="en-US" dirty="0">
+                <a:solidFill>
+                  <a:prstClr val="black"/>
+                </a:solidFill>
+                <a:latin typeface="Consolas" panose="020B0609020204030204" pitchFamily="49" charset="0"/>
+                <a:cs typeface="Consolas" panose="020B0609020204030204" pitchFamily="49" charset="0"/>
+              </a:endParaRPr>
+            </a:p>
+          </p:txBody>
+        </p:sp>
+        <p:sp>
+          <p:nvSpPr>
+            <p:cNvPr id="19" name="Snip Single Corner Rectangle 18"/>
+            <p:cNvSpPr/>
+            <p:nvPr/>
+          </p:nvSpPr>
+          <p:spPr>
+            <a:xfrm>
+              <a:off x="3931142" y="4276326"/>
+              <a:ext cx="1911706" cy="411837"/>
+            </a:xfrm>
+            <a:prstGeom prst="snip1Rect">
+              <a:avLst/>
+            </a:prstGeom>
+            <a:solidFill>
+              <a:schemeClr val="accent6">
+                <a:lumMod val="40000"/>
+                <a:lumOff val="60000"/>
+              </a:schemeClr>
+            </a:solidFill>
+            <a:ln/>
+          </p:spPr>
+          <p:style>
+            <a:lnRef idx="2">
+              <a:schemeClr val="dk1"/>
+            </a:lnRef>
+            <a:fillRef idx="1">
+              <a:schemeClr val="lt1"/>
+            </a:fillRef>
+            <a:effectRef idx="0">
+              <a:schemeClr val="dk1"/>
+            </a:effectRef>
+            <a:fontRef idx="minor">
+              <a:schemeClr val="dk1"/>
+            </a:fontRef>
+          </p:style>
+          <p:txBody>
+            <a:bodyPr rtlCol="0" anchor="ctr"/>
+            <a:lstStyle/>
+            <a:p>
+              <a:pPr algn="ctr"/>
+              <a:r>
+                <a:rPr lang="en-US" dirty="0" err="1">
+                  <a:solidFill>
+                    <a:prstClr val="black"/>
+                  </a:solidFill>
+                  <a:latin typeface="Consolas" panose="020B0609020204030204" pitchFamily="49" charset="0"/>
+                  <a:cs typeface="Consolas" panose="020B0609020204030204" pitchFamily="49" charset="0"/>
+                </a:rPr>
+                <a:t>CKinematicArc</a:t>
+              </a:r>
+              <a:endParaRPr lang="en-US" dirty="0">
+                <a:solidFill>
+                  <a:prstClr val="black"/>
+                </a:solidFill>
+                <a:latin typeface="Consolas" panose="020B0609020204030204" pitchFamily="49" charset="0"/>
+                <a:cs typeface="Consolas" panose="020B0609020204030204" pitchFamily="49" charset="0"/>
+              </a:endParaRPr>
+            </a:p>
+          </p:txBody>
+        </p:sp>
+        <p:cxnSp>
+          <p:nvCxnSpPr>
+            <p:cNvPr id="25" name="Elbow Connector 24"/>
+            <p:cNvCxnSpPr>
+              <a:stCxn id="10" idx="1"/>
+              <a:endCxn id="18" idx="3"/>
+            </p:cNvCxnSpPr>
+            <p:nvPr/>
+          </p:nvCxnSpPr>
+          <p:spPr>
+            <a:xfrm rot="10800000" flipV="1">
+              <a:off x="2664651" y="2725894"/>
+              <a:ext cx="1528048" cy="1545083"/>
+            </a:xfrm>
+            <a:prstGeom prst="bentConnector2">
+              <a:avLst/>
+            </a:prstGeom>
+            <a:ln w="19050">
+              <a:solidFill>
+                <a:schemeClr val="tx1"/>
+              </a:solidFill>
+              <a:headEnd type="arrow" w="med" len="lg"/>
+              <a:tailEnd type="none" w="med" len="lg"/>
+            </a:ln>
+          </p:spPr>
+          <p:style>
+            <a:lnRef idx="1">
+              <a:schemeClr val="accent1"/>
+            </a:lnRef>
+            <a:fillRef idx="0">
+              <a:schemeClr val="accent1"/>
+            </a:fillRef>
+            <a:effectRef idx="0">
+              <a:schemeClr val="accent1"/>
+            </a:effectRef>
+            <a:fontRef idx="minor">
+              <a:schemeClr val="tx1"/>
+            </a:fontRef>
+          </p:style>
+        </p:cxnSp>
+        <p:cxnSp>
+          <p:nvCxnSpPr>
+            <p:cNvPr id="30" name="Straight Connector 29"/>
+            <p:cNvCxnSpPr>
+              <a:endCxn id="11" idx="2"/>
+            </p:cNvCxnSpPr>
+            <p:nvPr/>
+          </p:nvCxnSpPr>
+          <p:spPr>
+            <a:xfrm flipV="1">
+              <a:off x="4779918" y="3822085"/>
+              <a:ext cx="0" cy="448893"/>
+            </a:xfrm>
+            <a:prstGeom prst="line">
+              <a:avLst/>
+            </a:prstGeom>
+            <a:ln w="19050">
+              <a:solidFill>
+                <a:schemeClr val="tx1"/>
+              </a:solidFill>
+              <a:headEnd type="none" w="med" len="lg"/>
+              <a:tailEnd type="arrow" w="med" len="lg"/>
+            </a:ln>
+          </p:spPr>
+          <p:style>
+            <a:lnRef idx="1">
+              <a:schemeClr val="accent1"/>
+            </a:lnRef>
+            <a:fillRef idx="0">
+              <a:schemeClr val="accent1"/>
+            </a:fillRef>
+            <a:effectRef idx="0">
+              <a:schemeClr val="accent1"/>
+            </a:effectRef>
+            <a:fontRef idx="minor">
+              <a:schemeClr val="tx1"/>
+            </a:fontRef>
+          </p:style>
+        </p:cxnSp>
+      </p:grpSp>
+    </p:spTree>
+    <p:extLst>
+      <p:ext uri="{BB962C8B-B14F-4D97-AF65-F5344CB8AC3E}">
+        <p14:creationId xmlns:p14="http://schemas.microsoft.com/office/powerpoint/2010/main" val="4169998575"/>
+      </p:ext>
+    </p:extLst>
+  </p:cSld>
+  <p:clrMapOvr>
+    <a:masterClrMapping/>
+  </p:clrMapOvr>
+  <mc:AlternateContent xmlns:mc="http://schemas.openxmlformats.org/markup-compatibility/2006" xmlns:p14="http://schemas.microsoft.com/office/powerpoint/2010/main">
+    <mc:Choice Requires="p14">
+      <p:transition p14:dur="10"/>
+    </mc:Choice>
+    <mc:Fallback xmlns="">
+      <p:transition/>
+    </mc:Fallback>
+  </mc:AlternateContent>
+</p:sld>
+</file>
+
+<file path=ppt/slides/slide6.xml><?xml version="1.0" encoding="utf-8"?>
+<p:sld xmlns:a="http://schemas.openxmlformats.org/drawingml/2006/main" xmlns:r="http://schemas.openxmlformats.org/officeDocument/2006/relationships" xmlns:p="http://schemas.openxmlformats.org/presentationml/2006/main">
+  <p:cSld>
+    <p:spTree>
+      <p:nvGrpSpPr>
+        <p:cNvPr id="1" name=""/>
+        <p:cNvGrpSpPr/>
+        <p:nvPr/>
+      </p:nvGrpSpPr>
+      <p:grpSpPr>
+        <a:xfrm>
+          <a:off x="0" y="0"/>
+          <a:ext cx="0" cy="0"/>
+          <a:chOff x="0" y="0"/>
+          <a:chExt cx="0" cy="0"/>
+        </a:xfrm>
+      </p:grpSpPr>
+      <p:sp>
+        <p:nvSpPr>
+          <p:cNvPr id="2" name="Title 1"/>
+          <p:cNvSpPr>
+            <a:spLocks noGrp="1"/>
+          </p:cNvSpPr>
+          <p:nvPr>
+            <p:ph type="title"/>
+          </p:nvPr>
+        </p:nvSpPr>
+        <p:spPr/>
+        <p:txBody>
+          <a:bodyPr>
+            <a:normAutofit/>
+          </a:bodyPr>
+          <a:lstStyle/>
+          <a:p>
+            <a:r>
+              <a:rPr lang="en-US" dirty="0">
+                <a:latin typeface="Calibri Light" panose="020F0302020204030204" pitchFamily="34" charset="0"/>
+                <a:cs typeface="Consolas" panose="020B0609020204030204" pitchFamily="49" charset="0"/>
+              </a:rPr>
+              <a:t>Line Intersect Line</a:t>
+            </a:r>
+            <a:br>
+              <a:rPr lang="en-US" dirty="0">
+                <a:latin typeface="Consolas" panose="020B0609020204030204" pitchFamily="49" charset="0"/>
+                <a:cs typeface="Consolas" panose="020B0609020204030204" pitchFamily="49" charset="0"/>
+              </a:rPr>
+            </a:br>
+            <a:r>
+              <a:rPr lang="en-US" sz="3100" dirty="0">
+                <a:latin typeface="Calibri Light" panose="020F0302020204030204" pitchFamily="34" charset="0"/>
+                <a:cs typeface="Consolas" panose="020B0609020204030204" pitchFamily="49" charset="0"/>
+              </a:rPr>
+              <a:t>Case 1: This Line Not Vertical </a:t>
+            </a:r>
+            <a:endParaRPr lang="en-US" dirty="0">
+              <a:latin typeface="Calibri Light" panose="020F0302020204030204" pitchFamily="34" charset="0"/>
+            </a:endParaRPr>
+          </a:p>
+        </p:txBody>
+      </p:sp>
+      <p:grpSp>
+        <p:nvGrpSpPr>
+          <p:cNvPr id="30" name="Group 29"/>
+          <p:cNvGrpSpPr/>
+          <p:nvPr/>
+        </p:nvGrpSpPr>
+        <p:grpSpPr>
+          <a:xfrm>
+            <a:off x="2577104" y="2248475"/>
+            <a:ext cx="3720795" cy="2941955"/>
+            <a:chOff x="1613291" y="1243715"/>
+            <a:chExt cx="3720795" cy="2941955"/>
+          </a:xfrm>
+        </p:grpSpPr>
+        <mc:AlternateContent xmlns:mc="http://schemas.openxmlformats.org/markup-compatibility/2006">
+          <mc:Choice xmlns:a14="http://schemas.microsoft.com/office/drawing/2010/main" Requires="a14">
+            <p:sp>
+              <p:nvSpPr>
+                <p:cNvPr id="19" name="TextBox 18"/>
+                <p:cNvSpPr txBox="1"/>
+                <p:nvPr/>
+              </p:nvSpPr>
+              <p:spPr>
+                <a:xfrm>
+                  <a:off x="3810535" y="2922365"/>
+                  <a:ext cx="1523551" cy="391261"/>
+                </a:xfrm>
+                <a:prstGeom prst="rect">
+                  <a:avLst/>
+                </a:prstGeom>
+                <a:noFill/>
+              </p:spPr>
+              <p:txBody>
+                <a:bodyPr wrap="square" rtlCol="0">
+                  <a:spAutoFit/>
+                </a:bodyPr>
+                <a:lstStyle/>
+                <a:p>
+                  <a:pPr/>
+                  <a14:m>
+                    <m:oMathPara xmlns:m="http://schemas.openxmlformats.org/officeDocument/2006/math">
+                      <m:oMathParaPr>
+                        <m:jc m:val="center"/>
+                      </m:oMathParaPr>
+                      <m:oMath xmlns:m="http://schemas.openxmlformats.org/officeDocument/2006/math">
+                        <m:acc>
+                          <m:accPr>
+                            <m:chr m:val="⃗"/>
+                            <m:ctrlPr>
+                              <a:rPr lang="en-US" b="0" i="1" smtClean="0">
+                                <a:solidFill>
+                                  <a:srgbClr val="FF0000"/>
+                                </a:solidFill>
+                                <a:latin typeface="Cambria Math" panose="02040503050406030204" pitchFamily="18" charset="0"/>
+                              </a:rPr>
+                            </m:ctrlPr>
+                          </m:accPr>
+                          <m:e>
+                            <m:r>
+                              <a:rPr lang="en-US" b="0" i="1" smtClean="0">
+                                <a:solidFill>
+                                  <a:srgbClr val="FF0000"/>
+                                </a:solidFill>
+                                <a:latin typeface="Cambria Math" panose="02040503050406030204" pitchFamily="18" charset="0"/>
+                              </a:rPr>
+                              <m:t>𝑝</m:t>
+                            </m:r>
+                          </m:e>
+                        </m:acc>
+                        <m:r>
+                          <a:rPr lang="en-US" b="0" i="1" smtClean="0">
+                            <a:solidFill>
+                              <a:srgbClr val="FF0000"/>
+                            </a:solidFill>
+                            <a:latin typeface="Cambria Math" panose="02040503050406030204" pitchFamily="18" charset="0"/>
+                          </a:rPr>
+                          <m:t>=[</m:t>
+                        </m:r>
+                        <m:sSub>
+                          <m:sSubPr>
+                            <m:ctrlPr>
+                              <a:rPr lang="en-US" b="0" i="1" smtClean="0">
+                                <a:solidFill>
+                                  <a:srgbClr val="FF0000"/>
+                                </a:solidFill>
+                                <a:latin typeface="Cambria Math" panose="02040503050406030204" pitchFamily="18" charset="0"/>
+                              </a:rPr>
+                            </m:ctrlPr>
+                          </m:sSubPr>
+                          <m:e>
+                            <m:r>
+                              <a:rPr lang="en-US" b="0" i="1" smtClean="0">
+                                <a:solidFill>
+                                  <a:srgbClr val="FF0000"/>
+                                </a:solidFill>
+                                <a:latin typeface="Cambria Math" panose="02040503050406030204" pitchFamily="18" charset="0"/>
+                              </a:rPr>
+                              <m:t>𝑝</m:t>
+                            </m:r>
+                          </m:e>
+                          <m:sub>
+                            <m:r>
+                              <a:rPr lang="en-US" b="0" i="1" smtClean="0">
+                                <a:solidFill>
+                                  <a:srgbClr val="FF0000"/>
+                                </a:solidFill>
+                                <a:latin typeface="Cambria Math" panose="02040503050406030204" pitchFamily="18" charset="0"/>
+                              </a:rPr>
+                              <m:t>𝑥</m:t>
+                            </m:r>
+                          </m:sub>
+                        </m:sSub>
+                        <m:r>
+                          <a:rPr lang="en-US" b="0" i="1" smtClean="0">
+                            <a:solidFill>
+                              <a:srgbClr val="FF0000"/>
+                            </a:solidFill>
+                            <a:latin typeface="Cambria Math" panose="02040503050406030204" pitchFamily="18" charset="0"/>
+                          </a:rPr>
+                          <m:t>,</m:t>
+                        </m:r>
+                        <m:sSub>
+                          <m:sSubPr>
+                            <m:ctrlPr>
+                              <a:rPr lang="en-US" b="0" i="1" smtClean="0">
+                                <a:solidFill>
+                                  <a:srgbClr val="FF0000"/>
+                                </a:solidFill>
+                                <a:latin typeface="Cambria Math" panose="02040503050406030204" pitchFamily="18" charset="0"/>
+                              </a:rPr>
+                            </m:ctrlPr>
+                          </m:sSubPr>
+                          <m:e>
+                            <m:r>
+                              <a:rPr lang="en-US" b="0" i="1" smtClean="0">
+                                <a:solidFill>
+                                  <a:srgbClr val="FF0000"/>
+                                </a:solidFill>
+                                <a:latin typeface="Cambria Math" panose="02040503050406030204" pitchFamily="18" charset="0"/>
+                              </a:rPr>
+                              <m:t>𝑝</m:t>
+                            </m:r>
+                          </m:e>
+                          <m:sub>
+                            <m:r>
+                              <a:rPr lang="en-US" b="0" i="1" smtClean="0">
+                                <a:solidFill>
+                                  <a:srgbClr val="FF0000"/>
+                                </a:solidFill>
+                                <a:latin typeface="Cambria Math" panose="02040503050406030204" pitchFamily="18" charset="0"/>
+                              </a:rPr>
+                              <m:t>𝑦</m:t>
+                            </m:r>
+                          </m:sub>
+                        </m:sSub>
+                        <m:r>
+                          <a:rPr lang="en-US" b="0" i="0" smtClean="0">
+                            <a:solidFill>
+                              <a:srgbClr val="FF0000"/>
+                            </a:solidFill>
+                            <a:latin typeface="Cambria Math" panose="02040503050406030204" pitchFamily="18" charset="0"/>
+                          </a:rPr>
+                          <m:t>]</m:t>
+                        </m:r>
+                      </m:oMath>
+                    </m:oMathPara>
+                  </a14:m>
+                  <a:endParaRPr lang="en-US" dirty="0">
+                    <a:solidFill>
+                      <a:srgbClr val="FF0000"/>
+                    </a:solidFill>
+                  </a:endParaRPr>
+                </a:p>
+              </p:txBody>
+            </p:sp>
+          </mc:Choice>
+          <mc:Fallback>
+            <p:sp>
+              <p:nvSpPr>
+                <p:cNvPr id="19" name="TextBox 18"/>
+                <p:cNvSpPr txBox="1">
+                  <a:spLocks noRot="1" noChangeAspect="1" noMove="1" noResize="1" noEditPoints="1" noAdjustHandles="1" noChangeArrowheads="1" noChangeShapeType="1" noTextEdit="1"/>
+                </p:cNvSpPr>
+                <p:nvPr/>
+              </p:nvSpPr>
+              <p:spPr>
+                <a:xfrm>
+                  <a:off x="3810535" y="2922365"/>
+                  <a:ext cx="1523551" cy="391261"/>
+                </a:xfrm>
+                <a:prstGeom prst="rect">
+                  <a:avLst/>
+                </a:prstGeom>
+                <a:blipFill>
+                  <a:blip r:embed="rId2"/>
+                  <a:stretch>
+                    <a:fillRect t="-20313" b="-10938"/>
+                  </a:stretch>
+                </a:blipFill>
+              </p:spPr>
+              <p:txBody>
+                <a:bodyPr/>
+                <a:lstStyle/>
+                <a:p>
+                  <a:r>
+                    <a:rPr lang="en-US">
+                      <a:noFill/>
+                    </a:rPr>
+                    <a:t> </a:t>
+                  </a:r>
+                </a:p>
+              </p:txBody>
+            </p:sp>
+          </mc:Fallback>
+        </mc:AlternateContent>
+        <p:cxnSp>
+          <p:nvCxnSpPr>
+            <p:cNvPr id="7" name="Straight Arrow Connector 6"/>
+            <p:cNvCxnSpPr/>
+            <p:nvPr/>
+          </p:nvCxnSpPr>
+          <p:spPr>
+            <a:xfrm flipH="1">
+              <a:off x="1613291" y="2673712"/>
+              <a:ext cx="3439705" cy="985168"/>
+            </a:xfrm>
+            <a:prstGeom prst="straightConnector1">
+              <a:avLst/>
+            </a:prstGeom>
+            <a:ln w="38100" cap="rnd">
+              <a:solidFill>
+                <a:schemeClr val="tx1"/>
+              </a:solidFill>
+              <a:prstDash val="solid"/>
+              <a:headEnd type="triangle" w="med" len="lg"/>
+              <a:tailEnd type="triangle" w="med" len="lg"/>
+            </a:ln>
+          </p:spPr>
+          <p:style>
+            <a:lnRef idx="1">
+              <a:schemeClr val="accent1"/>
+            </a:lnRef>
+            <a:fillRef idx="0">
+              <a:schemeClr val="accent1"/>
+            </a:fillRef>
+            <a:effectRef idx="0">
+              <a:schemeClr val="accent1"/>
+            </a:effectRef>
+            <a:fontRef idx="minor">
+              <a:schemeClr val="tx1"/>
+            </a:fontRef>
+          </p:style>
+        </p:cxnSp>
+        <p:cxnSp>
+          <p:nvCxnSpPr>
+            <p:cNvPr id="9" name="Straight Arrow Connector 8"/>
+            <p:cNvCxnSpPr/>
+            <p:nvPr/>
+          </p:nvCxnSpPr>
+          <p:spPr>
+            <a:xfrm>
+              <a:off x="2896718" y="1371891"/>
+              <a:ext cx="1566461" cy="2813779"/>
+            </a:xfrm>
+            <a:prstGeom prst="straightConnector1">
+              <a:avLst/>
+            </a:prstGeom>
+            <a:ln w="38100" cap="rnd">
+              <a:solidFill>
+                <a:schemeClr val="tx1"/>
+              </a:solidFill>
+              <a:prstDash val="solid"/>
+              <a:headEnd type="triangle" w="med" len="lg"/>
+              <a:tailEnd type="triangle" w="med" len="lg"/>
+            </a:ln>
+          </p:spPr>
+          <p:style>
+            <a:lnRef idx="1">
+              <a:schemeClr val="accent1"/>
+            </a:lnRef>
+            <a:fillRef idx="0">
+              <a:schemeClr val="accent1"/>
+            </a:fillRef>
+            <a:effectRef idx="0">
+              <a:schemeClr val="accent1"/>
+            </a:effectRef>
+            <a:fontRef idx="minor">
+              <a:schemeClr val="tx1"/>
+            </a:fontRef>
+          </p:style>
+        </p:cxnSp>
+        <mc:AlternateContent xmlns:mc="http://schemas.openxmlformats.org/markup-compatibility/2006">
+          <mc:Choice xmlns:a14="http://schemas.microsoft.com/office/drawing/2010/main" Requires="a14">
+            <p:sp>
+              <p:nvSpPr>
+                <p:cNvPr id="13" name="TextBox 12"/>
+                <p:cNvSpPr txBox="1"/>
+                <p:nvPr/>
+              </p:nvSpPr>
+              <p:spPr>
+                <a:xfrm rot="3669544">
+                  <a:off x="2653996" y="1973449"/>
+                  <a:ext cx="1828800" cy="369332"/>
+                </a:xfrm>
+                <a:prstGeom prst="rect">
+                  <a:avLst/>
+                </a:prstGeom>
+                <a:noFill/>
+              </p:spPr>
+              <p:txBody>
+                <a:bodyPr wrap="square" rtlCol="0">
+                  <a:spAutoFit/>
+                </a:bodyPr>
+                <a:lstStyle/>
+                <a:p>
+                  <a:pPr/>
+                  <a14:m>
+                    <m:oMathPara xmlns:m="http://schemas.openxmlformats.org/officeDocument/2006/math">
+                      <m:oMathParaPr>
+                        <m:jc m:val="centerGroup"/>
+                      </m:oMathParaPr>
+                      <m:oMath xmlns:m="http://schemas.openxmlformats.org/officeDocument/2006/math">
+                        <m:r>
+                          <a:rPr lang="en-US" b="0" i="1" smtClean="0">
+                            <a:solidFill>
+                              <a:schemeClr val="tx1"/>
+                            </a:solidFill>
+                            <a:latin typeface="Cambria Math" panose="02040503050406030204" pitchFamily="18" charset="0"/>
+                          </a:rPr>
+                          <m:t>𝑦</m:t>
+                        </m:r>
+                        <m:r>
+                          <a:rPr lang="en-US" b="0" i="1" smtClean="0">
+                            <a:solidFill>
+                              <a:schemeClr val="tx1"/>
+                            </a:solidFill>
+                            <a:latin typeface="Cambria Math" panose="02040503050406030204" pitchFamily="18" charset="0"/>
+                          </a:rPr>
+                          <m:t>=</m:t>
+                        </m:r>
+                        <m:sSub>
+                          <m:sSubPr>
+                            <m:ctrlPr>
+                              <a:rPr lang="en-US" b="0" i="1" smtClean="0">
+                                <a:solidFill>
+                                  <a:schemeClr val="tx1"/>
+                                </a:solidFill>
+                                <a:latin typeface="Cambria Math" panose="02040503050406030204" pitchFamily="18" charset="0"/>
+                              </a:rPr>
+                            </m:ctrlPr>
+                          </m:sSubPr>
+                          <m:e>
+                            <m:r>
+                              <a:rPr lang="en-US" b="0" i="1" smtClean="0">
+                                <a:solidFill>
+                                  <a:schemeClr val="tx1"/>
+                                </a:solidFill>
+                                <a:latin typeface="Cambria Math" panose="02040503050406030204" pitchFamily="18" charset="0"/>
+                              </a:rPr>
+                              <m:t>𝑚</m:t>
+                            </m:r>
+                          </m:e>
+                          <m:sub>
+                            <m:r>
+                              <a:rPr lang="en-US" b="0" i="1" smtClean="0">
+                                <a:solidFill>
+                                  <a:schemeClr val="tx1"/>
+                                </a:solidFill>
+                                <a:latin typeface="Cambria Math" panose="02040503050406030204" pitchFamily="18" charset="0"/>
+                              </a:rPr>
+                              <m:t>0</m:t>
+                            </m:r>
+                          </m:sub>
+                        </m:sSub>
+                        <m:r>
+                          <a:rPr lang="en-US" b="0" i="1" smtClean="0">
+                            <a:solidFill>
+                              <a:schemeClr val="tx1"/>
+                            </a:solidFill>
+                            <a:latin typeface="Cambria Math" panose="02040503050406030204" pitchFamily="18" charset="0"/>
+                          </a:rPr>
+                          <m:t>𝑥</m:t>
+                        </m:r>
+                        <m:r>
+                          <a:rPr lang="en-US" b="0" i="1" smtClean="0">
+                            <a:solidFill>
+                              <a:schemeClr val="tx1"/>
+                            </a:solidFill>
+                            <a:latin typeface="Cambria Math" panose="02040503050406030204" pitchFamily="18" charset="0"/>
+                          </a:rPr>
+                          <m:t>+</m:t>
+                        </m:r>
+                        <m:sSub>
+                          <m:sSubPr>
+                            <m:ctrlPr>
+                              <a:rPr lang="en-US" b="0" i="1" smtClean="0">
+                                <a:solidFill>
+                                  <a:schemeClr val="tx1"/>
+                                </a:solidFill>
+                                <a:latin typeface="Cambria Math" panose="02040503050406030204" pitchFamily="18" charset="0"/>
+                              </a:rPr>
+                            </m:ctrlPr>
+                          </m:sSubPr>
+                          <m:e>
+                            <m:r>
+                              <a:rPr lang="en-US" b="0" i="1" smtClean="0">
+                                <a:solidFill>
+                                  <a:schemeClr val="tx1"/>
+                                </a:solidFill>
+                                <a:latin typeface="Cambria Math" panose="02040503050406030204" pitchFamily="18" charset="0"/>
+                              </a:rPr>
+                              <m:t>𝑐</m:t>
+                            </m:r>
+                          </m:e>
+                          <m:sub>
+                            <m:r>
+                              <a:rPr lang="en-US" b="0" i="1" smtClean="0">
+                                <a:solidFill>
+                                  <a:schemeClr val="tx1"/>
+                                </a:solidFill>
+                                <a:latin typeface="Cambria Math" panose="02040503050406030204" pitchFamily="18" charset="0"/>
+                              </a:rPr>
+                              <m:t>0</m:t>
+                            </m:r>
+                          </m:sub>
+                        </m:sSub>
+                      </m:oMath>
+                    </m:oMathPara>
+                  </a14:m>
+                  <a:endParaRPr lang="en-US" dirty="0">
+                    <a:solidFill>
+                      <a:schemeClr val="tx1"/>
+                    </a:solidFill>
+                  </a:endParaRPr>
+                </a:p>
+              </p:txBody>
+            </p:sp>
+          </mc:Choice>
+          <mc:Fallback>
+            <p:sp>
+              <p:nvSpPr>
+                <p:cNvPr id="13" name="TextBox 12"/>
+                <p:cNvSpPr txBox="1">
+                  <a:spLocks noRot="1" noChangeAspect="1" noMove="1" noResize="1" noEditPoints="1" noAdjustHandles="1" noChangeArrowheads="1" noChangeShapeType="1" noTextEdit="1"/>
+                </p:cNvSpPr>
+                <p:nvPr/>
+              </p:nvSpPr>
+              <p:spPr>
+                <a:xfrm rot="3669544">
+                  <a:off x="2653996" y="1973449"/>
+                  <a:ext cx="1828800" cy="369332"/>
+                </a:xfrm>
+                <a:prstGeom prst="rect">
+                  <a:avLst/>
+                </a:prstGeom>
+                <a:blipFill>
+                  <a:blip r:embed="rId3"/>
+                  <a:stretch>
+                    <a:fillRect/>
+                  </a:stretch>
+                </a:blipFill>
+              </p:spPr>
+              <p:txBody>
+                <a:bodyPr/>
+                <a:lstStyle/>
+                <a:p>
+                  <a:r>
+                    <a:rPr lang="en-US">
+                      <a:noFill/>
+                    </a:rPr>
+                    <a:t> </a:t>
+                  </a:r>
+                </a:p>
+              </p:txBody>
+            </p:sp>
+          </mc:Fallback>
+        </mc:AlternateContent>
+        <mc:AlternateContent xmlns:mc="http://schemas.openxmlformats.org/markup-compatibility/2006">
+          <mc:Choice xmlns:a14="http://schemas.microsoft.com/office/drawing/2010/main" Requires="a14">
+            <p:sp>
+              <p:nvSpPr>
+                <p:cNvPr id="14" name="TextBox 13"/>
+                <p:cNvSpPr txBox="1"/>
+                <p:nvPr/>
+              </p:nvSpPr>
+              <p:spPr>
+                <a:xfrm rot="20615787">
+                  <a:off x="1830664" y="2924873"/>
+                  <a:ext cx="1828800" cy="369332"/>
+                </a:xfrm>
+                <a:prstGeom prst="rect">
+                  <a:avLst/>
+                </a:prstGeom>
+                <a:noFill/>
+              </p:spPr>
+              <p:txBody>
+                <a:bodyPr wrap="square" rtlCol="0">
+                  <a:spAutoFit/>
+                </a:bodyPr>
+                <a:lstStyle/>
+                <a:p>
+                  <a:pPr/>
+                  <a14:m>
+                    <m:oMathPara xmlns:m="http://schemas.openxmlformats.org/officeDocument/2006/math">
+                      <m:oMathParaPr>
+                        <m:jc m:val="centerGroup"/>
+                      </m:oMathParaPr>
+                      <m:oMath xmlns:m="http://schemas.openxmlformats.org/officeDocument/2006/math">
+                        <m:r>
+                          <a:rPr lang="en-US" b="0" i="1" smtClean="0">
+                            <a:solidFill>
+                              <a:schemeClr val="tx1"/>
+                            </a:solidFill>
+                            <a:latin typeface="Cambria Math" panose="02040503050406030204" pitchFamily="18" charset="0"/>
+                          </a:rPr>
+                          <m:t>𝑦</m:t>
+                        </m:r>
+                        <m:r>
+                          <a:rPr lang="en-US" b="0" i="1" smtClean="0">
+                            <a:solidFill>
+                              <a:schemeClr val="tx1"/>
+                            </a:solidFill>
+                            <a:latin typeface="Cambria Math" panose="02040503050406030204" pitchFamily="18" charset="0"/>
+                          </a:rPr>
+                          <m:t>=</m:t>
+                        </m:r>
+                        <m:sSub>
+                          <m:sSubPr>
+                            <m:ctrlPr>
+                              <a:rPr lang="en-US" b="0" i="1" smtClean="0">
+                                <a:solidFill>
+                                  <a:schemeClr val="tx1"/>
+                                </a:solidFill>
+                                <a:latin typeface="Cambria Math" panose="02040503050406030204" pitchFamily="18" charset="0"/>
+                              </a:rPr>
+                            </m:ctrlPr>
+                          </m:sSubPr>
+                          <m:e>
+                            <m:r>
+                              <a:rPr lang="en-US" b="0" i="1" smtClean="0">
+                                <a:solidFill>
+                                  <a:schemeClr val="tx1"/>
+                                </a:solidFill>
+                                <a:latin typeface="Cambria Math" panose="02040503050406030204" pitchFamily="18" charset="0"/>
+                              </a:rPr>
+                              <m:t>𝑚</m:t>
+                            </m:r>
+                          </m:e>
+                          <m:sub>
+                            <m:r>
+                              <a:rPr lang="en-US" b="0" i="1" smtClean="0">
+                                <a:solidFill>
+                                  <a:schemeClr val="tx1"/>
+                                </a:solidFill>
+                                <a:latin typeface="Cambria Math" panose="02040503050406030204" pitchFamily="18" charset="0"/>
+                              </a:rPr>
+                              <m:t>1</m:t>
+                            </m:r>
+                          </m:sub>
+                        </m:sSub>
+                        <m:r>
+                          <a:rPr lang="en-US" b="0" i="1" smtClean="0">
+                            <a:solidFill>
+                              <a:schemeClr val="tx1"/>
+                            </a:solidFill>
+                            <a:latin typeface="Cambria Math" panose="02040503050406030204" pitchFamily="18" charset="0"/>
+                          </a:rPr>
+                          <m:t>𝑥</m:t>
+                        </m:r>
+                        <m:r>
+                          <a:rPr lang="en-US" b="0" i="1" smtClean="0">
+                            <a:solidFill>
+                              <a:schemeClr val="tx1"/>
+                            </a:solidFill>
+                            <a:latin typeface="Cambria Math" panose="02040503050406030204" pitchFamily="18" charset="0"/>
+                          </a:rPr>
+                          <m:t>+</m:t>
+                        </m:r>
+                        <m:sSub>
+                          <m:sSubPr>
+                            <m:ctrlPr>
+                              <a:rPr lang="en-US" b="0" i="1" smtClean="0">
+                                <a:solidFill>
+                                  <a:schemeClr val="tx1"/>
+                                </a:solidFill>
+                                <a:latin typeface="Cambria Math" panose="02040503050406030204" pitchFamily="18" charset="0"/>
+                              </a:rPr>
+                            </m:ctrlPr>
+                          </m:sSubPr>
+                          <m:e>
+                            <m:r>
+                              <a:rPr lang="en-US" b="0" i="1" smtClean="0">
+                                <a:solidFill>
+                                  <a:schemeClr val="tx1"/>
+                                </a:solidFill>
+                                <a:latin typeface="Cambria Math" panose="02040503050406030204" pitchFamily="18" charset="0"/>
+                              </a:rPr>
+                              <m:t>𝑐</m:t>
+                            </m:r>
+                          </m:e>
+                          <m:sub>
+                            <m:r>
+                              <a:rPr lang="en-US" b="0" i="1" smtClean="0">
+                                <a:solidFill>
+                                  <a:schemeClr val="tx1"/>
+                                </a:solidFill>
+                                <a:latin typeface="Cambria Math" panose="02040503050406030204" pitchFamily="18" charset="0"/>
+                              </a:rPr>
+                              <m:t>1</m:t>
+                            </m:r>
+                          </m:sub>
+                        </m:sSub>
+                      </m:oMath>
+                    </m:oMathPara>
+                  </a14:m>
+                  <a:endParaRPr lang="en-US" dirty="0">
+                    <a:solidFill>
+                      <a:schemeClr val="tx1"/>
+                    </a:solidFill>
+                  </a:endParaRPr>
+                </a:p>
+              </p:txBody>
+            </p:sp>
+          </mc:Choice>
+          <mc:Fallback>
+            <p:sp>
+              <p:nvSpPr>
+                <p:cNvPr id="14" name="TextBox 13"/>
+                <p:cNvSpPr txBox="1">
+                  <a:spLocks noRot="1" noChangeAspect="1" noMove="1" noResize="1" noEditPoints="1" noAdjustHandles="1" noChangeArrowheads="1" noChangeShapeType="1" noTextEdit="1"/>
+                </p:cNvSpPr>
+                <p:nvPr/>
+              </p:nvSpPr>
+              <p:spPr>
+                <a:xfrm rot="20615787">
+                  <a:off x="1830664" y="2924873"/>
+                  <a:ext cx="1828800" cy="369332"/>
+                </a:xfrm>
+                <a:prstGeom prst="rect">
+                  <a:avLst/>
+                </a:prstGeom>
+                <a:blipFill>
+                  <a:blip r:embed="rId4"/>
+                  <a:stretch>
+                    <a:fillRect/>
+                  </a:stretch>
+                </a:blipFill>
+              </p:spPr>
+              <p:txBody>
+                <a:bodyPr/>
+                <a:lstStyle/>
+                <a:p>
+                  <a:r>
+                    <a:rPr lang="en-US">
+                      <a:noFill/>
+                    </a:rPr>
+                    <a:t> </a:t>
+                  </a:r>
+                </a:p>
+              </p:txBody>
+            </p:sp>
+          </mc:Fallback>
+        </mc:AlternateContent>
+        <p:sp>
+          <p:nvSpPr>
+            <p:cNvPr id="18" name="Oval 17"/>
+            <p:cNvSpPr/>
+            <p:nvPr/>
+          </p:nvSpPr>
+          <p:spPr>
+            <a:xfrm>
+              <a:off x="3758453" y="2976161"/>
+              <a:ext cx="95026" cy="95026"/>
+            </a:xfrm>
+            <a:prstGeom prst="ellipse">
+              <a:avLst/>
+            </a:prstGeom>
+            <a:solidFill>
+              <a:srgbClr val="FF0000"/>
+            </a:solidFill>
+            <a:ln w="25400">
+              <a:solidFill>
+                <a:srgbClr val="FF0000"/>
+              </a:solidFill>
+            </a:ln>
+          </p:spPr>
+          <p:style>
+            <a:lnRef idx="2">
+              <a:schemeClr val="accent1">
+                <a:shade val="50000"/>
+              </a:schemeClr>
+            </a:lnRef>
+            <a:fillRef idx="1">
+              <a:schemeClr val="accent1"/>
+            </a:fillRef>
+            <a:effectRef idx="0">
+              <a:schemeClr val="accent1"/>
+            </a:effectRef>
+            <a:fontRef idx="minor">
+              <a:schemeClr val="lt1"/>
+            </a:fontRef>
+          </p:style>
+          <p:txBody>
+            <a:bodyPr rtlCol="0" anchor="ctr"/>
+            <a:lstStyle/>
+            <a:p>
+              <a:pPr algn="ctr"/>
+              <a:endParaRPr lang="en-US"/>
+            </a:p>
+          </p:txBody>
+        </p:sp>
+      </p:grpSp>
+    </p:spTree>
+    <p:extLst>
+      <p:ext uri="{BB962C8B-B14F-4D97-AF65-F5344CB8AC3E}">
+        <p14:creationId xmlns:p14="http://schemas.microsoft.com/office/powerpoint/2010/main" val="4131101931"/>
+      </p:ext>
+    </p:extLst>
+  </p:cSld>
+  <p:clrMapOvr>
+    <a:masterClrMapping/>
+  </p:clrMapOvr>
+  <mc:AlternateContent xmlns:mc="http://schemas.openxmlformats.org/markup-compatibility/2006" xmlns:p14="http://schemas.microsoft.com/office/powerpoint/2010/main">
+    <mc:Choice Requires="p14">
+      <p:transition p14:dur="10"/>
+    </mc:Choice>
+    <mc:Fallback xmlns="">
+      <p:transition/>
+    </mc:Fallback>
+  </mc:AlternateContent>
+</p:sld>
+</file>
+
+<file path=ppt/slides/slide7.xml><?xml version="1.0" encoding="utf-8"?>
+<p:sld xmlns:a="http://schemas.openxmlformats.org/drawingml/2006/main" xmlns:r="http://schemas.openxmlformats.org/officeDocument/2006/relationships" xmlns:p="http://schemas.openxmlformats.org/presentationml/2006/main">
+  <p:cSld>
+    <p:spTree>
+      <p:nvGrpSpPr>
+        <p:cNvPr id="1" name=""/>
+        <p:cNvGrpSpPr/>
+        <p:nvPr/>
+      </p:nvGrpSpPr>
+      <p:grpSpPr>
+        <a:xfrm>
+          <a:off x="0" y="0"/>
+          <a:ext cx="0" cy="0"/>
+          <a:chOff x="0" y="0"/>
+          <a:chExt cx="0" cy="0"/>
+        </a:xfrm>
+      </p:grpSpPr>
+      <p:sp>
+        <p:nvSpPr>
+          <p:cNvPr id="2" name="Title 1"/>
+          <p:cNvSpPr>
+            <a:spLocks noGrp="1"/>
+          </p:cNvSpPr>
+          <p:nvPr>
+            <p:ph type="title"/>
+          </p:nvPr>
+        </p:nvSpPr>
+        <p:spPr/>
+        <p:txBody>
+          <a:bodyPr>
+            <a:normAutofit/>
+          </a:bodyPr>
+          <a:lstStyle/>
+          <a:p>
+            <a:r>
+              <a:rPr lang="en-US" dirty="0">
+                <a:latin typeface="Calibri Light" panose="020F0302020204030204" pitchFamily="34" charset="0"/>
+                <a:cs typeface="Consolas" panose="020B0609020204030204" pitchFamily="49" charset="0"/>
+              </a:rPr>
+              <a:t>Line Intersect Line</a:t>
+            </a:r>
+            <a:br>
+              <a:rPr lang="en-US" dirty="0">
+                <a:latin typeface="Calibri Light" panose="020F0302020204030204" pitchFamily="34" charset="0"/>
+                <a:cs typeface="Consolas" panose="020B0609020204030204" pitchFamily="49" charset="0"/>
+              </a:rPr>
+            </a:br>
+            <a:r>
+              <a:rPr lang="en-US" sz="3100" dirty="0">
+                <a:latin typeface="Calibri Light" panose="020F0302020204030204" pitchFamily="34" charset="0"/>
+                <a:cs typeface="Consolas" panose="020B0609020204030204" pitchFamily="49" charset="0"/>
+              </a:rPr>
+              <a:t>Case 2: This Line Vertical  </a:t>
+            </a:r>
+            <a:endParaRPr lang="en-US" dirty="0">
+              <a:latin typeface="Calibri Light" panose="020F0302020204030204" pitchFamily="34" charset="0"/>
+            </a:endParaRPr>
+          </a:p>
+        </p:txBody>
+      </p:sp>
+      <p:grpSp>
+        <p:nvGrpSpPr>
+          <p:cNvPr id="6" name="Group 5">
+            <a:extLst>
+              <a:ext uri="{FF2B5EF4-FFF2-40B4-BE49-F238E27FC236}">
+                <a16:creationId xmlns:a16="http://schemas.microsoft.com/office/drawing/2014/main" id="{2439DE50-32E9-7796-279C-ECA4549A46E5}"/>
+              </a:ext>
+            </a:extLst>
+          </p:cNvPr>
+          <p:cNvGrpSpPr/>
+          <p:nvPr/>
+        </p:nvGrpSpPr>
+        <p:grpSpPr>
+          <a:xfrm>
+            <a:off x="1264726" y="1830254"/>
+            <a:ext cx="3855536" cy="3066078"/>
+            <a:chOff x="1264726" y="1830254"/>
+            <a:chExt cx="3855536" cy="3066078"/>
+          </a:xfrm>
+        </p:grpSpPr>
+        <mc:AlternateContent xmlns:mc="http://schemas.openxmlformats.org/markup-compatibility/2006">
+          <mc:Choice xmlns:a14="http://schemas.microsoft.com/office/drawing/2010/main" Requires="a14">
+            <p:sp>
+              <p:nvSpPr>
+                <p:cNvPr id="3" name="TextBox 2">
+                  <a:extLst>
+                    <a:ext uri="{FF2B5EF4-FFF2-40B4-BE49-F238E27FC236}">
+                      <a16:creationId xmlns:a16="http://schemas.microsoft.com/office/drawing/2014/main" id="{F0004BA0-85A6-4291-3819-9DDF14855F92}"/>
+                    </a:ext>
+                  </a:extLst>
+                </p:cNvPr>
+                <p:cNvSpPr txBox="1"/>
+                <p:nvPr/>
+              </p:nvSpPr>
+              <p:spPr>
+                <a:xfrm>
+                  <a:off x="3596711" y="3150708"/>
+                  <a:ext cx="1523551" cy="391261"/>
+                </a:xfrm>
+                <a:prstGeom prst="rect">
+                  <a:avLst/>
+                </a:prstGeom>
+                <a:noFill/>
+              </p:spPr>
+              <p:txBody>
+                <a:bodyPr wrap="square" rtlCol="0">
+                  <a:spAutoFit/>
+                </a:bodyPr>
+                <a:lstStyle/>
+                <a:p>
+                  <a:pPr/>
+                  <a14:m>
+                    <m:oMathPara xmlns:m="http://schemas.openxmlformats.org/officeDocument/2006/math">
+                      <m:oMathParaPr>
+                        <m:jc m:val="center"/>
+                      </m:oMathParaPr>
+                      <m:oMath xmlns:m="http://schemas.openxmlformats.org/officeDocument/2006/math">
+                        <m:acc>
+                          <m:accPr>
+                            <m:chr m:val="⃗"/>
+                            <m:ctrlPr>
+                              <a:rPr lang="en-US" b="0" i="1" smtClean="0">
+                                <a:solidFill>
+                                  <a:srgbClr val="FF0000"/>
+                                </a:solidFill>
+                                <a:latin typeface="Cambria Math" panose="02040503050406030204" pitchFamily="18" charset="0"/>
+                              </a:rPr>
+                            </m:ctrlPr>
+                          </m:accPr>
+                          <m:e>
+                            <m:r>
+                              <a:rPr lang="en-US" b="0" i="1" smtClean="0">
+                                <a:solidFill>
+                                  <a:srgbClr val="FF0000"/>
+                                </a:solidFill>
+                                <a:latin typeface="Cambria Math" panose="02040503050406030204" pitchFamily="18" charset="0"/>
+                              </a:rPr>
+                              <m:t>𝑝</m:t>
+                            </m:r>
+                          </m:e>
+                        </m:acc>
+                        <m:r>
+                          <a:rPr lang="en-US" b="0" i="1" smtClean="0">
+                            <a:solidFill>
+                              <a:srgbClr val="FF0000"/>
+                            </a:solidFill>
+                            <a:latin typeface="Cambria Math" panose="02040503050406030204" pitchFamily="18" charset="0"/>
+                          </a:rPr>
+                          <m:t>=[</m:t>
+                        </m:r>
+                        <m:sSub>
+                          <m:sSubPr>
+                            <m:ctrlPr>
+                              <a:rPr lang="en-US" b="0" i="1" smtClean="0">
+                                <a:solidFill>
+                                  <a:srgbClr val="FF0000"/>
+                                </a:solidFill>
+                                <a:latin typeface="Cambria Math" panose="02040503050406030204" pitchFamily="18" charset="0"/>
+                              </a:rPr>
+                            </m:ctrlPr>
+                          </m:sSubPr>
+                          <m:e>
+                            <m:r>
+                              <a:rPr lang="en-US" b="0" i="1" smtClean="0">
+                                <a:solidFill>
+                                  <a:srgbClr val="FF0000"/>
+                                </a:solidFill>
+                                <a:latin typeface="Cambria Math" panose="02040503050406030204" pitchFamily="18" charset="0"/>
+                              </a:rPr>
+                              <m:t>𝑝</m:t>
+                            </m:r>
+                          </m:e>
+                          <m:sub>
+                            <m:r>
+                              <a:rPr lang="en-US" b="0" i="1" smtClean="0">
+                                <a:solidFill>
+                                  <a:srgbClr val="FF0000"/>
+                                </a:solidFill>
+                                <a:latin typeface="Cambria Math" panose="02040503050406030204" pitchFamily="18" charset="0"/>
+                              </a:rPr>
+                              <m:t>𝑥</m:t>
+                            </m:r>
+                          </m:sub>
+                        </m:sSub>
+                        <m:r>
+                          <a:rPr lang="en-US" b="0" i="1" smtClean="0">
+                            <a:solidFill>
+                              <a:srgbClr val="FF0000"/>
+                            </a:solidFill>
+                            <a:latin typeface="Cambria Math" panose="02040503050406030204" pitchFamily="18" charset="0"/>
+                          </a:rPr>
+                          <m:t>,</m:t>
+                        </m:r>
+                        <m:sSub>
+                          <m:sSubPr>
+                            <m:ctrlPr>
+                              <a:rPr lang="en-US" b="0" i="1" smtClean="0">
+                                <a:solidFill>
+                                  <a:srgbClr val="FF0000"/>
+                                </a:solidFill>
+                                <a:latin typeface="Cambria Math" panose="02040503050406030204" pitchFamily="18" charset="0"/>
+                              </a:rPr>
+                            </m:ctrlPr>
+                          </m:sSubPr>
+                          <m:e>
+                            <m:r>
+                              <a:rPr lang="en-US" b="0" i="1" smtClean="0">
+                                <a:solidFill>
+                                  <a:srgbClr val="FF0000"/>
+                                </a:solidFill>
+                                <a:latin typeface="Cambria Math" panose="02040503050406030204" pitchFamily="18" charset="0"/>
+                              </a:rPr>
+                              <m:t>𝑝</m:t>
+                            </m:r>
+                          </m:e>
+                          <m:sub>
+                            <m:r>
+                              <a:rPr lang="en-US" b="0" i="1" smtClean="0">
+                                <a:solidFill>
+                                  <a:srgbClr val="FF0000"/>
+                                </a:solidFill>
+                                <a:latin typeface="Cambria Math" panose="02040503050406030204" pitchFamily="18" charset="0"/>
+                              </a:rPr>
+                              <m:t>𝑦</m:t>
+                            </m:r>
+                          </m:sub>
+                        </m:sSub>
+                        <m:r>
+                          <a:rPr lang="en-US" b="0" i="0" smtClean="0">
+                            <a:solidFill>
+                              <a:srgbClr val="FF0000"/>
+                            </a:solidFill>
+                            <a:latin typeface="Cambria Math" panose="02040503050406030204" pitchFamily="18" charset="0"/>
+                          </a:rPr>
+                          <m:t>]</m:t>
+                        </m:r>
+                      </m:oMath>
+                    </m:oMathPara>
+                  </a14:m>
+                  <a:endParaRPr lang="en-US" dirty="0">
+                    <a:solidFill>
+                      <a:srgbClr val="FF0000"/>
+                    </a:solidFill>
+                  </a:endParaRPr>
+                </a:p>
+              </p:txBody>
+            </p:sp>
+          </mc:Choice>
+          <mc:Fallback>
+            <p:sp>
+              <p:nvSpPr>
+                <p:cNvPr id="3" name="TextBox 2">
+                  <a:extLst>
+                    <a:ext uri="{FF2B5EF4-FFF2-40B4-BE49-F238E27FC236}">
+                      <a16:creationId xmlns:a16="http://schemas.microsoft.com/office/drawing/2014/main" id="{F0004BA0-85A6-4291-3819-9DDF14855F92}"/>
+                    </a:ext>
+                  </a:extLst>
+                </p:cNvPr>
+                <p:cNvSpPr txBox="1">
+                  <a:spLocks noRot="1" noChangeAspect="1" noMove="1" noResize="1" noEditPoints="1" noAdjustHandles="1" noChangeArrowheads="1" noChangeShapeType="1" noTextEdit="1"/>
+                </p:cNvSpPr>
+                <p:nvPr/>
+              </p:nvSpPr>
+              <p:spPr>
+                <a:xfrm>
+                  <a:off x="3596711" y="3150708"/>
+                  <a:ext cx="1523551" cy="391261"/>
+                </a:xfrm>
+                <a:prstGeom prst="rect">
+                  <a:avLst/>
+                </a:prstGeom>
+                <a:blipFill>
+                  <a:blip r:embed="rId2"/>
+                  <a:stretch>
+                    <a:fillRect t="-20313" b="-10938"/>
+                  </a:stretch>
+                </a:blipFill>
+              </p:spPr>
+              <p:txBody>
+                <a:bodyPr/>
+                <a:lstStyle/>
+                <a:p>
+                  <a:r>
+                    <a:rPr lang="en-US">
+                      <a:noFill/>
+                    </a:rPr>
+                    <a:t> </a:t>
+                  </a:r>
+                </a:p>
+              </p:txBody>
+            </p:sp>
+          </mc:Fallback>
+        </mc:AlternateContent>
+        <p:cxnSp>
+          <p:nvCxnSpPr>
+            <p:cNvPr id="7" name="Straight Arrow Connector 6"/>
+            <p:cNvCxnSpPr/>
+            <p:nvPr/>
+          </p:nvCxnSpPr>
+          <p:spPr>
+            <a:xfrm flipH="1">
+              <a:off x="1264726" y="2847051"/>
+              <a:ext cx="3385521" cy="1292594"/>
+            </a:xfrm>
+            <a:prstGeom prst="straightConnector1">
+              <a:avLst/>
+            </a:prstGeom>
+            <a:ln w="38100" cap="rnd">
+              <a:solidFill>
+                <a:schemeClr val="tx1"/>
+              </a:solidFill>
+              <a:prstDash val="solid"/>
+              <a:headEnd type="triangle" w="med" len="lg"/>
+              <a:tailEnd type="triangle" w="med" len="lg"/>
+            </a:ln>
+          </p:spPr>
+          <p:style>
+            <a:lnRef idx="1">
+              <a:schemeClr val="accent1"/>
+            </a:lnRef>
+            <a:fillRef idx="0">
+              <a:schemeClr val="accent1"/>
+            </a:fillRef>
+            <a:effectRef idx="0">
+              <a:schemeClr val="accent1"/>
+            </a:effectRef>
+            <a:fontRef idx="minor">
+              <a:schemeClr val="tx1"/>
+            </a:fontRef>
+          </p:style>
+        </p:cxnSp>
+        <p:cxnSp>
+          <p:nvCxnSpPr>
+            <p:cNvPr id="9" name="Straight Arrow Connector 8"/>
+            <p:cNvCxnSpPr/>
+            <p:nvPr/>
+          </p:nvCxnSpPr>
+          <p:spPr>
+            <a:xfrm>
+              <a:off x="3691621" y="1848332"/>
+              <a:ext cx="0" cy="3048000"/>
+            </a:xfrm>
+            <a:prstGeom prst="straightConnector1">
+              <a:avLst/>
+            </a:prstGeom>
+            <a:ln w="38100" cap="rnd">
+              <a:solidFill>
+                <a:schemeClr val="tx1"/>
+              </a:solidFill>
+              <a:prstDash val="solid"/>
+              <a:headEnd type="triangle" w="med" len="lg"/>
+              <a:tailEnd type="triangle" w="med" len="lg"/>
+            </a:ln>
+          </p:spPr>
+          <p:style>
+            <a:lnRef idx="1">
+              <a:schemeClr val="accent1"/>
+            </a:lnRef>
+            <a:fillRef idx="0">
+              <a:schemeClr val="accent1"/>
+            </a:fillRef>
+            <a:effectRef idx="0">
+              <a:schemeClr val="accent1"/>
+            </a:effectRef>
+            <a:fontRef idx="minor">
+              <a:schemeClr val="tx1"/>
+            </a:fontRef>
+          </p:style>
+        </p:cxnSp>
+        <mc:AlternateContent xmlns:mc="http://schemas.openxmlformats.org/markup-compatibility/2006">
+          <mc:Choice xmlns:a14="http://schemas.microsoft.com/office/drawing/2010/main" Requires="a14">
+            <p:sp>
+              <p:nvSpPr>
+                <p:cNvPr id="13" name="TextBox 12"/>
+                <p:cNvSpPr txBox="1"/>
+                <p:nvPr/>
+              </p:nvSpPr>
+              <p:spPr>
+                <a:xfrm rot="5400000">
+                  <a:off x="3367888" y="2153987"/>
+                  <a:ext cx="1016797" cy="369332"/>
+                </a:xfrm>
+                <a:prstGeom prst="rect">
+                  <a:avLst/>
+                </a:prstGeom>
+                <a:noFill/>
+              </p:spPr>
+              <p:txBody>
+                <a:bodyPr wrap="square" rtlCol="0">
+                  <a:spAutoFit/>
+                </a:bodyPr>
+                <a:lstStyle/>
+                <a:p>
+                  <a:pPr/>
+                  <a14:m>
+                    <m:oMathPara xmlns:m="http://schemas.openxmlformats.org/officeDocument/2006/math">
+                      <m:oMathParaPr>
+                        <m:jc m:val="centerGroup"/>
+                      </m:oMathParaPr>
+                      <m:oMath xmlns:m="http://schemas.openxmlformats.org/officeDocument/2006/math">
+                        <m:r>
+                          <a:rPr lang="en-US" b="0" i="1" smtClean="0">
+                            <a:latin typeface="Cambria Math" panose="02040503050406030204" pitchFamily="18" charset="0"/>
+                          </a:rPr>
+                          <m:t>𝑥</m:t>
+                        </m:r>
+                        <m:r>
+                          <a:rPr lang="en-US" b="0" i="1" smtClean="0">
+                            <a:latin typeface="Cambria Math" panose="02040503050406030204" pitchFamily="18" charset="0"/>
+                          </a:rPr>
+                          <m:t>=</m:t>
+                        </m:r>
+                        <m:sSub>
+                          <m:sSubPr>
+                            <m:ctrlPr>
+                              <a:rPr lang="en-US" b="0" i="1" smtClean="0">
+                                <a:latin typeface="Cambria Math" panose="02040503050406030204" pitchFamily="18" charset="0"/>
+                              </a:rPr>
+                            </m:ctrlPr>
+                          </m:sSubPr>
+                          <m:e>
+                            <m:r>
+                              <a:rPr lang="en-US" b="0" i="1" smtClean="0">
+                                <a:latin typeface="Cambria Math" panose="02040503050406030204" pitchFamily="18" charset="0"/>
+                              </a:rPr>
+                              <m:t>𝑐</m:t>
+                            </m:r>
+                          </m:e>
+                          <m:sub>
+                            <m:r>
+                              <a:rPr lang="en-US" b="0" i="1" smtClean="0">
+                                <a:latin typeface="Cambria Math" panose="02040503050406030204" pitchFamily="18" charset="0"/>
+                              </a:rPr>
+                              <m:t>1</m:t>
+                            </m:r>
+                          </m:sub>
+                        </m:sSub>
+                      </m:oMath>
+                    </m:oMathPara>
+                  </a14:m>
+                  <a:endParaRPr lang="en-US" dirty="0"/>
+                </a:p>
+              </p:txBody>
+            </p:sp>
+          </mc:Choice>
+          <mc:Fallback>
+            <p:sp>
+              <p:nvSpPr>
+                <p:cNvPr id="13" name="TextBox 12"/>
+                <p:cNvSpPr txBox="1">
+                  <a:spLocks noRot="1" noChangeAspect="1" noMove="1" noResize="1" noEditPoints="1" noAdjustHandles="1" noChangeArrowheads="1" noChangeShapeType="1" noTextEdit="1"/>
+                </p:cNvSpPr>
+                <p:nvPr/>
+              </p:nvSpPr>
+              <p:spPr>
+                <a:xfrm rot="5400000">
+                  <a:off x="3367888" y="2153987"/>
+                  <a:ext cx="1016797" cy="369332"/>
+                </a:xfrm>
+                <a:prstGeom prst="rect">
+                  <a:avLst/>
+                </a:prstGeom>
+                <a:blipFill>
+                  <a:blip r:embed="rId3"/>
+                  <a:stretch>
+                    <a:fillRect/>
+                  </a:stretch>
+                </a:blipFill>
+              </p:spPr>
+              <p:txBody>
+                <a:bodyPr/>
+                <a:lstStyle/>
+                <a:p>
+                  <a:r>
+                    <a:rPr lang="en-US">
+                      <a:noFill/>
+                    </a:rPr>
+                    <a:t> </a:t>
+                  </a:r>
+                </a:p>
+              </p:txBody>
+            </p:sp>
+          </mc:Fallback>
+        </mc:AlternateContent>
+        <mc:AlternateContent xmlns:mc="http://schemas.openxmlformats.org/markup-compatibility/2006">
+          <mc:Choice xmlns:a14="http://schemas.microsoft.com/office/drawing/2010/main" Requires="a14">
+            <p:sp>
+              <p:nvSpPr>
+                <p:cNvPr id="14" name="TextBox 13"/>
+                <p:cNvSpPr txBox="1"/>
+                <p:nvPr/>
+              </p:nvSpPr>
+              <p:spPr>
+                <a:xfrm rot="20321317">
+                  <a:off x="1452884" y="3290068"/>
+                  <a:ext cx="1828800" cy="369332"/>
+                </a:xfrm>
+                <a:prstGeom prst="rect">
+                  <a:avLst/>
+                </a:prstGeom>
+                <a:noFill/>
+              </p:spPr>
+              <p:txBody>
+                <a:bodyPr wrap="square" rtlCol="0">
+                  <a:spAutoFit/>
+                </a:bodyPr>
+                <a:lstStyle/>
+                <a:p>
+                  <a:pPr/>
+                  <a14:m>
+                    <m:oMathPara xmlns:m="http://schemas.openxmlformats.org/officeDocument/2006/math">
+                      <m:oMathParaPr>
+                        <m:jc m:val="centerGroup"/>
+                      </m:oMathParaPr>
+                      <m:oMath xmlns:m="http://schemas.openxmlformats.org/officeDocument/2006/math">
+                        <m:r>
+                          <a:rPr lang="en-US" b="0" i="1" smtClean="0">
+                            <a:latin typeface="Cambria Math" panose="02040503050406030204" pitchFamily="18" charset="0"/>
+                          </a:rPr>
+                          <m:t>𝑦</m:t>
+                        </m:r>
+                        <m:r>
+                          <a:rPr lang="en-US" b="0" i="1" smtClean="0">
+                            <a:latin typeface="Cambria Math" panose="02040503050406030204" pitchFamily="18" charset="0"/>
+                          </a:rPr>
+                          <m:t>=</m:t>
+                        </m:r>
+                        <m:sSub>
+                          <m:sSubPr>
+                            <m:ctrlPr>
+                              <a:rPr lang="en-US" b="0" i="1" smtClean="0">
+                                <a:latin typeface="Cambria Math" panose="02040503050406030204" pitchFamily="18" charset="0"/>
+                              </a:rPr>
+                            </m:ctrlPr>
+                          </m:sSubPr>
+                          <m:e>
+                            <m:r>
+                              <a:rPr lang="en-US" b="0" i="1" smtClean="0">
+                                <a:latin typeface="Cambria Math" panose="02040503050406030204" pitchFamily="18" charset="0"/>
+                              </a:rPr>
+                              <m:t>𝑚</m:t>
+                            </m:r>
+                          </m:e>
+                          <m:sub>
+                            <m:r>
+                              <a:rPr lang="en-US" b="0" i="1" smtClean="0">
+                                <a:latin typeface="Cambria Math" panose="02040503050406030204" pitchFamily="18" charset="0"/>
+                              </a:rPr>
+                              <m:t>2</m:t>
+                            </m:r>
+                          </m:sub>
+                        </m:sSub>
+                        <m:r>
+                          <a:rPr lang="en-US" b="0" i="1" smtClean="0">
+                            <a:latin typeface="Cambria Math" panose="02040503050406030204" pitchFamily="18" charset="0"/>
+                          </a:rPr>
+                          <m:t>𝑥</m:t>
+                        </m:r>
+                        <m:r>
+                          <a:rPr lang="en-US" b="0" i="1" smtClean="0">
+                            <a:latin typeface="Cambria Math" panose="02040503050406030204" pitchFamily="18" charset="0"/>
+                          </a:rPr>
+                          <m:t>+</m:t>
+                        </m:r>
+                        <m:sSub>
+                          <m:sSubPr>
+                            <m:ctrlPr>
+                              <a:rPr lang="en-US" b="0" i="1" smtClean="0">
+                                <a:latin typeface="Cambria Math" panose="02040503050406030204" pitchFamily="18" charset="0"/>
+                              </a:rPr>
+                            </m:ctrlPr>
+                          </m:sSubPr>
+                          <m:e>
+                            <m:r>
+                              <a:rPr lang="en-US" b="0" i="1" smtClean="0">
+                                <a:latin typeface="Cambria Math" panose="02040503050406030204" pitchFamily="18" charset="0"/>
+                              </a:rPr>
+                              <m:t>𝑐</m:t>
+                            </m:r>
+                          </m:e>
+                          <m:sub>
+                            <m:r>
+                              <a:rPr lang="en-US" b="0" i="1" smtClean="0">
+                                <a:latin typeface="Cambria Math" panose="02040503050406030204" pitchFamily="18" charset="0"/>
+                              </a:rPr>
+                              <m:t>2</m:t>
+                            </m:r>
+                          </m:sub>
+                        </m:sSub>
+                      </m:oMath>
+                    </m:oMathPara>
+                  </a14:m>
+                  <a:endParaRPr lang="en-US" dirty="0"/>
+                </a:p>
+              </p:txBody>
+            </p:sp>
+          </mc:Choice>
+          <mc:Fallback>
+            <p:sp>
+              <p:nvSpPr>
+                <p:cNvPr id="14" name="TextBox 13"/>
+                <p:cNvSpPr txBox="1">
+                  <a:spLocks noRot="1" noChangeAspect="1" noMove="1" noResize="1" noEditPoints="1" noAdjustHandles="1" noChangeArrowheads="1" noChangeShapeType="1" noTextEdit="1"/>
+                </p:cNvSpPr>
+                <p:nvPr/>
+              </p:nvSpPr>
+              <p:spPr>
+                <a:xfrm rot="20321317">
+                  <a:off x="1452884" y="3290068"/>
+                  <a:ext cx="1828800" cy="369332"/>
+                </a:xfrm>
+                <a:prstGeom prst="rect">
+                  <a:avLst/>
+                </a:prstGeom>
+                <a:blipFill>
+                  <a:blip r:embed="rId4"/>
+                  <a:stretch>
+                    <a:fillRect/>
+                  </a:stretch>
+                </a:blipFill>
+              </p:spPr>
+              <p:txBody>
+                <a:bodyPr/>
+                <a:lstStyle/>
+                <a:p>
+                  <a:r>
+                    <a:rPr lang="en-US">
+                      <a:noFill/>
+                    </a:rPr>
+                    <a:t> </a:t>
+                  </a:r>
+                </a:p>
+              </p:txBody>
+            </p:sp>
+          </mc:Fallback>
+        </mc:AlternateContent>
+        <p:sp>
+          <p:nvSpPr>
+            <p:cNvPr id="18" name="Oval 17"/>
+            <p:cNvSpPr/>
+            <p:nvPr/>
+          </p:nvSpPr>
+          <p:spPr>
+            <a:xfrm>
+              <a:off x="3644519" y="3163968"/>
+              <a:ext cx="95026" cy="95026"/>
+            </a:xfrm>
+            <a:prstGeom prst="ellipse">
+              <a:avLst/>
+            </a:prstGeom>
+            <a:solidFill>
+              <a:srgbClr val="FF0000"/>
+            </a:solidFill>
+            <a:ln w="25400">
+              <a:solidFill>
+                <a:srgbClr val="FF0000"/>
+              </a:solidFill>
+            </a:ln>
+          </p:spPr>
+          <p:style>
+            <a:lnRef idx="2">
+              <a:schemeClr val="accent1">
+                <a:shade val="50000"/>
+              </a:schemeClr>
+            </a:lnRef>
+            <a:fillRef idx="1">
+              <a:schemeClr val="accent1"/>
+            </a:fillRef>
+            <a:effectRef idx="0">
+              <a:schemeClr val="accent1"/>
+            </a:effectRef>
+            <a:fontRef idx="minor">
+              <a:schemeClr val="lt1"/>
+            </a:fontRef>
+          </p:style>
+          <p:txBody>
+            <a:bodyPr rtlCol="0" anchor="ctr"/>
+            <a:lstStyle/>
+            <a:p>
+              <a:pPr algn="ctr"/>
+              <a:endParaRPr lang="en-US"/>
+            </a:p>
+          </p:txBody>
+        </p:sp>
+      </p:grpSp>
+    </p:spTree>
+    <p:extLst>
+      <p:ext uri="{BB962C8B-B14F-4D97-AF65-F5344CB8AC3E}">
+        <p14:creationId xmlns:p14="http://schemas.microsoft.com/office/powerpoint/2010/main" val="3332715884"/>
+      </p:ext>
+    </p:extLst>
+  </p:cSld>
+  <p:clrMapOvr>
+    <a:masterClrMapping/>
+  </p:clrMapOvr>
+  <mc:AlternateContent xmlns:mc="http://schemas.openxmlformats.org/markup-compatibility/2006" xmlns:p14="http://schemas.microsoft.com/office/powerpoint/2010/main">
+    <mc:Choice Requires="p14">
+      <p:transition p14:dur="10"/>
+    </mc:Choice>
+    <mc:Fallback xmlns="">
+      <p:transition/>
+    </mc:Fallback>
+  </mc:AlternateContent>
+</p:sld>
+</file>
+
+<file path=ppt/slides/slide8.xml><?xml version="1.0" encoding="utf-8"?>
+<p:sld xmlns:a="http://schemas.openxmlformats.org/drawingml/2006/main" xmlns:r="http://schemas.openxmlformats.org/officeDocument/2006/relationships" xmlns:p="http://schemas.openxmlformats.org/presentationml/2006/main">
+  <p:cSld>
+    <p:spTree>
+      <p:nvGrpSpPr>
+        <p:cNvPr id="1" name=""/>
+        <p:cNvGrpSpPr/>
+        <p:nvPr/>
+      </p:nvGrpSpPr>
+      <p:grpSpPr>
+        <a:xfrm>
+          <a:off x="0" y="0"/>
+          <a:ext cx="0" cy="0"/>
+          <a:chOff x="0" y="0"/>
+          <a:chExt cx="0" cy="0"/>
+        </a:xfrm>
+      </p:grpSpPr>
+      <p:sp>
+        <p:nvSpPr>
+          <p:cNvPr id="2" name="Title 1"/>
+          <p:cNvSpPr>
+            <a:spLocks noGrp="1"/>
+          </p:cNvSpPr>
+          <p:nvPr>
+            <p:ph type="title"/>
+          </p:nvPr>
+        </p:nvSpPr>
+        <p:spPr/>
+        <p:txBody>
+          <a:bodyPr/>
+          <a:lstStyle/>
+          <a:p>
+            <a:r>
+              <a:rPr lang="en-US" dirty="0">
+                <a:latin typeface="Calibri Light" panose="020F0302020204030204" pitchFamily="34" charset="0"/>
+                <a:cs typeface="Consolas" panose="020B0609020204030204" pitchFamily="49" charset="0"/>
+              </a:rPr>
+              <a:t>Closest Point on Line </a:t>
+            </a:r>
+            <a:endParaRPr lang="en-US" dirty="0">
+              <a:latin typeface="Calibri Light" panose="020F0302020204030204" pitchFamily="34" charset="0"/>
+            </a:endParaRPr>
+          </a:p>
+        </p:txBody>
+      </p:sp>
+      <p:grpSp>
+        <p:nvGrpSpPr>
+          <p:cNvPr id="7" name="Group 6"/>
+          <p:cNvGrpSpPr/>
+          <p:nvPr/>
+        </p:nvGrpSpPr>
+        <p:grpSpPr>
+          <a:xfrm>
+            <a:off x="3163748" y="2057771"/>
+            <a:ext cx="3122762" cy="2546556"/>
+            <a:chOff x="3081313" y="2060552"/>
+            <a:chExt cx="3122762" cy="2546556"/>
+          </a:xfrm>
+        </p:grpSpPr>
+        <p:cxnSp>
+          <p:nvCxnSpPr>
+            <p:cNvPr id="8" name="Straight Arrow Connector 7"/>
+            <p:cNvCxnSpPr/>
+            <p:nvPr/>
+          </p:nvCxnSpPr>
+          <p:spPr>
+            <a:xfrm>
+              <a:off x="4866640" y="2565400"/>
+              <a:ext cx="1168037" cy="1955803"/>
+            </a:xfrm>
+            <a:prstGeom prst="straightConnector1">
+              <a:avLst/>
+            </a:prstGeom>
+            <a:ln w="38100" cap="rnd">
+              <a:solidFill>
+                <a:schemeClr val="bg1">
+                  <a:lumMod val="75000"/>
+                </a:schemeClr>
+              </a:solidFill>
+              <a:prstDash val="sysDash"/>
+              <a:headEnd type="triangle" w="med" len="lg"/>
+              <a:tailEnd type="triangle" w="med" len="lg"/>
+            </a:ln>
+          </p:spPr>
+          <p:style>
+            <a:lnRef idx="1">
+              <a:schemeClr val="accent1"/>
+            </a:lnRef>
+            <a:fillRef idx="0">
+              <a:schemeClr val="accent1"/>
+            </a:fillRef>
+            <a:effectRef idx="0">
+              <a:schemeClr val="accent1"/>
+            </a:effectRef>
+            <a:fontRef idx="minor">
+              <a:schemeClr val="tx1"/>
+            </a:fontRef>
+          </p:style>
+        </p:cxnSp>
+        <p:cxnSp>
+          <p:nvCxnSpPr>
+            <p:cNvPr id="9" name="Straight Arrow Connector 8"/>
+            <p:cNvCxnSpPr/>
+            <p:nvPr/>
+          </p:nvCxnSpPr>
+          <p:spPr>
+            <a:xfrm flipV="1">
+              <a:off x="3156075" y="2778307"/>
+              <a:ext cx="3048000" cy="1828801"/>
+            </a:xfrm>
+            <a:prstGeom prst="straightConnector1">
+              <a:avLst/>
+            </a:prstGeom>
+            <a:ln w="38100" cap="rnd">
+              <a:solidFill>
+                <a:schemeClr val="tx1"/>
+              </a:solidFill>
+              <a:prstDash val="solid"/>
+              <a:headEnd type="triangle" w="med" len="lg"/>
+              <a:tailEnd type="triangle" w="med" len="lg"/>
+            </a:ln>
+          </p:spPr>
+          <p:style>
+            <a:lnRef idx="1">
+              <a:schemeClr val="accent1"/>
+            </a:lnRef>
+            <a:fillRef idx="0">
+              <a:schemeClr val="accent1"/>
+            </a:fillRef>
+            <a:effectRef idx="0">
+              <a:schemeClr val="accent1"/>
+            </a:effectRef>
+            <a:fontRef idx="minor">
+              <a:schemeClr val="tx1"/>
+            </a:fontRef>
+          </p:style>
+        </p:cxnSp>
+        <mc:AlternateContent xmlns:mc="http://schemas.openxmlformats.org/markup-compatibility/2006" xmlns:a14="http://schemas.microsoft.com/office/drawing/2010/main">
+          <mc:Choice Requires="a14">
+            <p:sp>
+              <p:nvSpPr>
+                <p:cNvPr id="10" name="TextBox 9"/>
+                <p:cNvSpPr txBox="1"/>
+                <p:nvPr/>
+              </p:nvSpPr>
+              <p:spPr>
+                <a:xfrm rot="19752525">
+                  <a:off x="3081313" y="3679358"/>
+                  <a:ext cx="1828800" cy="369332"/>
+                </a:xfrm>
+                <a:prstGeom prst="rect">
+                  <a:avLst/>
+                </a:prstGeom>
+                <a:noFill/>
+              </p:spPr>
+              <p:txBody>
+                <a:bodyPr wrap="square" rtlCol="0">
+                  <a:spAutoFit/>
+                </a:bodyPr>
+                <a:lstStyle/>
+                <a:p>
+                  <a:pPr/>
+                  <a14:m>
+                    <m:oMathPara xmlns:m="http://schemas.openxmlformats.org/officeDocument/2006/math">
+                      <m:oMathParaPr>
+                        <m:jc m:val="centerGroup"/>
+                      </m:oMathParaPr>
+                      <m:oMath xmlns:m="http://schemas.openxmlformats.org/officeDocument/2006/math">
+                        <m:r>
+                          <a:rPr lang="en-US" b="0" i="1" smtClean="0">
+                            <a:latin typeface="Cambria Math" panose="02040503050406030204" pitchFamily="18" charset="0"/>
+                          </a:rPr>
+                          <m:t>𝑦</m:t>
+                        </m:r>
+                        <m:r>
+                          <a:rPr lang="en-US" b="0" i="1" smtClean="0">
+                            <a:latin typeface="Cambria Math" panose="02040503050406030204" pitchFamily="18" charset="0"/>
+                          </a:rPr>
+                          <m:t>=</m:t>
+                        </m:r>
+                        <m:sSub>
+                          <m:sSubPr>
+                            <m:ctrlPr>
+                              <a:rPr lang="en-US" b="0" i="1" smtClean="0">
+                                <a:latin typeface="Cambria Math" panose="02040503050406030204" pitchFamily="18" charset="0"/>
+                              </a:rPr>
+                            </m:ctrlPr>
+                          </m:sSubPr>
+                          <m:e>
+                            <m:r>
+                              <a:rPr lang="en-US" b="0" i="1" smtClean="0">
+                                <a:latin typeface="Cambria Math" panose="02040503050406030204" pitchFamily="18" charset="0"/>
+                              </a:rPr>
+                              <m:t>𝑚</m:t>
+                            </m:r>
+                          </m:e>
+                          <m:sub>
+                            <m:r>
+                              <a:rPr lang="en-US" b="0" i="1" smtClean="0">
+                                <a:latin typeface="Cambria Math" panose="02040503050406030204" pitchFamily="18" charset="0"/>
+                              </a:rPr>
+                              <m:t>1</m:t>
+                            </m:r>
+                          </m:sub>
+                        </m:sSub>
+                        <m:r>
+                          <a:rPr lang="en-US" b="0" i="1" smtClean="0">
+                            <a:latin typeface="Cambria Math" panose="02040503050406030204" pitchFamily="18" charset="0"/>
+                          </a:rPr>
+                          <m:t>𝑥</m:t>
+                        </m:r>
+                        <m:r>
+                          <a:rPr lang="en-US" b="0" i="1" smtClean="0">
+                            <a:latin typeface="Cambria Math" panose="02040503050406030204" pitchFamily="18" charset="0"/>
+                          </a:rPr>
+                          <m:t>+</m:t>
+                        </m:r>
+                        <m:sSub>
+                          <m:sSubPr>
+                            <m:ctrlPr>
+                              <a:rPr lang="en-US" b="0" i="1" smtClean="0">
+                                <a:latin typeface="Cambria Math" panose="02040503050406030204" pitchFamily="18" charset="0"/>
+                              </a:rPr>
+                            </m:ctrlPr>
+                          </m:sSubPr>
+                          <m:e>
+                            <m:r>
+                              <a:rPr lang="en-US" b="0" i="1" smtClean="0">
+                                <a:latin typeface="Cambria Math" panose="02040503050406030204" pitchFamily="18" charset="0"/>
+                              </a:rPr>
+                              <m:t>𝑐</m:t>
+                            </m:r>
+                          </m:e>
+                          <m:sub>
+                            <m:r>
+                              <a:rPr lang="en-US" b="0" i="1" smtClean="0">
+                                <a:latin typeface="Cambria Math" panose="02040503050406030204" pitchFamily="18" charset="0"/>
+                              </a:rPr>
+                              <m:t>1</m:t>
+                            </m:r>
+                          </m:sub>
+                        </m:sSub>
+                      </m:oMath>
+                    </m:oMathPara>
+                  </a14:m>
+                  <a:endParaRPr lang="en-US" dirty="0"/>
+                </a:p>
+              </p:txBody>
+            </p:sp>
+          </mc:Choice>
+          <mc:Fallback xmlns="">
+            <p:sp>
+              <p:nvSpPr>
+                <p:cNvPr id="10" name="TextBox 9"/>
+                <p:cNvSpPr txBox="1">
+                  <a:spLocks noRot="1" noChangeAspect="1" noMove="1" noResize="1" noEditPoints="1" noAdjustHandles="1" noChangeArrowheads="1" noChangeShapeType="1" noTextEdit="1"/>
+                </p:cNvSpPr>
+                <p:nvPr/>
+              </p:nvSpPr>
+              <p:spPr>
+                <a:xfrm rot="19752525">
+                  <a:off x="3081313" y="3679358"/>
+                  <a:ext cx="1828800" cy="369332"/>
+                </a:xfrm>
+                <a:prstGeom prst="rect">
+                  <a:avLst/>
+                </a:prstGeom>
+                <a:blipFill rotWithShape="0">
+                  <a:blip r:embed="rId2"/>
+                  <a:stretch>
+                    <a:fillRect/>
+                  </a:stretch>
+                </a:blipFill>
+              </p:spPr>
+              <p:txBody>
+                <a:bodyPr/>
+                <a:lstStyle/>
+                <a:p>
+                  <a:r>
+                    <a:rPr lang="en-US">
+                      <a:noFill/>
+                    </a:rPr>
+                    <a:t> </a:t>
+                  </a:r>
+                </a:p>
+              </p:txBody>
+            </p:sp>
+          </mc:Fallback>
+        </mc:AlternateContent>
+        <p:sp>
+          <p:nvSpPr>
+            <p:cNvPr id="11" name="Oval 10"/>
+            <p:cNvSpPr/>
+            <p:nvPr/>
+          </p:nvSpPr>
+          <p:spPr>
+            <a:xfrm>
+              <a:off x="5787515" y="4134667"/>
+              <a:ext cx="95026" cy="95026"/>
+            </a:xfrm>
+            <a:prstGeom prst="ellipse">
+              <a:avLst/>
+            </a:prstGeom>
+            <a:solidFill>
+              <a:schemeClr val="tx1"/>
+            </a:solidFill>
+            <a:ln w="25400">
+              <a:solidFill>
+                <a:schemeClr val="tx1"/>
+              </a:solidFill>
+            </a:ln>
+          </p:spPr>
+          <p:style>
+            <a:lnRef idx="2">
+              <a:schemeClr val="accent1">
+                <a:shade val="50000"/>
+              </a:schemeClr>
+            </a:lnRef>
+            <a:fillRef idx="1">
+              <a:schemeClr val="accent1"/>
+            </a:fillRef>
+            <a:effectRef idx="0">
+              <a:schemeClr val="accent1"/>
+            </a:effectRef>
+            <a:fontRef idx="minor">
+              <a:schemeClr val="lt1"/>
+            </a:fontRef>
+          </p:style>
+          <p:txBody>
+            <a:bodyPr rtlCol="0" anchor="ctr"/>
+            <a:lstStyle/>
+            <a:p>
+              <a:pPr algn="ctr"/>
+              <a:endParaRPr lang="en-US"/>
+            </a:p>
+          </p:txBody>
+        </p:sp>
+        <mc:AlternateContent xmlns:mc="http://schemas.openxmlformats.org/markup-compatibility/2006">
+          <mc:Choice xmlns:a14="http://schemas.microsoft.com/office/drawing/2010/main" Requires="a14">
+            <p:sp>
+              <p:nvSpPr>
+                <p:cNvPr id="12" name="TextBox 11"/>
+                <p:cNvSpPr txBox="1"/>
+                <p:nvPr/>
+              </p:nvSpPr>
+              <p:spPr>
+                <a:xfrm>
+                  <a:off x="3621858" y="2060552"/>
+                  <a:ext cx="1828800" cy="449354"/>
+                </a:xfrm>
+                <a:prstGeom prst="rect">
+                  <a:avLst/>
+                </a:prstGeom>
+                <a:noFill/>
+              </p:spPr>
+              <p:txBody>
+                <a:bodyPr wrap="square" rtlCol="0">
+                  <a:spAutoFit/>
+                </a:bodyPr>
+                <a:lstStyle/>
+                <a:p>
+                  <a:pPr/>
+                  <a14:m>
+                    <m:oMathPara xmlns:m="http://schemas.openxmlformats.org/officeDocument/2006/math">
+                      <m:oMathParaPr>
+                        <m:jc m:val="centerGroup"/>
+                      </m:oMathParaPr>
+                      <m:oMath xmlns:m="http://schemas.openxmlformats.org/officeDocument/2006/math">
+                        <m:r>
+                          <a:rPr lang="en-US" b="0" i="1" smtClean="0">
+                            <a:solidFill>
+                              <a:schemeClr val="bg1">
+                                <a:lumMod val="65000"/>
+                              </a:schemeClr>
+                            </a:solidFill>
+                            <a:latin typeface="Cambria Math" panose="02040503050406030204" pitchFamily="18" charset="0"/>
+                          </a:rPr>
+                          <m:t>𝑦</m:t>
+                        </m:r>
+                        <m:r>
+                          <a:rPr lang="en-US" b="0" i="1" smtClean="0">
+                            <a:solidFill>
+                              <a:schemeClr val="bg1">
+                                <a:lumMod val="65000"/>
+                              </a:schemeClr>
+                            </a:solidFill>
+                            <a:latin typeface="Cambria Math" panose="02040503050406030204" pitchFamily="18" charset="0"/>
+                          </a:rPr>
+                          <m:t>=</m:t>
+                        </m:r>
+                        <m:box>
+                          <m:boxPr>
+                            <m:ctrlPr>
+                              <a:rPr lang="en-US" b="0" i="1" smtClean="0">
+                                <a:solidFill>
+                                  <a:schemeClr val="bg1">
+                                    <a:lumMod val="65000"/>
+                                  </a:schemeClr>
+                                </a:solidFill>
+                                <a:latin typeface="Cambria Math" panose="02040503050406030204" pitchFamily="18" charset="0"/>
+                              </a:rPr>
+                            </m:ctrlPr>
+                          </m:boxPr>
+                          <m:e>
+                            <m:argPr>
+                              <m:argSz m:val="-1"/>
+                            </m:argPr>
+                            <m:f>
+                              <m:fPr>
+                                <m:ctrlPr>
+                                  <a:rPr lang="en-US" b="0" i="1" smtClean="0">
+                                    <a:solidFill>
+                                      <a:schemeClr val="bg1">
+                                        <a:lumMod val="65000"/>
+                                      </a:schemeClr>
+                                    </a:solidFill>
+                                    <a:latin typeface="Cambria Math" panose="02040503050406030204" pitchFamily="18" charset="0"/>
+                                  </a:rPr>
+                                </m:ctrlPr>
+                              </m:fPr>
+                              <m:num>
+                                <m:r>
+                                  <a:rPr lang="en-US" b="0" i="1" smtClean="0">
+                                    <a:solidFill>
+                                      <a:schemeClr val="bg1">
+                                        <a:lumMod val="65000"/>
+                                      </a:schemeClr>
+                                    </a:solidFill>
+                                    <a:latin typeface="Cambria Math" panose="02040503050406030204" pitchFamily="18" charset="0"/>
+                                  </a:rPr>
+                                  <m:t>−</m:t>
+                                </m:r>
+                                <m:r>
+                                  <a:rPr lang="en-US" b="0" i="1" smtClean="0">
+                                    <a:solidFill>
+                                      <a:schemeClr val="bg1">
+                                        <a:lumMod val="65000"/>
+                                      </a:schemeClr>
+                                    </a:solidFill>
+                                    <a:latin typeface="Cambria Math" panose="02040503050406030204" pitchFamily="18" charset="0"/>
+                                  </a:rPr>
+                                  <m:t>1</m:t>
+                                </m:r>
+                              </m:num>
+                              <m:den>
+                                <m:sSub>
+                                  <m:sSubPr>
+                                    <m:ctrlPr>
+                                      <a:rPr lang="en-US" i="1">
+                                        <a:solidFill>
+                                          <a:schemeClr val="bg1">
+                                            <a:lumMod val="65000"/>
+                                          </a:schemeClr>
+                                        </a:solidFill>
+                                        <a:latin typeface="Cambria Math" panose="02040503050406030204" pitchFamily="18" charset="0"/>
+                                      </a:rPr>
+                                    </m:ctrlPr>
+                                  </m:sSubPr>
+                                  <m:e>
+                                    <m:r>
+                                      <a:rPr lang="en-US" i="1">
+                                        <a:solidFill>
+                                          <a:schemeClr val="bg1">
+                                            <a:lumMod val="65000"/>
+                                          </a:schemeClr>
+                                        </a:solidFill>
+                                        <a:latin typeface="Cambria Math" panose="02040503050406030204" pitchFamily="18" charset="0"/>
+                                      </a:rPr>
+                                      <m:t>𝑚</m:t>
+                                    </m:r>
+                                  </m:e>
+                                  <m:sub>
+                                    <m:r>
+                                      <a:rPr lang="en-US" i="1">
+                                        <a:solidFill>
+                                          <a:schemeClr val="bg1">
+                                            <a:lumMod val="65000"/>
+                                          </a:schemeClr>
+                                        </a:solidFill>
+                                        <a:latin typeface="Cambria Math" panose="02040503050406030204" pitchFamily="18" charset="0"/>
+                                      </a:rPr>
+                                      <m:t>1</m:t>
+                                    </m:r>
+                                  </m:sub>
+                                </m:sSub>
+                              </m:den>
+                            </m:f>
+                          </m:e>
+                        </m:box>
+                        <m:r>
+                          <a:rPr lang="en-US" b="0" i="1" smtClean="0">
+                            <a:solidFill>
+                              <a:schemeClr val="bg1">
+                                <a:lumMod val="65000"/>
+                              </a:schemeClr>
+                            </a:solidFill>
+                            <a:latin typeface="Cambria Math" panose="02040503050406030204" pitchFamily="18" charset="0"/>
+                          </a:rPr>
+                          <m:t>𝑥</m:t>
+                        </m:r>
+                        <m:r>
+                          <a:rPr lang="en-US" b="0" i="1" smtClean="0">
+                            <a:solidFill>
+                              <a:schemeClr val="bg1">
+                                <a:lumMod val="65000"/>
+                              </a:schemeClr>
+                            </a:solidFill>
+                            <a:latin typeface="Cambria Math" panose="02040503050406030204" pitchFamily="18" charset="0"/>
+                          </a:rPr>
+                          <m:t>+</m:t>
+                        </m:r>
+                        <m:sSub>
+                          <m:sSubPr>
+                            <m:ctrlPr>
+                              <a:rPr lang="en-US" b="0" i="1" smtClean="0">
+                                <a:solidFill>
+                                  <a:schemeClr val="bg1">
+                                    <a:lumMod val="65000"/>
+                                  </a:schemeClr>
+                                </a:solidFill>
+                                <a:latin typeface="Cambria Math" panose="02040503050406030204" pitchFamily="18" charset="0"/>
+                              </a:rPr>
+                            </m:ctrlPr>
+                          </m:sSubPr>
+                          <m:e>
+                            <m:r>
+                              <a:rPr lang="en-US" b="0" i="1" smtClean="0">
+                                <a:solidFill>
+                                  <a:schemeClr val="bg1">
+                                    <a:lumMod val="65000"/>
+                                  </a:schemeClr>
+                                </a:solidFill>
+                                <a:latin typeface="Cambria Math" panose="02040503050406030204" pitchFamily="18" charset="0"/>
+                              </a:rPr>
+                              <m:t>𝑐</m:t>
+                            </m:r>
+                          </m:e>
+                          <m:sub>
+                            <m:r>
+                              <a:rPr lang="en-US" b="0" i="1" smtClean="0">
+                                <a:solidFill>
+                                  <a:schemeClr val="bg1">
+                                    <a:lumMod val="65000"/>
+                                  </a:schemeClr>
+                                </a:solidFill>
+                                <a:latin typeface="Cambria Math" panose="02040503050406030204" pitchFamily="18" charset="0"/>
+                              </a:rPr>
+                              <m:t>1</m:t>
+                            </m:r>
+                          </m:sub>
+                        </m:sSub>
+                      </m:oMath>
+                    </m:oMathPara>
+                  </a14:m>
+                  <a:endParaRPr lang="en-US" dirty="0"/>
+                </a:p>
+              </p:txBody>
+            </p:sp>
+          </mc:Choice>
+          <mc:Fallback>
+            <p:sp>
+              <p:nvSpPr>
+                <p:cNvPr id="12" name="TextBox 11"/>
+                <p:cNvSpPr txBox="1">
+                  <a:spLocks noRot="1" noChangeAspect="1" noMove="1" noResize="1" noEditPoints="1" noAdjustHandles="1" noChangeArrowheads="1" noChangeShapeType="1" noTextEdit="1"/>
+                </p:cNvSpPr>
+                <p:nvPr/>
+              </p:nvSpPr>
+              <p:spPr>
+                <a:xfrm>
+                  <a:off x="3621858" y="2060552"/>
+                  <a:ext cx="1828800" cy="449354"/>
+                </a:xfrm>
+                <a:prstGeom prst="rect">
+                  <a:avLst/>
+                </a:prstGeom>
+                <a:blipFill>
+                  <a:blip r:embed="rId3"/>
+                  <a:stretch>
+                    <a:fillRect/>
+                  </a:stretch>
+                </a:blipFill>
+              </p:spPr>
+              <p:txBody>
+                <a:bodyPr/>
+                <a:lstStyle/>
+                <a:p>
+                  <a:r>
+                    <a:rPr lang="en-US">
+                      <a:noFill/>
+                    </a:rPr>
+                    <a:t> </a:t>
+                  </a:r>
+                </a:p>
+              </p:txBody>
+            </p:sp>
+          </mc:Fallback>
+        </mc:AlternateContent>
+        <mc:AlternateContent xmlns:mc="http://schemas.openxmlformats.org/markup-compatibility/2006">
+          <mc:Choice xmlns:a14="http://schemas.microsoft.com/office/drawing/2010/main" Requires="a14">
+            <p:sp>
+              <p:nvSpPr>
+                <p:cNvPr id="13" name="TextBox 12"/>
+                <p:cNvSpPr txBox="1"/>
+                <p:nvPr/>
+              </p:nvSpPr>
+              <p:spPr>
+                <a:xfrm>
+                  <a:off x="5835028" y="3864024"/>
+                  <a:ext cx="335280" cy="369332"/>
+                </a:xfrm>
+                <a:prstGeom prst="rect">
+                  <a:avLst/>
+                </a:prstGeom>
+                <a:noFill/>
+              </p:spPr>
+              <p:txBody>
+                <a:bodyPr wrap="square" rtlCol="0">
+                  <a:spAutoFit/>
+                </a:bodyPr>
+                <a:lstStyle/>
+                <a:p>
+                  <a:pPr/>
+                  <a14:m>
+                    <m:oMathPara xmlns:m="http://schemas.openxmlformats.org/officeDocument/2006/math">
+                      <m:oMathParaPr>
+                        <m:jc m:val="centerGroup"/>
+                      </m:oMathParaPr>
+                      <m:oMath xmlns:m="http://schemas.openxmlformats.org/officeDocument/2006/math">
+                        <m:acc>
+                          <m:accPr>
+                            <m:chr m:val="⃗"/>
+                            <m:ctrlPr>
+                              <a:rPr lang="en-US" i="1" smtClean="0">
+                                <a:solidFill>
+                                  <a:schemeClr val="tx1"/>
+                                </a:solidFill>
+                                <a:latin typeface="Cambria Math" panose="02040503050406030204" pitchFamily="18" charset="0"/>
+                              </a:rPr>
+                            </m:ctrlPr>
+                          </m:accPr>
+                          <m:e>
+                            <m:r>
+                              <a:rPr lang="en-US" b="0" i="1" smtClean="0">
+                                <a:solidFill>
+                                  <a:schemeClr val="tx1"/>
+                                </a:solidFill>
+                                <a:latin typeface="Cambria Math" panose="02040503050406030204" pitchFamily="18" charset="0"/>
+                              </a:rPr>
+                              <m:t>𝑝</m:t>
+                            </m:r>
+                          </m:e>
+                        </m:acc>
+                      </m:oMath>
+                    </m:oMathPara>
+                  </a14:m>
+                  <a:endParaRPr lang="en-US" dirty="0">
+                    <a:solidFill>
+                      <a:schemeClr val="tx1"/>
+                    </a:solidFill>
+                  </a:endParaRPr>
+                </a:p>
+              </p:txBody>
+            </p:sp>
+          </mc:Choice>
+          <mc:Fallback>
+            <p:sp>
+              <p:nvSpPr>
+                <p:cNvPr id="13" name="TextBox 12"/>
+                <p:cNvSpPr txBox="1">
+                  <a:spLocks noRot="1" noChangeAspect="1" noMove="1" noResize="1" noEditPoints="1" noAdjustHandles="1" noChangeArrowheads="1" noChangeShapeType="1" noTextEdit="1"/>
+                </p:cNvSpPr>
+                <p:nvPr/>
+              </p:nvSpPr>
+              <p:spPr>
+                <a:xfrm>
+                  <a:off x="5835028" y="3864024"/>
+                  <a:ext cx="335280" cy="369332"/>
+                </a:xfrm>
+                <a:prstGeom prst="rect">
+                  <a:avLst/>
+                </a:prstGeom>
+                <a:blipFill>
+                  <a:blip r:embed="rId4"/>
+                  <a:stretch>
+                    <a:fillRect t="-22951" r="-27273" b="-6557"/>
+                  </a:stretch>
+                </a:blipFill>
+              </p:spPr>
+              <p:txBody>
+                <a:bodyPr/>
+                <a:lstStyle/>
+                <a:p>
+                  <a:r>
+                    <a:rPr lang="en-US">
+                      <a:noFill/>
+                    </a:rPr>
+                    <a:t> </a:t>
+                  </a:r>
+                </a:p>
+              </p:txBody>
+            </p:sp>
+          </mc:Fallback>
+        </mc:AlternateContent>
+        <p:sp>
+          <p:nvSpPr>
+            <p:cNvPr id="14" name="Oval 13"/>
+            <p:cNvSpPr/>
+            <p:nvPr/>
+          </p:nvSpPr>
+          <p:spPr>
+            <a:xfrm>
+              <a:off x="5259195" y="3271067"/>
+              <a:ext cx="95026" cy="95026"/>
+            </a:xfrm>
+            <a:prstGeom prst="ellipse">
+              <a:avLst/>
+            </a:prstGeom>
+            <a:solidFill>
+              <a:srgbClr val="FF0000"/>
+            </a:solidFill>
+            <a:ln w="25400">
+              <a:solidFill>
+                <a:srgbClr val="FF0000"/>
+              </a:solidFill>
+            </a:ln>
+          </p:spPr>
+          <p:style>
+            <a:lnRef idx="2">
+              <a:schemeClr val="accent1">
+                <a:shade val="50000"/>
+              </a:schemeClr>
+            </a:lnRef>
+            <a:fillRef idx="1">
+              <a:schemeClr val="accent1"/>
+            </a:fillRef>
+            <a:effectRef idx="0">
+              <a:schemeClr val="accent1"/>
+            </a:effectRef>
+            <a:fontRef idx="minor">
+              <a:schemeClr val="lt1"/>
+            </a:fontRef>
+          </p:style>
+          <p:txBody>
+            <a:bodyPr rtlCol="0" anchor="ctr"/>
+            <a:lstStyle/>
+            <a:p>
+              <a:pPr algn="ctr"/>
+              <a:endParaRPr lang="en-US"/>
+            </a:p>
+          </p:txBody>
+        </p:sp>
+      </p:grpSp>
+    </p:spTree>
+    <p:extLst>
+      <p:ext uri="{BB962C8B-B14F-4D97-AF65-F5344CB8AC3E}">
+        <p14:creationId xmlns:p14="http://schemas.microsoft.com/office/powerpoint/2010/main" val="2451856895"/>
+      </p:ext>
+    </p:extLst>
+  </p:cSld>
+  <p:clrMapOvr>
+    <a:masterClrMapping/>
+  </p:clrMapOvr>
+  <mc:AlternateContent xmlns:mc="http://schemas.openxmlformats.org/markup-compatibility/2006" xmlns:p14="http://schemas.microsoft.com/office/powerpoint/2010/main">
+    <mc:Choice Requires="p14">
+      <p:transition p14:dur="10"/>
+    </mc:Choice>
+    <mc:Fallback xmlns="">
+      <p:transition/>
+    </mc:Fallback>
+  </mc:AlternateContent>
 </p:sld>
 </file>
 
@@ -5749,4 +10013,299 @@
     </a:ext>
   </a:extLst>
 </a:theme>
+</file>
+
+<file path=ppt/theme/theme2.xml><?xml version="1.0" encoding="utf-8"?>
+<a:theme xmlns:a="http://schemas.openxmlformats.org/drawingml/2006/main" name="Office Theme">
+  <a:themeElements>
+    <a:clrScheme name="Office">
+      <a:dk1>
+        <a:sysClr val="windowText" lastClr="000000"/>
+      </a:dk1>
+      <a:lt1>
+        <a:sysClr val="window" lastClr="FFFFFF"/>
+      </a:lt1>
+      <a:dk2>
+        <a:srgbClr val="44546A"/>
+      </a:dk2>
+      <a:lt2>
+        <a:srgbClr val="E7E6E6"/>
+      </a:lt2>
+      <a:accent1>
+        <a:srgbClr val="4472C4"/>
+      </a:accent1>
+      <a:accent2>
+        <a:srgbClr val="ED7D31"/>
+      </a:accent2>
+      <a:accent3>
+        <a:srgbClr val="A5A5A5"/>
+      </a:accent3>
+      <a:accent4>
+        <a:srgbClr val="FFC000"/>
+      </a:accent4>
+      <a:accent5>
+        <a:srgbClr val="5B9BD5"/>
+      </a:accent5>
+      <a:accent6>
+        <a:srgbClr val="70AD47"/>
+      </a:accent6>
+      <a:hlink>
+        <a:srgbClr val="0563C1"/>
+      </a:hlink>
+      <a:folHlink>
+        <a:srgbClr val="954F72"/>
+      </a:folHlink>
+    </a:clrScheme>
+    <a:fontScheme name="Office">
+      <a:majorFont>
+        <a:latin typeface="Calibri Light" panose="020F0302020204030204"/>
+        <a:ea typeface=""/>
+        <a:cs typeface=""/>
+        <a:font script="Jpan" typeface="游ゴシック Light"/>
+        <a:font script="Hang" typeface="맑은 고딕"/>
+        <a:font script="Hans" typeface="等线 Light"/>
+        <a:font script="Hant" typeface="新細明體"/>
+        <a:font script="Arab" typeface="Times New Roman"/>
+        <a:font script="Hebr" typeface="Times New Roman"/>
+        <a:font script="Thai" typeface="Angsana New"/>
+        <a:font script="Ethi" typeface="Nyala"/>
+        <a:font script="Beng" typeface="Vrinda"/>
+        <a:font script="Gujr" typeface="Shruti"/>
+        <a:font script="Khmr" typeface="MoolBoran"/>
+        <a:font script="Knda" typeface="Tunga"/>
+        <a:font script="Guru" typeface="Raavi"/>
+        <a:font script="Cans" typeface="Euphemia"/>
+        <a:font script="Cher" typeface="Plantagenet Cherokee"/>
+        <a:font script="Yiii" typeface="Microsoft Yi Baiti"/>
+        <a:font script="Tibt" typeface="Microsoft Himalaya"/>
+        <a:font script="Thaa" typeface="MV Boli"/>
+        <a:font script="Deva" typeface="Mangal"/>
+        <a:font script="Telu" typeface="Gautami"/>
+        <a:font script="Taml" typeface="Latha"/>
+        <a:font script="Syrc" typeface="Estrangelo Edessa"/>
+        <a:font script="Orya" typeface="Kalinga"/>
+        <a:font script="Mlym" typeface="Kartika"/>
+        <a:font script="Laoo" typeface="DokChampa"/>
+        <a:font script="Sinh" typeface="Iskoola Pota"/>
+        <a:font script="Mong" typeface="Mongolian Baiti"/>
+        <a:font script="Viet" typeface="Times New Roman"/>
+        <a:font script="Uigh" typeface="Microsoft Uighur"/>
+        <a:font script="Geor" typeface="Sylfaen"/>
+        <a:font script="Armn" typeface="Arial"/>
+        <a:font script="Bugi" typeface="Leelawadee UI"/>
+        <a:font script="Bopo" typeface="Microsoft JhengHei"/>
+        <a:font script="Java" typeface="Javanese Text"/>
+        <a:font script="Lisu" typeface="Segoe UI"/>
+        <a:font script="Mymr" typeface="Myanmar Text"/>
+        <a:font script="Nkoo" typeface="Ebrima"/>
+        <a:font script="Olck" typeface="Nirmala UI"/>
+        <a:font script="Osma" typeface="Ebrima"/>
+        <a:font script="Phag" typeface="Phagspa"/>
+        <a:font script="Syrn" typeface="Estrangelo Edessa"/>
+        <a:font script="Syrj" typeface="Estrangelo Edessa"/>
+        <a:font script="Syre" typeface="Estrangelo Edessa"/>
+        <a:font script="Sora" typeface="Nirmala UI"/>
+        <a:font script="Tale" typeface="Microsoft Tai Le"/>
+        <a:font script="Talu" typeface="Microsoft New Tai Lue"/>
+        <a:font script="Tfng" typeface="Ebrima"/>
+      </a:majorFont>
+      <a:minorFont>
+        <a:latin typeface="Calibri" panose="020F0502020204030204"/>
+        <a:ea typeface=""/>
+        <a:cs typeface=""/>
+        <a:font script="Jpan" typeface="游ゴシック"/>
+        <a:font script="Hang" typeface="맑은 고딕"/>
+        <a:font script="Hans" typeface="等线"/>
+        <a:font script="Hant" typeface="新細明體"/>
+        <a:font script="Arab" typeface="Arial"/>
+        <a:font script="Hebr" typeface="Arial"/>
+        <a:font script="Thai" typeface="Cordia New"/>
+        <a:font script="Ethi" typeface="Nyala"/>
+        <a:font script="Beng" typeface="Vrinda"/>
+        <a:font script="Gujr" typeface="Shruti"/>
+        <a:font script="Khmr" typeface="DaunPenh"/>
+        <a:font script="Knda" typeface="Tunga"/>
+        <a:font script="Guru" typeface="Raavi"/>
+        <a:font script="Cans" typeface="Euphemia"/>
+        <a:font script="Cher" typeface="Plantagenet Cherokee"/>
+        <a:font script="Yiii" typeface="Microsoft Yi Baiti"/>
+        <a:font script="Tibt" typeface="Microsoft Himalaya"/>
+        <a:font script="Thaa" typeface="MV Boli"/>
+        <a:font script="Deva" typeface="Mangal"/>
+        <a:font script="Telu" typeface="Gautami"/>
+        <a:font script="Taml" typeface="Latha"/>
+        <a:font script="Syrc" typeface="Estrangelo Edessa"/>
+        <a:font script="Orya" typeface="Kalinga"/>
+        <a:font script="Mlym" typeface="Kartika"/>
+        <a:font script="Laoo" typeface="DokChampa"/>
+        <a:font script="Sinh" typeface="Iskoola Pota"/>
+        <a:font script="Mong" typeface="Mongolian Baiti"/>
+        <a:font script="Viet" typeface="Arial"/>
+        <a:font script="Uigh" typeface="Microsoft Uighur"/>
+        <a:font script="Geor" typeface="Sylfaen"/>
+        <a:font script="Armn" typeface="Arial"/>
+        <a:font script="Bugi" typeface="Leelawadee UI"/>
+        <a:font script="Bopo" typeface="Microsoft JhengHei"/>
+        <a:font script="Java" typeface="Javanese Text"/>
+        <a:font script="Lisu" typeface="Segoe UI"/>
+        <a:font script="Mymr" typeface="Myanmar Text"/>
+        <a:font script="Nkoo" typeface="Ebrima"/>
+        <a:font script="Olck" typeface="Nirmala UI"/>
+        <a:font script="Osma" typeface="Ebrima"/>
+        <a:font script="Phag" typeface="Phagspa"/>
+        <a:font script="Syrn" typeface="Estrangelo Edessa"/>
+        <a:font script="Syrj" typeface="Estrangelo Edessa"/>
+        <a:font script="Syre" typeface="Estrangelo Edessa"/>
+        <a:font script="Sora" typeface="Nirmala UI"/>
+        <a:font script="Tale" typeface="Microsoft Tai Le"/>
+        <a:font script="Talu" typeface="Microsoft New Tai Lue"/>
+        <a:font script="Tfng" typeface="Ebrima"/>
+      </a:minorFont>
+    </a:fontScheme>
+    <a:fmtScheme name="Office">
+      <a:fillStyleLst>
+        <a:solidFill>
+          <a:schemeClr val="phClr"/>
+        </a:solidFill>
+        <a:gradFill rotWithShape="1">
+          <a:gsLst>
+            <a:gs pos="0">
+              <a:schemeClr val="phClr">
+                <a:lumMod val="110000"/>
+                <a:satMod val="105000"/>
+                <a:tint val="67000"/>
+              </a:schemeClr>
+            </a:gs>
+            <a:gs pos="50000">
+              <a:schemeClr val="phClr">
+                <a:lumMod val="105000"/>
+                <a:satMod val="103000"/>
+                <a:tint val="73000"/>
+              </a:schemeClr>
+            </a:gs>
+            <a:gs pos="100000">
+              <a:schemeClr val="phClr">
+                <a:lumMod val="105000"/>
+                <a:satMod val="109000"/>
+                <a:tint val="81000"/>
+              </a:schemeClr>
+            </a:gs>
+          </a:gsLst>
+          <a:lin ang="5400000" scaled="0"/>
+        </a:gradFill>
+        <a:gradFill rotWithShape="1">
+          <a:gsLst>
+            <a:gs pos="0">
+              <a:schemeClr val="phClr">
+                <a:satMod val="103000"/>
+                <a:lumMod val="102000"/>
+                <a:tint val="94000"/>
+              </a:schemeClr>
+            </a:gs>
+            <a:gs pos="50000">
+              <a:schemeClr val="phClr">
+                <a:satMod val="110000"/>
+                <a:lumMod val="100000"/>
+                <a:shade val="100000"/>
+              </a:schemeClr>
+            </a:gs>
+            <a:gs pos="100000">
+              <a:schemeClr val="phClr">
+                <a:lumMod val="99000"/>
+                <a:satMod val="120000"/>
+                <a:shade val="78000"/>
+              </a:schemeClr>
+            </a:gs>
+          </a:gsLst>
+          <a:lin ang="5400000" scaled="0"/>
+        </a:gradFill>
+      </a:fillStyleLst>
+      <a:lnStyleLst>
+        <a:ln w="6350" cap="flat" cmpd="sng" algn="ctr">
+          <a:solidFill>
+            <a:schemeClr val="phClr"/>
+          </a:solidFill>
+          <a:prstDash val="solid"/>
+          <a:miter lim="800000"/>
+        </a:ln>
+        <a:ln w="12700" cap="flat" cmpd="sng" algn="ctr">
+          <a:solidFill>
+            <a:schemeClr val="phClr"/>
+          </a:solidFill>
+          <a:prstDash val="solid"/>
+          <a:miter lim="800000"/>
+        </a:ln>
+        <a:ln w="19050" cap="flat" cmpd="sng" algn="ctr">
+          <a:solidFill>
+            <a:schemeClr val="phClr"/>
+          </a:solidFill>
+          <a:prstDash val="solid"/>
+          <a:miter lim="800000"/>
+        </a:ln>
+      </a:lnStyleLst>
+      <a:effectStyleLst>
+        <a:effectStyle>
+          <a:effectLst/>
+        </a:effectStyle>
+        <a:effectStyle>
+          <a:effectLst/>
+        </a:effectStyle>
+        <a:effectStyle>
+          <a:effectLst>
+            <a:outerShdw blurRad="57150" dist="19050" dir="5400000" algn="ctr" rotWithShape="0">
+              <a:srgbClr val="000000">
+                <a:alpha val="63000"/>
+              </a:srgbClr>
+            </a:outerShdw>
+          </a:effectLst>
+        </a:effectStyle>
+      </a:effectStyleLst>
+      <a:bgFillStyleLst>
+        <a:solidFill>
+          <a:schemeClr val="phClr"/>
+        </a:solidFill>
+        <a:solidFill>
+          <a:schemeClr val="phClr">
+            <a:tint val="95000"/>
+            <a:satMod val="170000"/>
+          </a:schemeClr>
+        </a:solidFill>
+        <a:gradFill rotWithShape="1">
+          <a:gsLst>
+            <a:gs pos="0">
+              <a:schemeClr val="phClr">
+                <a:tint val="93000"/>
+                <a:satMod val="150000"/>
+                <a:shade val="98000"/>
+                <a:lumMod val="102000"/>
+              </a:schemeClr>
+            </a:gs>
+            <a:gs pos="50000">
+              <a:schemeClr val="phClr">
+                <a:tint val="98000"/>
+                <a:satMod val="130000"/>
+                <a:shade val="90000"/>
+                <a:lumMod val="103000"/>
+              </a:schemeClr>
+            </a:gs>
+            <a:gs pos="100000">
+              <a:schemeClr val="phClr">
+                <a:shade val="63000"/>
+                <a:satMod val="120000"/>
+              </a:schemeClr>
+            </a:gs>
+          </a:gsLst>
+          <a:lin ang="5400000" scaled="0"/>
+        </a:gradFill>
+      </a:bgFillStyleLst>
+    </a:fmtScheme>
+  </a:themeElements>
+  <a:objectDefaults/>
+  <a:extraClrSchemeLst/>
+  <a:extLst>
+    <a:ext uri="{05A4C25C-085E-4340-85A3-A5531E510DB2}">
+      <thm15:themeFamily xmlns:thm15="http://schemas.microsoft.com/office/thememl/2012/main" name="Office Theme" id="{62F939B6-93AF-4DB8-9C6B-D6C7DFDC589F}" vid="{4A3C46E8-61CC-4603-A589-7422A47A8E4A}"/>
+    </a:ext>
+  </a:extLst>
+</a:theme>
 </file>
--- a/Doxygen/physics/2. Shapes Library/figures.pptx
+++ b/Doxygen/physics/2. Shapes Library/figures.pptx
@@ -14,7 +14,7 @@
     <p:sldId id="566" r:id="rId5"/>
     <p:sldId id="567" r:id="rId6"/>
     <p:sldId id="321" r:id="rId7"/>
-    <p:sldId id="327" r:id="rId8"/>
+    <p:sldId id="569" r:id="rId8"/>
     <p:sldId id="328" r:id="rId9"/>
   </p:sldIdLst>
   <p:sldSz cx="9144000" cy="6858000" type="screen4x3"/>
@@ -204,7 +204,7 @@
           <a:p>
             <a:fld id="{D2A1998F-B673-40FE-9867-882E6492A537}" type="datetimeFigureOut">
               <a:rPr lang="en-US" smtClean="0"/>
-              <a:t>12/28/2023</a:t>
+              <a:t>12/31/2023</a:t>
             </a:fld>
             <a:endParaRPr lang="en-US"/>
           </a:p>
@@ -881,7 +881,7 @@
           <a:p>
             <a:fld id="{6BF0DA6D-33A5-4CFF-88F3-29EF9F49F523}" type="datetimeFigureOut">
               <a:rPr lang="en-US" smtClean="0"/>
-              <a:t>12/28/2023</a:t>
+              <a:t>12/31/2023</a:t>
             </a:fld>
             <a:endParaRPr lang="en-US"/>
           </a:p>
@@ -1051,7 +1051,7 @@
           <a:p>
             <a:fld id="{6BF0DA6D-33A5-4CFF-88F3-29EF9F49F523}" type="datetimeFigureOut">
               <a:rPr lang="en-US" smtClean="0"/>
-              <a:t>12/28/2023</a:t>
+              <a:t>12/31/2023</a:t>
             </a:fld>
             <a:endParaRPr lang="en-US"/>
           </a:p>
@@ -1231,7 +1231,7 @@
           <a:p>
             <a:fld id="{6BF0DA6D-33A5-4CFF-88F3-29EF9F49F523}" type="datetimeFigureOut">
               <a:rPr lang="en-US" smtClean="0"/>
-              <a:t>12/28/2023</a:t>
+              <a:t>12/31/2023</a:t>
             </a:fld>
             <a:endParaRPr lang="en-US"/>
           </a:p>
@@ -1401,7 +1401,7 @@
           <a:p>
             <a:fld id="{6BF0DA6D-33A5-4CFF-88F3-29EF9F49F523}" type="datetimeFigureOut">
               <a:rPr lang="en-US" smtClean="0"/>
-              <a:t>12/28/2023</a:t>
+              <a:t>12/31/2023</a:t>
             </a:fld>
             <a:endParaRPr lang="en-US"/>
           </a:p>
@@ -1645,7 +1645,7 @@
           <a:p>
             <a:fld id="{6BF0DA6D-33A5-4CFF-88F3-29EF9F49F523}" type="datetimeFigureOut">
               <a:rPr lang="en-US" smtClean="0"/>
-              <a:t>12/28/2023</a:t>
+              <a:t>12/31/2023</a:t>
             </a:fld>
             <a:endParaRPr lang="en-US"/>
           </a:p>
@@ -1877,7 +1877,7 @@
           <a:p>
             <a:fld id="{6BF0DA6D-33A5-4CFF-88F3-29EF9F49F523}" type="datetimeFigureOut">
               <a:rPr lang="en-US" smtClean="0"/>
-              <a:t>12/28/2023</a:t>
+              <a:t>12/31/2023</a:t>
             </a:fld>
             <a:endParaRPr lang="en-US"/>
           </a:p>
@@ -2244,7 +2244,7 @@
           <a:p>
             <a:fld id="{6BF0DA6D-33A5-4CFF-88F3-29EF9F49F523}" type="datetimeFigureOut">
               <a:rPr lang="en-US" smtClean="0"/>
-              <a:t>12/28/2023</a:t>
+              <a:t>12/31/2023</a:t>
             </a:fld>
             <a:endParaRPr lang="en-US"/>
           </a:p>
@@ -2362,7 +2362,7 @@
           <a:p>
             <a:fld id="{6BF0DA6D-33A5-4CFF-88F3-29EF9F49F523}" type="datetimeFigureOut">
               <a:rPr lang="en-US" smtClean="0"/>
-              <a:t>12/28/2023</a:t>
+              <a:t>12/31/2023</a:t>
             </a:fld>
             <a:endParaRPr lang="en-US"/>
           </a:p>
@@ -2457,7 +2457,7 @@
           <a:p>
             <a:fld id="{6BF0DA6D-33A5-4CFF-88F3-29EF9F49F523}" type="datetimeFigureOut">
               <a:rPr lang="en-US" smtClean="0"/>
-              <a:t>12/28/2023</a:t>
+              <a:t>12/31/2023</a:t>
             </a:fld>
             <a:endParaRPr lang="en-US"/>
           </a:p>
@@ -2734,7 +2734,7 @@
           <a:p>
             <a:fld id="{6BF0DA6D-33A5-4CFF-88F3-29EF9F49F523}" type="datetimeFigureOut">
               <a:rPr lang="en-US" smtClean="0"/>
-              <a:t>12/28/2023</a:t>
+              <a:t>12/31/2023</a:t>
             </a:fld>
             <a:endParaRPr lang="en-US"/>
           </a:p>
@@ -2991,7 +2991,7 @@
           <a:p>
             <a:fld id="{6BF0DA6D-33A5-4CFF-88F3-29EF9F49F523}" type="datetimeFigureOut">
               <a:rPr lang="en-US" smtClean="0"/>
-              <a:t>12/28/2023</a:t>
+              <a:t>12/31/2023</a:t>
             </a:fld>
             <a:endParaRPr lang="en-US"/>
           </a:p>
@@ -3204,7 +3204,7 @@
           <a:p>
             <a:fld id="{6BF0DA6D-33A5-4CFF-88F3-29EF9F49F523}" type="datetimeFigureOut">
               <a:rPr lang="en-US" smtClean="0"/>
-              <a:t>12/28/2023</a:t>
+              <a:t>12/31/2023</a:t>
             </a:fld>
             <a:endParaRPr lang="en-US"/>
           </a:p>
@@ -6533,11 +6533,11 @@
   <p:clrMapOvr>
     <a:masterClrMapping/>
   </p:clrMapOvr>
-  <mc:AlternateContent xmlns:mc="http://schemas.openxmlformats.org/markup-compatibility/2006">
-    <mc:Choice xmlns:p14="http://schemas.microsoft.com/office/powerpoint/2010/main" Requires="p14">
+  <mc:AlternateContent xmlns:mc="http://schemas.openxmlformats.org/markup-compatibility/2006" xmlns:p14="http://schemas.microsoft.com/office/powerpoint/2010/main">
+    <mc:Choice Requires="p14">
       <p:transition p14:dur="10"/>
     </mc:Choice>
-    <mc:Fallback>
+    <mc:Fallback xmlns="">
       <p:transition/>
     </mc:Fallback>
   </mc:AlternateContent>
@@ -7498,49 +7498,6 @@
           <a:chExt cx="0" cy="0"/>
         </a:xfrm>
       </p:grpSpPr>
-      <p:sp>
-        <p:nvSpPr>
-          <p:cNvPr id="2" name="Title 1"/>
-          <p:cNvSpPr>
-            <a:spLocks noGrp="1"/>
-          </p:cNvSpPr>
-          <p:nvPr>
-            <p:ph type="title"/>
-          </p:nvPr>
-        </p:nvSpPr>
-        <p:spPr/>
-        <p:txBody>
-          <a:bodyPr>
-            <a:normAutofit/>
-          </a:bodyPr>
-          <a:lstStyle/>
-          <a:p>
-            <a:r>
-              <a:rPr lang="en-US" dirty="0">
-                <a:latin typeface="Calibri Light" panose="020F0302020204030204" pitchFamily="34" charset="0"/>
-                <a:cs typeface="Consolas" panose="020B0609020204030204" pitchFamily="49" charset="0"/>
-              </a:rPr>
-              <a:t>Line Intersect Line</a:t>
-            </a:r>
-            <a:br>
-              <a:rPr lang="en-US" dirty="0">
-                <a:latin typeface="Consolas" panose="020B0609020204030204" pitchFamily="49" charset="0"/>
-                <a:cs typeface="Consolas" panose="020B0609020204030204" pitchFamily="49" charset="0"/>
-              </a:rPr>
-            </a:br>
-            <a:r>
-              <a:rPr lang="en-US" sz="3100" dirty="0">
-                <a:latin typeface="Calibri Light" panose="020F0302020204030204" pitchFamily="34" charset="0"/>
-                <a:cs typeface="Consolas" panose="020B0609020204030204" pitchFamily="49" charset="0"/>
-              </a:rPr>
-              <a:t>Case 1: This Line Not Vertical </a:t>
-            </a:r>
-            <a:endParaRPr lang="en-US" dirty="0">
-              <a:latin typeface="Calibri Light" panose="020F0302020204030204" pitchFamily="34" charset="0"/>
-            </a:endParaRPr>
-          </a:p>
-        </p:txBody>
-      </p:sp>
       <p:grpSp>
         <p:nvGrpSpPr>
           <p:cNvPr id="30" name="Group 29"/>
@@ -7549,14 +7506,14 @@
         </p:nvGrpSpPr>
         <p:grpSpPr>
           <a:xfrm>
-            <a:off x="2577104" y="2248475"/>
+            <a:off x="536777" y="1687919"/>
             <a:ext cx="3720795" cy="2941955"/>
             <a:chOff x="1613291" y="1243715"/>
             <a:chExt cx="3720795" cy="2941955"/>
           </a:xfrm>
         </p:grpSpPr>
-        <mc:AlternateContent xmlns:mc="http://schemas.openxmlformats.org/markup-compatibility/2006">
-          <mc:Choice xmlns:a14="http://schemas.microsoft.com/office/drawing/2010/main" Requires="a14">
+        <mc:AlternateContent xmlns:mc="http://schemas.openxmlformats.org/markup-compatibility/2006" xmlns:a14="http://schemas.microsoft.com/office/drawing/2010/main">
+          <mc:Choice Requires="a14">
             <p:sp>
               <p:nvSpPr>
                 <p:cNvPr id="19" name="TextBox 18"/>
@@ -7592,7 +7549,7 @@
                             <m:ctrlPr>
                               <a:rPr lang="en-US" b="0" i="1" smtClean="0">
                                 <a:solidFill>
-                                  <a:srgbClr val="FF0000"/>
+                                  <a:schemeClr val="tx1"/>
                                 </a:solidFill>
                                 <a:latin typeface="Cambria Math" panose="02040503050406030204" pitchFamily="18" charset="0"/>
                               </a:rPr>
@@ -7602,7 +7559,7 @@
                             <m:r>
                               <a:rPr lang="en-US" b="0" i="1" smtClean="0">
                                 <a:solidFill>
-                                  <a:srgbClr val="FF0000"/>
+                                  <a:schemeClr val="tx1"/>
                                 </a:solidFill>
                                 <a:latin typeface="Cambria Math" panose="02040503050406030204" pitchFamily="18" charset="0"/>
                               </a:rPr>
@@ -7613,7 +7570,7 @@
                         <m:r>
                           <a:rPr lang="en-US" b="0" i="1" smtClean="0">
                             <a:solidFill>
-                              <a:srgbClr val="FF0000"/>
+                              <a:schemeClr val="tx1"/>
                             </a:solidFill>
                             <a:latin typeface="Cambria Math" panose="02040503050406030204" pitchFamily="18" charset="0"/>
                           </a:rPr>
@@ -7624,7 +7581,7 @@
                             <m:ctrlPr>
                               <a:rPr lang="en-US" b="0" i="1" smtClean="0">
                                 <a:solidFill>
-                                  <a:srgbClr val="FF0000"/>
+                                  <a:schemeClr val="tx1"/>
                                 </a:solidFill>
                                 <a:latin typeface="Cambria Math" panose="02040503050406030204" pitchFamily="18" charset="0"/>
                               </a:rPr>
@@ -7634,7 +7591,7 @@
                             <m:r>
                               <a:rPr lang="en-US" b="0" i="1" smtClean="0">
                                 <a:solidFill>
-                                  <a:srgbClr val="FF0000"/>
+                                  <a:schemeClr val="tx1"/>
                                 </a:solidFill>
                                 <a:latin typeface="Cambria Math" panose="02040503050406030204" pitchFamily="18" charset="0"/>
                               </a:rPr>
@@ -7645,7 +7602,7 @@
                             <m:r>
                               <a:rPr lang="en-US" b="0" i="1" smtClean="0">
                                 <a:solidFill>
-                                  <a:srgbClr val="FF0000"/>
+                                  <a:schemeClr val="tx1"/>
                                 </a:solidFill>
                                 <a:latin typeface="Cambria Math" panose="02040503050406030204" pitchFamily="18" charset="0"/>
                               </a:rPr>
@@ -7656,7 +7613,7 @@
                         <m:r>
                           <a:rPr lang="en-US" b="0" i="1" smtClean="0">
                             <a:solidFill>
-                              <a:srgbClr val="FF0000"/>
+                              <a:schemeClr val="tx1"/>
                             </a:solidFill>
                             <a:latin typeface="Cambria Math" panose="02040503050406030204" pitchFamily="18" charset="0"/>
                           </a:rPr>
@@ -7667,7 +7624,7 @@
                             <m:ctrlPr>
                               <a:rPr lang="en-US" b="0" i="1" smtClean="0">
                                 <a:solidFill>
-                                  <a:srgbClr val="FF0000"/>
+                                  <a:schemeClr val="tx1"/>
                                 </a:solidFill>
                                 <a:latin typeface="Cambria Math" panose="02040503050406030204" pitchFamily="18" charset="0"/>
                               </a:rPr>
@@ -7677,7 +7634,7 @@
                             <m:r>
                               <a:rPr lang="en-US" b="0" i="1" smtClean="0">
                                 <a:solidFill>
-                                  <a:srgbClr val="FF0000"/>
+                                  <a:schemeClr val="tx1"/>
                                 </a:solidFill>
                                 <a:latin typeface="Cambria Math" panose="02040503050406030204" pitchFamily="18" charset="0"/>
                               </a:rPr>
@@ -7688,7 +7645,7 @@
                             <m:r>
                               <a:rPr lang="en-US" b="0" i="1" smtClean="0">
                                 <a:solidFill>
-                                  <a:srgbClr val="FF0000"/>
+                                  <a:schemeClr val="tx1"/>
                                 </a:solidFill>
                                 <a:latin typeface="Cambria Math" panose="02040503050406030204" pitchFamily="18" charset="0"/>
                               </a:rPr>
@@ -7699,7 +7656,7 @@
                         <m:r>
                           <a:rPr lang="en-US" b="0" i="0" smtClean="0">
                             <a:solidFill>
-                              <a:srgbClr val="FF0000"/>
+                              <a:schemeClr val="tx1"/>
                             </a:solidFill>
                             <a:latin typeface="Cambria Math" panose="02040503050406030204" pitchFamily="18" charset="0"/>
                           </a:rPr>
@@ -7710,14 +7667,14 @@
                   </a14:m>
                   <a:endParaRPr lang="en-US" dirty="0">
                     <a:solidFill>
-                      <a:srgbClr val="FF0000"/>
+                      <a:schemeClr val="tx1"/>
                     </a:solidFill>
                   </a:endParaRPr>
                 </a:p>
               </p:txBody>
             </p:sp>
           </mc:Choice>
-          <mc:Fallback>
+          <mc:Fallback xmlns="">
             <p:sp>
               <p:nvSpPr>
                 <p:cNvPr id="19" name="TextBox 18"/>
@@ -7832,8 +7789,8 @@
             </a:fontRef>
           </p:style>
         </p:cxnSp>
-        <mc:AlternateContent xmlns:mc="http://schemas.openxmlformats.org/markup-compatibility/2006">
-          <mc:Choice xmlns:a14="http://schemas.microsoft.com/office/drawing/2010/main" Requires="a14">
+        <mc:AlternateContent xmlns:mc="http://schemas.openxmlformats.org/markup-compatibility/2006" xmlns:a14="http://schemas.microsoft.com/office/drawing/2010/main">
+          <mc:Choice Requires="a14">
             <p:sp>
               <p:nvSpPr>
                 <p:cNvPr id="13" name="TextBox 12"/>
@@ -7979,7 +7936,7 @@
               </p:txBody>
             </p:sp>
           </mc:Choice>
-          <mc:Fallback>
+          <mc:Fallback xmlns="">
             <p:sp>
               <p:nvSpPr>
                 <p:cNvPr id="13" name="TextBox 12"/>
@@ -8018,8 +7975,8 @@
             </p:sp>
           </mc:Fallback>
         </mc:AlternateContent>
-        <mc:AlternateContent xmlns:mc="http://schemas.openxmlformats.org/markup-compatibility/2006">
-          <mc:Choice xmlns:a14="http://schemas.microsoft.com/office/drawing/2010/main" Requires="a14">
+        <mc:AlternateContent xmlns:mc="http://schemas.openxmlformats.org/markup-compatibility/2006" xmlns:a14="http://schemas.microsoft.com/office/drawing/2010/main">
+          <mc:Choice Requires="a14">
             <p:sp>
               <p:nvSpPr>
                 <p:cNvPr id="14" name="TextBox 13"/>
@@ -8165,7 +8122,7 @@
               </p:txBody>
             </p:sp>
           </mc:Choice>
-          <mc:Fallback>
+          <mc:Fallback xmlns="">
             <p:sp>
               <p:nvSpPr>
                 <p:cNvPr id="14" name="TextBox 13"/>
@@ -8219,11 +8176,11 @@
               <a:avLst/>
             </a:prstGeom>
             <a:solidFill>
-              <a:srgbClr val="FF0000"/>
+              <a:schemeClr val="tx1"/>
             </a:solidFill>
             <a:ln w="25400">
               <a:solidFill>
-                <a:srgbClr val="FF0000"/>
+                <a:schemeClr val="tx1"/>
               </a:solidFill>
             </a:ln>
           </p:spPr>
@@ -8253,93 +8210,12 @@
           </p:txBody>
         </p:sp>
       </p:grpSp>
-    </p:spTree>
-    <p:extLst>
-      <p:ext uri="{BB962C8B-B14F-4D97-AF65-F5344CB8AC3E}">
-        <p14:creationId xmlns:p14="http://schemas.microsoft.com/office/powerpoint/2010/main" val="4131101931"/>
-      </p:ext>
-    </p:extLst>
-  </p:cSld>
-  <p:clrMapOvr>
-    <a:masterClrMapping/>
-  </p:clrMapOvr>
-  <mc:AlternateContent xmlns:mc="http://schemas.openxmlformats.org/markup-compatibility/2006" xmlns:p14="http://schemas.microsoft.com/office/powerpoint/2010/main">
-    <mc:Choice Requires="p14">
-      <p:transition p14:dur="10"/>
-    </mc:Choice>
-    <mc:Fallback xmlns="">
-      <p:transition/>
-    </mc:Fallback>
-  </mc:AlternateContent>
-</p:sld>
-</file>
-
-<file path=ppt/slides/slide7.xml><?xml version="1.0" encoding="utf-8"?>
-<p:sld xmlns:a="http://schemas.openxmlformats.org/drawingml/2006/main" xmlns:r="http://schemas.openxmlformats.org/officeDocument/2006/relationships" xmlns:p="http://schemas.openxmlformats.org/presentationml/2006/main">
-  <p:cSld>
-    <p:spTree>
-      <p:nvGrpSpPr>
-        <p:cNvPr id="1" name=""/>
-        <p:cNvGrpSpPr/>
-        <p:nvPr/>
-      </p:nvGrpSpPr>
-      <p:grpSpPr>
-        <a:xfrm>
-          <a:off x="0" y="0"/>
-          <a:ext cx="0" cy="0"/>
-          <a:chOff x="0" y="0"/>
-          <a:chExt cx="0" cy="0"/>
-        </a:xfrm>
-      </p:grpSpPr>
-      <p:sp>
-        <p:nvSpPr>
-          <p:cNvPr id="2" name="Title 1"/>
-          <p:cNvSpPr>
-            <a:spLocks noGrp="1"/>
-          </p:cNvSpPr>
-          <p:nvPr>
-            <p:ph type="title"/>
-          </p:nvPr>
-        </p:nvSpPr>
-        <p:spPr/>
-        <p:txBody>
-          <a:bodyPr>
-            <a:normAutofit/>
-          </a:bodyPr>
-          <a:lstStyle/>
-          <a:p>
-            <a:r>
-              <a:rPr lang="en-US" dirty="0">
-                <a:latin typeface="Calibri Light" panose="020F0302020204030204" pitchFamily="34" charset="0"/>
-                <a:cs typeface="Consolas" panose="020B0609020204030204" pitchFamily="49" charset="0"/>
-              </a:rPr>
-              <a:t>Line Intersect Line</a:t>
-            </a:r>
-            <a:br>
-              <a:rPr lang="en-US" dirty="0">
-                <a:latin typeface="Calibri Light" panose="020F0302020204030204" pitchFamily="34" charset="0"/>
-                <a:cs typeface="Consolas" panose="020B0609020204030204" pitchFamily="49" charset="0"/>
-              </a:rPr>
-            </a:br>
-            <a:r>
-              <a:rPr lang="en-US" sz="3100" dirty="0">
-                <a:latin typeface="Calibri Light" panose="020F0302020204030204" pitchFamily="34" charset="0"/>
-                <a:cs typeface="Consolas" panose="020B0609020204030204" pitchFamily="49" charset="0"/>
-              </a:rPr>
-              <a:t>Case 2: This Line Vertical  </a:t>
-            </a:r>
-            <a:endParaRPr lang="en-US" dirty="0">
-              <a:latin typeface="Calibri Light" panose="020F0302020204030204" pitchFamily="34" charset="0"/>
-            </a:endParaRPr>
-          </a:p>
-        </p:txBody>
-      </p:sp>
       <p:grpSp>
         <p:nvGrpSpPr>
-          <p:cNvPr id="6" name="Group 5">
+          <p:cNvPr id="5" name="Group 4">
             <a:extLst>
               <a:ext uri="{FF2B5EF4-FFF2-40B4-BE49-F238E27FC236}">
-                <a16:creationId xmlns:a16="http://schemas.microsoft.com/office/drawing/2014/main" id="{2439DE50-32E9-7796-279C-ECA4549A46E5}"/>
+                <a16:creationId xmlns:a16="http://schemas.microsoft.com/office/drawing/2014/main" id="{22661B5F-EFE2-1EC9-E4B0-6E446FD8D2A2}"/>
               </a:ext>
             </a:extLst>
           </p:cNvPr>
@@ -8348,20 +8224,20 @@
         </p:nvGrpSpPr>
         <p:grpSpPr>
           <a:xfrm>
-            <a:off x="1264726" y="1830254"/>
+            <a:off x="4846866" y="1670455"/>
             <a:ext cx="3855536" cy="3066078"/>
             <a:chOff x="1264726" y="1830254"/>
             <a:chExt cx="3855536" cy="3066078"/>
           </a:xfrm>
         </p:grpSpPr>
-        <mc:AlternateContent xmlns:mc="http://schemas.openxmlformats.org/markup-compatibility/2006">
-          <mc:Choice xmlns:a14="http://schemas.microsoft.com/office/drawing/2010/main" Requires="a14">
+        <mc:AlternateContent xmlns:mc="http://schemas.openxmlformats.org/markup-compatibility/2006" xmlns:a14="http://schemas.microsoft.com/office/drawing/2010/main">
+          <mc:Choice Requires="a14">
             <p:sp>
               <p:nvSpPr>
-                <p:cNvPr id="3" name="TextBox 2">
+                <p:cNvPr id="6" name="TextBox 5">
                   <a:extLst>
                     <a:ext uri="{FF2B5EF4-FFF2-40B4-BE49-F238E27FC236}">
-                      <a16:creationId xmlns:a16="http://schemas.microsoft.com/office/drawing/2014/main" id="{F0004BA0-85A6-4291-3819-9DDF14855F92}"/>
+                      <a16:creationId xmlns:a16="http://schemas.microsoft.com/office/drawing/2014/main" id="{65CC556D-BE25-7F18-DE54-3418A94884D0}"/>
                     </a:ext>
                   </a:extLst>
                 </p:cNvPr>
@@ -8397,7 +8273,7 @@
                             <m:ctrlPr>
                               <a:rPr lang="en-US" b="0" i="1" smtClean="0">
                                 <a:solidFill>
-                                  <a:srgbClr val="FF0000"/>
+                                  <a:schemeClr val="tx1"/>
                                 </a:solidFill>
                                 <a:latin typeface="Cambria Math" panose="02040503050406030204" pitchFamily="18" charset="0"/>
                               </a:rPr>
@@ -8407,7 +8283,7 @@
                             <m:r>
                               <a:rPr lang="en-US" b="0" i="1" smtClean="0">
                                 <a:solidFill>
-                                  <a:srgbClr val="FF0000"/>
+                                  <a:schemeClr val="tx1"/>
                                 </a:solidFill>
                                 <a:latin typeface="Cambria Math" panose="02040503050406030204" pitchFamily="18" charset="0"/>
                               </a:rPr>
@@ -8418,7 +8294,7 @@
                         <m:r>
                           <a:rPr lang="en-US" b="0" i="1" smtClean="0">
                             <a:solidFill>
-                              <a:srgbClr val="FF0000"/>
+                              <a:schemeClr val="tx1"/>
                             </a:solidFill>
                             <a:latin typeface="Cambria Math" panose="02040503050406030204" pitchFamily="18" charset="0"/>
                           </a:rPr>
@@ -8429,7 +8305,7 @@
                             <m:ctrlPr>
                               <a:rPr lang="en-US" b="0" i="1" smtClean="0">
                                 <a:solidFill>
-                                  <a:srgbClr val="FF0000"/>
+                                  <a:schemeClr val="tx1"/>
                                 </a:solidFill>
                                 <a:latin typeface="Cambria Math" panose="02040503050406030204" pitchFamily="18" charset="0"/>
                               </a:rPr>
@@ -8439,7 +8315,7 @@
                             <m:r>
                               <a:rPr lang="en-US" b="0" i="1" smtClean="0">
                                 <a:solidFill>
-                                  <a:srgbClr val="FF0000"/>
+                                  <a:schemeClr val="tx1"/>
                                 </a:solidFill>
                                 <a:latin typeface="Cambria Math" panose="02040503050406030204" pitchFamily="18" charset="0"/>
                               </a:rPr>
@@ -8450,7 +8326,7 @@
                             <m:r>
                               <a:rPr lang="en-US" b="0" i="1" smtClean="0">
                                 <a:solidFill>
-                                  <a:srgbClr val="FF0000"/>
+                                  <a:schemeClr val="tx1"/>
                                 </a:solidFill>
                                 <a:latin typeface="Cambria Math" panose="02040503050406030204" pitchFamily="18" charset="0"/>
                               </a:rPr>
@@ -8461,7 +8337,7 @@
                         <m:r>
                           <a:rPr lang="en-US" b="0" i="1" smtClean="0">
                             <a:solidFill>
-                              <a:srgbClr val="FF0000"/>
+                              <a:schemeClr val="tx1"/>
                             </a:solidFill>
                             <a:latin typeface="Cambria Math" panose="02040503050406030204" pitchFamily="18" charset="0"/>
                           </a:rPr>
@@ -8472,7 +8348,7 @@
                             <m:ctrlPr>
                               <a:rPr lang="en-US" b="0" i="1" smtClean="0">
                                 <a:solidFill>
-                                  <a:srgbClr val="FF0000"/>
+                                  <a:schemeClr val="tx1"/>
                                 </a:solidFill>
                                 <a:latin typeface="Cambria Math" panose="02040503050406030204" pitchFamily="18" charset="0"/>
                               </a:rPr>
@@ -8482,7 +8358,7 @@
                             <m:r>
                               <a:rPr lang="en-US" b="0" i="1" smtClean="0">
                                 <a:solidFill>
-                                  <a:srgbClr val="FF0000"/>
+                                  <a:schemeClr val="tx1"/>
                                 </a:solidFill>
                                 <a:latin typeface="Cambria Math" panose="02040503050406030204" pitchFamily="18" charset="0"/>
                               </a:rPr>
@@ -8493,7 +8369,7 @@
                             <m:r>
                               <a:rPr lang="en-US" b="0" i="1" smtClean="0">
                                 <a:solidFill>
-                                  <a:srgbClr val="FF0000"/>
+                                  <a:schemeClr val="tx1"/>
                                 </a:solidFill>
                                 <a:latin typeface="Cambria Math" panose="02040503050406030204" pitchFamily="18" charset="0"/>
                               </a:rPr>
@@ -8504,7 +8380,7 @@
                         <m:r>
                           <a:rPr lang="en-US" b="0" i="0" smtClean="0">
                             <a:solidFill>
-                              <a:srgbClr val="FF0000"/>
+                              <a:schemeClr val="tx1"/>
                             </a:solidFill>
                             <a:latin typeface="Cambria Math" panose="02040503050406030204" pitchFamily="18" charset="0"/>
                           </a:rPr>
@@ -8515,14 +8391,14 @@
                   </a14:m>
                   <a:endParaRPr lang="en-US" dirty="0">
                     <a:solidFill>
-                      <a:srgbClr val="FF0000"/>
+                      <a:schemeClr val="tx1"/>
                     </a:solidFill>
                   </a:endParaRPr>
                 </a:p>
               </p:txBody>
             </p:sp>
           </mc:Choice>
-          <mc:Fallback>
+          <mc:Fallback xmlns="">
             <p:sp>
               <p:nvSpPr>
                 <p:cNvPr id="3" name="TextBox 2">
@@ -8546,7 +8422,7 @@
                   <a:avLst/>
                 </a:prstGeom>
                 <a:blipFill>
-                  <a:blip r:embed="rId2"/>
+                  <a:blip r:embed="rId5"/>
                   <a:stretch>
                     <a:fillRect t="-20313" b="-10938"/>
                   </a:stretch>
@@ -8569,7 +8445,13 @@
         </mc:AlternateContent>
         <p:cxnSp>
           <p:nvCxnSpPr>
-            <p:cNvPr id="7" name="Straight Arrow Connector 6"/>
+            <p:cNvPr id="8" name="Straight Arrow Connector 7">
+              <a:extLst>
+                <a:ext uri="{FF2B5EF4-FFF2-40B4-BE49-F238E27FC236}">
+                  <a16:creationId xmlns:a16="http://schemas.microsoft.com/office/drawing/2014/main" id="{03E8C0EA-E2F0-DC51-945A-94550ABCE50E}"/>
+                </a:ext>
+              </a:extLst>
+            </p:cNvPr>
             <p:cNvCxnSpPr/>
             <p:nvPr/>
           </p:nvCxnSpPr>
@@ -8607,7 +8489,13 @@
         </p:cxnSp>
         <p:cxnSp>
           <p:nvCxnSpPr>
-            <p:cNvPr id="9" name="Straight Arrow Connector 8"/>
+            <p:cNvPr id="10" name="Straight Arrow Connector 9">
+              <a:extLst>
+                <a:ext uri="{FF2B5EF4-FFF2-40B4-BE49-F238E27FC236}">
+                  <a16:creationId xmlns:a16="http://schemas.microsoft.com/office/drawing/2014/main" id="{6E05F690-C46B-AD08-8473-58B452110F16}"/>
+                </a:ext>
+              </a:extLst>
+            </p:cNvPr>
             <p:cNvCxnSpPr/>
             <p:nvPr/>
           </p:nvCxnSpPr>
@@ -8643,11 +8531,17 @@
             </a:fontRef>
           </p:style>
         </p:cxnSp>
-        <mc:AlternateContent xmlns:mc="http://schemas.openxmlformats.org/markup-compatibility/2006">
-          <mc:Choice xmlns:a14="http://schemas.microsoft.com/office/drawing/2010/main" Requires="a14">
+        <mc:AlternateContent xmlns:mc="http://schemas.openxmlformats.org/markup-compatibility/2006" xmlns:a14="http://schemas.microsoft.com/office/drawing/2010/main">
+          <mc:Choice Requires="a14">
             <p:sp>
               <p:nvSpPr>
-                <p:cNvPr id="13" name="TextBox 12"/>
+                <p:cNvPr id="11" name="TextBox 10">
+                  <a:extLst>
+                    <a:ext uri="{FF2B5EF4-FFF2-40B4-BE49-F238E27FC236}">
+                      <a16:creationId xmlns:a16="http://schemas.microsoft.com/office/drawing/2014/main" id="{15B52965-B58F-F728-6307-AA3A28D08A3A}"/>
+                    </a:ext>
+                  </a:extLst>
+                </p:cNvPr>
                 <p:cNvSpPr txBox="1"/>
                 <p:nvPr/>
               </p:nvSpPr>
@@ -8707,7 +8601,7 @@
                               <a:rPr lang="en-US" b="0" i="1" smtClean="0">
                                 <a:latin typeface="Cambria Math" panose="02040503050406030204" pitchFamily="18" charset="0"/>
                               </a:rPr>
-                              <m:t>1</m:t>
+                              <m:t>0</m:t>
                             </m:r>
                           </m:sub>
                         </m:sSub>
@@ -8719,7 +8613,7 @@
               </p:txBody>
             </p:sp>
           </mc:Choice>
-          <mc:Fallback>
+          <mc:Fallback xmlns="">
             <p:sp>
               <p:nvSpPr>
                 <p:cNvPr id="13" name="TextBox 12"/>
@@ -8737,7 +8631,7 @@
                   <a:avLst/>
                 </a:prstGeom>
                 <a:blipFill>
-                  <a:blip r:embed="rId3"/>
+                  <a:blip r:embed="rId6"/>
                   <a:stretch>
                     <a:fillRect/>
                   </a:stretch>
@@ -8758,376 +8652,23 @@
             </p:sp>
           </mc:Fallback>
         </mc:AlternateContent>
-        <mc:AlternateContent xmlns:mc="http://schemas.openxmlformats.org/markup-compatibility/2006">
-          <mc:Choice xmlns:a14="http://schemas.microsoft.com/office/drawing/2010/main" Requires="a14">
+        <mc:AlternateContent xmlns:mc="http://schemas.openxmlformats.org/markup-compatibility/2006" xmlns:a14="http://schemas.microsoft.com/office/drawing/2010/main">
+          <mc:Choice Requires="a14">
             <p:sp>
               <p:nvSpPr>
-                <p:cNvPr id="14" name="TextBox 13"/>
+                <p:cNvPr id="12" name="TextBox 11">
+                  <a:extLst>
+                    <a:ext uri="{FF2B5EF4-FFF2-40B4-BE49-F238E27FC236}">
+                      <a16:creationId xmlns:a16="http://schemas.microsoft.com/office/drawing/2014/main" id="{6F288AC0-071B-5CE7-4DAA-791AFC27BB30}"/>
+                    </a:ext>
+                  </a:extLst>
+                </p:cNvPr>
                 <p:cNvSpPr txBox="1"/>
                 <p:nvPr/>
               </p:nvSpPr>
               <p:spPr>
                 <a:xfrm rot="20321317">
                   <a:off x="1452884" y="3290068"/>
-                  <a:ext cx="1828800" cy="369332"/>
-                </a:xfrm>
-                <a:prstGeom prst="rect">
-                  <a:avLst/>
-                </a:prstGeom>
-                <a:noFill/>
-              </p:spPr>
-              <p:txBody>
-                <a:bodyPr wrap="square" rtlCol="0">
-                  <a:spAutoFit/>
-                </a:bodyPr>
-                <a:lstStyle/>
-                <a:p>
-                  <a:pPr/>
-                  <a14:m>
-                    <m:oMathPara xmlns:m="http://schemas.openxmlformats.org/officeDocument/2006/math">
-                      <m:oMathParaPr>
-                        <m:jc m:val="centerGroup"/>
-                      </m:oMathParaPr>
-                      <m:oMath xmlns:m="http://schemas.openxmlformats.org/officeDocument/2006/math">
-                        <m:r>
-                          <a:rPr lang="en-US" b="0" i="1" smtClean="0">
-                            <a:latin typeface="Cambria Math" panose="02040503050406030204" pitchFamily="18" charset="0"/>
-                          </a:rPr>
-                          <m:t>𝑦</m:t>
-                        </m:r>
-                        <m:r>
-                          <a:rPr lang="en-US" b="0" i="1" smtClean="0">
-                            <a:latin typeface="Cambria Math" panose="02040503050406030204" pitchFamily="18" charset="0"/>
-                          </a:rPr>
-                          <m:t>=</m:t>
-                        </m:r>
-                        <m:sSub>
-                          <m:sSubPr>
-                            <m:ctrlPr>
-                              <a:rPr lang="en-US" b="0" i="1" smtClean="0">
-                                <a:latin typeface="Cambria Math" panose="02040503050406030204" pitchFamily="18" charset="0"/>
-                              </a:rPr>
-                            </m:ctrlPr>
-                          </m:sSubPr>
-                          <m:e>
-                            <m:r>
-                              <a:rPr lang="en-US" b="0" i="1" smtClean="0">
-                                <a:latin typeface="Cambria Math" panose="02040503050406030204" pitchFamily="18" charset="0"/>
-                              </a:rPr>
-                              <m:t>𝑚</m:t>
-                            </m:r>
-                          </m:e>
-                          <m:sub>
-                            <m:r>
-                              <a:rPr lang="en-US" b="0" i="1" smtClean="0">
-                                <a:latin typeface="Cambria Math" panose="02040503050406030204" pitchFamily="18" charset="0"/>
-                              </a:rPr>
-                              <m:t>2</m:t>
-                            </m:r>
-                          </m:sub>
-                        </m:sSub>
-                        <m:r>
-                          <a:rPr lang="en-US" b="0" i="1" smtClean="0">
-                            <a:latin typeface="Cambria Math" panose="02040503050406030204" pitchFamily="18" charset="0"/>
-                          </a:rPr>
-                          <m:t>𝑥</m:t>
-                        </m:r>
-                        <m:r>
-                          <a:rPr lang="en-US" b="0" i="1" smtClean="0">
-                            <a:latin typeface="Cambria Math" panose="02040503050406030204" pitchFamily="18" charset="0"/>
-                          </a:rPr>
-                          <m:t>+</m:t>
-                        </m:r>
-                        <m:sSub>
-                          <m:sSubPr>
-                            <m:ctrlPr>
-                              <a:rPr lang="en-US" b="0" i="1" smtClean="0">
-                                <a:latin typeface="Cambria Math" panose="02040503050406030204" pitchFamily="18" charset="0"/>
-                              </a:rPr>
-                            </m:ctrlPr>
-                          </m:sSubPr>
-                          <m:e>
-                            <m:r>
-                              <a:rPr lang="en-US" b="0" i="1" smtClean="0">
-                                <a:latin typeface="Cambria Math" panose="02040503050406030204" pitchFamily="18" charset="0"/>
-                              </a:rPr>
-                              <m:t>𝑐</m:t>
-                            </m:r>
-                          </m:e>
-                          <m:sub>
-                            <m:r>
-                              <a:rPr lang="en-US" b="0" i="1" smtClean="0">
-                                <a:latin typeface="Cambria Math" panose="02040503050406030204" pitchFamily="18" charset="0"/>
-                              </a:rPr>
-                              <m:t>2</m:t>
-                            </m:r>
-                          </m:sub>
-                        </m:sSub>
-                      </m:oMath>
-                    </m:oMathPara>
-                  </a14:m>
-                  <a:endParaRPr lang="en-US" dirty="0"/>
-                </a:p>
-              </p:txBody>
-            </p:sp>
-          </mc:Choice>
-          <mc:Fallback>
-            <p:sp>
-              <p:nvSpPr>
-                <p:cNvPr id="14" name="TextBox 13"/>
-                <p:cNvSpPr txBox="1">
-                  <a:spLocks noRot="1" noChangeAspect="1" noMove="1" noResize="1" noEditPoints="1" noAdjustHandles="1" noChangeArrowheads="1" noChangeShapeType="1" noTextEdit="1"/>
-                </p:cNvSpPr>
-                <p:nvPr/>
-              </p:nvSpPr>
-              <p:spPr>
-                <a:xfrm rot="20321317">
-                  <a:off x="1452884" y="3290068"/>
-                  <a:ext cx="1828800" cy="369332"/>
-                </a:xfrm>
-                <a:prstGeom prst="rect">
-                  <a:avLst/>
-                </a:prstGeom>
-                <a:blipFill>
-                  <a:blip r:embed="rId4"/>
-                  <a:stretch>
-                    <a:fillRect/>
-                  </a:stretch>
-                </a:blipFill>
-              </p:spPr>
-              <p:txBody>
-                <a:bodyPr/>
-                <a:lstStyle/>
-                <a:p>
-                  <a:r>
-                    <a:rPr lang="en-US">
-                      <a:noFill/>
-                    </a:rPr>
-                    <a:t> </a:t>
-                  </a:r>
-                </a:p>
-              </p:txBody>
-            </p:sp>
-          </mc:Fallback>
-        </mc:AlternateContent>
-        <p:sp>
-          <p:nvSpPr>
-            <p:cNvPr id="18" name="Oval 17"/>
-            <p:cNvSpPr/>
-            <p:nvPr/>
-          </p:nvSpPr>
-          <p:spPr>
-            <a:xfrm>
-              <a:off x="3644519" y="3163968"/>
-              <a:ext cx="95026" cy="95026"/>
-            </a:xfrm>
-            <a:prstGeom prst="ellipse">
-              <a:avLst/>
-            </a:prstGeom>
-            <a:solidFill>
-              <a:srgbClr val="FF0000"/>
-            </a:solidFill>
-            <a:ln w="25400">
-              <a:solidFill>
-                <a:srgbClr val="FF0000"/>
-              </a:solidFill>
-            </a:ln>
-          </p:spPr>
-          <p:style>
-            <a:lnRef idx="2">
-              <a:schemeClr val="accent1">
-                <a:shade val="50000"/>
-              </a:schemeClr>
-            </a:lnRef>
-            <a:fillRef idx="1">
-              <a:schemeClr val="accent1"/>
-            </a:fillRef>
-            <a:effectRef idx="0">
-              <a:schemeClr val="accent1"/>
-            </a:effectRef>
-            <a:fontRef idx="minor">
-              <a:schemeClr val="lt1"/>
-            </a:fontRef>
-          </p:style>
-          <p:txBody>
-            <a:bodyPr rtlCol="0" anchor="ctr"/>
-            <a:lstStyle/>
-            <a:p>
-              <a:pPr algn="ctr"/>
-              <a:endParaRPr lang="en-US"/>
-            </a:p>
-          </p:txBody>
-        </p:sp>
-      </p:grpSp>
-    </p:spTree>
-    <p:extLst>
-      <p:ext uri="{BB962C8B-B14F-4D97-AF65-F5344CB8AC3E}">
-        <p14:creationId xmlns:p14="http://schemas.microsoft.com/office/powerpoint/2010/main" val="3332715884"/>
-      </p:ext>
-    </p:extLst>
-  </p:cSld>
-  <p:clrMapOvr>
-    <a:masterClrMapping/>
-  </p:clrMapOvr>
-  <mc:AlternateContent xmlns:mc="http://schemas.openxmlformats.org/markup-compatibility/2006" xmlns:p14="http://schemas.microsoft.com/office/powerpoint/2010/main">
-    <mc:Choice Requires="p14">
-      <p:transition p14:dur="10"/>
-    </mc:Choice>
-    <mc:Fallback xmlns="">
-      <p:transition/>
-    </mc:Fallback>
-  </mc:AlternateContent>
-</p:sld>
-</file>
-
-<file path=ppt/slides/slide8.xml><?xml version="1.0" encoding="utf-8"?>
-<p:sld xmlns:a="http://schemas.openxmlformats.org/drawingml/2006/main" xmlns:r="http://schemas.openxmlformats.org/officeDocument/2006/relationships" xmlns:p="http://schemas.openxmlformats.org/presentationml/2006/main">
-  <p:cSld>
-    <p:spTree>
-      <p:nvGrpSpPr>
-        <p:cNvPr id="1" name=""/>
-        <p:cNvGrpSpPr/>
-        <p:nvPr/>
-      </p:nvGrpSpPr>
-      <p:grpSpPr>
-        <a:xfrm>
-          <a:off x="0" y="0"/>
-          <a:ext cx="0" cy="0"/>
-          <a:chOff x="0" y="0"/>
-          <a:chExt cx="0" cy="0"/>
-        </a:xfrm>
-      </p:grpSpPr>
-      <p:sp>
-        <p:nvSpPr>
-          <p:cNvPr id="2" name="Title 1"/>
-          <p:cNvSpPr>
-            <a:spLocks noGrp="1"/>
-          </p:cNvSpPr>
-          <p:nvPr>
-            <p:ph type="title"/>
-          </p:nvPr>
-        </p:nvSpPr>
-        <p:spPr/>
-        <p:txBody>
-          <a:bodyPr/>
-          <a:lstStyle/>
-          <a:p>
-            <a:r>
-              <a:rPr lang="en-US" dirty="0">
-                <a:latin typeface="Calibri Light" panose="020F0302020204030204" pitchFamily="34" charset="0"/>
-                <a:cs typeface="Consolas" panose="020B0609020204030204" pitchFamily="49" charset="0"/>
-              </a:rPr>
-              <a:t>Closest Point on Line </a:t>
-            </a:r>
-            <a:endParaRPr lang="en-US" dirty="0">
-              <a:latin typeface="Calibri Light" panose="020F0302020204030204" pitchFamily="34" charset="0"/>
-            </a:endParaRPr>
-          </a:p>
-        </p:txBody>
-      </p:sp>
-      <p:grpSp>
-        <p:nvGrpSpPr>
-          <p:cNvPr id="7" name="Group 6"/>
-          <p:cNvGrpSpPr/>
-          <p:nvPr/>
-        </p:nvGrpSpPr>
-        <p:grpSpPr>
-          <a:xfrm>
-            <a:off x="3163748" y="2057771"/>
-            <a:ext cx="3122762" cy="2546556"/>
-            <a:chOff x="3081313" y="2060552"/>
-            <a:chExt cx="3122762" cy="2546556"/>
-          </a:xfrm>
-        </p:grpSpPr>
-        <p:cxnSp>
-          <p:nvCxnSpPr>
-            <p:cNvPr id="8" name="Straight Arrow Connector 7"/>
-            <p:cNvCxnSpPr/>
-            <p:nvPr/>
-          </p:nvCxnSpPr>
-          <p:spPr>
-            <a:xfrm>
-              <a:off x="4866640" y="2565400"/>
-              <a:ext cx="1168037" cy="1955803"/>
-            </a:xfrm>
-            <a:prstGeom prst="straightConnector1">
-              <a:avLst/>
-            </a:prstGeom>
-            <a:ln w="38100" cap="rnd">
-              <a:solidFill>
-                <a:schemeClr val="bg1">
-                  <a:lumMod val="75000"/>
-                </a:schemeClr>
-              </a:solidFill>
-              <a:prstDash val="sysDash"/>
-              <a:headEnd type="triangle" w="med" len="lg"/>
-              <a:tailEnd type="triangle" w="med" len="lg"/>
-            </a:ln>
-          </p:spPr>
-          <p:style>
-            <a:lnRef idx="1">
-              <a:schemeClr val="accent1"/>
-            </a:lnRef>
-            <a:fillRef idx="0">
-              <a:schemeClr val="accent1"/>
-            </a:fillRef>
-            <a:effectRef idx="0">
-              <a:schemeClr val="accent1"/>
-            </a:effectRef>
-            <a:fontRef idx="minor">
-              <a:schemeClr val="tx1"/>
-            </a:fontRef>
-          </p:style>
-        </p:cxnSp>
-        <p:cxnSp>
-          <p:nvCxnSpPr>
-            <p:cNvPr id="9" name="Straight Arrow Connector 8"/>
-            <p:cNvCxnSpPr/>
-            <p:nvPr/>
-          </p:nvCxnSpPr>
-          <p:spPr>
-            <a:xfrm flipV="1">
-              <a:off x="3156075" y="2778307"/>
-              <a:ext cx="3048000" cy="1828801"/>
-            </a:xfrm>
-            <a:prstGeom prst="straightConnector1">
-              <a:avLst/>
-            </a:prstGeom>
-            <a:ln w="38100" cap="rnd">
-              <a:solidFill>
-                <a:schemeClr val="tx1"/>
-              </a:solidFill>
-              <a:prstDash val="solid"/>
-              <a:headEnd type="triangle" w="med" len="lg"/>
-              <a:tailEnd type="triangle" w="med" len="lg"/>
-            </a:ln>
-          </p:spPr>
-          <p:style>
-            <a:lnRef idx="1">
-              <a:schemeClr val="accent1"/>
-            </a:lnRef>
-            <a:fillRef idx="0">
-              <a:schemeClr val="accent1"/>
-            </a:fillRef>
-            <a:effectRef idx="0">
-              <a:schemeClr val="accent1"/>
-            </a:effectRef>
-            <a:fontRef idx="minor">
-              <a:schemeClr val="tx1"/>
-            </a:fontRef>
-          </p:style>
-        </p:cxnSp>
-        <mc:AlternateContent xmlns:mc="http://schemas.openxmlformats.org/markup-compatibility/2006" xmlns:a14="http://schemas.microsoft.com/office/drawing/2010/main">
-          <mc:Choice Requires="a14">
-            <p:sp>
-              <p:nvSpPr>
-                <p:cNvPr id="10" name="TextBox 9"/>
-                <p:cNvSpPr txBox="1"/>
-                <p:nvPr/>
-              </p:nvSpPr>
-              <p:spPr>
-                <a:xfrm rot="19752525">
-                  <a:off x="3081313" y="3679358"/>
                   <a:ext cx="1828800" cy="369332"/>
                 </a:xfrm>
                 <a:prstGeom prst="rect">
@@ -9233,6 +8774,2688 @@
           <mc:Fallback xmlns="">
             <p:sp>
               <p:nvSpPr>
+                <p:cNvPr id="14" name="TextBox 13"/>
+                <p:cNvSpPr txBox="1">
+                  <a:spLocks noRot="1" noChangeAspect="1" noMove="1" noResize="1" noEditPoints="1" noAdjustHandles="1" noChangeArrowheads="1" noChangeShapeType="1" noTextEdit="1"/>
+                </p:cNvSpPr>
+                <p:nvPr/>
+              </p:nvSpPr>
+              <p:spPr>
+                <a:xfrm rot="20321317">
+                  <a:off x="1452884" y="3290068"/>
+                  <a:ext cx="1828800" cy="369332"/>
+                </a:xfrm>
+                <a:prstGeom prst="rect">
+                  <a:avLst/>
+                </a:prstGeom>
+                <a:blipFill>
+                  <a:blip r:embed="rId7"/>
+                  <a:stretch>
+                    <a:fillRect/>
+                  </a:stretch>
+                </a:blipFill>
+              </p:spPr>
+              <p:txBody>
+                <a:bodyPr/>
+                <a:lstStyle/>
+                <a:p>
+                  <a:r>
+                    <a:rPr lang="en-US">
+                      <a:noFill/>
+                    </a:rPr>
+                    <a:t> </a:t>
+                  </a:r>
+                </a:p>
+              </p:txBody>
+            </p:sp>
+          </mc:Fallback>
+        </mc:AlternateContent>
+        <p:sp>
+          <p:nvSpPr>
+            <p:cNvPr id="15" name="Oval 14">
+              <a:extLst>
+                <a:ext uri="{FF2B5EF4-FFF2-40B4-BE49-F238E27FC236}">
+                  <a16:creationId xmlns:a16="http://schemas.microsoft.com/office/drawing/2014/main" id="{354869F0-E225-6A8F-8856-94DB773F3BC8}"/>
+                </a:ext>
+              </a:extLst>
+            </p:cNvPr>
+            <p:cNvSpPr/>
+            <p:nvPr/>
+          </p:nvSpPr>
+          <p:spPr>
+            <a:xfrm>
+              <a:off x="3644519" y="3163968"/>
+              <a:ext cx="95026" cy="95026"/>
+            </a:xfrm>
+            <a:prstGeom prst="ellipse">
+              <a:avLst/>
+            </a:prstGeom>
+            <a:solidFill>
+              <a:schemeClr val="tx1"/>
+            </a:solidFill>
+            <a:ln w="25400">
+              <a:solidFill>
+                <a:schemeClr val="tx1"/>
+              </a:solidFill>
+            </a:ln>
+          </p:spPr>
+          <p:style>
+            <a:lnRef idx="2">
+              <a:schemeClr val="accent1">
+                <a:shade val="50000"/>
+              </a:schemeClr>
+            </a:lnRef>
+            <a:fillRef idx="1">
+              <a:schemeClr val="accent1"/>
+            </a:fillRef>
+            <a:effectRef idx="0">
+              <a:schemeClr val="accent1"/>
+            </a:effectRef>
+            <a:fontRef idx="minor">
+              <a:schemeClr val="lt1"/>
+            </a:fontRef>
+          </p:style>
+          <p:txBody>
+            <a:bodyPr rtlCol="0" anchor="ctr"/>
+            <a:lstStyle/>
+            <a:p>
+              <a:pPr algn="ctr"/>
+              <a:endParaRPr lang="en-US"/>
+            </a:p>
+          </p:txBody>
+        </p:sp>
+      </p:grpSp>
+    </p:spTree>
+    <p:extLst>
+      <p:ext uri="{BB962C8B-B14F-4D97-AF65-F5344CB8AC3E}">
+        <p14:creationId xmlns:p14="http://schemas.microsoft.com/office/powerpoint/2010/main" val="4131101931"/>
+      </p:ext>
+    </p:extLst>
+  </p:cSld>
+  <p:clrMapOvr>
+    <a:masterClrMapping/>
+  </p:clrMapOvr>
+  <mc:AlternateContent xmlns:mc="http://schemas.openxmlformats.org/markup-compatibility/2006" xmlns:p14="http://schemas.microsoft.com/office/powerpoint/2010/main">
+    <mc:Choice Requires="p14">
+      <p:transition p14:dur="10"/>
+    </mc:Choice>
+    <mc:Fallback xmlns="">
+      <p:transition/>
+    </mc:Fallback>
+  </mc:AlternateContent>
+</p:sld>
+</file>
+
+<file path=ppt/slides/slide7.xml><?xml version="1.0" encoding="utf-8"?>
+<p:sld xmlns:a="http://schemas.openxmlformats.org/drawingml/2006/main" xmlns:r="http://schemas.openxmlformats.org/officeDocument/2006/relationships" xmlns:p="http://schemas.openxmlformats.org/presentationml/2006/main">
+  <p:cSld>
+    <p:spTree>
+      <p:nvGrpSpPr>
+        <p:cNvPr id="1" name=""/>
+        <p:cNvGrpSpPr/>
+        <p:nvPr/>
+      </p:nvGrpSpPr>
+      <p:grpSpPr>
+        <a:xfrm>
+          <a:off x="0" y="0"/>
+          <a:ext cx="0" cy="0"/>
+          <a:chOff x="0" y="0"/>
+          <a:chExt cx="0" cy="0"/>
+        </a:xfrm>
+      </p:grpSpPr>
+      <mc:AlternateContent xmlns:mc="http://schemas.openxmlformats.org/markup-compatibility/2006" xmlns:a14="http://schemas.microsoft.com/office/drawing/2010/main">
+        <mc:Choice Requires="a14">
+          <p:sp>
+            <p:nvSpPr>
+              <p:cNvPr id="17" name="TextBox 16">
+                <a:extLst>
+                  <a:ext uri="{FF2B5EF4-FFF2-40B4-BE49-F238E27FC236}">
+                    <a16:creationId xmlns:a16="http://schemas.microsoft.com/office/drawing/2014/main" id="{F122C94D-3526-CB63-FAE0-2B73BBF55527}"/>
+                  </a:ext>
+                </a:extLst>
+              </p:cNvPr>
+              <p:cNvSpPr txBox="1"/>
+              <p:nvPr/>
+            </p:nvSpPr>
+            <p:spPr>
+              <a:xfrm>
+                <a:off x="4353853" y="4203669"/>
+                <a:ext cx="1079525" cy="338554"/>
+              </a:xfrm>
+              <a:prstGeom prst="rect">
+                <a:avLst/>
+              </a:prstGeom>
+              <a:noFill/>
+            </p:spPr>
+            <p:txBody>
+              <a:bodyPr wrap="square" rtlCol="0">
+                <a:spAutoFit/>
+              </a:bodyPr>
+              <a:lstStyle/>
+              <a:p>
+                <a:pPr/>
+                <a14:m>
+                  <m:oMathPara xmlns:m="http://schemas.openxmlformats.org/officeDocument/2006/math">
+                    <m:oMathParaPr>
+                      <m:jc m:val="centerGroup"/>
+                    </m:oMathParaPr>
+                    <m:oMath xmlns:m="http://schemas.openxmlformats.org/officeDocument/2006/math">
+                      <m:r>
+                        <a:rPr lang="en-US" sz="1600" b="0" i="1" smtClean="0">
+                          <a:solidFill>
+                            <a:schemeClr val="accent6"/>
+                          </a:solidFill>
+                          <a:latin typeface="Cambria Math" panose="02040503050406030204" pitchFamily="18" charset="0"/>
+                          <a:ea typeface="Cambria Math" panose="02040503050406030204" pitchFamily="18" charset="0"/>
+                        </a:rPr>
+                        <m:t>90°−</m:t>
+                      </m:r>
+                      <m:r>
+                        <a:rPr lang="en-US" sz="1600" i="1" smtClean="0">
+                          <a:solidFill>
+                            <a:schemeClr val="accent6"/>
+                          </a:solidFill>
+                          <a:latin typeface="Cambria Math" panose="02040503050406030204" pitchFamily="18" charset="0"/>
+                          <a:ea typeface="Cambria Math" panose="02040503050406030204" pitchFamily="18" charset="0"/>
+                        </a:rPr>
+                        <m:t>𝜃</m:t>
+                      </m:r>
+                    </m:oMath>
+                  </m:oMathPara>
+                </a14:m>
+                <a:endParaRPr lang="en-US" sz="1600" dirty="0">
+                  <a:solidFill>
+                    <a:schemeClr val="accent6"/>
+                  </a:solidFill>
+                </a:endParaRPr>
+              </a:p>
+            </p:txBody>
+          </p:sp>
+        </mc:Choice>
+        <mc:Fallback xmlns="">
+          <p:sp>
+            <p:nvSpPr>
+              <p:cNvPr id="17" name="TextBox 16">
+                <a:extLst>
+                  <a:ext uri="{FF2B5EF4-FFF2-40B4-BE49-F238E27FC236}">
+                    <a16:creationId xmlns:a16="http://schemas.microsoft.com/office/drawing/2014/main" id="{F122C94D-3526-CB63-FAE0-2B73BBF55527}"/>
+                  </a:ext>
+                </a:extLst>
+              </p:cNvPr>
+              <p:cNvSpPr txBox="1">
+                <a:spLocks noRot="1" noChangeAspect="1" noMove="1" noResize="1" noEditPoints="1" noAdjustHandles="1" noChangeArrowheads="1" noChangeShapeType="1" noTextEdit="1"/>
+              </p:cNvSpPr>
+              <p:nvPr/>
+            </p:nvSpPr>
+            <p:spPr>
+              <a:xfrm>
+                <a:off x="4353853" y="4203669"/>
+                <a:ext cx="1079525" cy="338554"/>
+              </a:xfrm>
+              <a:prstGeom prst="rect">
+                <a:avLst/>
+              </a:prstGeom>
+              <a:blipFill>
+                <a:blip r:embed="rId2"/>
+                <a:stretch>
+                  <a:fillRect/>
+                </a:stretch>
+              </a:blipFill>
+            </p:spPr>
+            <p:txBody>
+              <a:bodyPr/>
+              <a:lstStyle/>
+              <a:p>
+                <a:r>
+                  <a:rPr lang="en-US">
+                    <a:noFill/>
+                  </a:rPr>
+                  <a:t> </a:t>
+                </a:r>
+              </a:p>
+            </p:txBody>
+          </p:sp>
+        </mc:Fallback>
+      </mc:AlternateContent>
+      <p:cxnSp>
+        <p:nvCxnSpPr>
+          <p:cNvPr id="24" name="Straight Connector 23">
+            <a:extLst>
+              <a:ext uri="{FF2B5EF4-FFF2-40B4-BE49-F238E27FC236}">
+                <a16:creationId xmlns:a16="http://schemas.microsoft.com/office/drawing/2014/main" id="{836A31D5-ED0A-E8C8-EB19-F43B6B18DEBD}"/>
+              </a:ext>
+            </a:extLst>
+          </p:cNvPr>
+          <p:cNvCxnSpPr>
+            <a:cxnSpLocks/>
+          </p:cNvCxnSpPr>
+          <p:nvPr/>
+        </p:nvCxnSpPr>
+        <p:spPr>
+          <a:xfrm>
+            <a:off x="4385310" y="2997221"/>
+            <a:ext cx="0" cy="1600179"/>
+          </a:xfrm>
+          <a:prstGeom prst="line">
+            <a:avLst/>
+          </a:prstGeom>
+          <a:ln w="31750">
+            <a:solidFill>
+              <a:schemeClr val="accent1"/>
+            </a:solidFill>
+          </a:ln>
+        </p:spPr>
+        <p:style>
+          <a:lnRef idx="1">
+            <a:schemeClr val="accent1"/>
+          </a:lnRef>
+          <a:fillRef idx="0">
+            <a:schemeClr val="accent1"/>
+          </a:fillRef>
+          <a:effectRef idx="0">
+            <a:schemeClr val="accent1"/>
+          </a:effectRef>
+          <a:fontRef idx="minor">
+            <a:schemeClr val="tx1"/>
+          </a:fontRef>
+        </p:style>
+      </p:cxnSp>
+      <mc:AlternateContent xmlns:mc="http://schemas.openxmlformats.org/markup-compatibility/2006" xmlns:a14="http://schemas.microsoft.com/office/drawing/2010/main">
+        <mc:Choice Requires="a14">
+          <p:sp>
+            <p:nvSpPr>
+              <p:cNvPr id="15" name="TextBox 14">
+                <a:extLst>
+                  <a:ext uri="{FF2B5EF4-FFF2-40B4-BE49-F238E27FC236}">
+                    <a16:creationId xmlns:a16="http://schemas.microsoft.com/office/drawing/2014/main" id="{B5781092-BC95-3FFC-1233-AFAFBFC8C4E4}"/>
+                  </a:ext>
+                </a:extLst>
+              </p:cNvPr>
+              <p:cNvSpPr txBox="1"/>
+              <p:nvPr/>
+            </p:nvSpPr>
+            <p:spPr>
+              <a:xfrm>
+                <a:off x="2382958" y="4272007"/>
+                <a:ext cx="347980" cy="338554"/>
+              </a:xfrm>
+              <a:prstGeom prst="rect">
+                <a:avLst/>
+              </a:prstGeom>
+              <a:noFill/>
+            </p:spPr>
+            <p:txBody>
+              <a:bodyPr wrap="square" rtlCol="0">
+                <a:spAutoFit/>
+              </a:bodyPr>
+              <a:lstStyle/>
+              <a:p>
+                <a:pPr/>
+                <a14:m>
+                  <m:oMathPara xmlns:m="http://schemas.openxmlformats.org/officeDocument/2006/math">
+                    <m:oMathParaPr>
+                      <m:jc m:val="centerGroup"/>
+                    </m:oMathParaPr>
+                    <m:oMath xmlns:m="http://schemas.openxmlformats.org/officeDocument/2006/math">
+                      <m:r>
+                        <a:rPr lang="en-US" sz="1600" i="1" smtClean="0">
+                          <a:latin typeface="Cambria Math" panose="02040503050406030204" pitchFamily="18" charset="0"/>
+                          <a:ea typeface="Cambria Math" panose="02040503050406030204" pitchFamily="18" charset="0"/>
+                        </a:rPr>
+                        <m:t>𝜃</m:t>
+                      </m:r>
+                    </m:oMath>
+                  </m:oMathPara>
+                </a14:m>
+                <a:endParaRPr lang="en-US" dirty="0"/>
+              </a:p>
+            </p:txBody>
+          </p:sp>
+        </mc:Choice>
+        <mc:Fallback xmlns="">
+          <p:sp>
+            <p:nvSpPr>
+              <p:cNvPr id="15" name="TextBox 14">
+                <a:extLst>
+                  <a:ext uri="{FF2B5EF4-FFF2-40B4-BE49-F238E27FC236}">
+                    <a16:creationId xmlns:a16="http://schemas.microsoft.com/office/drawing/2014/main" id="{B5781092-BC95-3FFC-1233-AFAFBFC8C4E4}"/>
+                  </a:ext>
+                </a:extLst>
+              </p:cNvPr>
+              <p:cNvSpPr txBox="1">
+                <a:spLocks noRot="1" noChangeAspect="1" noMove="1" noResize="1" noEditPoints="1" noAdjustHandles="1" noChangeArrowheads="1" noChangeShapeType="1" noTextEdit="1"/>
+              </p:cNvSpPr>
+              <p:nvPr/>
+            </p:nvSpPr>
+            <p:spPr>
+              <a:xfrm>
+                <a:off x="2382958" y="4272007"/>
+                <a:ext cx="347980" cy="338554"/>
+              </a:xfrm>
+              <a:prstGeom prst="rect">
+                <a:avLst/>
+              </a:prstGeom>
+              <a:blipFill>
+                <a:blip r:embed="rId3"/>
+                <a:stretch>
+                  <a:fillRect/>
+                </a:stretch>
+              </a:blipFill>
+            </p:spPr>
+            <p:txBody>
+              <a:bodyPr/>
+              <a:lstStyle/>
+              <a:p>
+                <a:r>
+                  <a:rPr lang="en-US">
+                    <a:noFill/>
+                  </a:rPr>
+                  <a:t> </a:t>
+                </a:r>
+              </a:p>
+            </p:txBody>
+          </p:sp>
+        </mc:Fallback>
+      </mc:AlternateContent>
+      <p:cxnSp>
+        <p:nvCxnSpPr>
+          <p:cNvPr id="10" name="Straight Connector 9">
+            <a:extLst>
+              <a:ext uri="{FF2B5EF4-FFF2-40B4-BE49-F238E27FC236}">
+                <a16:creationId xmlns:a16="http://schemas.microsoft.com/office/drawing/2014/main" id="{B8C5038A-97B5-CAED-E5CC-BF37B2222BF3}"/>
+              </a:ext>
+            </a:extLst>
+          </p:cNvPr>
+          <p:cNvCxnSpPr>
+            <a:cxnSpLocks/>
+          </p:cNvCxnSpPr>
+          <p:nvPr/>
+        </p:nvCxnSpPr>
+        <p:spPr>
+          <a:xfrm flipV="1">
+            <a:off x="2078000" y="2476500"/>
+            <a:ext cx="0" cy="2120900"/>
+          </a:xfrm>
+          <a:prstGeom prst="line">
+            <a:avLst/>
+          </a:prstGeom>
+          <a:ln w="38100">
+            <a:solidFill>
+              <a:schemeClr val="tx1"/>
+            </a:solidFill>
+            <a:tailEnd type="arrow" w="med" len="lg"/>
+          </a:ln>
+        </p:spPr>
+        <p:style>
+          <a:lnRef idx="1">
+            <a:schemeClr val="accent1"/>
+          </a:lnRef>
+          <a:fillRef idx="0">
+            <a:schemeClr val="accent1"/>
+          </a:fillRef>
+          <a:effectRef idx="0">
+            <a:schemeClr val="accent1"/>
+          </a:effectRef>
+          <a:fontRef idx="minor">
+            <a:schemeClr val="tx1"/>
+          </a:fontRef>
+        </p:style>
+      </p:cxnSp>
+      <p:sp>
+        <p:nvSpPr>
+          <p:cNvPr id="13" name="Rectangle 4">
+            <a:extLst>
+              <a:ext uri="{FF2B5EF4-FFF2-40B4-BE49-F238E27FC236}">
+                <a16:creationId xmlns:a16="http://schemas.microsoft.com/office/drawing/2014/main" id="{82EE0A73-A237-A232-6BD2-DF727B3B04F8}"/>
+              </a:ext>
+            </a:extLst>
+          </p:cNvPr>
+          <p:cNvSpPr/>
+          <p:nvPr/>
+        </p:nvSpPr>
+        <p:spPr>
+          <a:xfrm rot="3299483">
+            <a:off x="4265136" y="3053324"/>
+            <a:ext cx="184897" cy="183629"/>
+          </a:xfrm>
+          <a:custGeom>
+            <a:avLst/>
+            <a:gdLst>
+              <a:gd name="connsiteX0" fmla="*/ 0 w 183629"/>
+              <a:gd name="connsiteY0" fmla="*/ 0 h 183629"/>
+              <a:gd name="connsiteX1" fmla="*/ 183629 w 183629"/>
+              <a:gd name="connsiteY1" fmla="*/ 0 h 183629"/>
+              <a:gd name="connsiteX2" fmla="*/ 183629 w 183629"/>
+              <a:gd name="connsiteY2" fmla="*/ 183629 h 183629"/>
+              <a:gd name="connsiteX3" fmla="*/ 0 w 183629"/>
+              <a:gd name="connsiteY3" fmla="*/ 183629 h 183629"/>
+              <a:gd name="connsiteX4" fmla="*/ 0 w 183629"/>
+              <a:gd name="connsiteY4" fmla="*/ 0 h 183629"/>
+              <a:gd name="connsiteX0" fmla="*/ 189151 w 189151"/>
+              <a:gd name="connsiteY0" fmla="*/ 183248 h 183629"/>
+              <a:gd name="connsiteX1" fmla="*/ 183629 w 189151"/>
+              <a:gd name="connsiteY1" fmla="*/ 0 h 183629"/>
+              <a:gd name="connsiteX2" fmla="*/ 183629 w 189151"/>
+              <a:gd name="connsiteY2" fmla="*/ 183629 h 183629"/>
+              <a:gd name="connsiteX3" fmla="*/ 0 w 189151"/>
+              <a:gd name="connsiteY3" fmla="*/ 183629 h 183629"/>
+              <a:gd name="connsiteX4" fmla="*/ 189151 w 189151"/>
+              <a:gd name="connsiteY4" fmla="*/ 183248 h 183629"/>
+              <a:gd name="connsiteX0" fmla="*/ 115320 w 183629"/>
+              <a:gd name="connsiteY0" fmla="*/ 116710 h 183629"/>
+              <a:gd name="connsiteX1" fmla="*/ 183629 w 183629"/>
+              <a:gd name="connsiteY1" fmla="*/ 0 h 183629"/>
+              <a:gd name="connsiteX2" fmla="*/ 183629 w 183629"/>
+              <a:gd name="connsiteY2" fmla="*/ 183629 h 183629"/>
+              <a:gd name="connsiteX3" fmla="*/ 0 w 183629"/>
+              <a:gd name="connsiteY3" fmla="*/ 183629 h 183629"/>
+              <a:gd name="connsiteX4" fmla="*/ 115320 w 183629"/>
+              <a:gd name="connsiteY4" fmla="*/ 116710 h 183629"/>
+              <a:gd name="connsiteX0" fmla="*/ 178992 w 183629"/>
+              <a:gd name="connsiteY0" fmla="*/ 181810 h 183629"/>
+              <a:gd name="connsiteX1" fmla="*/ 183629 w 183629"/>
+              <a:gd name="connsiteY1" fmla="*/ 0 h 183629"/>
+              <a:gd name="connsiteX2" fmla="*/ 183629 w 183629"/>
+              <a:gd name="connsiteY2" fmla="*/ 183629 h 183629"/>
+              <a:gd name="connsiteX3" fmla="*/ 0 w 183629"/>
+              <a:gd name="connsiteY3" fmla="*/ 183629 h 183629"/>
+              <a:gd name="connsiteX4" fmla="*/ 178992 w 183629"/>
+              <a:gd name="connsiteY4" fmla="*/ 181810 h 183629"/>
+              <a:gd name="connsiteX0" fmla="*/ 184897 w 184897"/>
+              <a:gd name="connsiteY0" fmla="*/ 183003 h 183629"/>
+              <a:gd name="connsiteX1" fmla="*/ 183629 w 184897"/>
+              <a:gd name="connsiteY1" fmla="*/ 0 h 183629"/>
+              <a:gd name="connsiteX2" fmla="*/ 183629 w 184897"/>
+              <a:gd name="connsiteY2" fmla="*/ 183629 h 183629"/>
+              <a:gd name="connsiteX3" fmla="*/ 0 w 184897"/>
+              <a:gd name="connsiteY3" fmla="*/ 183629 h 183629"/>
+              <a:gd name="connsiteX4" fmla="*/ 184897 w 184897"/>
+              <a:gd name="connsiteY4" fmla="*/ 183003 h 183629"/>
+            </a:gdLst>
+            <a:ahLst/>
+            <a:cxnLst>
+              <a:cxn ang="0">
+                <a:pos x="connsiteX0" y="connsiteY0"/>
+              </a:cxn>
+              <a:cxn ang="0">
+                <a:pos x="connsiteX1" y="connsiteY1"/>
+              </a:cxn>
+              <a:cxn ang="0">
+                <a:pos x="connsiteX2" y="connsiteY2"/>
+              </a:cxn>
+              <a:cxn ang="0">
+                <a:pos x="connsiteX3" y="connsiteY3"/>
+              </a:cxn>
+              <a:cxn ang="0">
+                <a:pos x="connsiteX4" y="connsiteY4"/>
+              </a:cxn>
+            </a:cxnLst>
+            <a:rect l="l" t="t" r="r" b="b"/>
+            <a:pathLst>
+              <a:path w="184897" h="183629">
+                <a:moveTo>
+                  <a:pt x="184897" y="183003"/>
+                </a:moveTo>
+                <a:cubicBezTo>
+                  <a:pt x="184474" y="122002"/>
+                  <a:pt x="184052" y="61001"/>
+                  <a:pt x="183629" y="0"/>
+                </a:cubicBezTo>
+                <a:lnTo>
+                  <a:pt x="183629" y="183629"/>
+                </a:lnTo>
+                <a:lnTo>
+                  <a:pt x="0" y="183629"/>
+                </a:lnTo>
+                <a:lnTo>
+                  <a:pt x="184897" y="183003"/>
+                </a:lnTo>
+                <a:close/>
+              </a:path>
+            </a:pathLst>
+          </a:custGeom>
+          <a:noFill/>
+          <a:ln w="25400" cap="rnd">
+            <a:solidFill>
+              <a:schemeClr val="tx1"/>
+            </a:solidFill>
+            <a:round/>
+          </a:ln>
+        </p:spPr>
+        <p:style>
+          <a:lnRef idx="2">
+            <a:schemeClr val="accent1">
+              <a:shade val="15000"/>
+            </a:schemeClr>
+          </a:lnRef>
+          <a:fillRef idx="1">
+            <a:schemeClr val="accent1"/>
+          </a:fillRef>
+          <a:effectRef idx="0">
+            <a:schemeClr val="accent1"/>
+          </a:effectRef>
+          <a:fontRef idx="minor">
+            <a:schemeClr val="lt1"/>
+          </a:fontRef>
+        </p:style>
+        <p:txBody>
+          <a:bodyPr rtlCol="0" anchor="ctr"/>
+          <a:lstStyle/>
+          <a:p>
+            <a:pPr algn="ctr"/>
+            <a:endParaRPr lang="en-US"/>
+          </a:p>
+        </p:txBody>
+      </p:sp>
+      <p:sp>
+        <p:nvSpPr>
+          <p:cNvPr id="14" name="Arc 13">
+            <a:extLst>
+              <a:ext uri="{FF2B5EF4-FFF2-40B4-BE49-F238E27FC236}">
+                <a16:creationId xmlns:a16="http://schemas.microsoft.com/office/drawing/2014/main" id="{F9712F97-3600-B31E-C71B-E78C9152E165}"/>
+              </a:ext>
+            </a:extLst>
+          </p:cNvPr>
+          <p:cNvSpPr/>
+          <p:nvPr/>
+        </p:nvSpPr>
+        <p:spPr>
+          <a:xfrm>
+            <a:off x="1876614" y="4310157"/>
+            <a:ext cx="574486" cy="574486"/>
+          </a:xfrm>
+          <a:prstGeom prst="arc">
+            <a:avLst>
+              <a:gd name="adj1" fmla="val 18850181"/>
+              <a:gd name="adj2" fmla="val 0"/>
+            </a:avLst>
+          </a:prstGeom>
+          <a:ln w="25400">
+            <a:solidFill>
+              <a:schemeClr val="tx1"/>
+            </a:solidFill>
+          </a:ln>
+        </p:spPr>
+        <p:style>
+          <a:lnRef idx="1">
+            <a:schemeClr val="accent1"/>
+          </a:lnRef>
+          <a:fillRef idx="0">
+            <a:schemeClr val="accent1"/>
+          </a:fillRef>
+          <a:effectRef idx="0">
+            <a:schemeClr val="accent1"/>
+          </a:effectRef>
+          <a:fontRef idx="minor">
+            <a:schemeClr val="tx1"/>
+          </a:fontRef>
+        </p:style>
+        <p:txBody>
+          <a:bodyPr rtlCol="0" anchor="ctr"/>
+          <a:lstStyle/>
+          <a:p>
+            <a:pPr algn="ctr"/>
+            <a:endParaRPr lang="en-US"/>
+          </a:p>
+        </p:txBody>
+      </p:sp>
+      <p:sp>
+        <p:nvSpPr>
+          <p:cNvPr id="16" name="Arc 15">
+            <a:extLst>
+              <a:ext uri="{FF2B5EF4-FFF2-40B4-BE49-F238E27FC236}">
+                <a16:creationId xmlns:a16="http://schemas.microsoft.com/office/drawing/2014/main" id="{0EA6E77C-3DC1-6C1A-9D81-055F353B437F}"/>
+              </a:ext>
+            </a:extLst>
+          </p:cNvPr>
+          <p:cNvSpPr/>
+          <p:nvPr/>
+        </p:nvSpPr>
+        <p:spPr>
+          <a:xfrm>
+            <a:off x="5198168" y="4310157"/>
+            <a:ext cx="574486" cy="574486"/>
+          </a:xfrm>
+          <a:prstGeom prst="arc">
+            <a:avLst>
+              <a:gd name="adj1" fmla="val 10767924"/>
+              <a:gd name="adj2" fmla="val 14431470"/>
+            </a:avLst>
+          </a:prstGeom>
+          <a:ln w="25400">
+            <a:solidFill>
+              <a:schemeClr val="accent6"/>
+            </a:solidFill>
+          </a:ln>
+        </p:spPr>
+        <p:style>
+          <a:lnRef idx="1">
+            <a:schemeClr val="accent1"/>
+          </a:lnRef>
+          <a:fillRef idx="0">
+            <a:schemeClr val="accent1"/>
+          </a:fillRef>
+          <a:effectRef idx="0">
+            <a:schemeClr val="accent1"/>
+          </a:effectRef>
+          <a:fontRef idx="minor">
+            <a:schemeClr val="tx1"/>
+          </a:fontRef>
+        </p:style>
+        <p:txBody>
+          <a:bodyPr rtlCol="0" anchor="ctr"/>
+          <a:lstStyle/>
+          <a:p>
+            <a:pPr algn="ctr"/>
+            <a:endParaRPr lang="en-US"/>
+          </a:p>
+        </p:txBody>
+      </p:sp>
+      <mc:AlternateContent xmlns:mc="http://schemas.openxmlformats.org/markup-compatibility/2006" xmlns:a14="http://schemas.microsoft.com/office/drawing/2010/main">
+        <mc:Choice Requires="a14">
+          <p:sp>
+            <p:nvSpPr>
+              <p:cNvPr id="18" name="TextBox 17">
+                <a:extLst>
+                  <a:ext uri="{FF2B5EF4-FFF2-40B4-BE49-F238E27FC236}">
+                    <a16:creationId xmlns:a16="http://schemas.microsoft.com/office/drawing/2014/main" id="{AD8356C2-6B46-4788-93F9-FB50B6605D9A}"/>
+                  </a:ext>
+                </a:extLst>
+              </p:cNvPr>
+              <p:cNvSpPr txBox="1"/>
+              <p:nvPr/>
+            </p:nvSpPr>
+            <p:spPr>
+              <a:xfrm>
+                <a:off x="5395529" y="4087636"/>
+                <a:ext cx="1188402" cy="338554"/>
+              </a:xfrm>
+              <a:prstGeom prst="rect">
+                <a:avLst/>
+              </a:prstGeom>
+              <a:noFill/>
+            </p:spPr>
+            <p:txBody>
+              <a:bodyPr wrap="square" rtlCol="0">
+                <a:spAutoFit/>
+              </a:bodyPr>
+              <a:lstStyle/>
+              <a:p>
+                <a:pPr/>
+                <a14:m>
+                  <m:oMathPara xmlns:m="http://schemas.openxmlformats.org/officeDocument/2006/math">
+                    <m:oMathParaPr>
+                      <m:jc m:val="centerGroup"/>
+                    </m:oMathParaPr>
+                    <m:oMath xmlns:m="http://schemas.openxmlformats.org/officeDocument/2006/math">
+                      <m:r>
+                        <a:rPr lang="en-US" sz="1600" b="0" i="1" smtClean="0">
+                          <a:solidFill>
+                            <a:srgbClr val="FF0000"/>
+                          </a:solidFill>
+                          <a:latin typeface="Cambria Math" panose="02040503050406030204" pitchFamily="18" charset="0"/>
+                          <a:ea typeface="Cambria Math" panose="02040503050406030204" pitchFamily="18" charset="0"/>
+                        </a:rPr>
+                        <m:t>90°+</m:t>
+                      </m:r>
+                      <m:r>
+                        <a:rPr lang="en-US" sz="1600" i="1" smtClean="0">
+                          <a:solidFill>
+                            <a:srgbClr val="FF0000"/>
+                          </a:solidFill>
+                          <a:latin typeface="Cambria Math" panose="02040503050406030204" pitchFamily="18" charset="0"/>
+                          <a:ea typeface="Cambria Math" panose="02040503050406030204" pitchFamily="18" charset="0"/>
+                        </a:rPr>
+                        <m:t>𝜃</m:t>
+                      </m:r>
+                    </m:oMath>
+                  </m:oMathPara>
+                </a14:m>
+                <a:endParaRPr lang="en-US" sz="1600" dirty="0">
+                  <a:solidFill>
+                    <a:srgbClr val="FF0000"/>
+                  </a:solidFill>
+                </a:endParaRPr>
+              </a:p>
+            </p:txBody>
+          </p:sp>
+        </mc:Choice>
+        <mc:Fallback xmlns="">
+          <p:sp>
+            <p:nvSpPr>
+              <p:cNvPr id="18" name="TextBox 17">
+                <a:extLst>
+                  <a:ext uri="{FF2B5EF4-FFF2-40B4-BE49-F238E27FC236}">
+                    <a16:creationId xmlns:a16="http://schemas.microsoft.com/office/drawing/2014/main" id="{AD8356C2-6B46-4788-93F9-FB50B6605D9A}"/>
+                  </a:ext>
+                </a:extLst>
+              </p:cNvPr>
+              <p:cNvSpPr txBox="1">
+                <a:spLocks noRot="1" noChangeAspect="1" noMove="1" noResize="1" noEditPoints="1" noAdjustHandles="1" noChangeArrowheads="1" noChangeShapeType="1" noTextEdit="1"/>
+              </p:cNvSpPr>
+              <p:nvPr/>
+            </p:nvSpPr>
+            <p:spPr>
+              <a:xfrm>
+                <a:off x="5395529" y="4087636"/>
+                <a:ext cx="1188402" cy="338554"/>
+              </a:xfrm>
+              <a:prstGeom prst="rect">
+                <a:avLst/>
+              </a:prstGeom>
+              <a:blipFill>
+                <a:blip r:embed="rId4"/>
+                <a:stretch>
+                  <a:fillRect/>
+                </a:stretch>
+              </a:blipFill>
+            </p:spPr>
+            <p:txBody>
+              <a:bodyPr/>
+              <a:lstStyle/>
+              <a:p>
+                <a:r>
+                  <a:rPr lang="en-US">
+                    <a:noFill/>
+                  </a:rPr>
+                  <a:t> </a:t>
+                </a:r>
+              </a:p>
+            </p:txBody>
+          </p:sp>
+        </mc:Fallback>
+      </mc:AlternateContent>
+      <mc:AlternateContent xmlns:mc="http://schemas.openxmlformats.org/markup-compatibility/2006" xmlns:a14="http://schemas.microsoft.com/office/drawing/2010/main">
+        <mc:Choice Requires="a14">
+          <p:sp>
+            <p:nvSpPr>
+              <p:cNvPr id="19" name="TextBox 18">
+                <a:extLst>
+                  <a:ext uri="{FF2B5EF4-FFF2-40B4-BE49-F238E27FC236}">
+                    <a16:creationId xmlns:a16="http://schemas.microsoft.com/office/drawing/2014/main" id="{EEADE6FA-9E70-D594-C991-63B3378A1A06}"/>
+                  </a:ext>
+                </a:extLst>
+              </p:cNvPr>
+              <p:cNvSpPr txBox="1"/>
+              <p:nvPr/>
+            </p:nvSpPr>
+            <p:spPr>
+              <a:xfrm>
+                <a:off x="6287814" y="4412734"/>
+                <a:ext cx="347980" cy="369332"/>
+              </a:xfrm>
+              <a:prstGeom prst="rect">
+                <a:avLst/>
+              </a:prstGeom>
+              <a:noFill/>
+            </p:spPr>
+            <p:txBody>
+              <a:bodyPr wrap="square" rtlCol="0">
+                <a:spAutoFit/>
+              </a:bodyPr>
+              <a:lstStyle/>
+              <a:p>
+                <a:pPr/>
+                <a14:m>
+                  <m:oMathPara xmlns:m="http://schemas.openxmlformats.org/officeDocument/2006/math">
+                    <m:oMathParaPr>
+                      <m:jc m:val="centerGroup"/>
+                    </m:oMathParaPr>
+                    <m:oMath xmlns:m="http://schemas.openxmlformats.org/officeDocument/2006/math">
+                      <m:r>
+                        <a:rPr lang="en-US" b="0" i="1" smtClean="0">
+                          <a:latin typeface="Cambria Math" panose="02040503050406030204" pitchFamily="18" charset="0"/>
+                          <a:ea typeface="Cambria Math" panose="02040503050406030204" pitchFamily="18" charset="0"/>
+                        </a:rPr>
+                        <m:t>𝑋</m:t>
+                      </m:r>
+                    </m:oMath>
+                  </m:oMathPara>
+                </a14:m>
+                <a:endParaRPr lang="en-US" dirty="0"/>
+              </a:p>
+            </p:txBody>
+          </p:sp>
+        </mc:Choice>
+        <mc:Fallback xmlns="">
+          <p:sp>
+            <p:nvSpPr>
+              <p:cNvPr id="19" name="TextBox 18">
+                <a:extLst>
+                  <a:ext uri="{FF2B5EF4-FFF2-40B4-BE49-F238E27FC236}">
+                    <a16:creationId xmlns:a16="http://schemas.microsoft.com/office/drawing/2014/main" id="{EEADE6FA-9E70-D594-C991-63B3378A1A06}"/>
+                  </a:ext>
+                </a:extLst>
+              </p:cNvPr>
+              <p:cNvSpPr txBox="1">
+                <a:spLocks noRot="1" noChangeAspect="1" noMove="1" noResize="1" noEditPoints="1" noAdjustHandles="1" noChangeArrowheads="1" noChangeShapeType="1" noTextEdit="1"/>
+              </p:cNvSpPr>
+              <p:nvPr/>
+            </p:nvSpPr>
+            <p:spPr>
+              <a:xfrm>
+                <a:off x="6287814" y="4412734"/>
+                <a:ext cx="347980" cy="369332"/>
+              </a:xfrm>
+              <a:prstGeom prst="rect">
+                <a:avLst/>
+              </a:prstGeom>
+              <a:blipFill>
+                <a:blip r:embed="rId5"/>
+                <a:stretch>
+                  <a:fillRect/>
+                </a:stretch>
+              </a:blipFill>
+            </p:spPr>
+            <p:txBody>
+              <a:bodyPr/>
+              <a:lstStyle/>
+              <a:p>
+                <a:r>
+                  <a:rPr lang="en-US">
+                    <a:noFill/>
+                  </a:rPr>
+                  <a:t> </a:t>
+                </a:r>
+              </a:p>
+            </p:txBody>
+          </p:sp>
+        </mc:Fallback>
+      </mc:AlternateContent>
+      <mc:AlternateContent xmlns:mc="http://schemas.openxmlformats.org/markup-compatibility/2006" xmlns:a14="http://schemas.microsoft.com/office/drawing/2010/main">
+        <mc:Choice Requires="a14">
+          <p:sp>
+            <p:nvSpPr>
+              <p:cNvPr id="21" name="TextBox 20">
+                <a:extLst>
+                  <a:ext uri="{FF2B5EF4-FFF2-40B4-BE49-F238E27FC236}">
+                    <a16:creationId xmlns:a16="http://schemas.microsoft.com/office/drawing/2014/main" id="{914DC54B-5078-C69A-F9F8-1E9C75C7A050}"/>
+                  </a:ext>
+                </a:extLst>
+              </p:cNvPr>
+              <p:cNvSpPr txBox="1"/>
+              <p:nvPr/>
+            </p:nvSpPr>
+            <p:spPr>
+              <a:xfrm>
+                <a:off x="1904010" y="2150622"/>
+                <a:ext cx="347980" cy="369332"/>
+              </a:xfrm>
+              <a:prstGeom prst="rect">
+                <a:avLst/>
+              </a:prstGeom>
+              <a:noFill/>
+            </p:spPr>
+            <p:txBody>
+              <a:bodyPr wrap="square" rtlCol="0">
+                <a:spAutoFit/>
+              </a:bodyPr>
+              <a:lstStyle/>
+              <a:p>
+                <a:pPr/>
+                <a14:m>
+                  <m:oMathPara xmlns:m="http://schemas.openxmlformats.org/officeDocument/2006/math">
+                    <m:oMathParaPr>
+                      <m:jc m:val="centerGroup"/>
+                    </m:oMathParaPr>
+                    <m:oMath xmlns:m="http://schemas.openxmlformats.org/officeDocument/2006/math">
+                      <m:r>
+                        <a:rPr lang="en-US" b="0" i="1" smtClean="0">
+                          <a:latin typeface="Cambria Math" panose="02040503050406030204" pitchFamily="18" charset="0"/>
+                          <a:ea typeface="Cambria Math" panose="02040503050406030204" pitchFamily="18" charset="0"/>
+                        </a:rPr>
+                        <m:t>𝑌</m:t>
+                      </m:r>
+                    </m:oMath>
+                  </m:oMathPara>
+                </a14:m>
+                <a:endParaRPr lang="en-US" dirty="0"/>
+              </a:p>
+            </p:txBody>
+          </p:sp>
+        </mc:Choice>
+        <mc:Fallback xmlns="">
+          <p:sp>
+            <p:nvSpPr>
+              <p:cNvPr id="21" name="TextBox 20">
+                <a:extLst>
+                  <a:ext uri="{FF2B5EF4-FFF2-40B4-BE49-F238E27FC236}">
+                    <a16:creationId xmlns:a16="http://schemas.microsoft.com/office/drawing/2014/main" id="{914DC54B-5078-C69A-F9F8-1E9C75C7A050}"/>
+                  </a:ext>
+                </a:extLst>
+              </p:cNvPr>
+              <p:cNvSpPr txBox="1">
+                <a:spLocks noRot="1" noChangeAspect="1" noMove="1" noResize="1" noEditPoints="1" noAdjustHandles="1" noChangeArrowheads="1" noChangeShapeType="1" noTextEdit="1"/>
+              </p:cNvSpPr>
+              <p:nvPr/>
+            </p:nvSpPr>
+            <p:spPr>
+              <a:xfrm>
+                <a:off x="1904010" y="2150622"/>
+                <a:ext cx="347980" cy="369332"/>
+              </a:xfrm>
+              <a:prstGeom prst="rect">
+                <a:avLst/>
+              </a:prstGeom>
+              <a:blipFill>
+                <a:blip r:embed="rId6"/>
+                <a:stretch>
+                  <a:fillRect/>
+                </a:stretch>
+              </a:blipFill>
+            </p:spPr>
+            <p:txBody>
+              <a:bodyPr/>
+              <a:lstStyle/>
+              <a:p>
+                <a:r>
+                  <a:rPr lang="en-US">
+                    <a:noFill/>
+                  </a:rPr>
+                  <a:t> </a:t>
+                </a:r>
+              </a:p>
+            </p:txBody>
+          </p:sp>
+        </mc:Fallback>
+      </mc:AlternateContent>
+      <p:sp>
+        <p:nvSpPr>
+          <p:cNvPr id="26" name="Rectangle 4">
+            <a:extLst>
+              <a:ext uri="{FF2B5EF4-FFF2-40B4-BE49-F238E27FC236}">
+                <a16:creationId xmlns:a16="http://schemas.microsoft.com/office/drawing/2014/main" id="{95E8F8FD-E063-237C-69D0-86805C2FBE1E}"/>
+              </a:ext>
+            </a:extLst>
+          </p:cNvPr>
+          <p:cNvSpPr/>
+          <p:nvPr/>
+        </p:nvSpPr>
+        <p:spPr>
+          <a:xfrm rot="10800000">
+            <a:off x="4187560" y="4404064"/>
+            <a:ext cx="184897" cy="183629"/>
+          </a:xfrm>
+          <a:custGeom>
+            <a:avLst/>
+            <a:gdLst>
+              <a:gd name="connsiteX0" fmla="*/ 0 w 183629"/>
+              <a:gd name="connsiteY0" fmla="*/ 0 h 183629"/>
+              <a:gd name="connsiteX1" fmla="*/ 183629 w 183629"/>
+              <a:gd name="connsiteY1" fmla="*/ 0 h 183629"/>
+              <a:gd name="connsiteX2" fmla="*/ 183629 w 183629"/>
+              <a:gd name="connsiteY2" fmla="*/ 183629 h 183629"/>
+              <a:gd name="connsiteX3" fmla="*/ 0 w 183629"/>
+              <a:gd name="connsiteY3" fmla="*/ 183629 h 183629"/>
+              <a:gd name="connsiteX4" fmla="*/ 0 w 183629"/>
+              <a:gd name="connsiteY4" fmla="*/ 0 h 183629"/>
+              <a:gd name="connsiteX0" fmla="*/ 189151 w 189151"/>
+              <a:gd name="connsiteY0" fmla="*/ 183248 h 183629"/>
+              <a:gd name="connsiteX1" fmla="*/ 183629 w 189151"/>
+              <a:gd name="connsiteY1" fmla="*/ 0 h 183629"/>
+              <a:gd name="connsiteX2" fmla="*/ 183629 w 189151"/>
+              <a:gd name="connsiteY2" fmla="*/ 183629 h 183629"/>
+              <a:gd name="connsiteX3" fmla="*/ 0 w 189151"/>
+              <a:gd name="connsiteY3" fmla="*/ 183629 h 183629"/>
+              <a:gd name="connsiteX4" fmla="*/ 189151 w 189151"/>
+              <a:gd name="connsiteY4" fmla="*/ 183248 h 183629"/>
+              <a:gd name="connsiteX0" fmla="*/ 115320 w 183629"/>
+              <a:gd name="connsiteY0" fmla="*/ 116710 h 183629"/>
+              <a:gd name="connsiteX1" fmla="*/ 183629 w 183629"/>
+              <a:gd name="connsiteY1" fmla="*/ 0 h 183629"/>
+              <a:gd name="connsiteX2" fmla="*/ 183629 w 183629"/>
+              <a:gd name="connsiteY2" fmla="*/ 183629 h 183629"/>
+              <a:gd name="connsiteX3" fmla="*/ 0 w 183629"/>
+              <a:gd name="connsiteY3" fmla="*/ 183629 h 183629"/>
+              <a:gd name="connsiteX4" fmla="*/ 115320 w 183629"/>
+              <a:gd name="connsiteY4" fmla="*/ 116710 h 183629"/>
+              <a:gd name="connsiteX0" fmla="*/ 178992 w 183629"/>
+              <a:gd name="connsiteY0" fmla="*/ 181810 h 183629"/>
+              <a:gd name="connsiteX1" fmla="*/ 183629 w 183629"/>
+              <a:gd name="connsiteY1" fmla="*/ 0 h 183629"/>
+              <a:gd name="connsiteX2" fmla="*/ 183629 w 183629"/>
+              <a:gd name="connsiteY2" fmla="*/ 183629 h 183629"/>
+              <a:gd name="connsiteX3" fmla="*/ 0 w 183629"/>
+              <a:gd name="connsiteY3" fmla="*/ 183629 h 183629"/>
+              <a:gd name="connsiteX4" fmla="*/ 178992 w 183629"/>
+              <a:gd name="connsiteY4" fmla="*/ 181810 h 183629"/>
+              <a:gd name="connsiteX0" fmla="*/ 184897 w 184897"/>
+              <a:gd name="connsiteY0" fmla="*/ 183003 h 183629"/>
+              <a:gd name="connsiteX1" fmla="*/ 183629 w 184897"/>
+              <a:gd name="connsiteY1" fmla="*/ 0 h 183629"/>
+              <a:gd name="connsiteX2" fmla="*/ 183629 w 184897"/>
+              <a:gd name="connsiteY2" fmla="*/ 183629 h 183629"/>
+              <a:gd name="connsiteX3" fmla="*/ 0 w 184897"/>
+              <a:gd name="connsiteY3" fmla="*/ 183629 h 183629"/>
+              <a:gd name="connsiteX4" fmla="*/ 184897 w 184897"/>
+              <a:gd name="connsiteY4" fmla="*/ 183003 h 183629"/>
+            </a:gdLst>
+            <a:ahLst/>
+            <a:cxnLst>
+              <a:cxn ang="0">
+                <a:pos x="connsiteX0" y="connsiteY0"/>
+              </a:cxn>
+              <a:cxn ang="0">
+                <a:pos x="connsiteX1" y="connsiteY1"/>
+              </a:cxn>
+              <a:cxn ang="0">
+                <a:pos x="connsiteX2" y="connsiteY2"/>
+              </a:cxn>
+              <a:cxn ang="0">
+                <a:pos x="connsiteX3" y="connsiteY3"/>
+              </a:cxn>
+              <a:cxn ang="0">
+                <a:pos x="connsiteX4" y="connsiteY4"/>
+              </a:cxn>
+            </a:cxnLst>
+            <a:rect l="l" t="t" r="r" b="b"/>
+            <a:pathLst>
+              <a:path w="184897" h="183629">
+                <a:moveTo>
+                  <a:pt x="184897" y="183003"/>
+                </a:moveTo>
+                <a:cubicBezTo>
+                  <a:pt x="184474" y="122002"/>
+                  <a:pt x="184052" y="61001"/>
+                  <a:pt x="183629" y="0"/>
+                </a:cubicBezTo>
+                <a:lnTo>
+                  <a:pt x="183629" y="183629"/>
+                </a:lnTo>
+                <a:lnTo>
+                  <a:pt x="0" y="183629"/>
+                </a:lnTo>
+                <a:lnTo>
+                  <a:pt x="184897" y="183003"/>
+                </a:lnTo>
+                <a:close/>
+              </a:path>
+            </a:pathLst>
+          </a:custGeom>
+          <a:noFill/>
+          <a:ln w="25400" cap="rnd">
+            <a:solidFill>
+              <a:schemeClr val="accent1"/>
+            </a:solidFill>
+            <a:round/>
+          </a:ln>
+        </p:spPr>
+        <p:style>
+          <a:lnRef idx="2">
+            <a:schemeClr val="accent1">
+              <a:shade val="15000"/>
+            </a:schemeClr>
+          </a:lnRef>
+          <a:fillRef idx="1">
+            <a:schemeClr val="accent1"/>
+          </a:fillRef>
+          <a:effectRef idx="0">
+            <a:schemeClr val="accent1"/>
+          </a:effectRef>
+          <a:fontRef idx="minor">
+            <a:schemeClr val="lt1"/>
+          </a:fontRef>
+        </p:style>
+        <p:txBody>
+          <a:bodyPr rtlCol="0" anchor="ctr"/>
+          <a:lstStyle/>
+          <a:p>
+            <a:pPr algn="ctr"/>
+            <a:endParaRPr lang="en-US"/>
+          </a:p>
+        </p:txBody>
+      </p:sp>
+      <mc:AlternateContent xmlns:mc="http://schemas.openxmlformats.org/markup-compatibility/2006" xmlns:a14="http://schemas.microsoft.com/office/drawing/2010/main">
+        <mc:Choice Requires="a14">
+          <p:sp>
+            <p:nvSpPr>
+              <p:cNvPr id="27" name="TextBox 26">
+                <a:extLst>
+                  <a:ext uri="{FF2B5EF4-FFF2-40B4-BE49-F238E27FC236}">
+                    <a16:creationId xmlns:a16="http://schemas.microsoft.com/office/drawing/2014/main" id="{48181D4A-48B6-16AB-FD92-C0DD0F382327}"/>
+                  </a:ext>
+                </a:extLst>
+              </p:cNvPr>
+              <p:cNvSpPr txBox="1"/>
+              <p:nvPr/>
+            </p:nvSpPr>
+            <p:spPr>
+              <a:xfrm>
+                <a:off x="3033495" y="4610561"/>
+                <a:ext cx="615512" cy="338554"/>
+              </a:xfrm>
+              <a:prstGeom prst="rect">
+                <a:avLst/>
+              </a:prstGeom>
+              <a:noFill/>
+            </p:spPr>
+            <p:txBody>
+              <a:bodyPr wrap="square" rtlCol="0">
+                <a:spAutoFit/>
+              </a:bodyPr>
+              <a:lstStyle/>
+              <a:p>
+                <a:pPr/>
+                <a14:m>
+                  <m:oMathPara xmlns:m="http://schemas.openxmlformats.org/officeDocument/2006/math">
+                    <m:oMathParaPr>
+                      <m:jc m:val="centerGroup"/>
+                    </m:oMathParaPr>
+                    <m:oMath xmlns:m="http://schemas.openxmlformats.org/officeDocument/2006/math">
+                      <m:sSub>
+                        <m:sSubPr>
+                          <m:ctrlPr>
+                            <a:rPr lang="en-US" sz="1600" i="1" smtClean="0">
+                              <a:solidFill>
+                                <a:schemeClr val="accent1"/>
+                              </a:solidFill>
+                              <a:latin typeface="Cambria Math" panose="02040503050406030204" pitchFamily="18" charset="0"/>
+                              <a:ea typeface="Cambria Math" panose="02040503050406030204" pitchFamily="18" charset="0"/>
+                            </a:rPr>
+                          </m:ctrlPr>
+                        </m:sSubPr>
+                        <m:e>
+                          <m:r>
+                            <a:rPr lang="en-US" sz="1600" b="0" i="1" smtClean="0">
+                              <a:solidFill>
+                                <a:schemeClr val="accent1"/>
+                              </a:solidFill>
+                              <a:latin typeface="Cambria Math" panose="02040503050406030204" pitchFamily="18" charset="0"/>
+                              <a:ea typeface="Cambria Math" panose="02040503050406030204" pitchFamily="18" charset="0"/>
+                            </a:rPr>
+                            <m:t>𝑑</m:t>
+                          </m:r>
+                        </m:e>
+                        <m:sub>
+                          <m:r>
+                            <a:rPr lang="en-US" sz="1600" b="0" i="1" smtClean="0">
+                              <a:solidFill>
+                                <a:schemeClr val="accent1"/>
+                              </a:solidFill>
+                              <a:latin typeface="Cambria Math" panose="02040503050406030204" pitchFamily="18" charset="0"/>
+                              <a:ea typeface="Cambria Math" panose="02040503050406030204" pitchFamily="18" charset="0"/>
+                            </a:rPr>
+                            <m:t>𝑥</m:t>
+                          </m:r>
+                        </m:sub>
+                      </m:sSub>
+                    </m:oMath>
+                  </m:oMathPara>
+                </a14:m>
+                <a:endParaRPr lang="en-US" dirty="0"/>
+              </a:p>
+            </p:txBody>
+          </p:sp>
+        </mc:Choice>
+        <mc:Fallback xmlns="">
+          <p:sp>
+            <p:nvSpPr>
+              <p:cNvPr id="27" name="TextBox 26">
+                <a:extLst>
+                  <a:ext uri="{FF2B5EF4-FFF2-40B4-BE49-F238E27FC236}">
+                    <a16:creationId xmlns:a16="http://schemas.microsoft.com/office/drawing/2014/main" id="{48181D4A-48B6-16AB-FD92-C0DD0F382327}"/>
+                  </a:ext>
+                </a:extLst>
+              </p:cNvPr>
+              <p:cNvSpPr txBox="1">
+                <a:spLocks noRot="1" noChangeAspect="1" noMove="1" noResize="1" noEditPoints="1" noAdjustHandles="1" noChangeArrowheads="1" noChangeShapeType="1" noTextEdit="1"/>
+              </p:cNvSpPr>
+              <p:nvPr/>
+            </p:nvSpPr>
+            <p:spPr>
+              <a:xfrm>
+                <a:off x="3033495" y="4610561"/>
+                <a:ext cx="615512" cy="338554"/>
+              </a:xfrm>
+              <a:prstGeom prst="rect">
+                <a:avLst/>
+              </a:prstGeom>
+              <a:blipFill>
+                <a:blip r:embed="rId7"/>
+                <a:stretch>
+                  <a:fillRect/>
+                </a:stretch>
+              </a:blipFill>
+            </p:spPr>
+            <p:txBody>
+              <a:bodyPr/>
+              <a:lstStyle/>
+              <a:p>
+                <a:r>
+                  <a:rPr lang="en-US">
+                    <a:noFill/>
+                  </a:rPr>
+                  <a:t> </a:t>
+                </a:r>
+              </a:p>
+            </p:txBody>
+          </p:sp>
+        </mc:Fallback>
+      </mc:AlternateContent>
+      <mc:AlternateContent xmlns:mc="http://schemas.openxmlformats.org/markup-compatibility/2006" xmlns:a14="http://schemas.microsoft.com/office/drawing/2010/main">
+        <mc:Choice Requires="a14">
+          <p:sp>
+            <p:nvSpPr>
+              <p:cNvPr id="28" name="TextBox 27">
+                <a:extLst>
+                  <a:ext uri="{FF2B5EF4-FFF2-40B4-BE49-F238E27FC236}">
+                    <a16:creationId xmlns:a16="http://schemas.microsoft.com/office/drawing/2014/main" id="{A319149E-8876-CB85-86B6-B03401E6DB93}"/>
+                  </a:ext>
+                </a:extLst>
+              </p:cNvPr>
+              <p:cNvSpPr txBox="1"/>
+              <p:nvPr/>
+            </p:nvSpPr>
+            <p:spPr>
+              <a:xfrm>
+                <a:off x="4264244" y="3701555"/>
+                <a:ext cx="615512" cy="357983"/>
+              </a:xfrm>
+              <a:prstGeom prst="rect">
+                <a:avLst/>
+              </a:prstGeom>
+              <a:noFill/>
+            </p:spPr>
+            <p:txBody>
+              <a:bodyPr wrap="square" rtlCol="0">
+                <a:spAutoFit/>
+              </a:bodyPr>
+              <a:lstStyle/>
+              <a:p>
+                <a:pPr/>
+                <a14:m>
+                  <m:oMathPara xmlns:m="http://schemas.openxmlformats.org/officeDocument/2006/math">
+                    <m:oMathParaPr>
+                      <m:jc m:val="centerGroup"/>
+                    </m:oMathParaPr>
+                    <m:oMath xmlns:m="http://schemas.openxmlformats.org/officeDocument/2006/math">
+                      <m:sSub>
+                        <m:sSubPr>
+                          <m:ctrlPr>
+                            <a:rPr lang="en-US" sz="1600" i="1" smtClean="0">
+                              <a:solidFill>
+                                <a:schemeClr val="accent1"/>
+                              </a:solidFill>
+                              <a:latin typeface="Cambria Math" panose="02040503050406030204" pitchFamily="18" charset="0"/>
+                              <a:ea typeface="Cambria Math" panose="02040503050406030204" pitchFamily="18" charset="0"/>
+                            </a:rPr>
+                          </m:ctrlPr>
+                        </m:sSubPr>
+                        <m:e>
+                          <m:r>
+                            <a:rPr lang="en-US" sz="1600" b="0" i="1" smtClean="0">
+                              <a:solidFill>
+                                <a:schemeClr val="accent1"/>
+                              </a:solidFill>
+                              <a:latin typeface="Cambria Math" panose="02040503050406030204" pitchFamily="18" charset="0"/>
+                              <a:ea typeface="Cambria Math" panose="02040503050406030204" pitchFamily="18" charset="0"/>
+                            </a:rPr>
+                            <m:t>𝑑</m:t>
+                          </m:r>
+                        </m:e>
+                        <m:sub>
+                          <m:r>
+                            <a:rPr lang="en-US" sz="1600" b="0" i="1" smtClean="0">
+                              <a:solidFill>
+                                <a:schemeClr val="accent1"/>
+                              </a:solidFill>
+                              <a:latin typeface="Cambria Math" panose="02040503050406030204" pitchFamily="18" charset="0"/>
+                              <a:ea typeface="Cambria Math" panose="02040503050406030204" pitchFamily="18" charset="0"/>
+                            </a:rPr>
+                            <m:t>𝑦</m:t>
+                          </m:r>
+                        </m:sub>
+                      </m:sSub>
+                    </m:oMath>
+                  </m:oMathPara>
+                </a14:m>
+                <a:endParaRPr lang="en-US" dirty="0">
+                  <a:solidFill>
+                    <a:schemeClr val="bg1">
+                      <a:lumMod val="50000"/>
+                    </a:schemeClr>
+                  </a:solidFill>
+                </a:endParaRPr>
+              </a:p>
+            </p:txBody>
+          </p:sp>
+        </mc:Choice>
+        <mc:Fallback xmlns="">
+          <p:sp>
+            <p:nvSpPr>
+              <p:cNvPr id="28" name="TextBox 27">
+                <a:extLst>
+                  <a:ext uri="{FF2B5EF4-FFF2-40B4-BE49-F238E27FC236}">
+                    <a16:creationId xmlns:a16="http://schemas.microsoft.com/office/drawing/2014/main" id="{A319149E-8876-CB85-86B6-B03401E6DB93}"/>
+                  </a:ext>
+                </a:extLst>
+              </p:cNvPr>
+              <p:cNvSpPr txBox="1">
+                <a:spLocks noRot="1" noChangeAspect="1" noMove="1" noResize="1" noEditPoints="1" noAdjustHandles="1" noChangeArrowheads="1" noChangeShapeType="1" noTextEdit="1"/>
+              </p:cNvSpPr>
+              <p:nvPr/>
+            </p:nvSpPr>
+            <p:spPr>
+              <a:xfrm>
+                <a:off x="4264244" y="3701555"/>
+                <a:ext cx="615512" cy="357983"/>
+              </a:xfrm>
+              <a:prstGeom prst="rect">
+                <a:avLst/>
+              </a:prstGeom>
+              <a:blipFill>
+                <a:blip r:embed="rId8"/>
+                <a:stretch>
+                  <a:fillRect b="-3390"/>
+                </a:stretch>
+              </a:blipFill>
+            </p:spPr>
+            <p:txBody>
+              <a:bodyPr/>
+              <a:lstStyle/>
+              <a:p>
+                <a:r>
+                  <a:rPr lang="en-US">
+                    <a:noFill/>
+                  </a:rPr>
+                  <a:t> </a:t>
+                </a:r>
+              </a:p>
+            </p:txBody>
+          </p:sp>
+        </mc:Fallback>
+      </mc:AlternateContent>
+      <p:sp>
+        <p:nvSpPr>
+          <p:cNvPr id="29" name="Arc 28">
+            <a:extLst>
+              <a:ext uri="{FF2B5EF4-FFF2-40B4-BE49-F238E27FC236}">
+                <a16:creationId xmlns:a16="http://schemas.microsoft.com/office/drawing/2014/main" id="{45DD7F35-90FE-A981-EFB8-AF71A941C9A8}"/>
+              </a:ext>
+            </a:extLst>
+          </p:cNvPr>
+          <p:cNvSpPr/>
+          <p:nvPr/>
+        </p:nvSpPr>
+        <p:spPr>
+          <a:xfrm>
+            <a:off x="5192638" y="4316885"/>
+            <a:ext cx="574486" cy="574486"/>
+          </a:xfrm>
+          <a:prstGeom prst="arc">
+            <a:avLst>
+              <a:gd name="adj1" fmla="val 14328757"/>
+              <a:gd name="adj2" fmla="val 0"/>
+            </a:avLst>
+          </a:prstGeom>
+          <a:ln w="25400">
+            <a:solidFill>
+              <a:srgbClr val="FF0000"/>
+            </a:solidFill>
+          </a:ln>
+        </p:spPr>
+        <p:style>
+          <a:lnRef idx="1">
+            <a:schemeClr val="accent1"/>
+          </a:lnRef>
+          <a:fillRef idx="0">
+            <a:schemeClr val="accent1"/>
+          </a:fillRef>
+          <a:effectRef idx="0">
+            <a:schemeClr val="accent1"/>
+          </a:effectRef>
+          <a:fontRef idx="minor">
+            <a:schemeClr val="tx1"/>
+          </a:fontRef>
+        </p:style>
+        <p:txBody>
+          <a:bodyPr rtlCol="0" anchor="ctr"/>
+          <a:lstStyle/>
+          <a:p>
+            <a:pPr algn="ctr"/>
+            <a:endParaRPr lang="en-US"/>
+          </a:p>
+        </p:txBody>
+      </p:sp>
+      <p:cxnSp>
+        <p:nvCxnSpPr>
+          <p:cNvPr id="7" name="Straight Connector 6">
+            <a:extLst>
+              <a:ext uri="{FF2B5EF4-FFF2-40B4-BE49-F238E27FC236}">
+                <a16:creationId xmlns:a16="http://schemas.microsoft.com/office/drawing/2014/main" id="{0D917AE3-1E8D-D6BA-70C8-25F1232DBA93}"/>
+              </a:ext>
+            </a:extLst>
+          </p:cNvPr>
+          <p:cNvCxnSpPr>
+            <a:cxnSpLocks/>
+            <a:stCxn id="5" idx="4"/>
+          </p:cNvCxnSpPr>
+          <p:nvPr/>
+        </p:nvCxnSpPr>
+        <p:spPr>
+          <a:xfrm>
+            <a:off x="2080401" y="4599127"/>
+            <a:ext cx="4232769" cy="0"/>
+          </a:xfrm>
+          <a:prstGeom prst="line">
+            <a:avLst/>
+          </a:prstGeom>
+          <a:ln w="38100">
+            <a:solidFill>
+              <a:schemeClr val="tx1"/>
+            </a:solidFill>
+            <a:tailEnd type="arrow" w="med" len="lg"/>
+          </a:ln>
+        </p:spPr>
+        <p:style>
+          <a:lnRef idx="1">
+            <a:schemeClr val="accent1"/>
+          </a:lnRef>
+          <a:fillRef idx="0">
+            <a:schemeClr val="accent1"/>
+          </a:fillRef>
+          <a:effectRef idx="0">
+            <a:schemeClr val="accent1"/>
+          </a:effectRef>
+          <a:fontRef idx="minor">
+            <a:schemeClr val="tx1"/>
+          </a:fontRef>
+        </p:style>
+      </p:cxnSp>
+      <p:sp>
+        <p:nvSpPr>
+          <p:cNvPr id="5" name="Right Triangle 4">
+            <a:extLst>
+              <a:ext uri="{FF2B5EF4-FFF2-40B4-BE49-F238E27FC236}">
+                <a16:creationId xmlns:a16="http://schemas.microsoft.com/office/drawing/2014/main" id="{B93813C5-557A-E089-CC5A-B89FEEEA2F23}"/>
+              </a:ext>
+            </a:extLst>
+          </p:cNvPr>
+          <p:cNvSpPr/>
+          <p:nvPr/>
+        </p:nvSpPr>
+        <p:spPr>
+          <a:xfrm rot="8714451">
+            <a:off x="2384343" y="3624580"/>
+            <a:ext cx="2809729" cy="1945640"/>
+          </a:xfrm>
+          <a:prstGeom prst="rtTriangle">
+            <a:avLst/>
+          </a:prstGeom>
+          <a:noFill/>
+          <a:ln w="38100" cap="rnd">
+            <a:solidFill>
+              <a:schemeClr val="tx1"/>
+            </a:solidFill>
+            <a:round/>
+          </a:ln>
+        </p:spPr>
+        <p:style>
+          <a:lnRef idx="2">
+            <a:schemeClr val="accent1">
+              <a:shade val="15000"/>
+            </a:schemeClr>
+          </a:lnRef>
+          <a:fillRef idx="1">
+            <a:schemeClr val="accent1"/>
+          </a:fillRef>
+          <a:effectRef idx="0">
+            <a:schemeClr val="accent1"/>
+          </a:effectRef>
+          <a:fontRef idx="minor">
+            <a:schemeClr val="lt1"/>
+          </a:fontRef>
+        </p:style>
+        <p:txBody>
+          <a:bodyPr rtlCol="0" anchor="ctr"/>
+          <a:lstStyle/>
+          <a:p>
+            <a:pPr algn="ctr"/>
+            <a:endParaRPr lang="en-US"/>
+          </a:p>
+        </p:txBody>
+      </p:sp>
+      <mc:AlternateContent xmlns:mc="http://schemas.openxmlformats.org/markup-compatibility/2006" xmlns:a14="http://schemas.microsoft.com/office/drawing/2010/main">
+        <mc:Choice Requires="a14">
+          <p:sp>
+            <p:nvSpPr>
+              <p:cNvPr id="30" name="TextBox 29">
+                <a:extLst>
+                  <a:ext uri="{FF2B5EF4-FFF2-40B4-BE49-F238E27FC236}">
+                    <a16:creationId xmlns:a16="http://schemas.microsoft.com/office/drawing/2014/main" id="{3B3B8C77-2D45-E1EF-35FB-1CBACBE4DFAA}"/>
+                  </a:ext>
+                </a:extLst>
+              </p:cNvPr>
+              <p:cNvSpPr txBox="1"/>
+              <p:nvPr/>
+            </p:nvSpPr>
+            <p:spPr>
+              <a:xfrm rot="19515296">
+                <a:off x="2086229" y="3574552"/>
+                <a:ext cx="1828800" cy="338554"/>
+              </a:xfrm>
+              <a:prstGeom prst="rect">
+                <a:avLst/>
+              </a:prstGeom>
+              <a:noFill/>
+            </p:spPr>
+            <p:txBody>
+              <a:bodyPr wrap="square" rtlCol="0">
+                <a:spAutoFit/>
+              </a:bodyPr>
+              <a:lstStyle/>
+              <a:p>
+                <a:pPr/>
+                <a14:m>
+                  <m:oMathPara xmlns:m="http://schemas.openxmlformats.org/officeDocument/2006/math">
+                    <m:oMathParaPr>
+                      <m:jc m:val="centerGroup"/>
+                    </m:oMathParaPr>
+                    <m:oMath xmlns:m="http://schemas.openxmlformats.org/officeDocument/2006/math">
+                      <m:r>
+                        <a:rPr lang="en-US" sz="1600" b="0" i="1" smtClean="0">
+                          <a:solidFill>
+                            <a:schemeClr val="tx1"/>
+                          </a:solidFill>
+                          <a:latin typeface="Cambria Math" panose="02040503050406030204" pitchFamily="18" charset="0"/>
+                        </a:rPr>
+                        <m:t>𝑦</m:t>
+                      </m:r>
+                      <m:r>
+                        <a:rPr lang="en-US" sz="1600" b="0" i="1" smtClean="0">
+                          <a:solidFill>
+                            <a:schemeClr val="tx1"/>
+                          </a:solidFill>
+                          <a:latin typeface="Cambria Math" panose="02040503050406030204" pitchFamily="18" charset="0"/>
+                        </a:rPr>
+                        <m:t>=</m:t>
+                      </m:r>
+                      <m:sSub>
+                        <m:sSubPr>
+                          <m:ctrlPr>
+                            <a:rPr lang="en-US" sz="1600" b="0" i="1" smtClean="0">
+                              <a:solidFill>
+                                <a:schemeClr val="tx1"/>
+                              </a:solidFill>
+                              <a:latin typeface="Cambria Math" panose="02040503050406030204" pitchFamily="18" charset="0"/>
+                            </a:rPr>
+                          </m:ctrlPr>
+                        </m:sSubPr>
+                        <m:e>
+                          <m:r>
+                            <a:rPr lang="en-US" sz="1600" b="0" i="1" smtClean="0">
+                              <a:solidFill>
+                                <a:schemeClr val="tx1"/>
+                              </a:solidFill>
+                              <a:latin typeface="Cambria Math" panose="02040503050406030204" pitchFamily="18" charset="0"/>
+                            </a:rPr>
+                            <m:t>𝑚</m:t>
+                          </m:r>
+                        </m:e>
+                        <m:sub>
+                          <m:r>
+                            <a:rPr lang="en-US" sz="1600" b="0" i="1" smtClean="0">
+                              <a:solidFill>
+                                <a:schemeClr val="tx1"/>
+                              </a:solidFill>
+                              <a:latin typeface="Cambria Math" panose="02040503050406030204" pitchFamily="18" charset="0"/>
+                            </a:rPr>
+                            <m:t>0</m:t>
+                          </m:r>
+                        </m:sub>
+                      </m:sSub>
+                      <m:r>
+                        <a:rPr lang="en-US" sz="1600" b="0" i="1" smtClean="0">
+                          <a:solidFill>
+                            <a:schemeClr val="tx1"/>
+                          </a:solidFill>
+                          <a:latin typeface="Cambria Math" panose="02040503050406030204" pitchFamily="18" charset="0"/>
+                        </a:rPr>
+                        <m:t>𝑥</m:t>
+                      </m:r>
+                      <m:r>
+                        <a:rPr lang="en-US" sz="1600" b="0" i="1" smtClean="0">
+                          <a:solidFill>
+                            <a:schemeClr val="tx1"/>
+                          </a:solidFill>
+                          <a:latin typeface="Cambria Math" panose="02040503050406030204" pitchFamily="18" charset="0"/>
+                        </a:rPr>
+                        <m:t>+</m:t>
+                      </m:r>
+                      <m:sSub>
+                        <m:sSubPr>
+                          <m:ctrlPr>
+                            <a:rPr lang="en-US" sz="1600" b="0" i="1" smtClean="0">
+                              <a:solidFill>
+                                <a:schemeClr val="tx1"/>
+                              </a:solidFill>
+                              <a:latin typeface="Cambria Math" panose="02040503050406030204" pitchFamily="18" charset="0"/>
+                            </a:rPr>
+                          </m:ctrlPr>
+                        </m:sSubPr>
+                        <m:e>
+                          <m:r>
+                            <a:rPr lang="en-US" sz="1600" b="0" i="1" smtClean="0">
+                              <a:solidFill>
+                                <a:schemeClr val="tx1"/>
+                              </a:solidFill>
+                              <a:latin typeface="Cambria Math" panose="02040503050406030204" pitchFamily="18" charset="0"/>
+                            </a:rPr>
+                            <m:t>𝑐</m:t>
+                          </m:r>
+                        </m:e>
+                        <m:sub>
+                          <m:r>
+                            <a:rPr lang="en-US" sz="1600" b="0" i="1" smtClean="0">
+                              <a:solidFill>
+                                <a:schemeClr val="tx1"/>
+                              </a:solidFill>
+                              <a:latin typeface="Cambria Math" panose="02040503050406030204" pitchFamily="18" charset="0"/>
+                            </a:rPr>
+                            <m:t>0</m:t>
+                          </m:r>
+                        </m:sub>
+                      </m:sSub>
+                    </m:oMath>
+                  </m:oMathPara>
+                </a14:m>
+                <a:endParaRPr lang="en-US" sz="1600" dirty="0">
+                  <a:solidFill>
+                    <a:schemeClr val="tx1"/>
+                  </a:solidFill>
+                </a:endParaRPr>
+              </a:p>
+            </p:txBody>
+          </p:sp>
+        </mc:Choice>
+        <mc:Fallback xmlns="">
+          <p:sp>
+            <p:nvSpPr>
+              <p:cNvPr id="30" name="TextBox 29">
+                <a:extLst>
+                  <a:ext uri="{FF2B5EF4-FFF2-40B4-BE49-F238E27FC236}">
+                    <a16:creationId xmlns:a16="http://schemas.microsoft.com/office/drawing/2014/main" id="{3B3B8C77-2D45-E1EF-35FB-1CBACBE4DFAA}"/>
+                  </a:ext>
+                </a:extLst>
+              </p:cNvPr>
+              <p:cNvSpPr txBox="1">
+                <a:spLocks noRot="1" noChangeAspect="1" noMove="1" noResize="1" noEditPoints="1" noAdjustHandles="1" noChangeArrowheads="1" noChangeShapeType="1" noTextEdit="1"/>
+              </p:cNvSpPr>
+              <p:nvPr/>
+            </p:nvSpPr>
+            <p:spPr>
+              <a:xfrm rot="19515296">
+                <a:off x="2086229" y="3574552"/>
+                <a:ext cx="1828800" cy="338554"/>
+              </a:xfrm>
+              <a:prstGeom prst="rect">
+                <a:avLst/>
+              </a:prstGeom>
+              <a:blipFill>
+                <a:blip r:embed="rId9"/>
+                <a:stretch>
+                  <a:fillRect/>
+                </a:stretch>
+              </a:blipFill>
+            </p:spPr>
+            <p:txBody>
+              <a:bodyPr/>
+              <a:lstStyle/>
+              <a:p>
+                <a:r>
+                  <a:rPr lang="en-US">
+                    <a:noFill/>
+                  </a:rPr>
+                  <a:t> </a:t>
+                </a:r>
+              </a:p>
+            </p:txBody>
+          </p:sp>
+        </mc:Fallback>
+      </mc:AlternateContent>
+      <mc:AlternateContent xmlns:mc="http://schemas.openxmlformats.org/markup-compatibility/2006" xmlns:a14="http://schemas.microsoft.com/office/drawing/2010/main">
+        <mc:Choice Requires="a14">
+          <p:sp>
+            <p:nvSpPr>
+              <p:cNvPr id="31" name="TextBox 30">
+                <a:extLst>
+                  <a:ext uri="{FF2B5EF4-FFF2-40B4-BE49-F238E27FC236}">
+                    <a16:creationId xmlns:a16="http://schemas.microsoft.com/office/drawing/2014/main" id="{6674BE8E-B1F2-0137-576C-9555AC0F7728}"/>
+                  </a:ext>
+                </a:extLst>
+              </p:cNvPr>
+              <p:cNvSpPr txBox="1"/>
+              <p:nvPr/>
+            </p:nvSpPr>
+            <p:spPr>
+              <a:xfrm rot="3337275">
+                <a:off x="4137594" y="3482058"/>
+                <a:ext cx="1828800" cy="338554"/>
+              </a:xfrm>
+              <a:prstGeom prst="rect">
+                <a:avLst/>
+              </a:prstGeom>
+              <a:noFill/>
+            </p:spPr>
+            <p:txBody>
+              <a:bodyPr wrap="square" rtlCol="0">
+                <a:spAutoFit/>
+              </a:bodyPr>
+              <a:lstStyle/>
+              <a:p>
+                <a:pPr/>
+                <a14:m>
+                  <m:oMathPara xmlns:m="http://schemas.openxmlformats.org/officeDocument/2006/math">
+                    <m:oMathParaPr>
+                      <m:jc m:val="centerGroup"/>
+                    </m:oMathParaPr>
+                    <m:oMath xmlns:m="http://schemas.openxmlformats.org/officeDocument/2006/math">
+                      <m:r>
+                        <a:rPr lang="en-US" sz="1600" b="0" i="1" smtClean="0">
+                          <a:solidFill>
+                            <a:schemeClr val="tx1"/>
+                          </a:solidFill>
+                          <a:latin typeface="Cambria Math" panose="02040503050406030204" pitchFamily="18" charset="0"/>
+                        </a:rPr>
+                        <m:t>𝑦</m:t>
+                      </m:r>
+                      <m:r>
+                        <a:rPr lang="en-US" sz="1600" b="0" i="1" smtClean="0">
+                          <a:solidFill>
+                            <a:schemeClr val="tx1"/>
+                          </a:solidFill>
+                          <a:latin typeface="Cambria Math" panose="02040503050406030204" pitchFamily="18" charset="0"/>
+                        </a:rPr>
+                        <m:t>=</m:t>
+                      </m:r>
+                      <m:sSub>
+                        <m:sSubPr>
+                          <m:ctrlPr>
+                            <a:rPr lang="en-US" sz="1600" b="0" i="1" smtClean="0">
+                              <a:solidFill>
+                                <a:schemeClr val="tx1"/>
+                              </a:solidFill>
+                              <a:latin typeface="Cambria Math" panose="02040503050406030204" pitchFamily="18" charset="0"/>
+                            </a:rPr>
+                          </m:ctrlPr>
+                        </m:sSubPr>
+                        <m:e>
+                          <m:r>
+                            <a:rPr lang="en-US" sz="1600" b="0" i="1" smtClean="0">
+                              <a:solidFill>
+                                <a:schemeClr val="tx1"/>
+                              </a:solidFill>
+                              <a:latin typeface="Cambria Math" panose="02040503050406030204" pitchFamily="18" charset="0"/>
+                            </a:rPr>
+                            <m:t>𝑚</m:t>
+                          </m:r>
+                        </m:e>
+                        <m:sub>
+                          <m:r>
+                            <a:rPr lang="en-US" sz="1600" b="0" i="1" smtClean="0">
+                              <a:solidFill>
+                                <a:schemeClr val="tx1"/>
+                              </a:solidFill>
+                              <a:latin typeface="Cambria Math" panose="02040503050406030204" pitchFamily="18" charset="0"/>
+                            </a:rPr>
+                            <m:t>1</m:t>
+                          </m:r>
+                        </m:sub>
+                      </m:sSub>
+                      <m:r>
+                        <a:rPr lang="en-US" sz="1600" b="0" i="1" smtClean="0">
+                          <a:solidFill>
+                            <a:schemeClr val="tx1"/>
+                          </a:solidFill>
+                          <a:latin typeface="Cambria Math" panose="02040503050406030204" pitchFamily="18" charset="0"/>
+                        </a:rPr>
+                        <m:t>𝑥</m:t>
+                      </m:r>
+                      <m:r>
+                        <a:rPr lang="en-US" sz="1600" b="0" i="1" smtClean="0">
+                          <a:solidFill>
+                            <a:schemeClr val="tx1"/>
+                          </a:solidFill>
+                          <a:latin typeface="Cambria Math" panose="02040503050406030204" pitchFamily="18" charset="0"/>
+                        </a:rPr>
+                        <m:t>+</m:t>
+                      </m:r>
+                      <m:sSub>
+                        <m:sSubPr>
+                          <m:ctrlPr>
+                            <a:rPr lang="en-US" sz="1600" b="0" i="1" smtClean="0">
+                              <a:solidFill>
+                                <a:schemeClr val="tx1"/>
+                              </a:solidFill>
+                              <a:latin typeface="Cambria Math" panose="02040503050406030204" pitchFamily="18" charset="0"/>
+                            </a:rPr>
+                          </m:ctrlPr>
+                        </m:sSubPr>
+                        <m:e>
+                          <m:r>
+                            <a:rPr lang="en-US" sz="1600" b="0" i="1" smtClean="0">
+                              <a:solidFill>
+                                <a:schemeClr val="tx1"/>
+                              </a:solidFill>
+                              <a:latin typeface="Cambria Math" panose="02040503050406030204" pitchFamily="18" charset="0"/>
+                            </a:rPr>
+                            <m:t>𝑐</m:t>
+                          </m:r>
+                        </m:e>
+                        <m:sub>
+                          <m:r>
+                            <a:rPr lang="en-US" sz="1600" b="0" i="1" smtClean="0">
+                              <a:solidFill>
+                                <a:schemeClr val="tx1"/>
+                              </a:solidFill>
+                              <a:latin typeface="Cambria Math" panose="02040503050406030204" pitchFamily="18" charset="0"/>
+                            </a:rPr>
+                            <m:t>1</m:t>
+                          </m:r>
+                        </m:sub>
+                      </m:sSub>
+                    </m:oMath>
+                  </m:oMathPara>
+                </a14:m>
+                <a:endParaRPr lang="en-US" sz="1600" dirty="0">
+                  <a:solidFill>
+                    <a:schemeClr val="tx1"/>
+                  </a:solidFill>
+                </a:endParaRPr>
+              </a:p>
+            </p:txBody>
+          </p:sp>
+        </mc:Choice>
+        <mc:Fallback xmlns="">
+          <p:sp>
+            <p:nvSpPr>
+              <p:cNvPr id="31" name="TextBox 30">
+                <a:extLst>
+                  <a:ext uri="{FF2B5EF4-FFF2-40B4-BE49-F238E27FC236}">
+                    <a16:creationId xmlns:a16="http://schemas.microsoft.com/office/drawing/2014/main" id="{6674BE8E-B1F2-0137-576C-9555AC0F7728}"/>
+                  </a:ext>
+                </a:extLst>
+              </p:cNvPr>
+              <p:cNvSpPr txBox="1">
+                <a:spLocks noRot="1" noChangeAspect="1" noMove="1" noResize="1" noEditPoints="1" noAdjustHandles="1" noChangeArrowheads="1" noChangeShapeType="1" noTextEdit="1"/>
+              </p:cNvSpPr>
+              <p:nvPr/>
+            </p:nvSpPr>
+            <p:spPr>
+              <a:xfrm rot="3337275">
+                <a:off x="4137594" y="3482058"/>
+                <a:ext cx="1828800" cy="338554"/>
+              </a:xfrm>
+              <a:prstGeom prst="rect">
+                <a:avLst/>
+              </a:prstGeom>
+              <a:blipFill>
+                <a:blip r:embed="rId10"/>
+                <a:stretch>
+                  <a:fillRect/>
+                </a:stretch>
+              </a:blipFill>
+            </p:spPr>
+            <p:txBody>
+              <a:bodyPr/>
+              <a:lstStyle/>
+              <a:p>
+                <a:r>
+                  <a:rPr lang="en-US">
+                    <a:noFill/>
+                  </a:rPr>
+                  <a:t> </a:t>
+                </a:r>
+              </a:p>
+            </p:txBody>
+          </p:sp>
+        </mc:Fallback>
+      </mc:AlternateContent>
+      <mc:AlternateContent xmlns:mc="http://schemas.openxmlformats.org/markup-compatibility/2006" xmlns:a14="http://schemas.microsoft.com/office/drawing/2010/main">
+        <mc:Choice Requires="a14">
+          <p:sp>
+            <p:nvSpPr>
+              <p:cNvPr id="32" name="TextBox 31">
+                <a:extLst>
+                  <a:ext uri="{FF2B5EF4-FFF2-40B4-BE49-F238E27FC236}">
+                    <a16:creationId xmlns:a16="http://schemas.microsoft.com/office/drawing/2014/main" id="{700FCE47-8181-3468-5C39-685B70730F43}"/>
+                  </a:ext>
+                </a:extLst>
+              </p:cNvPr>
+              <p:cNvSpPr txBox="1"/>
+              <p:nvPr/>
+            </p:nvSpPr>
+            <p:spPr>
+              <a:xfrm>
+                <a:off x="1800455" y="4466273"/>
+                <a:ext cx="347980" cy="338554"/>
+              </a:xfrm>
+              <a:prstGeom prst="rect">
+                <a:avLst/>
+              </a:prstGeom>
+              <a:noFill/>
+            </p:spPr>
+            <p:txBody>
+              <a:bodyPr wrap="square" rtlCol="0">
+                <a:spAutoFit/>
+              </a:bodyPr>
+              <a:lstStyle/>
+              <a:p>
+                <a:pPr/>
+                <a14:m>
+                  <m:oMathPara xmlns:m="http://schemas.openxmlformats.org/officeDocument/2006/math">
+                    <m:oMathParaPr>
+                      <m:jc m:val="centerGroup"/>
+                    </m:oMathParaPr>
+                    <m:oMath xmlns:m="http://schemas.openxmlformats.org/officeDocument/2006/math">
+                      <m:r>
+                        <a:rPr lang="en-US" sz="1600" b="0" i="1" smtClean="0">
+                          <a:latin typeface="Cambria Math" panose="02040503050406030204" pitchFamily="18" charset="0"/>
+                          <a:ea typeface="Cambria Math" panose="02040503050406030204" pitchFamily="18" charset="0"/>
+                        </a:rPr>
+                        <m:t>𝐴</m:t>
+                      </m:r>
+                    </m:oMath>
+                  </m:oMathPara>
+                </a14:m>
+                <a:endParaRPr lang="en-US" dirty="0"/>
+              </a:p>
+            </p:txBody>
+          </p:sp>
+        </mc:Choice>
+        <mc:Fallback xmlns="">
+          <p:sp>
+            <p:nvSpPr>
+              <p:cNvPr id="32" name="TextBox 31">
+                <a:extLst>
+                  <a:ext uri="{FF2B5EF4-FFF2-40B4-BE49-F238E27FC236}">
+                    <a16:creationId xmlns:a16="http://schemas.microsoft.com/office/drawing/2014/main" id="{700FCE47-8181-3468-5C39-685B70730F43}"/>
+                  </a:ext>
+                </a:extLst>
+              </p:cNvPr>
+              <p:cNvSpPr txBox="1">
+                <a:spLocks noRot="1" noChangeAspect="1" noMove="1" noResize="1" noEditPoints="1" noAdjustHandles="1" noChangeArrowheads="1" noChangeShapeType="1" noTextEdit="1"/>
+              </p:cNvSpPr>
+              <p:nvPr/>
+            </p:nvSpPr>
+            <p:spPr>
+              <a:xfrm>
+                <a:off x="1800455" y="4466273"/>
+                <a:ext cx="347980" cy="338554"/>
+              </a:xfrm>
+              <a:prstGeom prst="rect">
+                <a:avLst/>
+              </a:prstGeom>
+              <a:blipFill>
+                <a:blip r:embed="rId11"/>
+                <a:stretch>
+                  <a:fillRect/>
+                </a:stretch>
+              </a:blipFill>
+            </p:spPr>
+            <p:txBody>
+              <a:bodyPr/>
+              <a:lstStyle/>
+              <a:p>
+                <a:r>
+                  <a:rPr lang="en-US">
+                    <a:noFill/>
+                  </a:rPr>
+                  <a:t> </a:t>
+                </a:r>
+              </a:p>
+            </p:txBody>
+          </p:sp>
+        </mc:Fallback>
+      </mc:AlternateContent>
+      <mc:AlternateContent xmlns:mc="http://schemas.openxmlformats.org/markup-compatibility/2006" xmlns:a14="http://schemas.microsoft.com/office/drawing/2010/main">
+        <mc:Choice Requires="a14">
+          <p:sp>
+            <p:nvSpPr>
+              <p:cNvPr id="33" name="TextBox 32">
+                <a:extLst>
+                  <a:ext uri="{FF2B5EF4-FFF2-40B4-BE49-F238E27FC236}">
+                    <a16:creationId xmlns:a16="http://schemas.microsoft.com/office/drawing/2014/main" id="{DDFFBF0E-8BC9-33C1-4C04-740D950BBD8A}"/>
+                  </a:ext>
+                </a:extLst>
+              </p:cNvPr>
+              <p:cNvSpPr txBox="1"/>
+              <p:nvPr/>
+            </p:nvSpPr>
+            <p:spPr>
+              <a:xfrm>
+                <a:off x="4229344" y="2656940"/>
+                <a:ext cx="347980" cy="338554"/>
+              </a:xfrm>
+              <a:prstGeom prst="rect">
+                <a:avLst/>
+              </a:prstGeom>
+              <a:noFill/>
+            </p:spPr>
+            <p:txBody>
+              <a:bodyPr wrap="square" rtlCol="0">
+                <a:spAutoFit/>
+              </a:bodyPr>
+              <a:lstStyle/>
+              <a:p>
+                <a:pPr/>
+                <a14:m>
+                  <m:oMathPara xmlns:m="http://schemas.openxmlformats.org/officeDocument/2006/math">
+                    <m:oMathParaPr>
+                      <m:jc m:val="centerGroup"/>
+                    </m:oMathParaPr>
+                    <m:oMath xmlns:m="http://schemas.openxmlformats.org/officeDocument/2006/math">
+                      <m:r>
+                        <a:rPr lang="en-US" sz="1600" b="0" i="1" smtClean="0">
+                          <a:latin typeface="Cambria Math" panose="02040503050406030204" pitchFamily="18" charset="0"/>
+                          <a:ea typeface="Cambria Math" panose="02040503050406030204" pitchFamily="18" charset="0"/>
+                        </a:rPr>
+                        <m:t>𝐵</m:t>
+                      </m:r>
+                    </m:oMath>
+                  </m:oMathPara>
+                </a14:m>
+                <a:endParaRPr lang="en-US" dirty="0"/>
+              </a:p>
+            </p:txBody>
+          </p:sp>
+        </mc:Choice>
+        <mc:Fallback xmlns="">
+          <p:sp>
+            <p:nvSpPr>
+              <p:cNvPr id="33" name="TextBox 32">
+                <a:extLst>
+                  <a:ext uri="{FF2B5EF4-FFF2-40B4-BE49-F238E27FC236}">
+                    <a16:creationId xmlns:a16="http://schemas.microsoft.com/office/drawing/2014/main" id="{DDFFBF0E-8BC9-33C1-4C04-740D950BBD8A}"/>
+                  </a:ext>
+                </a:extLst>
+              </p:cNvPr>
+              <p:cNvSpPr txBox="1">
+                <a:spLocks noRot="1" noChangeAspect="1" noMove="1" noResize="1" noEditPoints="1" noAdjustHandles="1" noChangeArrowheads="1" noChangeShapeType="1" noTextEdit="1"/>
+              </p:cNvSpPr>
+              <p:nvPr/>
+            </p:nvSpPr>
+            <p:spPr>
+              <a:xfrm>
+                <a:off x="4229344" y="2656940"/>
+                <a:ext cx="347980" cy="338554"/>
+              </a:xfrm>
+              <a:prstGeom prst="rect">
+                <a:avLst/>
+              </a:prstGeom>
+              <a:blipFill>
+                <a:blip r:embed="rId12"/>
+                <a:stretch>
+                  <a:fillRect/>
+                </a:stretch>
+              </a:blipFill>
+            </p:spPr>
+            <p:txBody>
+              <a:bodyPr/>
+              <a:lstStyle/>
+              <a:p>
+                <a:r>
+                  <a:rPr lang="en-US">
+                    <a:noFill/>
+                  </a:rPr>
+                  <a:t> </a:t>
+                </a:r>
+              </a:p>
+            </p:txBody>
+          </p:sp>
+        </mc:Fallback>
+      </mc:AlternateContent>
+      <mc:AlternateContent xmlns:mc="http://schemas.openxmlformats.org/markup-compatibility/2006" xmlns:a14="http://schemas.microsoft.com/office/drawing/2010/main">
+        <mc:Choice Requires="a14">
+          <p:sp>
+            <p:nvSpPr>
+              <p:cNvPr id="34" name="TextBox 33">
+                <a:extLst>
+                  <a:ext uri="{FF2B5EF4-FFF2-40B4-BE49-F238E27FC236}">
+                    <a16:creationId xmlns:a16="http://schemas.microsoft.com/office/drawing/2014/main" id="{CD2382B2-84B0-CC00-7140-F7DE12C7C51C}"/>
+                  </a:ext>
+                </a:extLst>
+              </p:cNvPr>
+              <p:cNvSpPr txBox="1"/>
+              <p:nvPr/>
+            </p:nvSpPr>
+            <p:spPr>
+              <a:xfrm>
+                <a:off x="5305891" y="4606288"/>
+                <a:ext cx="347980" cy="338554"/>
+              </a:xfrm>
+              <a:prstGeom prst="rect">
+                <a:avLst/>
+              </a:prstGeom>
+              <a:noFill/>
+            </p:spPr>
+            <p:txBody>
+              <a:bodyPr wrap="square" rtlCol="0">
+                <a:spAutoFit/>
+              </a:bodyPr>
+              <a:lstStyle/>
+              <a:p>
+                <a:pPr/>
+                <a14:m>
+                  <m:oMathPara xmlns:m="http://schemas.openxmlformats.org/officeDocument/2006/math">
+                    <m:oMathParaPr>
+                      <m:jc m:val="centerGroup"/>
+                    </m:oMathParaPr>
+                    <m:oMath xmlns:m="http://schemas.openxmlformats.org/officeDocument/2006/math">
+                      <m:r>
+                        <a:rPr lang="en-US" sz="1600" b="0" i="1" smtClean="0">
+                          <a:latin typeface="Cambria Math" panose="02040503050406030204" pitchFamily="18" charset="0"/>
+                          <a:ea typeface="Cambria Math" panose="02040503050406030204" pitchFamily="18" charset="0"/>
+                        </a:rPr>
+                        <m:t>𝐶</m:t>
+                      </m:r>
+                    </m:oMath>
+                  </m:oMathPara>
+                </a14:m>
+                <a:endParaRPr lang="en-US" dirty="0"/>
+              </a:p>
+            </p:txBody>
+          </p:sp>
+        </mc:Choice>
+        <mc:Fallback xmlns="">
+          <p:sp>
+            <p:nvSpPr>
+              <p:cNvPr id="34" name="TextBox 33">
+                <a:extLst>
+                  <a:ext uri="{FF2B5EF4-FFF2-40B4-BE49-F238E27FC236}">
+                    <a16:creationId xmlns:a16="http://schemas.microsoft.com/office/drawing/2014/main" id="{CD2382B2-84B0-CC00-7140-F7DE12C7C51C}"/>
+                  </a:ext>
+                </a:extLst>
+              </p:cNvPr>
+              <p:cNvSpPr txBox="1">
+                <a:spLocks noRot="1" noChangeAspect="1" noMove="1" noResize="1" noEditPoints="1" noAdjustHandles="1" noChangeArrowheads="1" noChangeShapeType="1" noTextEdit="1"/>
+              </p:cNvSpPr>
+              <p:nvPr/>
+            </p:nvSpPr>
+            <p:spPr>
+              <a:xfrm>
+                <a:off x="5305891" y="4606288"/>
+                <a:ext cx="347980" cy="338554"/>
+              </a:xfrm>
+              <a:prstGeom prst="rect">
+                <a:avLst/>
+              </a:prstGeom>
+              <a:blipFill>
+                <a:blip r:embed="rId13"/>
+                <a:stretch>
+                  <a:fillRect/>
+                </a:stretch>
+              </a:blipFill>
+            </p:spPr>
+            <p:txBody>
+              <a:bodyPr/>
+              <a:lstStyle/>
+              <a:p>
+                <a:r>
+                  <a:rPr lang="en-US">
+                    <a:noFill/>
+                  </a:rPr>
+                  <a:t> </a:t>
+                </a:r>
+              </a:p>
+            </p:txBody>
+          </p:sp>
+        </mc:Fallback>
+      </mc:AlternateContent>
+      <mc:AlternateContent xmlns:mc="http://schemas.openxmlformats.org/markup-compatibility/2006" xmlns:a14="http://schemas.microsoft.com/office/drawing/2010/main">
+        <mc:Choice Requires="a14">
+          <p:sp>
+            <p:nvSpPr>
+              <p:cNvPr id="35" name="TextBox 34">
+                <a:extLst>
+                  <a:ext uri="{FF2B5EF4-FFF2-40B4-BE49-F238E27FC236}">
+                    <a16:creationId xmlns:a16="http://schemas.microsoft.com/office/drawing/2014/main" id="{C48D3F48-C36A-C0A0-7BCD-7EE617DADCC6}"/>
+                  </a:ext>
+                </a:extLst>
+              </p:cNvPr>
+              <p:cNvSpPr txBox="1"/>
+              <p:nvPr/>
+            </p:nvSpPr>
+            <p:spPr>
+              <a:xfrm>
+                <a:off x="4179863" y="4608294"/>
+                <a:ext cx="347980" cy="338554"/>
+              </a:xfrm>
+              <a:prstGeom prst="rect">
+                <a:avLst/>
+              </a:prstGeom>
+              <a:noFill/>
+            </p:spPr>
+            <p:txBody>
+              <a:bodyPr wrap="square" rtlCol="0">
+                <a:spAutoFit/>
+              </a:bodyPr>
+              <a:lstStyle/>
+              <a:p>
+                <a:pPr/>
+                <a14:m>
+                  <m:oMathPara xmlns:m="http://schemas.openxmlformats.org/officeDocument/2006/math">
+                    <m:oMathParaPr>
+                      <m:jc m:val="centerGroup"/>
+                    </m:oMathParaPr>
+                    <m:oMath xmlns:m="http://schemas.openxmlformats.org/officeDocument/2006/math">
+                      <m:r>
+                        <a:rPr lang="en-US" sz="1600" b="0" i="1" smtClean="0">
+                          <a:latin typeface="Cambria Math" panose="02040503050406030204" pitchFamily="18" charset="0"/>
+                          <a:ea typeface="Cambria Math" panose="02040503050406030204" pitchFamily="18" charset="0"/>
+                        </a:rPr>
+                        <m:t>𝐷</m:t>
+                      </m:r>
+                    </m:oMath>
+                  </m:oMathPara>
+                </a14:m>
+                <a:endParaRPr lang="en-US" dirty="0"/>
+              </a:p>
+            </p:txBody>
+          </p:sp>
+        </mc:Choice>
+        <mc:Fallback xmlns="">
+          <p:sp>
+            <p:nvSpPr>
+              <p:cNvPr id="35" name="TextBox 34">
+                <a:extLst>
+                  <a:ext uri="{FF2B5EF4-FFF2-40B4-BE49-F238E27FC236}">
+                    <a16:creationId xmlns:a16="http://schemas.microsoft.com/office/drawing/2014/main" id="{C48D3F48-C36A-C0A0-7BCD-7EE617DADCC6}"/>
+                  </a:ext>
+                </a:extLst>
+              </p:cNvPr>
+              <p:cNvSpPr txBox="1">
+                <a:spLocks noRot="1" noChangeAspect="1" noMove="1" noResize="1" noEditPoints="1" noAdjustHandles="1" noChangeArrowheads="1" noChangeShapeType="1" noTextEdit="1"/>
+              </p:cNvSpPr>
+              <p:nvPr/>
+            </p:nvSpPr>
+            <p:spPr>
+              <a:xfrm>
+                <a:off x="4179863" y="4608294"/>
+                <a:ext cx="347980" cy="338554"/>
+              </a:xfrm>
+              <a:prstGeom prst="rect">
+                <a:avLst/>
+              </a:prstGeom>
+              <a:blipFill>
+                <a:blip r:embed="rId14"/>
+                <a:stretch>
+                  <a:fillRect/>
+                </a:stretch>
+              </a:blipFill>
+            </p:spPr>
+            <p:txBody>
+              <a:bodyPr/>
+              <a:lstStyle/>
+              <a:p>
+                <a:r>
+                  <a:rPr lang="en-US">
+                    <a:noFill/>
+                  </a:rPr>
+                  <a:t> </a:t>
+                </a:r>
+              </a:p>
+            </p:txBody>
+          </p:sp>
+        </mc:Fallback>
+      </mc:AlternateContent>
+    </p:spTree>
+    <p:extLst>
+      <p:ext uri="{BB962C8B-B14F-4D97-AF65-F5344CB8AC3E}">
+        <p14:creationId xmlns:p14="http://schemas.microsoft.com/office/powerpoint/2010/main" val="1762431884"/>
+      </p:ext>
+    </p:extLst>
+  </p:cSld>
+  <p:clrMapOvr>
+    <a:masterClrMapping/>
+  </p:clrMapOvr>
+</p:sld>
+</file>
+
+<file path=ppt/slides/slide8.xml><?xml version="1.0" encoding="utf-8"?>
+<p:sld xmlns:a="http://schemas.openxmlformats.org/drawingml/2006/main" xmlns:r="http://schemas.openxmlformats.org/officeDocument/2006/relationships" xmlns:p="http://schemas.openxmlformats.org/presentationml/2006/main">
+  <p:cSld>
+    <p:spTree>
+      <p:nvGrpSpPr>
+        <p:cNvPr id="1" name=""/>
+        <p:cNvGrpSpPr/>
+        <p:nvPr/>
+      </p:nvGrpSpPr>
+      <p:grpSpPr>
+        <a:xfrm>
+          <a:off x="0" y="0"/>
+          <a:ext cx="0" cy="0"/>
+          <a:chOff x="0" y="0"/>
+          <a:chExt cx="0" cy="0"/>
+        </a:xfrm>
+      </p:grpSpPr>
+      <p:sp>
+        <p:nvSpPr>
+          <p:cNvPr id="5" name="Rectangle 4">
+            <a:extLst>
+              <a:ext uri="{FF2B5EF4-FFF2-40B4-BE49-F238E27FC236}">
+                <a16:creationId xmlns:a16="http://schemas.microsoft.com/office/drawing/2014/main" id="{A76CA2E0-ED36-B66C-43BF-EE6C62A61EE3}"/>
+              </a:ext>
+            </a:extLst>
+          </p:cNvPr>
+          <p:cNvSpPr/>
+          <p:nvPr/>
+        </p:nvSpPr>
+        <p:spPr>
+          <a:xfrm rot="3608734">
+            <a:off x="5276055" y="3349869"/>
+            <a:ext cx="184897" cy="183629"/>
+          </a:xfrm>
+          <a:custGeom>
+            <a:avLst/>
+            <a:gdLst>
+              <a:gd name="connsiteX0" fmla="*/ 0 w 183629"/>
+              <a:gd name="connsiteY0" fmla="*/ 0 h 183629"/>
+              <a:gd name="connsiteX1" fmla="*/ 183629 w 183629"/>
+              <a:gd name="connsiteY1" fmla="*/ 0 h 183629"/>
+              <a:gd name="connsiteX2" fmla="*/ 183629 w 183629"/>
+              <a:gd name="connsiteY2" fmla="*/ 183629 h 183629"/>
+              <a:gd name="connsiteX3" fmla="*/ 0 w 183629"/>
+              <a:gd name="connsiteY3" fmla="*/ 183629 h 183629"/>
+              <a:gd name="connsiteX4" fmla="*/ 0 w 183629"/>
+              <a:gd name="connsiteY4" fmla="*/ 0 h 183629"/>
+              <a:gd name="connsiteX0" fmla="*/ 189151 w 189151"/>
+              <a:gd name="connsiteY0" fmla="*/ 183248 h 183629"/>
+              <a:gd name="connsiteX1" fmla="*/ 183629 w 189151"/>
+              <a:gd name="connsiteY1" fmla="*/ 0 h 183629"/>
+              <a:gd name="connsiteX2" fmla="*/ 183629 w 189151"/>
+              <a:gd name="connsiteY2" fmla="*/ 183629 h 183629"/>
+              <a:gd name="connsiteX3" fmla="*/ 0 w 189151"/>
+              <a:gd name="connsiteY3" fmla="*/ 183629 h 183629"/>
+              <a:gd name="connsiteX4" fmla="*/ 189151 w 189151"/>
+              <a:gd name="connsiteY4" fmla="*/ 183248 h 183629"/>
+              <a:gd name="connsiteX0" fmla="*/ 115320 w 183629"/>
+              <a:gd name="connsiteY0" fmla="*/ 116710 h 183629"/>
+              <a:gd name="connsiteX1" fmla="*/ 183629 w 183629"/>
+              <a:gd name="connsiteY1" fmla="*/ 0 h 183629"/>
+              <a:gd name="connsiteX2" fmla="*/ 183629 w 183629"/>
+              <a:gd name="connsiteY2" fmla="*/ 183629 h 183629"/>
+              <a:gd name="connsiteX3" fmla="*/ 0 w 183629"/>
+              <a:gd name="connsiteY3" fmla="*/ 183629 h 183629"/>
+              <a:gd name="connsiteX4" fmla="*/ 115320 w 183629"/>
+              <a:gd name="connsiteY4" fmla="*/ 116710 h 183629"/>
+              <a:gd name="connsiteX0" fmla="*/ 178992 w 183629"/>
+              <a:gd name="connsiteY0" fmla="*/ 181810 h 183629"/>
+              <a:gd name="connsiteX1" fmla="*/ 183629 w 183629"/>
+              <a:gd name="connsiteY1" fmla="*/ 0 h 183629"/>
+              <a:gd name="connsiteX2" fmla="*/ 183629 w 183629"/>
+              <a:gd name="connsiteY2" fmla="*/ 183629 h 183629"/>
+              <a:gd name="connsiteX3" fmla="*/ 0 w 183629"/>
+              <a:gd name="connsiteY3" fmla="*/ 183629 h 183629"/>
+              <a:gd name="connsiteX4" fmla="*/ 178992 w 183629"/>
+              <a:gd name="connsiteY4" fmla="*/ 181810 h 183629"/>
+              <a:gd name="connsiteX0" fmla="*/ 184897 w 184897"/>
+              <a:gd name="connsiteY0" fmla="*/ 183003 h 183629"/>
+              <a:gd name="connsiteX1" fmla="*/ 183629 w 184897"/>
+              <a:gd name="connsiteY1" fmla="*/ 0 h 183629"/>
+              <a:gd name="connsiteX2" fmla="*/ 183629 w 184897"/>
+              <a:gd name="connsiteY2" fmla="*/ 183629 h 183629"/>
+              <a:gd name="connsiteX3" fmla="*/ 0 w 184897"/>
+              <a:gd name="connsiteY3" fmla="*/ 183629 h 183629"/>
+              <a:gd name="connsiteX4" fmla="*/ 184897 w 184897"/>
+              <a:gd name="connsiteY4" fmla="*/ 183003 h 183629"/>
+            </a:gdLst>
+            <a:ahLst/>
+            <a:cxnLst>
+              <a:cxn ang="0">
+                <a:pos x="connsiteX0" y="connsiteY0"/>
+              </a:cxn>
+              <a:cxn ang="0">
+                <a:pos x="connsiteX1" y="connsiteY1"/>
+              </a:cxn>
+              <a:cxn ang="0">
+                <a:pos x="connsiteX2" y="connsiteY2"/>
+              </a:cxn>
+              <a:cxn ang="0">
+                <a:pos x="connsiteX3" y="connsiteY3"/>
+              </a:cxn>
+              <a:cxn ang="0">
+                <a:pos x="connsiteX4" y="connsiteY4"/>
+              </a:cxn>
+            </a:cxnLst>
+            <a:rect l="l" t="t" r="r" b="b"/>
+            <a:pathLst>
+              <a:path w="184897" h="183629">
+                <a:moveTo>
+                  <a:pt x="184897" y="183003"/>
+                </a:moveTo>
+                <a:cubicBezTo>
+                  <a:pt x="184474" y="122002"/>
+                  <a:pt x="184052" y="61001"/>
+                  <a:pt x="183629" y="0"/>
+                </a:cubicBezTo>
+                <a:lnTo>
+                  <a:pt x="183629" y="183629"/>
+                </a:lnTo>
+                <a:lnTo>
+                  <a:pt x="0" y="183629"/>
+                </a:lnTo>
+                <a:lnTo>
+                  <a:pt x="184897" y="183003"/>
+                </a:lnTo>
+                <a:close/>
+              </a:path>
+            </a:pathLst>
+          </a:custGeom>
+          <a:noFill/>
+          <a:ln w="25400" cap="rnd">
+            <a:solidFill>
+              <a:schemeClr val="tx1"/>
+            </a:solidFill>
+            <a:round/>
+          </a:ln>
+        </p:spPr>
+        <p:style>
+          <a:lnRef idx="2">
+            <a:schemeClr val="accent1">
+              <a:shade val="15000"/>
+            </a:schemeClr>
+          </a:lnRef>
+          <a:fillRef idx="1">
+            <a:schemeClr val="accent1"/>
+          </a:fillRef>
+          <a:effectRef idx="0">
+            <a:schemeClr val="accent1"/>
+          </a:effectRef>
+          <a:fontRef idx="minor">
+            <a:schemeClr val="lt1"/>
+          </a:fontRef>
+        </p:style>
+        <p:txBody>
+          <a:bodyPr rtlCol="0" anchor="ctr"/>
+          <a:lstStyle/>
+          <a:p>
+            <a:pPr algn="ctr"/>
+            <a:endParaRPr lang="en-US"/>
+          </a:p>
+        </p:txBody>
+      </p:sp>
+      <p:grpSp>
+        <p:nvGrpSpPr>
+          <p:cNvPr id="7" name="Group 6"/>
+          <p:cNvGrpSpPr/>
+          <p:nvPr/>
+        </p:nvGrpSpPr>
+        <p:grpSpPr>
+          <a:xfrm>
+            <a:off x="3163748" y="2438805"/>
+            <a:ext cx="3122762" cy="2165522"/>
+            <a:chOff x="3081313" y="2441586"/>
+            <a:chExt cx="3122762" cy="2165522"/>
+          </a:xfrm>
+        </p:grpSpPr>
+        <p:cxnSp>
+          <p:nvCxnSpPr>
+            <p:cNvPr id="8" name="Straight Arrow Connector 7"/>
+            <p:cNvCxnSpPr/>
+            <p:nvPr/>
+          </p:nvCxnSpPr>
+          <p:spPr>
+            <a:xfrm>
+              <a:off x="4848024" y="2534949"/>
+              <a:ext cx="1168037" cy="1955803"/>
+            </a:xfrm>
+            <a:prstGeom prst="straightConnector1">
+              <a:avLst/>
+            </a:prstGeom>
+            <a:ln w="38100" cap="sq">
+              <a:solidFill>
+                <a:srgbClr val="C00000"/>
+              </a:solidFill>
+              <a:prstDash val="solid"/>
+              <a:headEnd type="triangle" w="med" len="lg"/>
+              <a:tailEnd type="triangle" w="med" len="lg"/>
+            </a:ln>
+          </p:spPr>
+          <p:style>
+            <a:lnRef idx="1">
+              <a:schemeClr val="accent1"/>
+            </a:lnRef>
+            <a:fillRef idx="0">
+              <a:schemeClr val="accent1"/>
+            </a:fillRef>
+            <a:effectRef idx="0">
+              <a:schemeClr val="accent1"/>
+            </a:effectRef>
+            <a:fontRef idx="minor">
+              <a:schemeClr val="tx1"/>
+            </a:fontRef>
+          </p:style>
+        </p:cxnSp>
+        <p:cxnSp>
+          <p:nvCxnSpPr>
+            <p:cNvPr id="9" name="Straight Arrow Connector 8"/>
+            <p:cNvCxnSpPr/>
+            <p:nvPr/>
+          </p:nvCxnSpPr>
+          <p:spPr>
+            <a:xfrm flipV="1">
+              <a:off x="3156075" y="2778307"/>
+              <a:ext cx="3048000" cy="1828801"/>
+            </a:xfrm>
+            <a:prstGeom prst="straightConnector1">
+              <a:avLst/>
+            </a:prstGeom>
+            <a:ln w="38100" cap="rnd">
+              <a:solidFill>
+                <a:schemeClr val="tx1"/>
+              </a:solidFill>
+              <a:prstDash val="solid"/>
+              <a:headEnd type="triangle" w="med" len="lg"/>
+              <a:tailEnd type="triangle" w="med" len="lg"/>
+            </a:ln>
+          </p:spPr>
+          <p:style>
+            <a:lnRef idx="1">
+              <a:schemeClr val="accent1"/>
+            </a:lnRef>
+            <a:fillRef idx="0">
+              <a:schemeClr val="accent1"/>
+            </a:fillRef>
+            <a:effectRef idx="0">
+              <a:schemeClr val="accent1"/>
+            </a:effectRef>
+            <a:fontRef idx="minor">
+              <a:schemeClr val="tx1"/>
+            </a:fontRef>
+          </p:style>
+        </p:cxnSp>
+        <mc:AlternateContent xmlns:mc="http://schemas.openxmlformats.org/markup-compatibility/2006">
+          <mc:Choice xmlns:a14="http://schemas.microsoft.com/office/drawing/2010/main" Requires="a14">
+            <p:sp>
+              <p:nvSpPr>
+                <p:cNvPr id="10" name="TextBox 9"/>
+                <p:cNvSpPr txBox="1"/>
+                <p:nvPr/>
+              </p:nvSpPr>
+              <p:spPr>
+                <a:xfrm rot="19752525">
+                  <a:off x="3081313" y="3679358"/>
+                  <a:ext cx="1828800" cy="369332"/>
+                </a:xfrm>
+                <a:prstGeom prst="rect">
+                  <a:avLst/>
+                </a:prstGeom>
+                <a:noFill/>
+              </p:spPr>
+              <p:txBody>
+                <a:bodyPr wrap="square" rtlCol="0">
+                  <a:spAutoFit/>
+                </a:bodyPr>
+                <a:lstStyle/>
+                <a:p>
+                  <a:pPr/>
+                  <a14:m>
+                    <m:oMathPara xmlns:m="http://schemas.openxmlformats.org/officeDocument/2006/math">
+                      <m:oMathParaPr>
+                        <m:jc m:val="centerGroup"/>
+                      </m:oMathParaPr>
+                      <m:oMath xmlns:m="http://schemas.openxmlformats.org/officeDocument/2006/math">
+                        <m:r>
+                          <a:rPr lang="en-US" b="0" i="1" smtClean="0">
+                            <a:latin typeface="Cambria Math" panose="02040503050406030204" pitchFamily="18" charset="0"/>
+                          </a:rPr>
+                          <m:t>𝑦</m:t>
+                        </m:r>
+                        <m:r>
+                          <a:rPr lang="en-US" b="0" i="1" smtClean="0">
+                            <a:latin typeface="Cambria Math" panose="02040503050406030204" pitchFamily="18" charset="0"/>
+                          </a:rPr>
+                          <m:t>=</m:t>
+                        </m:r>
+                        <m:r>
+                          <a:rPr lang="en-US" b="0" i="1" smtClean="0">
+                            <a:latin typeface="Cambria Math" panose="02040503050406030204" pitchFamily="18" charset="0"/>
+                          </a:rPr>
+                          <m:t>𝑚𝑥</m:t>
+                        </m:r>
+                        <m:r>
+                          <a:rPr lang="en-US" b="0" i="1" smtClean="0">
+                            <a:latin typeface="Cambria Math" panose="02040503050406030204" pitchFamily="18" charset="0"/>
+                          </a:rPr>
+                          <m:t>+</m:t>
+                        </m:r>
+                        <m:sSub>
+                          <m:sSubPr>
+                            <m:ctrlPr>
+                              <a:rPr lang="en-US" b="0" i="1" smtClean="0">
+                                <a:latin typeface="Cambria Math" panose="02040503050406030204" pitchFamily="18" charset="0"/>
+                              </a:rPr>
+                            </m:ctrlPr>
+                          </m:sSubPr>
+                          <m:e>
+                            <m:r>
+                              <a:rPr lang="en-US" b="0" i="1" smtClean="0">
+                                <a:latin typeface="Cambria Math" panose="02040503050406030204" pitchFamily="18" charset="0"/>
+                              </a:rPr>
+                              <m:t>𝑐</m:t>
+                            </m:r>
+                          </m:e>
+                          <m:sub>
+                            <m:r>
+                              <a:rPr lang="en-US" b="0" i="1" smtClean="0">
+                                <a:latin typeface="Cambria Math" panose="02040503050406030204" pitchFamily="18" charset="0"/>
+                              </a:rPr>
+                              <m:t>0</m:t>
+                            </m:r>
+                          </m:sub>
+                        </m:sSub>
+                      </m:oMath>
+                    </m:oMathPara>
+                  </a14:m>
+                  <a:endParaRPr lang="en-US" dirty="0"/>
+                </a:p>
+              </p:txBody>
+            </p:sp>
+          </mc:Choice>
+          <mc:Fallback>
+            <p:sp>
+              <p:nvSpPr>
                 <p:cNvPr id="10" name="TextBox 9"/>
                 <p:cNvSpPr txBox="1">
                   <a:spLocks noRot="1" noChangeAspect="1" noMove="1" noResize="1" noEditPoints="1" noAdjustHandles="1" noChangeArrowheads="1" noChangeShapeType="1" noTextEdit="1"/>
@@ -9247,7 +11470,7 @@
                 <a:prstGeom prst="rect">
                   <a:avLst/>
                 </a:prstGeom>
-                <a:blipFill rotWithShape="0">
+                <a:blipFill>
                   <a:blip r:embed="rId2"/>
                   <a:stretch>
                     <a:fillRect/>
@@ -9327,8 +11550,8 @@
               </p:nvSpPr>
               <p:spPr>
                 <a:xfrm>
-                  <a:off x="3621858" y="2060552"/>
-                  <a:ext cx="1828800" cy="449354"/>
+                  <a:off x="3216707" y="2441586"/>
+                  <a:ext cx="1828800" cy="416524"/>
                 </a:xfrm>
                 <a:prstGeom prst="rect">
                   <a:avLst/>
@@ -9351,9 +11574,7 @@
                         <m:r>
                           <a:rPr lang="en-US" b="0" i="1" smtClean="0">
                             <a:solidFill>
-                              <a:schemeClr val="bg1">
-                                <a:lumMod val="65000"/>
-                              </a:schemeClr>
+                              <a:srgbClr val="C00000"/>
                             </a:solidFill>
                             <a:latin typeface="Cambria Math" panose="02040503050406030204" pitchFamily="18" charset="0"/>
                           </a:rPr>
@@ -9362,9 +11583,7 @@
                         <m:r>
                           <a:rPr lang="en-US" b="0" i="1" smtClean="0">
                             <a:solidFill>
-                              <a:schemeClr val="bg1">
-                                <a:lumMod val="65000"/>
-                              </a:schemeClr>
+                              <a:srgbClr val="C00000"/>
                             </a:solidFill>
                             <a:latin typeface="Cambria Math" panose="02040503050406030204" pitchFamily="18" charset="0"/>
                           </a:rPr>
@@ -9375,9 +11594,7 @@
                             <m:ctrlPr>
                               <a:rPr lang="en-US" b="0" i="1" smtClean="0">
                                 <a:solidFill>
-                                  <a:schemeClr val="bg1">
-                                    <a:lumMod val="65000"/>
-                                  </a:schemeClr>
+                                  <a:srgbClr val="C00000"/>
                                 </a:solidFill>
                                 <a:latin typeface="Cambria Math" panose="02040503050406030204" pitchFamily="18" charset="0"/>
                               </a:rPr>
@@ -9392,9 +11609,7 @@
                                 <m:ctrlPr>
                                   <a:rPr lang="en-US" b="0" i="1" smtClean="0">
                                     <a:solidFill>
-                                      <a:schemeClr val="bg1">
-                                        <a:lumMod val="65000"/>
-                                      </a:schemeClr>
+                                      <a:srgbClr val="C00000"/>
                                     </a:solidFill>
                                     <a:latin typeface="Cambria Math" panose="02040503050406030204" pitchFamily="18" charset="0"/>
                                   </a:rPr>
@@ -9404,67 +11619,23 @@
                                 <m:r>
                                   <a:rPr lang="en-US" b="0" i="1" smtClean="0">
                                     <a:solidFill>
-                                      <a:schemeClr val="bg1">
-                                        <a:lumMod val="65000"/>
-                                      </a:schemeClr>
+                                      <a:srgbClr val="C00000"/>
                                     </a:solidFill>
                                     <a:latin typeface="Cambria Math" panose="02040503050406030204" pitchFamily="18" charset="0"/>
                                   </a:rPr>
-                                  <m:t>−</m:t>
+                                  <m:t>−1</m:t>
                                 </m:r>
+                              </m:num>
+                              <m:den>
                                 <m:r>
                                   <a:rPr lang="en-US" b="0" i="1" smtClean="0">
                                     <a:solidFill>
-                                      <a:schemeClr val="bg1">
-                                        <a:lumMod val="65000"/>
-                                      </a:schemeClr>
+                                      <a:srgbClr val="C00000"/>
                                     </a:solidFill>
                                     <a:latin typeface="Cambria Math" panose="02040503050406030204" pitchFamily="18" charset="0"/>
                                   </a:rPr>
-                                  <m:t>1</m:t>
+                                  <m:t>𝑚</m:t>
                                 </m:r>
-                              </m:num>
-                              <m:den>
-                                <m:sSub>
-                                  <m:sSubPr>
-                                    <m:ctrlPr>
-                                      <a:rPr lang="en-US" i="1">
-                                        <a:solidFill>
-                                          <a:schemeClr val="bg1">
-                                            <a:lumMod val="65000"/>
-                                          </a:schemeClr>
-                                        </a:solidFill>
-                                        <a:latin typeface="Cambria Math" panose="02040503050406030204" pitchFamily="18" charset="0"/>
-                                      </a:rPr>
-                                    </m:ctrlPr>
-                                  </m:sSubPr>
-                                  <m:e>
-                                    <m:r>
-                                      <a:rPr lang="en-US" i="1">
-                                        <a:solidFill>
-                                          <a:schemeClr val="bg1">
-                                            <a:lumMod val="65000"/>
-                                          </a:schemeClr>
-                                        </a:solidFill>
-                                        <a:latin typeface="Cambria Math" panose="02040503050406030204" pitchFamily="18" charset="0"/>
-                                      </a:rPr>
-                                      <m:t>𝑚</m:t>
-                                    </m:r>
-                                  </m:e>
-                                  <m:sub>
-                                    <m:r>
-                                      <a:rPr lang="en-US" i="1">
-                                        <a:solidFill>
-                                          <a:schemeClr val="bg1">
-                                            <a:lumMod val="65000"/>
-                                          </a:schemeClr>
-                                        </a:solidFill>
-                                        <a:latin typeface="Cambria Math" panose="02040503050406030204" pitchFamily="18" charset="0"/>
-                                      </a:rPr>
-                                      <m:t>1</m:t>
-                                    </m:r>
-                                  </m:sub>
-                                </m:sSub>
                               </m:den>
                             </m:f>
                           </m:e>
@@ -9472,9 +11643,7 @@
                         <m:r>
                           <a:rPr lang="en-US" b="0" i="1" smtClean="0">
                             <a:solidFill>
-                              <a:schemeClr val="bg1">
-                                <a:lumMod val="65000"/>
-                              </a:schemeClr>
+                              <a:srgbClr val="C00000"/>
                             </a:solidFill>
                             <a:latin typeface="Cambria Math" panose="02040503050406030204" pitchFamily="18" charset="0"/>
                           </a:rPr>
@@ -9483,9 +11652,7 @@
                         <m:r>
                           <a:rPr lang="en-US" b="0" i="1" smtClean="0">
                             <a:solidFill>
-                              <a:schemeClr val="bg1">
-                                <a:lumMod val="65000"/>
-                              </a:schemeClr>
+                              <a:srgbClr val="C00000"/>
                             </a:solidFill>
                             <a:latin typeface="Cambria Math" panose="02040503050406030204" pitchFamily="18" charset="0"/>
                           </a:rPr>
@@ -9496,9 +11663,7 @@
                             <m:ctrlPr>
                               <a:rPr lang="en-US" b="0" i="1" smtClean="0">
                                 <a:solidFill>
-                                  <a:schemeClr val="bg1">
-                                    <a:lumMod val="65000"/>
-                                  </a:schemeClr>
+                                  <a:srgbClr val="C00000"/>
                                 </a:solidFill>
                                 <a:latin typeface="Cambria Math" panose="02040503050406030204" pitchFamily="18" charset="0"/>
                               </a:rPr>
@@ -9508,9 +11673,7 @@
                             <m:r>
                               <a:rPr lang="en-US" b="0" i="1" smtClean="0">
                                 <a:solidFill>
-                                  <a:schemeClr val="bg1">
-                                    <a:lumMod val="65000"/>
-                                  </a:schemeClr>
+                                  <a:srgbClr val="C00000"/>
                                 </a:solidFill>
                                 <a:latin typeface="Cambria Math" panose="02040503050406030204" pitchFamily="18" charset="0"/>
                               </a:rPr>
@@ -9521,9 +11684,7 @@
                             <m:r>
                               <a:rPr lang="en-US" b="0" i="1" smtClean="0">
                                 <a:solidFill>
-                                  <a:schemeClr val="bg1">
-                                    <a:lumMod val="65000"/>
-                                  </a:schemeClr>
+                                  <a:srgbClr val="C00000"/>
                                 </a:solidFill>
                                 <a:latin typeface="Cambria Math" panose="02040503050406030204" pitchFamily="18" charset="0"/>
                               </a:rPr>
@@ -9534,7 +11695,11 @@
                       </m:oMath>
                     </m:oMathPara>
                   </a14:m>
-                  <a:endParaRPr lang="en-US" dirty="0"/>
+                  <a:endParaRPr lang="en-US" dirty="0">
+                    <a:solidFill>
+                      <a:srgbClr val="C00000"/>
+                    </a:solidFill>
+                  </a:endParaRPr>
                 </a:p>
               </p:txBody>
             </p:sp>
@@ -9550,8 +11715,8 @@
               </p:nvSpPr>
               <p:spPr>
                 <a:xfrm>
-                  <a:off x="3621858" y="2060552"/>
-                  <a:ext cx="1828800" cy="449354"/>
+                  <a:off x="3216707" y="2441586"/>
+                  <a:ext cx="1828800" cy="416524"/>
                 </a:xfrm>
                 <a:prstGeom prst="rect">
                   <a:avLst/>
@@ -9559,7 +11724,7 @@
                 <a:blipFill>
                   <a:blip r:embed="rId3"/>
                   <a:stretch>
-                    <a:fillRect/>
+                    <a:fillRect b="-1471"/>
                   </a:stretch>
                 </a:blipFill>
               </p:spPr>
@@ -9588,7 +11753,7 @@
               </p:nvSpPr>
               <p:spPr>
                 <a:xfrm>
-                  <a:off x="5835028" y="3864024"/>
+                  <a:off x="5468336" y="4066610"/>
                   <a:ext cx="335280" cy="369332"/>
                 </a:xfrm>
                 <a:prstGeom prst="rect">
@@ -9656,7 +11821,7 @@
               </p:nvSpPr>
               <p:spPr>
                 <a:xfrm>
-                  <a:off x="5835028" y="3864024"/>
+                  <a:off x="5468336" y="4066610"/>
                   <a:ext cx="335280" cy="369332"/>
                 </a:xfrm>
                 <a:prstGeom prst="rect">
@@ -9665,7 +11830,7 @@
                 <a:blipFill>
                   <a:blip r:embed="rId4"/>
                   <a:stretch>
-                    <a:fillRect t="-22951" r="-27273" b="-6557"/>
+                    <a:fillRect t="-23333" r="-27273" b="-6667"/>
                   </a:stretch>
                 </a:blipFill>
               </p:spPr>
@@ -9699,11 +11864,11 @@
               <a:avLst/>
             </a:prstGeom>
             <a:solidFill>
-              <a:srgbClr val="FF0000"/>
+              <a:schemeClr val="tx1"/>
             </a:solidFill>
             <a:ln w="25400">
               <a:solidFill>
-                <a:srgbClr val="FF0000"/>
+                <a:schemeClr val="tx1"/>
               </a:solidFill>
             </a:ln>
           </p:spPr>
@@ -9733,6 +11898,249 @@
           </p:txBody>
         </p:sp>
       </p:grpSp>
+      <mc:AlternateContent xmlns:mc="http://schemas.openxmlformats.org/markup-compatibility/2006">
+        <mc:Choice xmlns:a14="http://schemas.microsoft.com/office/drawing/2010/main" Requires="a14">
+          <p:sp>
+            <p:nvSpPr>
+              <p:cNvPr id="2" name="TextBox 1">
+                <a:extLst>
+                  <a:ext uri="{FF2B5EF4-FFF2-40B4-BE49-F238E27FC236}">
+                    <a16:creationId xmlns:a16="http://schemas.microsoft.com/office/drawing/2014/main" id="{6BE2314F-F0BF-6A26-8D80-E9A2E97882A2}"/>
+                  </a:ext>
+                </a:extLst>
+              </p:cNvPr>
+              <p:cNvSpPr txBox="1"/>
+              <p:nvPr/>
+            </p:nvSpPr>
+            <p:spPr>
+              <a:xfrm>
+                <a:off x="6047787" y="2590860"/>
+                <a:ext cx="822465" cy="369332"/>
+              </a:xfrm>
+              <a:prstGeom prst="rect">
+                <a:avLst/>
+              </a:prstGeom>
+              <a:noFill/>
+            </p:spPr>
+            <p:txBody>
+              <a:bodyPr wrap="square" rtlCol="0">
+                <a:spAutoFit/>
+              </a:bodyPr>
+              <a:lstStyle/>
+              <a:p>
+                <a:pPr/>
+                <a14:m>
+                  <m:oMathPara xmlns:m="http://schemas.openxmlformats.org/officeDocument/2006/math">
+                    <m:oMathParaPr>
+                      <m:jc m:val="centerGroup"/>
+                    </m:oMathParaPr>
+                    <m:oMath xmlns:m="http://schemas.openxmlformats.org/officeDocument/2006/math">
+                      <m:sSub>
+                        <m:sSubPr>
+                          <m:ctrlPr>
+                            <a:rPr lang="en-US" b="0" i="1" smtClean="0">
+                              <a:latin typeface="Cambria Math" panose="02040503050406030204" pitchFamily="18" charset="0"/>
+                            </a:rPr>
+                          </m:ctrlPr>
+                        </m:sSubPr>
+                        <m:e>
+                          <m:r>
+                            <a:rPr lang="en-US" i="1">
+                              <a:latin typeface="Cambria Math" panose="02040503050406030204" pitchFamily="18" charset="0"/>
+                            </a:rPr>
+                            <m:t>𝐿</m:t>
+                          </m:r>
+                        </m:e>
+                        <m:sub>
+                          <m:r>
+                            <a:rPr lang="en-US" b="0" i="1" smtClean="0">
+                              <a:latin typeface="Cambria Math" panose="02040503050406030204" pitchFamily="18" charset="0"/>
+                            </a:rPr>
+                            <m:t>0</m:t>
+                          </m:r>
+                        </m:sub>
+                      </m:sSub>
+                    </m:oMath>
+                  </m:oMathPara>
+                </a14:m>
+                <a:endParaRPr lang="en-US" dirty="0"/>
+              </a:p>
+            </p:txBody>
+          </p:sp>
+        </mc:Choice>
+        <mc:Fallback>
+          <p:sp>
+            <p:nvSpPr>
+              <p:cNvPr id="2" name="TextBox 1">
+                <a:extLst>
+                  <a:ext uri="{FF2B5EF4-FFF2-40B4-BE49-F238E27FC236}">
+                    <a16:creationId xmlns:a16="http://schemas.microsoft.com/office/drawing/2014/main" id="{6BE2314F-F0BF-6A26-8D80-E9A2E97882A2}"/>
+                  </a:ext>
+                </a:extLst>
+              </p:cNvPr>
+              <p:cNvSpPr txBox="1">
+                <a:spLocks noRot="1" noChangeAspect="1" noMove="1" noResize="1" noEditPoints="1" noAdjustHandles="1" noChangeArrowheads="1" noChangeShapeType="1" noTextEdit="1"/>
+              </p:cNvSpPr>
+              <p:nvPr/>
+            </p:nvSpPr>
+            <p:spPr>
+              <a:xfrm>
+                <a:off x="6047787" y="2590860"/>
+                <a:ext cx="822465" cy="369332"/>
+              </a:xfrm>
+              <a:prstGeom prst="rect">
+                <a:avLst/>
+              </a:prstGeom>
+              <a:blipFill>
+                <a:blip r:embed="rId5"/>
+                <a:stretch>
+                  <a:fillRect/>
+                </a:stretch>
+              </a:blipFill>
+            </p:spPr>
+            <p:txBody>
+              <a:bodyPr/>
+              <a:lstStyle/>
+              <a:p>
+                <a:r>
+                  <a:rPr lang="en-US">
+                    <a:noFill/>
+                  </a:rPr>
+                  <a:t> </a:t>
+                </a:r>
+              </a:p>
+            </p:txBody>
+          </p:sp>
+        </mc:Fallback>
+      </mc:AlternateContent>
+      <mc:AlternateContent xmlns:mc="http://schemas.openxmlformats.org/markup-compatibility/2006">
+        <mc:Choice xmlns:a14="http://schemas.microsoft.com/office/drawing/2010/main" Requires="a14">
+          <p:sp>
+            <p:nvSpPr>
+              <p:cNvPr id="3" name="TextBox 2">
+                <a:extLst>
+                  <a:ext uri="{FF2B5EF4-FFF2-40B4-BE49-F238E27FC236}">
+                    <a16:creationId xmlns:a16="http://schemas.microsoft.com/office/drawing/2014/main" id="{F12AB6C0-E5B5-EA8C-385D-25FAAC95AFB8}"/>
+                  </a:ext>
+                </a:extLst>
+              </p:cNvPr>
+              <p:cNvSpPr txBox="1"/>
+              <p:nvPr/>
+            </p:nvSpPr>
+            <p:spPr>
+              <a:xfrm>
+                <a:off x="5886051" y="4244737"/>
+                <a:ext cx="822465" cy="369332"/>
+              </a:xfrm>
+              <a:prstGeom prst="rect">
+                <a:avLst/>
+              </a:prstGeom>
+              <a:noFill/>
+            </p:spPr>
+            <p:txBody>
+              <a:bodyPr wrap="square" rtlCol="0">
+                <a:spAutoFit/>
+              </a:bodyPr>
+              <a:lstStyle/>
+              <a:p>
+                <a:pPr/>
+                <a14:m>
+                  <m:oMathPara xmlns:m="http://schemas.openxmlformats.org/officeDocument/2006/math">
+                    <m:oMathParaPr>
+                      <m:jc m:val="centerGroup"/>
+                    </m:oMathParaPr>
+                    <m:oMath xmlns:m="http://schemas.openxmlformats.org/officeDocument/2006/math">
+                      <m:sSub>
+                        <m:sSubPr>
+                          <m:ctrlPr>
+                            <a:rPr lang="en-US" b="0" i="1" smtClean="0">
+                              <a:solidFill>
+                                <a:srgbClr val="C00000"/>
+                              </a:solidFill>
+                              <a:latin typeface="Cambria Math" panose="02040503050406030204" pitchFamily="18" charset="0"/>
+                            </a:rPr>
+                          </m:ctrlPr>
+                        </m:sSubPr>
+                        <m:e>
+                          <m:r>
+                            <a:rPr lang="en-US" i="1">
+                              <a:solidFill>
+                                <a:srgbClr val="C00000"/>
+                              </a:solidFill>
+                              <a:latin typeface="Cambria Math" panose="02040503050406030204" pitchFamily="18" charset="0"/>
+                            </a:rPr>
+                            <m:t>𝐿</m:t>
+                          </m:r>
+                        </m:e>
+                        <m:sub>
+                          <m:r>
+                            <a:rPr lang="en-US" b="0" i="1" smtClean="0">
+                              <a:solidFill>
+                                <a:srgbClr val="C00000"/>
+                              </a:solidFill>
+                              <a:latin typeface="Cambria Math" panose="02040503050406030204" pitchFamily="18" charset="0"/>
+                            </a:rPr>
+                            <m:t>1</m:t>
+                          </m:r>
+                        </m:sub>
+                      </m:sSub>
+                    </m:oMath>
+                  </m:oMathPara>
+                </a14:m>
+                <a:endParaRPr lang="en-US" dirty="0">
+                  <a:solidFill>
+                    <a:srgbClr val="C00000"/>
+                  </a:solidFill>
+                </a:endParaRPr>
+              </a:p>
+            </p:txBody>
+          </p:sp>
+        </mc:Choice>
+        <mc:Fallback>
+          <p:sp>
+            <p:nvSpPr>
+              <p:cNvPr id="3" name="TextBox 2">
+                <a:extLst>
+                  <a:ext uri="{FF2B5EF4-FFF2-40B4-BE49-F238E27FC236}">
+                    <a16:creationId xmlns:a16="http://schemas.microsoft.com/office/drawing/2014/main" id="{F12AB6C0-E5B5-EA8C-385D-25FAAC95AFB8}"/>
+                  </a:ext>
+                </a:extLst>
+              </p:cNvPr>
+              <p:cNvSpPr txBox="1">
+                <a:spLocks noRot="1" noChangeAspect="1" noMove="1" noResize="1" noEditPoints="1" noAdjustHandles="1" noChangeArrowheads="1" noChangeShapeType="1" noTextEdit="1"/>
+              </p:cNvSpPr>
+              <p:nvPr/>
+            </p:nvSpPr>
+            <p:spPr>
+              <a:xfrm>
+                <a:off x="5886051" y="4244737"/>
+                <a:ext cx="822465" cy="369332"/>
+              </a:xfrm>
+              <a:prstGeom prst="rect">
+                <a:avLst/>
+              </a:prstGeom>
+              <a:blipFill>
+                <a:blip r:embed="rId6"/>
+                <a:stretch>
+                  <a:fillRect/>
+                </a:stretch>
+              </a:blipFill>
+            </p:spPr>
+            <p:txBody>
+              <a:bodyPr/>
+              <a:lstStyle/>
+              <a:p>
+                <a:r>
+                  <a:rPr lang="en-US">
+                    <a:noFill/>
+                  </a:rPr>
+                  <a:t> </a:t>
+                </a:r>
+              </a:p>
+            </p:txBody>
+          </p:sp>
+        </mc:Fallback>
+      </mc:AlternateContent>
     </p:spTree>
     <p:extLst>
       <p:ext uri="{BB962C8B-B14F-4D97-AF65-F5344CB8AC3E}">

--- a/Doxygen/physics/2. Shapes Library/figures.pptx
+++ b/Doxygen/physics/2. Shapes Library/figures.pptx
@@ -6144,218 +6144,161 @@
           <a:chExt cx="0" cy="0"/>
         </a:xfrm>
       </p:grpSpPr>
-      <p:cxnSp>
-        <p:nvCxnSpPr>
-          <p:cNvPr id="17" name="Straight Connector 16"/>
-          <p:cNvCxnSpPr>
-            <a:cxnSpLocks/>
-          </p:cNvCxnSpPr>
+      <p:grpSp>
+        <p:nvGrpSpPr>
+          <p:cNvPr id="2" name="Group 1">
+            <a:extLst>
+              <a:ext uri="{FF2B5EF4-FFF2-40B4-BE49-F238E27FC236}">
+                <a16:creationId xmlns:a16="http://schemas.microsoft.com/office/drawing/2014/main" id="{FE0FF35E-9E95-62CB-83D0-3CE250141371}"/>
+              </a:ext>
+            </a:extLst>
+          </p:cNvPr>
+          <p:cNvGrpSpPr/>
           <p:nvPr/>
-        </p:nvCxnSpPr>
-        <p:spPr>
-          <a:xfrm flipV="1">
-            <a:off x="3276958" y="2302320"/>
-            <a:ext cx="1" cy="500536"/>
-          </a:xfrm>
-          <a:prstGeom prst="line">
-            <a:avLst/>
-          </a:prstGeom>
-          <a:ln w="19050">
-            <a:solidFill>
-              <a:schemeClr val="tx1"/>
-            </a:solidFill>
-            <a:headEnd type="none" w="med" len="lg"/>
-            <a:tailEnd type="arrow" w="med" len="lg"/>
-          </a:ln>
-        </p:spPr>
-        <p:style>
-          <a:lnRef idx="1">
-            <a:schemeClr val="accent1"/>
-          </a:lnRef>
-          <a:fillRef idx="0">
-            <a:schemeClr val="accent1"/>
-          </a:fillRef>
-          <a:effectRef idx="0">
-            <a:schemeClr val="accent1"/>
-          </a:effectRef>
-          <a:fontRef idx="minor">
-            <a:schemeClr val="tx1"/>
-          </a:fontRef>
-        </p:style>
-      </p:cxnSp>
-      <p:sp>
-        <p:nvSpPr>
-          <p:cNvPr id="7" name="Flowchart: Document 6"/>
-          <p:cNvSpPr/>
-          <p:nvPr/>
-        </p:nvSpPr>
-        <p:spPr>
+        </p:nvGrpSpPr>
+        <p:grpSpPr>
           <a:xfrm>
             <a:off x="2771150" y="1917710"/>
-            <a:ext cx="1011617" cy="411837"/>
+            <a:ext cx="2306658" cy="411837"/>
+            <a:chOff x="2771150" y="1917710"/>
+            <a:chExt cx="2306658" cy="411837"/>
           </a:xfrm>
-          <a:prstGeom prst="flowChartDocument">
-            <a:avLst/>
-          </a:prstGeom>
-          <a:solidFill>
-            <a:schemeClr val="accent4">
-              <a:lumMod val="40000"/>
-              <a:lumOff val="60000"/>
-            </a:schemeClr>
-          </a:solidFill>
-          <a:ln>
+        </p:grpSpPr>
+        <p:sp>
+          <p:nvSpPr>
+            <p:cNvPr id="7" name="Flowchart: Document 6"/>
+            <p:cNvSpPr/>
+            <p:nvPr/>
+          </p:nvSpPr>
+          <p:spPr>
+            <a:xfrm>
+              <a:off x="2771150" y="1917710"/>
+              <a:ext cx="1011617" cy="411837"/>
+            </a:xfrm>
+            <a:prstGeom prst="flowChartDocument">
+              <a:avLst/>
+            </a:prstGeom>
             <a:solidFill>
-              <a:schemeClr val="tx1"/>
+              <a:schemeClr val="accent4">
+                <a:lumMod val="40000"/>
+                <a:lumOff val="60000"/>
+              </a:schemeClr>
             </a:solidFill>
-          </a:ln>
-        </p:spPr>
-        <p:style>
-          <a:lnRef idx="2">
-            <a:schemeClr val="accent1">
-              <a:shade val="50000"/>
-            </a:schemeClr>
-          </a:lnRef>
-          <a:fillRef idx="1">
-            <a:schemeClr val="accent1"/>
-          </a:fillRef>
-          <a:effectRef idx="0">
-            <a:schemeClr val="accent1"/>
-          </a:effectRef>
-          <a:fontRef idx="minor">
-            <a:schemeClr val="lt1"/>
-          </a:fontRef>
-        </p:style>
-        <p:txBody>
-          <a:bodyPr rtlCol="0" anchor="ctr"/>
-          <a:lstStyle/>
-          <a:p>
-            <a:pPr algn="ctr"/>
-            <a:r>
-              <a:rPr lang="en-US" dirty="0">
+            <a:ln>
+              <a:solidFill>
+                <a:schemeClr val="tx1"/>
+              </a:solidFill>
+            </a:ln>
+          </p:spPr>
+          <p:style>
+            <a:lnRef idx="2">
+              <a:schemeClr val="accent1">
+                <a:shade val="50000"/>
+              </a:schemeClr>
+            </a:lnRef>
+            <a:fillRef idx="1">
+              <a:schemeClr val="accent1"/>
+            </a:fillRef>
+            <a:effectRef idx="0">
+              <a:schemeClr val="accent1"/>
+            </a:effectRef>
+            <a:fontRef idx="minor">
+              <a:schemeClr val="lt1"/>
+            </a:fontRef>
+          </p:style>
+          <p:txBody>
+            <a:bodyPr rtlCol="0" anchor="ctr"/>
+            <a:lstStyle/>
+            <a:p>
+              <a:pPr algn="ctr"/>
+              <a:r>
+                <a:rPr lang="en-US" dirty="0">
+                  <a:solidFill>
+                    <a:prstClr val="black"/>
+                  </a:solidFill>
+                  <a:latin typeface="Consolas" panose="020B0609020204030204" pitchFamily="49" charset="0"/>
+                  <a:cs typeface="Consolas" panose="020B0609020204030204" pitchFamily="49" charset="0"/>
+                </a:rPr>
+                <a:t>CShape</a:t>
+              </a:r>
+              <a:endParaRPr lang="en-US" sz="1600" dirty="0">
                 <a:solidFill>
                   <a:prstClr val="black"/>
                 </a:solidFill>
                 <a:latin typeface="Consolas" panose="020B0609020204030204" pitchFamily="49" charset="0"/>
                 <a:cs typeface="Consolas" panose="020B0609020204030204" pitchFamily="49" charset="0"/>
-              </a:rPr>
-              <a:t>CShape</a:t>
-            </a:r>
-            <a:endParaRPr lang="en-US" sz="1600" dirty="0">
+              </a:endParaRPr>
+            </a:p>
+          </p:txBody>
+        </p:sp>
+        <p:sp>
+          <p:nvSpPr>
+            <p:cNvPr id="74" name="Flowchart: Document 73"/>
+            <p:cNvSpPr/>
+            <p:nvPr/>
+          </p:nvSpPr>
+          <p:spPr>
+            <a:xfrm>
+              <a:off x="4066192" y="1917710"/>
+              <a:ext cx="1011616" cy="411837"/>
+            </a:xfrm>
+            <a:prstGeom prst="flowChartDocument">
+              <a:avLst/>
+            </a:prstGeom>
+            <a:solidFill>
+              <a:schemeClr val="accent4">
+                <a:lumMod val="40000"/>
+                <a:lumOff val="60000"/>
+              </a:schemeClr>
+            </a:solidFill>
+            <a:ln>
               <a:solidFill>
-                <a:prstClr val="black"/>
+                <a:schemeClr val="tx1"/>
               </a:solidFill>
-              <a:latin typeface="Consolas" panose="020B0609020204030204" pitchFamily="49" charset="0"/>
-              <a:cs typeface="Consolas" panose="020B0609020204030204" pitchFamily="49" charset="0"/>
-            </a:endParaRPr>
-          </a:p>
-        </p:txBody>
-      </p:sp>
-      <p:cxnSp>
-        <p:nvCxnSpPr>
-          <p:cNvPr id="71" name="Straight Connector 70"/>
-          <p:cNvCxnSpPr>
-            <a:cxnSpLocks/>
-          </p:cNvCxnSpPr>
-          <p:nvPr/>
-        </p:nvCxnSpPr>
-        <p:spPr>
-          <a:xfrm flipV="1">
-            <a:off x="3276958" y="3187466"/>
-            <a:ext cx="0" cy="498048"/>
-          </a:xfrm>
-          <a:prstGeom prst="line">
-            <a:avLst/>
-          </a:prstGeom>
-          <a:ln w="19050">
-            <a:solidFill>
-              <a:schemeClr val="tx1"/>
-            </a:solidFill>
-            <a:headEnd type="none" w="med" len="lg"/>
-            <a:tailEnd type="arrow" w="med" len="lg"/>
-          </a:ln>
-        </p:spPr>
-        <p:style>
-          <a:lnRef idx="1">
-            <a:schemeClr val="accent1"/>
-          </a:lnRef>
-          <a:fillRef idx="0">
-            <a:schemeClr val="accent1"/>
-          </a:fillRef>
-          <a:effectRef idx="0">
-            <a:schemeClr val="accent1"/>
-          </a:effectRef>
-          <a:fontRef idx="minor">
-            <a:schemeClr val="tx1"/>
-          </a:fontRef>
-        </p:style>
-      </p:cxnSp>
-      <p:sp>
-        <p:nvSpPr>
-          <p:cNvPr id="74" name="Flowchart: Document 73"/>
-          <p:cNvSpPr/>
-          <p:nvPr/>
-        </p:nvSpPr>
-        <p:spPr>
-          <a:xfrm>
-            <a:off x="2771150" y="2802856"/>
-            <a:ext cx="1011616" cy="411837"/>
-          </a:xfrm>
-          <a:prstGeom prst="flowChartDocument">
-            <a:avLst/>
-          </a:prstGeom>
-          <a:solidFill>
-            <a:schemeClr val="accent4">
-              <a:lumMod val="40000"/>
-              <a:lumOff val="60000"/>
-            </a:schemeClr>
-          </a:solidFill>
-          <a:ln>
-            <a:solidFill>
-              <a:schemeClr val="tx1"/>
-            </a:solidFill>
-          </a:ln>
-        </p:spPr>
-        <p:style>
-          <a:lnRef idx="2">
-            <a:schemeClr val="accent1">
-              <a:shade val="50000"/>
-            </a:schemeClr>
-          </a:lnRef>
-          <a:fillRef idx="1">
-            <a:schemeClr val="accent1"/>
-          </a:fillRef>
-          <a:effectRef idx="0">
-            <a:schemeClr val="accent1"/>
-          </a:effectRef>
-          <a:fontRef idx="minor">
-            <a:schemeClr val="lt1"/>
-          </a:fontRef>
-        </p:style>
-        <p:txBody>
-          <a:bodyPr rtlCol="0" anchor="ctr"/>
-          <a:lstStyle/>
-          <a:p>
-            <a:pPr algn="ctr"/>
-            <a:r>
-              <a:rPr lang="en-US" dirty="0">
+            </a:ln>
+          </p:spPr>
+          <p:style>
+            <a:lnRef idx="2">
+              <a:schemeClr val="accent1">
+                <a:shade val="50000"/>
+              </a:schemeClr>
+            </a:lnRef>
+            <a:fillRef idx="1">
+              <a:schemeClr val="accent1"/>
+            </a:fillRef>
+            <a:effectRef idx="0">
+              <a:schemeClr val="accent1"/>
+            </a:effectRef>
+            <a:fontRef idx="minor">
+              <a:schemeClr val="lt1"/>
+            </a:fontRef>
+          </p:style>
+          <p:txBody>
+            <a:bodyPr rtlCol="0" anchor="ctr"/>
+            <a:lstStyle/>
+            <a:p>
+              <a:pPr algn="ctr"/>
+              <a:r>
+                <a:rPr lang="en-US" dirty="0">
+                  <a:solidFill>
+                    <a:prstClr val="black"/>
+                  </a:solidFill>
+                  <a:latin typeface="Consolas" panose="020B0609020204030204" pitchFamily="49" charset="0"/>
+                  <a:cs typeface="Consolas" panose="020B0609020204030204" pitchFamily="49" charset="0"/>
+                </a:rPr>
+                <a:t>CLine</a:t>
+              </a:r>
+              <a:endParaRPr lang="en-US" sz="1600" dirty="0">
                 <a:solidFill>
                   <a:prstClr val="black"/>
                 </a:solidFill>
                 <a:latin typeface="Consolas" panose="020B0609020204030204" pitchFamily="49" charset="0"/>
                 <a:cs typeface="Consolas" panose="020B0609020204030204" pitchFamily="49" charset="0"/>
-              </a:rPr>
-              <a:t>CLine</a:t>
-            </a:r>
-            <a:endParaRPr lang="en-US" sz="1600" dirty="0">
-              <a:solidFill>
-                <a:prstClr val="black"/>
-              </a:solidFill>
-              <a:latin typeface="Consolas" panose="020B0609020204030204" pitchFamily="49" charset="0"/>
-              <a:cs typeface="Consolas" panose="020B0609020204030204" pitchFamily="49" charset="0"/>
-            </a:endParaRPr>
-          </a:p>
-        </p:txBody>
-      </p:sp>
+              </a:endParaRPr>
+            </a:p>
+          </p:txBody>
+        </p:sp>
+      </p:grpSp>
       <p:sp>
         <p:nvSpPr>
           <p:cNvPr id="75" name="Rectangle 74"/>
@@ -6364,7 +6307,7 @@
         </p:nvSpPr>
         <p:spPr>
           <a:xfrm>
-            <a:off x="2669340" y="3685514"/>
+            <a:off x="3356764" y="2897247"/>
             <a:ext cx="1215236" cy="411837"/>
           </a:xfrm>
           <a:prstGeom prst="rect">
@@ -6431,7 +6374,7 @@
         </p:nvSpPr>
         <p:spPr>
           <a:xfrm>
-            <a:off x="2094031" y="4568172"/>
+            <a:off x="2781454" y="3698093"/>
             <a:ext cx="2365855" cy="411837"/>
           </a:xfrm>
           <a:prstGeom prst="snip1Rect">
@@ -6489,13 +6432,15 @@
           <p:cNvPr id="77" name="Straight Connector 76"/>
           <p:cNvCxnSpPr>
             <a:cxnSpLocks/>
+            <a:stCxn id="76" idx="3"/>
+            <a:endCxn id="75" idx="2"/>
           </p:cNvCxnSpPr>
           <p:nvPr/>
         </p:nvCxnSpPr>
         <p:spPr>
-          <a:xfrm flipH="1" flipV="1">
-            <a:off x="3276958" y="4097351"/>
-            <a:ext cx="1" cy="470821"/>
+          <a:xfrm flipV="1">
+            <a:off x="3964382" y="3309084"/>
+            <a:ext cx="0" cy="389009"/>
           </a:xfrm>
           <a:prstGeom prst="line">
             <a:avLst/>
@@ -6506,6 +6451,104 @@
             </a:solidFill>
             <a:headEnd type="none" w="med" len="lg"/>
             <a:tailEnd type="arrow" w="med" len="lg"/>
+          </a:ln>
+        </p:spPr>
+        <p:style>
+          <a:lnRef idx="1">
+            <a:schemeClr val="accent1"/>
+          </a:lnRef>
+          <a:fillRef idx="0">
+            <a:schemeClr val="accent1"/>
+          </a:fillRef>
+          <a:effectRef idx="0">
+            <a:schemeClr val="accent1"/>
+          </a:effectRef>
+          <a:fontRef idx="minor">
+            <a:schemeClr val="tx1"/>
+          </a:fontRef>
+        </p:style>
+      </p:cxnSp>
+      <p:cxnSp>
+        <p:nvCxnSpPr>
+          <p:cNvPr id="3" name="Elbow Connector 24">
+            <a:extLst>
+              <a:ext uri="{FF2B5EF4-FFF2-40B4-BE49-F238E27FC236}">
+                <a16:creationId xmlns:a16="http://schemas.microsoft.com/office/drawing/2014/main" id="{AB33D2EA-1398-1003-5810-EAA77DAC342E}"/>
+              </a:ext>
+            </a:extLst>
+          </p:cNvPr>
+          <p:cNvCxnSpPr>
+            <a:cxnSpLocks/>
+            <a:stCxn id="74" idx="2"/>
+            <a:endCxn id="75" idx="0"/>
+          </p:cNvCxnSpPr>
+          <p:nvPr/>
+        </p:nvCxnSpPr>
+        <p:spPr>
+          <a:xfrm rot="5400000">
+            <a:off x="3970728" y="2295974"/>
+            <a:ext cx="594927" cy="607618"/>
+          </a:xfrm>
+          <a:prstGeom prst="bentConnector3">
+            <a:avLst>
+              <a:gd name="adj1" fmla="val 50000"/>
+            </a:avLst>
+          </a:prstGeom>
+          <a:ln w="19050">
+            <a:solidFill>
+              <a:schemeClr val="tx1"/>
+            </a:solidFill>
+            <a:headEnd type="arrow" w="med" len="lg"/>
+            <a:tailEnd type="none" w="med" len="lg"/>
+          </a:ln>
+        </p:spPr>
+        <p:style>
+          <a:lnRef idx="1">
+            <a:schemeClr val="accent1"/>
+          </a:lnRef>
+          <a:fillRef idx="0">
+            <a:schemeClr val="accent1"/>
+          </a:fillRef>
+          <a:effectRef idx="0">
+            <a:schemeClr val="accent1"/>
+          </a:effectRef>
+          <a:fontRef idx="minor">
+            <a:schemeClr val="tx1"/>
+          </a:fontRef>
+        </p:style>
+      </p:cxnSp>
+      <p:cxnSp>
+        <p:nvCxnSpPr>
+          <p:cNvPr id="4" name="Elbow Connector 24">
+            <a:extLst>
+              <a:ext uri="{FF2B5EF4-FFF2-40B4-BE49-F238E27FC236}">
+                <a16:creationId xmlns:a16="http://schemas.microsoft.com/office/drawing/2014/main" id="{34F5D682-F04E-288E-9D1D-2B39829D46FA}"/>
+              </a:ext>
+            </a:extLst>
+          </p:cNvPr>
+          <p:cNvCxnSpPr>
+            <a:cxnSpLocks/>
+            <a:stCxn id="7" idx="2"/>
+            <a:endCxn id="75" idx="0"/>
+          </p:cNvCxnSpPr>
+          <p:nvPr/>
+        </p:nvCxnSpPr>
+        <p:spPr>
+          <a:xfrm rot="16200000" flipH="1">
+            <a:off x="3323207" y="2256071"/>
+            <a:ext cx="594927" cy="687423"/>
+          </a:xfrm>
+          <a:prstGeom prst="bentConnector3">
+            <a:avLst>
+              <a:gd name="adj1" fmla="val 50000"/>
+            </a:avLst>
+          </a:prstGeom>
+          <a:ln w="19050">
+            <a:solidFill>
+              <a:schemeClr val="tx1"/>
+            </a:solidFill>
+            <a:headEnd type="arrow" w="med" len="lg"/>
+            <a:tailEnd type="none" w="med" len="lg"/>
           </a:ln>
         </p:spPr>
         <p:style>
@@ -11365,8 +11408,8 @@
             </a:fontRef>
           </p:style>
         </p:cxnSp>
-        <mc:AlternateContent xmlns:mc="http://schemas.openxmlformats.org/markup-compatibility/2006">
-          <mc:Choice xmlns:a14="http://schemas.microsoft.com/office/drawing/2010/main" Requires="a14">
+        <mc:AlternateContent xmlns:mc="http://schemas.openxmlformats.org/markup-compatibility/2006" xmlns:a14="http://schemas.microsoft.com/office/drawing/2010/main">
+          <mc:Choice Requires="a14">
             <p:sp>
               <p:nvSpPr>
                 <p:cNvPr id="10" name="TextBox 9"/>
@@ -11453,7 +11496,7 @@
               </p:txBody>
             </p:sp>
           </mc:Choice>
-          <mc:Fallback>
+          <mc:Fallback xmlns="">
             <p:sp>
               <p:nvSpPr>
                 <p:cNvPr id="10" name="TextBox 9"/>
@@ -11540,8 +11583,8 @@
             </a:p>
           </p:txBody>
         </p:sp>
-        <mc:AlternateContent xmlns:mc="http://schemas.openxmlformats.org/markup-compatibility/2006">
-          <mc:Choice xmlns:a14="http://schemas.microsoft.com/office/drawing/2010/main" Requires="a14">
+        <mc:AlternateContent xmlns:mc="http://schemas.openxmlformats.org/markup-compatibility/2006" xmlns:a14="http://schemas.microsoft.com/office/drawing/2010/main">
+          <mc:Choice Requires="a14">
             <p:sp>
               <p:nvSpPr>
                 <p:cNvPr id="12" name="TextBox 11"/>
@@ -11704,7 +11747,7 @@
               </p:txBody>
             </p:sp>
           </mc:Choice>
-          <mc:Fallback>
+          <mc:Fallback xmlns="">
             <p:sp>
               <p:nvSpPr>
                 <p:cNvPr id="12" name="TextBox 11"/>
@@ -11743,8 +11786,8 @@
             </p:sp>
           </mc:Fallback>
         </mc:AlternateContent>
-        <mc:AlternateContent xmlns:mc="http://schemas.openxmlformats.org/markup-compatibility/2006">
-          <mc:Choice xmlns:a14="http://schemas.microsoft.com/office/drawing/2010/main" Requires="a14">
+        <mc:AlternateContent xmlns:mc="http://schemas.openxmlformats.org/markup-compatibility/2006" xmlns:a14="http://schemas.microsoft.com/office/drawing/2010/main">
+          <mc:Choice Requires="a14">
             <p:sp>
               <p:nvSpPr>
                 <p:cNvPr id="13" name="TextBox 12"/>
@@ -11810,7 +11853,7 @@
               </p:txBody>
             </p:sp>
           </mc:Choice>
-          <mc:Fallback>
+          <mc:Fallback xmlns="">
             <p:sp>
               <p:nvSpPr>
                 <p:cNvPr id="13" name="TextBox 12"/>
@@ -11898,8 +11941,8 @@
           </p:txBody>
         </p:sp>
       </p:grpSp>
-      <mc:AlternateContent xmlns:mc="http://schemas.openxmlformats.org/markup-compatibility/2006">
-        <mc:Choice xmlns:a14="http://schemas.microsoft.com/office/drawing/2010/main" Requires="a14">
+      <mc:AlternateContent xmlns:mc="http://schemas.openxmlformats.org/markup-compatibility/2006" xmlns:a14="http://schemas.microsoft.com/office/drawing/2010/main">
+        <mc:Choice Requires="a14">
           <p:sp>
             <p:nvSpPr>
               <p:cNvPr id="2" name="TextBox 1">
@@ -11968,7 +12011,7 @@
             </p:txBody>
           </p:sp>
         </mc:Choice>
-        <mc:Fallback>
+        <mc:Fallback xmlns="">
           <p:sp>
             <p:nvSpPr>
               <p:cNvPr id="2" name="TextBox 1">
@@ -12013,8 +12056,8 @@
           </p:sp>
         </mc:Fallback>
       </mc:AlternateContent>
-      <mc:AlternateContent xmlns:mc="http://schemas.openxmlformats.org/markup-compatibility/2006">
-        <mc:Choice xmlns:a14="http://schemas.microsoft.com/office/drawing/2010/main" Requires="a14">
+      <mc:AlternateContent xmlns:mc="http://schemas.openxmlformats.org/markup-compatibility/2006" xmlns:a14="http://schemas.microsoft.com/office/drawing/2010/main">
+        <mc:Choice Requires="a14">
           <p:sp>
             <p:nvSpPr>
               <p:cNvPr id="3" name="TextBox 2">
@@ -12096,7 +12139,7 @@
             </p:txBody>
           </p:sp>
         </mc:Choice>
-        <mc:Fallback>
+        <mc:Fallback xmlns="">
           <p:sp>
             <p:nvSpPr>
               <p:cNvPr id="3" name="TextBox 2">

--- a/Doxygen/physics/2. Shapes Library/figures.pptx
+++ b/Doxygen/physics/2. Shapes Library/figures.pptx
@@ -214,7 +214,7 @@
           <a:p>
             <a:fld id="{D2A1998F-B673-40FE-9867-882E6492A537}" type="datetimeFigureOut">
               <a:rPr lang="en-US" smtClean="0"/>
-              <a:t>1/12/2024</a:t>
+              <a:t>1/17/2024</a:t>
             </a:fld>
             <a:endParaRPr lang="en-US"/>
           </a:p>
@@ -891,7 +891,7 @@
           <a:p>
             <a:fld id="{6BF0DA6D-33A5-4CFF-88F3-29EF9F49F523}" type="datetimeFigureOut">
               <a:rPr lang="en-US" smtClean="0"/>
-              <a:t>1/12/2024</a:t>
+              <a:t>1/17/2024</a:t>
             </a:fld>
             <a:endParaRPr lang="en-US"/>
           </a:p>
@@ -1061,7 +1061,7 @@
           <a:p>
             <a:fld id="{6BF0DA6D-33A5-4CFF-88F3-29EF9F49F523}" type="datetimeFigureOut">
               <a:rPr lang="en-US" smtClean="0"/>
-              <a:t>1/12/2024</a:t>
+              <a:t>1/17/2024</a:t>
             </a:fld>
             <a:endParaRPr lang="en-US"/>
           </a:p>
@@ -1241,7 +1241,7 @@
           <a:p>
             <a:fld id="{6BF0DA6D-33A5-4CFF-88F3-29EF9F49F523}" type="datetimeFigureOut">
               <a:rPr lang="en-US" smtClean="0"/>
-              <a:t>1/12/2024</a:t>
+              <a:t>1/17/2024</a:t>
             </a:fld>
             <a:endParaRPr lang="en-US"/>
           </a:p>
@@ -1411,7 +1411,7 @@
           <a:p>
             <a:fld id="{6BF0DA6D-33A5-4CFF-88F3-29EF9F49F523}" type="datetimeFigureOut">
               <a:rPr lang="en-US" smtClean="0"/>
-              <a:t>1/12/2024</a:t>
+              <a:t>1/17/2024</a:t>
             </a:fld>
             <a:endParaRPr lang="en-US"/>
           </a:p>
@@ -1655,7 +1655,7 @@
           <a:p>
             <a:fld id="{6BF0DA6D-33A5-4CFF-88F3-29EF9F49F523}" type="datetimeFigureOut">
               <a:rPr lang="en-US" smtClean="0"/>
-              <a:t>1/12/2024</a:t>
+              <a:t>1/17/2024</a:t>
             </a:fld>
             <a:endParaRPr lang="en-US"/>
           </a:p>
@@ -1887,7 +1887,7 @@
           <a:p>
             <a:fld id="{6BF0DA6D-33A5-4CFF-88F3-29EF9F49F523}" type="datetimeFigureOut">
               <a:rPr lang="en-US" smtClean="0"/>
-              <a:t>1/12/2024</a:t>
+              <a:t>1/17/2024</a:t>
             </a:fld>
             <a:endParaRPr lang="en-US"/>
           </a:p>
@@ -2254,7 +2254,7 @@
           <a:p>
             <a:fld id="{6BF0DA6D-33A5-4CFF-88F3-29EF9F49F523}" type="datetimeFigureOut">
               <a:rPr lang="en-US" smtClean="0"/>
-              <a:t>1/12/2024</a:t>
+              <a:t>1/17/2024</a:t>
             </a:fld>
             <a:endParaRPr lang="en-US"/>
           </a:p>
@@ -2372,7 +2372,7 @@
           <a:p>
             <a:fld id="{6BF0DA6D-33A5-4CFF-88F3-29EF9F49F523}" type="datetimeFigureOut">
               <a:rPr lang="en-US" smtClean="0"/>
-              <a:t>1/12/2024</a:t>
+              <a:t>1/17/2024</a:t>
             </a:fld>
             <a:endParaRPr lang="en-US"/>
           </a:p>
@@ -2467,7 +2467,7 @@
           <a:p>
             <a:fld id="{6BF0DA6D-33A5-4CFF-88F3-29EF9F49F523}" type="datetimeFigureOut">
               <a:rPr lang="en-US" smtClean="0"/>
-              <a:t>1/12/2024</a:t>
+              <a:t>1/17/2024</a:t>
             </a:fld>
             <a:endParaRPr lang="en-US"/>
           </a:p>
@@ -2744,7 +2744,7 @@
           <a:p>
             <a:fld id="{6BF0DA6D-33A5-4CFF-88F3-29EF9F49F523}" type="datetimeFigureOut">
               <a:rPr lang="en-US" smtClean="0"/>
-              <a:t>1/12/2024</a:t>
+              <a:t>1/17/2024</a:t>
             </a:fld>
             <a:endParaRPr lang="en-US"/>
           </a:p>
@@ -3001,7 +3001,7 @@
           <a:p>
             <a:fld id="{6BF0DA6D-33A5-4CFF-88F3-29EF9F49F523}" type="datetimeFigureOut">
               <a:rPr lang="en-US" smtClean="0"/>
-              <a:t>1/12/2024</a:t>
+              <a:t>1/17/2024</a:t>
             </a:fld>
             <a:endParaRPr lang="en-US"/>
           </a:p>
@@ -3214,7 +3214,7 @@
           <a:p>
             <a:fld id="{6BF0DA6D-33A5-4CFF-88F3-29EF9F49F523}" type="datetimeFigureOut">
               <a:rPr lang="en-US" smtClean="0"/>
-              <a:t>1/12/2024</a:t>
+              <a:t>1/17/2024</a:t>
             </a:fld>
             <a:endParaRPr lang="en-US"/>
           </a:p>
@@ -16352,8 +16352,8 @@
           <a:chExt cx="0" cy="0"/>
         </a:xfrm>
       </p:grpSpPr>
-      <mc:AlternateContent xmlns:mc="http://schemas.openxmlformats.org/markup-compatibility/2006">
-        <mc:Choice xmlns:a14="http://schemas.microsoft.com/office/drawing/2010/main" Requires="a14">
+      <mc:AlternateContent xmlns:mc="http://schemas.openxmlformats.org/markup-compatibility/2006" xmlns:a14="http://schemas.microsoft.com/office/drawing/2010/main">
+        <mc:Choice Requires="a14">
           <p:sp>
             <p:nvSpPr>
               <p:cNvPr id="36" name="TextBox 35">
@@ -16496,7 +16496,7 @@
             </p:txBody>
           </p:sp>
         </mc:Choice>
-        <mc:Fallback>
+        <mc:Fallback xmlns="">
           <p:sp>
             <p:nvSpPr>
               <p:cNvPr id="36" name="TextBox 35">
@@ -16541,8 +16541,8 @@
           </p:sp>
         </mc:Fallback>
       </mc:AlternateContent>
-      <mc:AlternateContent xmlns:mc="http://schemas.openxmlformats.org/markup-compatibility/2006">
-        <mc:Choice xmlns:a14="http://schemas.microsoft.com/office/drawing/2010/main" Requires="a14">
+      <mc:AlternateContent xmlns:mc="http://schemas.openxmlformats.org/markup-compatibility/2006" xmlns:a14="http://schemas.microsoft.com/office/drawing/2010/main">
+        <mc:Choice Requires="a14">
           <p:sp>
             <p:nvSpPr>
               <p:cNvPr id="31" name="TextBox 30">
@@ -16685,7 +16685,7 @@
             </p:txBody>
           </p:sp>
         </mc:Choice>
-        <mc:Fallback>
+        <mc:Fallback xmlns="">
           <p:sp>
             <p:nvSpPr>
               <p:cNvPr id="31" name="TextBox 30">
@@ -17132,8 +17132,8 @@
             </a:p>
           </p:txBody>
         </p:sp>
-        <mc:AlternateContent xmlns:mc="http://schemas.openxmlformats.org/markup-compatibility/2006">
-          <mc:Choice xmlns:a14="http://schemas.microsoft.com/office/drawing/2010/main" Requires="a14">
+        <mc:AlternateContent xmlns:mc="http://schemas.openxmlformats.org/markup-compatibility/2006" xmlns:a14="http://schemas.microsoft.com/office/drawing/2010/main">
+          <mc:Choice Requires="a14">
             <p:sp>
               <p:nvSpPr>
                 <p:cNvPr id="115" name="TextBox 114">
@@ -17235,7 +17235,7 @@
               </p:txBody>
             </p:sp>
           </mc:Choice>
-          <mc:Fallback>
+          <mc:Fallback xmlns="">
             <p:sp>
               <p:nvSpPr>
                 <p:cNvPr id="115" name="TextBox 114">
@@ -17390,8 +17390,8 @@
             </a:p>
           </p:txBody>
         </p:sp>
-        <mc:AlternateContent xmlns:mc="http://schemas.openxmlformats.org/markup-compatibility/2006">
-          <mc:Choice xmlns:a14="http://schemas.microsoft.com/office/drawing/2010/main" Requires="a14">
+        <mc:AlternateContent xmlns:mc="http://schemas.openxmlformats.org/markup-compatibility/2006" xmlns:a14="http://schemas.microsoft.com/office/drawing/2010/main">
+          <mc:Choice Requires="a14">
             <p:sp>
               <p:nvSpPr>
                 <p:cNvPr id="118" name="TextBox 117">
@@ -17493,7 +17493,7 @@
               </p:txBody>
             </p:sp>
           </mc:Choice>
-          <mc:Fallback>
+          <mc:Fallback xmlns="">
             <p:sp>
               <p:nvSpPr>
                 <p:cNvPr id="118" name="TextBox 117">
@@ -17810,8 +17810,8 @@
             </a:p>
           </p:txBody>
         </p:sp>
-        <mc:AlternateContent xmlns:mc="http://schemas.openxmlformats.org/markup-compatibility/2006">
-          <mc:Choice xmlns:a14="http://schemas.microsoft.com/office/drawing/2010/main" Requires="a14">
+        <mc:AlternateContent xmlns:mc="http://schemas.openxmlformats.org/markup-compatibility/2006" xmlns:a14="http://schemas.microsoft.com/office/drawing/2010/main">
+          <mc:Choice Requires="a14">
             <p:sp>
               <p:nvSpPr>
                 <p:cNvPr id="40" name="TextBox 39">
@@ -17913,7 +17913,7 @@
               </p:txBody>
             </p:sp>
           </mc:Choice>
-          <mc:Fallback>
+          <mc:Fallback xmlns="">
             <p:sp>
               <p:nvSpPr>
                 <p:cNvPr id="40" name="TextBox 39">
@@ -17958,8 +17958,8 @@
             </p:sp>
           </mc:Fallback>
         </mc:AlternateContent>
-        <mc:AlternateContent xmlns:mc="http://schemas.openxmlformats.org/markup-compatibility/2006">
-          <mc:Choice xmlns:a14="http://schemas.microsoft.com/office/drawing/2010/main" Requires="a14">
+        <mc:AlternateContent xmlns:mc="http://schemas.openxmlformats.org/markup-compatibility/2006" xmlns:a14="http://schemas.microsoft.com/office/drawing/2010/main">
+          <mc:Choice Requires="a14">
             <p:sp>
               <p:nvSpPr>
                 <p:cNvPr id="41" name="TextBox 40">
@@ -18110,7 +18110,7 @@
               </p:txBody>
             </p:sp>
           </mc:Choice>
-          <mc:Fallback>
+          <mc:Fallback xmlns="">
             <p:sp>
               <p:nvSpPr>
                 <p:cNvPr id="41" name="TextBox 40">
@@ -18426,8 +18426,8 @@
             </a:p>
           </p:txBody>
         </p:sp>
-        <mc:AlternateContent xmlns:mc="http://schemas.openxmlformats.org/markup-compatibility/2006">
-          <mc:Choice xmlns:a14="http://schemas.microsoft.com/office/drawing/2010/main" Requires="a14">
+        <mc:AlternateContent xmlns:mc="http://schemas.openxmlformats.org/markup-compatibility/2006" xmlns:a14="http://schemas.microsoft.com/office/drawing/2010/main">
+          <mc:Choice Requires="a14">
             <p:sp>
               <p:nvSpPr>
                 <p:cNvPr id="76" name="TextBox 75">
@@ -18529,7 +18529,7 @@
               </p:txBody>
             </p:sp>
           </mc:Choice>
-          <mc:Fallback>
+          <mc:Fallback xmlns="">
             <p:sp>
               <p:nvSpPr>
                 <p:cNvPr id="76" name="TextBox 75">
@@ -19179,8 +19179,8 @@
           <a:effectLst/>
         </p:spPr>
       </p:cxnSp>
-      <mc:AlternateContent xmlns:mc="http://schemas.openxmlformats.org/markup-compatibility/2006">
-        <mc:Choice xmlns:a14="http://schemas.microsoft.com/office/drawing/2010/main" Requires="a14">
+      <mc:AlternateContent xmlns:mc="http://schemas.openxmlformats.org/markup-compatibility/2006" xmlns:a14="http://schemas.microsoft.com/office/drawing/2010/main">
+        <mc:Choice Requires="a14">
           <p:sp>
             <p:nvSpPr>
               <p:cNvPr id="19" name="TextBox 18">
@@ -19282,7 +19282,7 @@
             </p:txBody>
           </p:sp>
         </mc:Choice>
-        <mc:Fallback>
+        <mc:Fallback xmlns="">
           <p:sp>
             <p:nvSpPr>
               <p:cNvPr id="19" name="TextBox 18">
@@ -19541,8 +19541,8 @@
           <a:effectLst/>
         </p:spPr>
       </p:cxnSp>
-      <mc:AlternateContent xmlns:mc="http://schemas.openxmlformats.org/markup-compatibility/2006">
-        <mc:Choice xmlns:a14="http://schemas.microsoft.com/office/drawing/2010/main" Requires="a14">
+      <mc:AlternateContent xmlns:mc="http://schemas.openxmlformats.org/markup-compatibility/2006" xmlns:a14="http://schemas.microsoft.com/office/drawing/2010/main">
+        <mc:Choice Requires="a14">
           <p:sp>
             <p:nvSpPr>
               <p:cNvPr id="29" name="TextBox 28">
@@ -19648,7 +19648,7 @@
             </p:txBody>
           </p:sp>
         </mc:Choice>
-        <mc:Fallback>
+        <mc:Fallback xmlns="">
           <p:sp>
             <p:nvSpPr>
               <p:cNvPr id="29" name="TextBox 28">
@@ -19762,8 +19762,8 @@
           </a:p>
         </p:txBody>
       </p:sp>
-      <mc:AlternateContent xmlns:mc="http://schemas.openxmlformats.org/markup-compatibility/2006">
-        <mc:Choice xmlns:a14="http://schemas.microsoft.com/office/drawing/2010/main" Requires="a14">
+      <mc:AlternateContent xmlns:mc="http://schemas.openxmlformats.org/markup-compatibility/2006" xmlns:a14="http://schemas.microsoft.com/office/drawing/2010/main">
+        <mc:Choice Requires="a14">
           <p:sp>
             <p:nvSpPr>
               <p:cNvPr id="32" name="TextBox 31">
@@ -19792,6 +19792,7 @@
               </a:bodyPr>
               <a:lstStyle/>
               <a:p>
+                <a:pPr/>
                 <a14:m>
                   <m:oMathPara xmlns:m="http://schemas.openxmlformats.org/officeDocument/2006/math">
                     <m:oMathParaPr>
@@ -19843,7 +19844,7 @@
             </p:txBody>
           </p:sp>
         </mc:Choice>
-        <mc:Fallback>
+        <mc:Fallback xmlns="">
           <p:sp>
             <p:nvSpPr>
               <p:cNvPr id="32" name="TextBox 31">
@@ -20026,8 +20027,8 @@
           </a:p>
         </p:txBody>
       </p:sp>
-      <mc:AlternateContent xmlns:mc="http://schemas.openxmlformats.org/markup-compatibility/2006">
-        <mc:Choice xmlns:a14="http://schemas.microsoft.com/office/drawing/2010/main" Requires="a14">
+      <mc:AlternateContent xmlns:mc="http://schemas.openxmlformats.org/markup-compatibility/2006" xmlns:a14="http://schemas.microsoft.com/office/drawing/2010/main">
+        <mc:Choice Requires="a14">
           <p:sp>
             <p:nvSpPr>
               <p:cNvPr id="35" name="TextBox 34">
@@ -20056,6 +20057,7 @@
               </a:bodyPr>
               <a:lstStyle/>
               <a:p>
+                <a:pPr/>
                 <a14:m>
                   <m:oMathPara xmlns:m="http://schemas.openxmlformats.org/officeDocument/2006/math">
                     <m:oMathParaPr>
@@ -20107,7 +20109,7 @@
             </p:txBody>
           </p:sp>
         </mc:Choice>
-        <mc:Fallback>
+        <mc:Fallback xmlns="">
           <p:sp>
             <p:nvSpPr>
               <p:cNvPr id="35" name="TextBox 34">
@@ -20610,8 +20612,8 @@
           </a:p>
         </p:txBody>
       </p:sp>
-      <mc:AlternateContent xmlns:mc="http://schemas.openxmlformats.org/markup-compatibility/2006">
-        <mc:Choice xmlns:a14="http://schemas.microsoft.com/office/drawing/2010/main" Requires="a14">
+      <mc:AlternateContent xmlns:mc="http://schemas.openxmlformats.org/markup-compatibility/2006" xmlns:a14="http://schemas.microsoft.com/office/drawing/2010/main">
+        <mc:Choice Requires="a14">
           <p:sp>
             <p:nvSpPr>
               <p:cNvPr id="59" name="TextBox 58">
@@ -20713,7 +20715,7 @@
             </p:txBody>
           </p:sp>
         </mc:Choice>
-        <mc:Fallback>
+        <mc:Fallback xmlns="">
           <p:sp>
             <p:nvSpPr>
               <p:cNvPr id="59" name="TextBox 58">
@@ -20758,8 +20760,8 @@
           </p:sp>
         </mc:Fallback>
       </mc:AlternateContent>
-      <mc:AlternateContent xmlns:mc="http://schemas.openxmlformats.org/markup-compatibility/2006">
-        <mc:Choice xmlns:a14="http://schemas.microsoft.com/office/drawing/2010/main" Requires="a14">
+      <mc:AlternateContent xmlns:mc="http://schemas.openxmlformats.org/markup-compatibility/2006" xmlns:a14="http://schemas.microsoft.com/office/drawing/2010/main">
+        <mc:Choice Requires="a14">
           <p:sp>
             <p:nvSpPr>
               <p:cNvPr id="60" name="TextBox 59">
@@ -20902,7 +20904,7 @@
             </p:txBody>
           </p:sp>
         </mc:Choice>
-        <mc:Fallback>
+        <mc:Fallback xmlns="">
           <p:sp>
             <p:nvSpPr>
               <p:cNvPr id="60" name="TextBox 59">
@@ -20947,8 +20949,8 @@
           </p:sp>
         </mc:Fallback>
       </mc:AlternateContent>
-      <mc:AlternateContent xmlns:mc="http://schemas.openxmlformats.org/markup-compatibility/2006">
-        <mc:Choice xmlns:a14="http://schemas.microsoft.com/office/drawing/2010/main" Requires="a14">
+      <mc:AlternateContent xmlns:mc="http://schemas.openxmlformats.org/markup-compatibility/2006" xmlns:a14="http://schemas.microsoft.com/office/drawing/2010/main">
+        <mc:Choice Requires="a14">
           <p:sp>
             <p:nvSpPr>
               <p:cNvPr id="61" name="TextBox 60">
@@ -21091,7 +21093,7 @@
             </p:txBody>
           </p:sp>
         </mc:Choice>
-        <mc:Fallback>
+        <mc:Fallback xmlns="">
           <p:sp>
             <p:nvSpPr>
               <p:cNvPr id="61" name="TextBox 60">
@@ -21136,8 +21138,8 @@
           </p:sp>
         </mc:Fallback>
       </mc:AlternateContent>
-      <mc:AlternateContent xmlns:mc="http://schemas.openxmlformats.org/markup-compatibility/2006">
-        <mc:Choice xmlns:a14="http://schemas.microsoft.com/office/drawing/2010/main" Requires="a14">
+      <mc:AlternateContent xmlns:mc="http://schemas.openxmlformats.org/markup-compatibility/2006" xmlns:a14="http://schemas.microsoft.com/office/drawing/2010/main">
+        <mc:Choice Requires="a14">
           <p:sp>
             <p:nvSpPr>
               <p:cNvPr id="62" name="TextBox 61">
@@ -21280,7 +21282,7 @@
             </p:txBody>
           </p:sp>
         </mc:Choice>
-        <mc:Fallback>
+        <mc:Fallback xmlns="">
           <p:sp>
             <p:nvSpPr>
               <p:cNvPr id="62" name="TextBox 61">
@@ -21325,8 +21327,8 @@
           </p:sp>
         </mc:Fallback>
       </mc:AlternateContent>
-      <mc:AlternateContent xmlns:mc="http://schemas.openxmlformats.org/markup-compatibility/2006">
-        <mc:Choice xmlns:a14="http://schemas.microsoft.com/office/drawing/2010/main" Requires="a14">
+      <mc:AlternateContent xmlns:mc="http://schemas.openxmlformats.org/markup-compatibility/2006" xmlns:a14="http://schemas.microsoft.com/office/drawing/2010/main">
+        <mc:Choice Requires="a14">
           <p:sp>
             <p:nvSpPr>
               <p:cNvPr id="68" name="TextBox 67">
@@ -21469,7 +21471,7 @@
             </p:txBody>
           </p:sp>
         </mc:Choice>
-        <mc:Fallback>
+        <mc:Fallback xmlns="">
           <p:sp>
             <p:nvSpPr>
               <p:cNvPr id="68" name="TextBox 67">
@@ -21583,8 +21585,8 @@
           </a:p>
         </p:txBody>
       </p:sp>
-      <mc:AlternateContent xmlns:mc="http://schemas.openxmlformats.org/markup-compatibility/2006">
-        <mc:Choice xmlns:a14="http://schemas.microsoft.com/office/drawing/2010/main" Requires="a14">
+      <mc:AlternateContent xmlns:mc="http://schemas.openxmlformats.org/markup-compatibility/2006" xmlns:a14="http://schemas.microsoft.com/office/drawing/2010/main">
+        <mc:Choice Requires="a14">
           <p:sp>
             <p:nvSpPr>
               <p:cNvPr id="69" name="TextBox 68">
@@ -21690,7 +21692,7 @@
             </p:txBody>
           </p:sp>
         </mc:Choice>
-        <mc:Fallback>
+        <mc:Fallback xmlns="">
           <p:sp>
             <p:nvSpPr>
               <p:cNvPr id="69" name="TextBox 68">
@@ -21765,391 +21767,6 @@
           <a:chExt cx="0" cy="0"/>
         </a:xfrm>
       </p:grpSpPr>
-      <p:cxnSp>
-        <p:nvCxnSpPr>
-          <p:cNvPr id="100" name="Straight Arrow Connector 99">
-            <a:extLst>
-              <a:ext uri="{FF2B5EF4-FFF2-40B4-BE49-F238E27FC236}">
-                <a16:creationId xmlns:a16="http://schemas.microsoft.com/office/drawing/2014/main" id="{61C4921D-7386-C1C4-B1F9-EFF6D5D1251B}"/>
-              </a:ext>
-            </a:extLst>
-          </p:cNvPr>
-          <p:cNvCxnSpPr/>
-          <p:nvPr/>
-        </p:nvCxnSpPr>
-        <p:spPr>
-          <a:xfrm flipH="1" flipV="1">
-            <a:off x="6991665" y="3652472"/>
-            <a:ext cx="142538" cy="446231"/>
-          </a:xfrm>
-          <a:prstGeom prst="straightConnector1">
-            <a:avLst/>
-          </a:prstGeom>
-          <a:noFill/>
-          <a:ln w="38100" cap="flat" cmpd="sng" algn="ctr">
-            <a:solidFill>
-              <a:schemeClr val="accent5"/>
-            </a:solidFill>
-            <a:prstDash val="solid"/>
-            <a:miter lim="800000"/>
-            <a:headEnd type="none"/>
-            <a:tailEnd type="arrow"/>
-          </a:ln>
-          <a:effectLst/>
-        </p:spPr>
-      </p:cxnSp>
-      <p:cxnSp>
-        <p:nvCxnSpPr>
-          <p:cNvPr id="97" name="Straight Arrow Connector 96">
-            <a:extLst>
-              <a:ext uri="{FF2B5EF4-FFF2-40B4-BE49-F238E27FC236}">
-                <a16:creationId xmlns:a16="http://schemas.microsoft.com/office/drawing/2014/main" id="{82EB7D68-2346-258F-1078-27DB9541FCE5}"/>
-              </a:ext>
-            </a:extLst>
-          </p:cNvPr>
-          <p:cNvCxnSpPr/>
-          <p:nvPr/>
-        </p:nvCxnSpPr>
-        <p:spPr>
-          <a:xfrm flipH="1">
-            <a:off x="6038328" y="3441026"/>
-            <a:ext cx="397349" cy="303002"/>
-          </a:xfrm>
-          <a:prstGeom prst="straightConnector1">
-            <a:avLst/>
-          </a:prstGeom>
-          <a:noFill/>
-          <a:ln w="38100" cap="flat" cmpd="sng" algn="ctr">
-            <a:solidFill>
-              <a:schemeClr val="accent5"/>
-            </a:solidFill>
-            <a:prstDash val="solid"/>
-            <a:miter lim="800000"/>
-            <a:headEnd type="arrow"/>
-            <a:tailEnd type="none"/>
-          </a:ln>
-          <a:effectLst/>
-        </p:spPr>
-      </p:cxnSp>
-      <mc:AlternateContent xmlns:mc="http://schemas.openxmlformats.org/markup-compatibility/2006">
-        <mc:Choice xmlns:a14="http://schemas.microsoft.com/office/drawing/2010/main" Requires="a14">
-          <p:sp>
-            <p:nvSpPr>
-              <p:cNvPr id="96" name="TextBox 95">
-                <a:extLst>
-                  <a:ext uri="{FF2B5EF4-FFF2-40B4-BE49-F238E27FC236}">
-                    <a16:creationId xmlns:a16="http://schemas.microsoft.com/office/drawing/2014/main" id="{1C2E84E0-DBF6-B6E3-C913-DAAEBB7757AC}"/>
-                  </a:ext>
-                </a:extLst>
-              </p:cNvPr>
-              <p:cNvSpPr txBox="1"/>
-              <p:nvPr/>
-            </p:nvSpPr>
-            <p:spPr>
-              <a:xfrm>
-                <a:off x="4201433" y="4801878"/>
-                <a:ext cx="448734" cy="369332"/>
-              </a:xfrm>
-              <a:prstGeom prst="rect">
-                <a:avLst/>
-              </a:prstGeom>
-              <a:noFill/>
-            </p:spPr>
-            <p:txBody>
-              <a:bodyPr wrap="square" rtlCol="0">
-                <a:spAutoFit/>
-              </a:bodyPr>
-              <a:lstStyle/>
-              <a:p>
-                <a:pPr/>
-                <a14:m>
-                  <m:oMathPara xmlns:m="http://schemas.openxmlformats.org/officeDocument/2006/math">
-                    <m:oMathParaPr>
-                      <m:jc m:val="centerGroup"/>
-                    </m:oMathParaPr>
-                    <m:oMath xmlns:m="http://schemas.openxmlformats.org/officeDocument/2006/math">
-                      <m:sSub>
-                        <m:sSubPr>
-                          <m:ctrlPr>
-                            <a:rPr lang="en-US" i="1" smtClean="0">
-                              <a:solidFill>
-                                <a:schemeClr val="accent5"/>
-                              </a:solidFill>
-                              <a:latin typeface="Cambria Math" panose="02040503050406030204" pitchFamily="18" charset="0"/>
-                            </a:rPr>
-                          </m:ctrlPr>
-                        </m:sSubPr>
-                        <m:e>
-                          <m:acc>
-                            <m:accPr>
-                              <m:chr m:val="̂"/>
-                              <m:ctrlPr>
-                                <a:rPr lang="en-US" i="1" smtClean="0">
-                                  <a:solidFill>
-                                    <a:schemeClr val="accent5"/>
-                                  </a:solidFill>
-                                  <a:latin typeface="Cambria Math" panose="02040503050406030204" pitchFamily="18" charset="0"/>
-                                </a:rPr>
-                              </m:ctrlPr>
-                            </m:accPr>
-                            <m:e>
-                              <m:r>
-                                <a:rPr lang="en-US" b="0" i="1" smtClean="0">
-                                  <a:solidFill>
-                                    <a:schemeClr val="accent5"/>
-                                  </a:solidFill>
-                                  <a:latin typeface="Cambria Math" panose="02040503050406030204" pitchFamily="18" charset="0"/>
-                                </a:rPr>
-                                <m:t>𝑡</m:t>
-                              </m:r>
-                            </m:e>
-                          </m:acc>
-                        </m:e>
-                        <m:sub>
-                          <m:r>
-                            <a:rPr lang="en-US" b="0" i="1" smtClean="0">
-                              <a:solidFill>
-                                <a:schemeClr val="accent5"/>
-                              </a:solidFill>
-                              <a:latin typeface="Cambria Math" panose="02040503050406030204" pitchFamily="18" charset="0"/>
-                            </a:rPr>
-                            <m:t>0</m:t>
-                          </m:r>
-                        </m:sub>
-                      </m:sSub>
-                    </m:oMath>
-                  </m:oMathPara>
-                </a14:m>
-                <a:endParaRPr lang="en-US" dirty="0">
-                  <a:solidFill>
-                    <a:schemeClr val="accent5"/>
-                  </a:solidFill>
-                </a:endParaRPr>
-              </a:p>
-            </p:txBody>
-          </p:sp>
-        </mc:Choice>
-        <mc:Fallback>
-          <p:sp>
-            <p:nvSpPr>
-              <p:cNvPr id="96" name="TextBox 95">
-                <a:extLst>
-                  <a:ext uri="{FF2B5EF4-FFF2-40B4-BE49-F238E27FC236}">
-                    <a16:creationId xmlns:a16="http://schemas.microsoft.com/office/drawing/2014/main" id="{1C2E84E0-DBF6-B6E3-C913-DAAEBB7757AC}"/>
-                  </a:ext>
-                </a:extLst>
-              </p:cNvPr>
-              <p:cNvSpPr txBox="1">
-                <a:spLocks noRot="1" noChangeAspect="1" noMove="1" noResize="1" noEditPoints="1" noAdjustHandles="1" noChangeArrowheads="1" noChangeShapeType="1" noTextEdit="1"/>
-              </p:cNvSpPr>
-              <p:nvPr/>
-            </p:nvSpPr>
-            <p:spPr>
-              <a:xfrm>
-                <a:off x="4201433" y="4801878"/>
-                <a:ext cx="448734" cy="369332"/>
-              </a:xfrm>
-              <a:prstGeom prst="rect">
-                <a:avLst/>
-              </a:prstGeom>
-              <a:blipFill>
-                <a:blip r:embed="rId2"/>
-                <a:stretch>
-                  <a:fillRect t="-13333" r="-25676"/>
-                </a:stretch>
-              </a:blipFill>
-            </p:spPr>
-            <p:txBody>
-              <a:bodyPr/>
-              <a:lstStyle/>
-              <a:p>
-                <a:r>
-                  <a:rPr lang="en-US">
-                    <a:noFill/>
-                  </a:rPr>
-                  <a:t> </a:t>
-                </a:r>
-              </a:p>
-            </p:txBody>
-          </p:sp>
-        </mc:Fallback>
-      </mc:AlternateContent>
-      <p:cxnSp>
-        <p:nvCxnSpPr>
-          <p:cNvPr id="93" name="Straight Arrow Connector 92">
-            <a:extLst>
-              <a:ext uri="{FF2B5EF4-FFF2-40B4-BE49-F238E27FC236}">
-                <a16:creationId xmlns:a16="http://schemas.microsoft.com/office/drawing/2014/main" id="{7FF2F670-5C43-87AE-A274-7DA8FFFFDBEC}"/>
-              </a:ext>
-            </a:extLst>
-          </p:cNvPr>
-          <p:cNvCxnSpPr/>
-          <p:nvPr/>
-        </p:nvCxnSpPr>
-        <p:spPr>
-          <a:xfrm flipH="1">
-            <a:off x="2670638" y="4080029"/>
-            <a:ext cx="397349" cy="303002"/>
-          </a:xfrm>
-          <a:prstGeom prst="straightConnector1">
-            <a:avLst/>
-          </a:prstGeom>
-          <a:noFill/>
-          <a:ln w="38100" cap="flat" cmpd="sng" algn="ctr">
-            <a:solidFill>
-              <a:schemeClr val="accent5"/>
-            </a:solidFill>
-            <a:prstDash val="solid"/>
-            <a:miter lim="800000"/>
-            <a:headEnd type="none"/>
-            <a:tailEnd type="arrow"/>
-          </a:ln>
-          <a:effectLst/>
-        </p:spPr>
-      </p:cxnSp>
-      <mc:AlternateContent xmlns:mc="http://schemas.openxmlformats.org/markup-compatibility/2006">
-        <mc:Choice xmlns:a14="http://schemas.microsoft.com/office/drawing/2010/main" Requires="a14">
-          <p:sp>
-            <p:nvSpPr>
-              <p:cNvPr id="94" name="TextBox 93">
-                <a:extLst>
-                  <a:ext uri="{FF2B5EF4-FFF2-40B4-BE49-F238E27FC236}">
-                    <a16:creationId xmlns:a16="http://schemas.microsoft.com/office/drawing/2014/main" id="{A433B01B-C909-E99D-95DC-EB23CAD0B46A}"/>
-                  </a:ext>
-                </a:extLst>
-              </p:cNvPr>
-              <p:cNvSpPr txBox="1"/>
-              <p:nvPr/>
-            </p:nvSpPr>
-            <p:spPr>
-              <a:xfrm>
-                <a:off x="2353638" y="4220575"/>
-                <a:ext cx="448734" cy="369332"/>
-              </a:xfrm>
-              <a:prstGeom prst="rect">
-                <a:avLst/>
-              </a:prstGeom>
-              <a:noFill/>
-            </p:spPr>
-            <p:txBody>
-              <a:bodyPr wrap="square" rtlCol="0">
-                <a:spAutoFit/>
-              </a:bodyPr>
-              <a:lstStyle/>
-              <a:p>
-                <a:pPr/>
-                <a14:m>
-                  <m:oMathPara xmlns:m="http://schemas.openxmlformats.org/officeDocument/2006/math">
-                    <m:oMathParaPr>
-                      <m:jc m:val="centerGroup"/>
-                    </m:oMathParaPr>
-                    <m:oMath xmlns:m="http://schemas.openxmlformats.org/officeDocument/2006/math">
-                      <m:sSub>
-                        <m:sSubPr>
-                          <m:ctrlPr>
-                            <a:rPr lang="en-US" i="1" smtClean="0">
-                              <a:solidFill>
-                                <a:schemeClr val="accent5"/>
-                              </a:solidFill>
-                              <a:latin typeface="Cambria Math" panose="02040503050406030204" pitchFamily="18" charset="0"/>
-                            </a:rPr>
-                          </m:ctrlPr>
-                        </m:sSubPr>
-                        <m:e>
-                          <m:acc>
-                            <m:accPr>
-                              <m:chr m:val="̂"/>
-                              <m:ctrlPr>
-                                <a:rPr lang="en-US" i="1" smtClean="0">
-                                  <a:solidFill>
-                                    <a:schemeClr val="accent5"/>
-                                  </a:solidFill>
-                                  <a:latin typeface="Cambria Math" panose="02040503050406030204" pitchFamily="18" charset="0"/>
-                                </a:rPr>
-                              </m:ctrlPr>
-                            </m:accPr>
-                            <m:e>
-                              <m:r>
-                                <a:rPr lang="en-US" b="0" i="1" smtClean="0">
-                                  <a:solidFill>
-                                    <a:schemeClr val="accent5"/>
-                                  </a:solidFill>
-                                  <a:latin typeface="Cambria Math" panose="02040503050406030204" pitchFamily="18" charset="0"/>
-                                </a:rPr>
-                                <m:t>𝑡</m:t>
-                              </m:r>
-                            </m:e>
-                          </m:acc>
-                        </m:e>
-                        <m:sub>
-                          <m:r>
-                            <a:rPr lang="en-US" b="0" i="1" smtClean="0">
-                              <a:solidFill>
-                                <a:schemeClr val="accent5"/>
-                              </a:solidFill>
-                              <a:latin typeface="Cambria Math" panose="02040503050406030204" pitchFamily="18" charset="0"/>
-                            </a:rPr>
-                            <m:t>1</m:t>
-                          </m:r>
-                        </m:sub>
-                      </m:sSub>
-                    </m:oMath>
-                  </m:oMathPara>
-                </a14:m>
-                <a:endParaRPr lang="en-US" dirty="0">
-                  <a:solidFill>
-                    <a:schemeClr val="accent5"/>
-                  </a:solidFill>
-                </a:endParaRPr>
-              </a:p>
-            </p:txBody>
-          </p:sp>
-        </mc:Choice>
-        <mc:Fallback>
-          <p:sp>
-            <p:nvSpPr>
-              <p:cNvPr id="94" name="TextBox 93">
-                <a:extLst>
-                  <a:ext uri="{FF2B5EF4-FFF2-40B4-BE49-F238E27FC236}">
-                    <a16:creationId xmlns:a16="http://schemas.microsoft.com/office/drawing/2014/main" id="{A433B01B-C909-E99D-95DC-EB23CAD0B46A}"/>
-                  </a:ext>
-                </a:extLst>
-              </p:cNvPr>
-              <p:cNvSpPr txBox="1">
-                <a:spLocks noRot="1" noChangeAspect="1" noMove="1" noResize="1" noEditPoints="1" noAdjustHandles="1" noChangeArrowheads="1" noChangeShapeType="1" noTextEdit="1"/>
-              </p:cNvSpPr>
-              <p:nvPr/>
-            </p:nvSpPr>
-            <p:spPr>
-              <a:xfrm>
-                <a:off x="2353638" y="4220575"/>
-                <a:ext cx="448734" cy="369332"/>
-              </a:xfrm>
-              <a:prstGeom prst="rect">
-                <a:avLst/>
-              </a:prstGeom>
-              <a:blipFill>
-                <a:blip r:embed="rId3"/>
-                <a:stretch>
-                  <a:fillRect t="-13115" r="-25676"/>
-                </a:stretch>
-              </a:blipFill>
-            </p:spPr>
-            <p:txBody>
-              <a:bodyPr/>
-              <a:lstStyle/>
-              <a:p>
-                <a:r>
-                  <a:rPr lang="en-US">
-                    <a:noFill/>
-                  </a:rPr>
-                  <a:t> </a:t>
-                </a:r>
-              </a:p>
-            </p:txBody>
-          </p:sp>
-        </mc:Fallback>
-      </mc:AlternateContent>
       <p:grpSp>
         <p:nvGrpSpPr>
           <p:cNvPr id="39" name="Group 38">
@@ -22337,8 +21954,8 @@
               <a:chExt cx="1926173" cy="1483613"/>
             </a:xfrm>
           </p:grpSpPr>
-          <mc:AlternateContent xmlns:mc="http://schemas.openxmlformats.org/markup-compatibility/2006">
-            <mc:Choice xmlns:a14="http://schemas.microsoft.com/office/drawing/2010/main" Requires="a14">
+          <mc:AlternateContent xmlns:mc="http://schemas.openxmlformats.org/markup-compatibility/2006" xmlns:a14="http://schemas.microsoft.com/office/drawing/2010/main">
+            <mc:Choice Requires="a14">
               <p:sp>
                 <p:nvSpPr>
                   <p:cNvPr id="51" name="TextBox 50">
@@ -22461,7 +22078,7 @@
                 </p:txBody>
               </p:sp>
             </mc:Choice>
-            <mc:Fallback>
+            <mc:Fallback xmlns="">
               <p:sp>
                 <p:nvSpPr>
                   <p:cNvPr id="51" name="TextBox 50">
@@ -22610,8 +22227,8 @@
               </a:p>
             </p:txBody>
           </p:sp>
-          <mc:AlternateContent xmlns:mc="http://schemas.openxmlformats.org/markup-compatibility/2006">
-            <mc:Choice xmlns:a14="http://schemas.microsoft.com/office/drawing/2010/main" Requires="a14">
+          <mc:AlternateContent xmlns:mc="http://schemas.openxmlformats.org/markup-compatibility/2006" xmlns:a14="http://schemas.microsoft.com/office/drawing/2010/main">
+            <mc:Choice Requires="a14">
               <p:sp>
                 <p:nvSpPr>
                   <p:cNvPr id="45" name="TextBox 44">
@@ -22754,7 +22371,7 @@
                 </p:txBody>
               </p:sp>
             </mc:Choice>
-            <mc:Fallback>
+            <mc:Fallback xmlns="">
               <p:sp>
                 <p:nvSpPr>
                   <p:cNvPr id="45" name="TextBox 44">
@@ -22799,8 +22416,8 @@
               </p:sp>
             </mc:Fallback>
           </mc:AlternateContent>
-          <mc:AlternateContent xmlns:mc="http://schemas.openxmlformats.org/markup-compatibility/2006">
-            <mc:Choice xmlns:a14="http://schemas.microsoft.com/office/drawing/2010/main" Requires="a14">
+          <mc:AlternateContent xmlns:mc="http://schemas.openxmlformats.org/markup-compatibility/2006" xmlns:a14="http://schemas.microsoft.com/office/drawing/2010/main">
+            <mc:Choice Requires="a14">
               <p:sp>
                 <p:nvSpPr>
                   <p:cNvPr id="46" name="TextBox 45">
@@ -22943,7 +22560,7 @@
                 </p:txBody>
               </p:sp>
             </mc:Choice>
-            <mc:Fallback>
+            <mc:Fallback xmlns="">
               <p:sp>
                 <p:nvSpPr>
                   <p:cNvPr id="46" name="TextBox 45">
@@ -23271,8 +22888,8 @@
               </a:p>
             </p:txBody>
           </p:sp>
-          <mc:AlternateContent xmlns:mc="http://schemas.openxmlformats.org/markup-compatibility/2006">
-            <mc:Choice xmlns:a14="http://schemas.microsoft.com/office/drawing/2010/main" Requires="a14">
+          <mc:AlternateContent xmlns:mc="http://schemas.openxmlformats.org/markup-compatibility/2006" xmlns:a14="http://schemas.microsoft.com/office/drawing/2010/main">
+            <mc:Choice Requires="a14">
               <p:sp>
                 <p:nvSpPr>
                   <p:cNvPr id="52" name="TextBox 51">
@@ -23395,7 +23012,7 @@
                 </p:txBody>
               </p:sp>
             </mc:Choice>
-            <mc:Fallback>
+            <mc:Fallback xmlns="">
               <p:sp>
                 <p:nvSpPr>
                   <p:cNvPr id="52" name="TextBox 51">
@@ -23605,8 +23222,8 @@
             </a:p>
           </p:txBody>
         </p:sp>
-        <mc:AlternateContent xmlns:mc="http://schemas.openxmlformats.org/markup-compatibility/2006">
-          <mc:Choice xmlns:a14="http://schemas.microsoft.com/office/drawing/2010/main" Requires="a14">
+        <mc:AlternateContent xmlns:mc="http://schemas.openxmlformats.org/markup-compatibility/2006" xmlns:a14="http://schemas.microsoft.com/office/drawing/2010/main">
+          <mc:Choice Requires="a14">
             <p:sp>
               <p:nvSpPr>
                 <p:cNvPr id="31" name="TextBox 30">
@@ -23749,7 +23366,7 @@
               </p:txBody>
             </p:sp>
           </mc:Choice>
-          <mc:Fallback>
+          <mc:Fallback xmlns="">
             <p:sp>
               <p:nvSpPr>
                 <p:cNvPr id="31" name="TextBox 30">
@@ -24001,8 +23618,8 @@
             </a:p>
           </p:txBody>
         </p:sp>
-        <mc:AlternateContent xmlns:mc="http://schemas.openxmlformats.org/markup-compatibility/2006">
-          <mc:Choice xmlns:a14="http://schemas.microsoft.com/office/drawing/2010/main" Requires="a14">
+        <mc:AlternateContent xmlns:mc="http://schemas.openxmlformats.org/markup-compatibility/2006" xmlns:a14="http://schemas.microsoft.com/office/drawing/2010/main">
+          <mc:Choice Requires="a14">
             <p:sp>
               <p:nvSpPr>
                 <p:cNvPr id="36" name="TextBox 35">
@@ -24145,7 +23762,7 @@
               </p:txBody>
             </p:sp>
           </mc:Choice>
-          <mc:Fallback>
+          <mc:Fallback xmlns="">
             <p:sp>
               <p:nvSpPr>
                 <p:cNvPr id="36" name="TextBox 35">
@@ -24328,8 +23945,8 @@
             </a:p>
           </p:txBody>
         </p:sp>
-        <mc:AlternateContent xmlns:mc="http://schemas.openxmlformats.org/markup-compatibility/2006">
-          <mc:Choice xmlns:a14="http://schemas.microsoft.com/office/drawing/2010/main" Requires="a14">
+        <mc:AlternateContent xmlns:mc="http://schemas.openxmlformats.org/markup-compatibility/2006" xmlns:a14="http://schemas.microsoft.com/office/drawing/2010/main">
+          <mc:Choice Requires="a14">
             <p:sp>
               <p:nvSpPr>
                 <p:cNvPr id="62" name="TextBox 61">
@@ -24426,7 +24043,7 @@
               </p:txBody>
             </p:sp>
           </mc:Choice>
-          <mc:Fallback>
+          <mc:Fallback xmlns="">
             <p:sp>
               <p:nvSpPr>
                 <p:cNvPr id="62" name="TextBox 61">
@@ -24471,8 +24088,8 @@
             </p:sp>
           </mc:Fallback>
         </mc:AlternateContent>
-        <mc:AlternateContent xmlns:mc="http://schemas.openxmlformats.org/markup-compatibility/2006">
-          <mc:Choice xmlns:a14="http://schemas.microsoft.com/office/drawing/2010/main" Requires="a14">
+        <mc:AlternateContent xmlns:mc="http://schemas.openxmlformats.org/markup-compatibility/2006" xmlns:a14="http://schemas.microsoft.com/office/drawing/2010/main">
+          <mc:Choice Requires="a14">
             <p:sp>
               <p:nvSpPr>
                 <p:cNvPr id="63" name="TextBox 62">
@@ -24569,7 +24186,7 @@
               </p:txBody>
             </p:sp>
           </mc:Choice>
-          <mc:Fallback>
+          <mc:Fallback xmlns="">
             <p:sp>
               <p:nvSpPr>
                 <p:cNvPr id="63" name="TextBox 62">
@@ -24615,2611 +24232,3038 @@
           </mc:Fallback>
         </mc:AlternateContent>
       </p:grpSp>
-      <p:sp>
-        <p:nvSpPr>
-          <p:cNvPr id="66" name="Pie 21">
+      <p:grpSp>
+        <p:nvGrpSpPr>
+          <p:cNvPr id="2" name="Group 1">
             <a:extLst>
               <a:ext uri="{FF2B5EF4-FFF2-40B4-BE49-F238E27FC236}">
-                <a16:creationId xmlns:a16="http://schemas.microsoft.com/office/drawing/2014/main" id="{E569EC7F-2C31-C17C-C9A7-19A92A15F3DF}"/>
+                <a16:creationId xmlns:a16="http://schemas.microsoft.com/office/drawing/2014/main" id="{B314763C-477D-A873-6C1E-25DB10E3C2C8}"/>
               </a:ext>
             </a:extLst>
           </p:cNvPr>
-          <p:cNvSpPr>
-            <a:spLocks noChangeAspect="1"/>
-          </p:cNvSpPr>
+          <p:cNvGrpSpPr/>
           <p:nvPr/>
-        </p:nvSpPr>
-        <p:spPr>
+        </p:nvGrpSpPr>
+        <p:grpSpPr>
           <a:xfrm>
-            <a:off x="2765164" y="3957326"/>
-            <a:ext cx="1444752" cy="1444752"/>
+            <a:off x="5576436" y="3130547"/>
+            <a:ext cx="1926173" cy="2423986"/>
+            <a:chOff x="5576436" y="3130547"/>
+            <a:chExt cx="1926173" cy="2423986"/>
           </a:xfrm>
-          <a:prstGeom prst="pie">
-            <a:avLst>
-              <a:gd name="adj1" fmla="val 14056324"/>
-              <a:gd name="adj2" fmla="val 20398635"/>
-            </a:avLst>
-          </a:prstGeom>
-          <a:noFill/>
-          <a:ln>
+        </p:grpSpPr>
+        <p:cxnSp>
+          <p:nvCxnSpPr>
+            <p:cNvPr id="100" name="Straight Arrow Connector 99">
+              <a:extLst>
+                <a:ext uri="{FF2B5EF4-FFF2-40B4-BE49-F238E27FC236}">
+                  <a16:creationId xmlns:a16="http://schemas.microsoft.com/office/drawing/2014/main" id="{61C4921D-7386-C1C4-B1F9-EFF6D5D1251B}"/>
+                </a:ext>
+              </a:extLst>
+            </p:cNvPr>
+            <p:cNvCxnSpPr/>
+            <p:nvPr/>
+          </p:nvCxnSpPr>
+          <p:spPr>
+            <a:xfrm flipH="1" flipV="1">
+              <a:off x="6991665" y="3652472"/>
+              <a:ext cx="142538" cy="446231"/>
+            </a:xfrm>
+            <a:prstGeom prst="straightConnector1">
+              <a:avLst/>
+            </a:prstGeom>
+            <a:noFill/>
+            <a:ln w="38100" cap="flat" cmpd="sng" algn="ctr">
+              <a:solidFill>
+                <a:schemeClr val="accent5"/>
+              </a:solidFill>
+              <a:prstDash val="solid"/>
+              <a:miter lim="800000"/>
+              <a:headEnd type="none"/>
+              <a:tailEnd type="arrow"/>
+            </a:ln>
+            <a:effectLst/>
+          </p:spPr>
+        </p:cxnSp>
+        <p:cxnSp>
+          <p:nvCxnSpPr>
+            <p:cNvPr id="97" name="Straight Arrow Connector 96">
+              <a:extLst>
+                <a:ext uri="{FF2B5EF4-FFF2-40B4-BE49-F238E27FC236}">
+                  <a16:creationId xmlns:a16="http://schemas.microsoft.com/office/drawing/2014/main" id="{82EB7D68-2346-258F-1078-27DB9541FCE5}"/>
+                </a:ext>
+              </a:extLst>
+            </p:cNvPr>
+            <p:cNvCxnSpPr/>
+            <p:nvPr/>
+          </p:nvCxnSpPr>
+          <p:spPr>
+            <a:xfrm flipH="1">
+              <a:off x="6038328" y="3441026"/>
+              <a:ext cx="397349" cy="303002"/>
+            </a:xfrm>
+            <a:prstGeom prst="straightConnector1">
+              <a:avLst/>
+            </a:prstGeom>
+            <a:noFill/>
+            <a:ln w="38100" cap="flat" cmpd="sng" algn="ctr">
+              <a:solidFill>
+                <a:schemeClr val="accent5"/>
+              </a:solidFill>
+              <a:prstDash val="solid"/>
+              <a:miter lim="800000"/>
+              <a:headEnd type="arrow"/>
+              <a:tailEnd type="none"/>
+            </a:ln>
+            <a:effectLst/>
+          </p:spPr>
+        </p:cxnSp>
+        <p:cxnSp>
+          <p:nvCxnSpPr>
+            <p:cNvPr id="80" name="Straight Arrow Connector 79">
+              <a:extLst>
+                <a:ext uri="{FF2B5EF4-FFF2-40B4-BE49-F238E27FC236}">
+                  <a16:creationId xmlns:a16="http://schemas.microsoft.com/office/drawing/2014/main" id="{68592584-C972-8A87-4FCA-CD283135604C}"/>
+                </a:ext>
+              </a:extLst>
+            </p:cNvPr>
+            <p:cNvCxnSpPr/>
+            <p:nvPr/>
+          </p:nvCxnSpPr>
+          <p:spPr>
+            <a:xfrm>
+              <a:off x="5576436" y="4336485"/>
+              <a:ext cx="1828800" cy="0"/>
+            </a:xfrm>
+            <a:prstGeom prst="straightConnector1">
+              <a:avLst/>
+            </a:prstGeom>
+            <a:ln w="25400" cap="sq">
+              <a:solidFill>
+                <a:schemeClr val="bg1">
+                  <a:lumMod val="85000"/>
+                </a:schemeClr>
+              </a:solidFill>
+              <a:prstDash val="solid"/>
+              <a:miter lim="800000"/>
+              <a:tailEnd type="none"/>
+            </a:ln>
+          </p:spPr>
+          <p:style>
+            <a:lnRef idx="1">
+              <a:schemeClr val="accent1"/>
+            </a:lnRef>
+            <a:fillRef idx="0">
+              <a:schemeClr val="accent1"/>
+            </a:fillRef>
+            <a:effectRef idx="0">
+              <a:schemeClr val="accent1"/>
+            </a:effectRef>
+            <a:fontRef idx="minor">
+              <a:schemeClr val="tx1"/>
+            </a:fontRef>
+          </p:style>
+        </p:cxnSp>
+        <p:sp>
+          <p:nvSpPr>
+            <p:cNvPr id="81" name="Pie 32">
+              <a:extLst>
+                <a:ext uri="{FF2B5EF4-FFF2-40B4-BE49-F238E27FC236}">
+                  <a16:creationId xmlns:a16="http://schemas.microsoft.com/office/drawing/2014/main" id="{083E6E03-B925-6ABF-9284-9035EC7FCB23}"/>
+                </a:ext>
+              </a:extLst>
+            </p:cNvPr>
+            <p:cNvSpPr>
+              <a:spLocks noChangeAspect="1"/>
+            </p:cNvSpPr>
+            <p:nvPr/>
+          </p:nvSpPr>
+          <p:spPr>
+            <a:xfrm>
+              <a:off x="5740012" y="3619844"/>
+              <a:ext cx="1444752" cy="1444752"/>
+            </a:xfrm>
+            <a:prstGeom prst="pie">
+              <a:avLst>
+                <a:gd name="adj1" fmla="val 20419494"/>
+                <a:gd name="adj2" fmla="val 14108426"/>
+              </a:avLst>
+            </a:prstGeom>
+            <a:noFill/>
+            <a:ln>
+              <a:solidFill>
+                <a:schemeClr val="tx1"/>
+              </a:solidFill>
+              <a:prstDash val="solid"/>
+            </a:ln>
+          </p:spPr>
+          <p:style>
+            <a:lnRef idx="2">
+              <a:schemeClr val="accent1">
+                <a:shade val="50000"/>
+              </a:schemeClr>
+            </a:lnRef>
+            <a:fillRef idx="1">
+              <a:schemeClr val="accent1"/>
+            </a:fillRef>
+            <a:effectRef idx="0">
+              <a:schemeClr val="accent1"/>
+            </a:effectRef>
+            <a:fontRef idx="minor">
+              <a:schemeClr val="lt1"/>
+            </a:fontRef>
+          </p:style>
+          <p:txBody>
+            <a:bodyPr rtlCol="0" anchor="ctr"/>
+            <a:lstStyle/>
+            <a:p>
+              <a:pPr algn="ctr"/>
+              <a:endParaRPr lang="en-US">
+                <a:solidFill>
+                  <a:schemeClr val="tx1"/>
+                </a:solidFill>
+              </a:endParaRPr>
+            </a:p>
+          </p:txBody>
+        </p:sp>
+        <p:sp>
+          <p:nvSpPr>
+            <p:cNvPr id="82" name="Arc 81">
+              <a:extLst>
+                <a:ext uri="{FF2B5EF4-FFF2-40B4-BE49-F238E27FC236}">
+                  <a16:creationId xmlns:a16="http://schemas.microsoft.com/office/drawing/2014/main" id="{FF547E05-2FBC-43A3-360D-30D0F68B3115}"/>
+                </a:ext>
+              </a:extLst>
+            </p:cNvPr>
+            <p:cNvSpPr>
+              <a:spLocks noChangeAspect="1"/>
+            </p:cNvSpPr>
+            <p:nvPr/>
+          </p:nvSpPr>
+          <p:spPr>
+            <a:xfrm>
+              <a:off x="5736964" y="3615633"/>
+              <a:ext cx="1444752" cy="1444752"/>
+            </a:xfrm>
+            <a:prstGeom prst="arc">
+              <a:avLst>
+                <a:gd name="adj1" fmla="val 20403662"/>
+                <a:gd name="adj2" fmla="val 14049640"/>
+              </a:avLst>
+            </a:prstGeom>
+            <a:ln w="38100">
+              <a:solidFill>
+                <a:schemeClr val="tx1"/>
+              </a:solidFill>
+            </a:ln>
+          </p:spPr>
+          <p:style>
+            <a:lnRef idx="1">
+              <a:schemeClr val="accent1"/>
+            </a:lnRef>
+            <a:fillRef idx="0">
+              <a:schemeClr val="accent1"/>
+            </a:fillRef>
+            <a:effectRef idx="0">
+              <a:schemeClr val="accent1"/>
+            </a:effectRef>
+            <a:fontRef idx="minor">
+              <a:schemeClr val="tx1"/>
+            </a:fontRef>
+          </p:style>
+          <p:txBody>
+            <a:bodyPr rtlCol="0" anchor="ctr"/>
+            <a:lstStyle/>
+            <a:p>
+              <a:pPr algn="ctr"/>
+              <a:endParaRPr lang="en-US"/>
+            </a:p>
+          </p:txBody>
+        </p:sp>
+        <p:sp>
+          <p:nvSpPr>
+            <p:cNvPr id="83" name="Oval 82">
+              <a:extLst>
+                <a:ext uri="{FF2B5EF4-FFF2-40B4-BE49-F238E27FC236}">
+                  <a16:creationId xmlns:a16="http://schemas.microsoft.com/office/drawing/2014/main" id="{0A6A6962-45A7-1659-441D-2767F173B713}"/>
+                </a:ext>
+              </a:extLst>
+            </p:cNvPr>
+            <p:cNvSpPr/>
+            <p:nvPr/>
+          </p:nvSpPr>
+          <p:spPr>
+            <a:xfrm>
+              <a:off x="6410303" y="4290496"/>
+              <a:ext cx="95026" cy="95026"/>
+            </a:xfrm>
+            <a:prstGeom prst="ellipse">
+              <a:avLst/>
+            </a:prstGeom>
             <a:solidFill>
               <a:schemeClr val="tx1"/>
             </a:solidFill>
-            <a:prstDash val="solid"/>
-          </a:ln>
-        </p:spPr>
-        <p:style>
-          <a:lnRef idx="2">
-            <a:schemeClr val="accent1">
-              <a:shade val="50000"/>
-            </a:schemeClr>
-          </a:lnRef>
-          <a:fillRef idx="1">
-            <a:schemeClr val="accent1"/>
-          </a:fillRef>
-          <a:effectRef idx="0">
-            <a:schemeClr val="accent1"/>
-          </a:effectRef>
-          <a:fontRef idx="minor">
-            <a:schemeClr val="lt1"/>
-          </a:fontRef>
-        </p:style>
-        <p:txBody>
-          <a:bodyPr rtlCol="0" anchor="ctr"/>
-          <a:lstStyle/>
-          <a:p>
-            <a:pPr algn="ctr"/>
-            <a:endParaRPr lang="en-US">
+            <a:ln w="25400">
               <a:solidFill>
                 <a:schemeClr val="tx1"/>
               </a:solidFill>
-            </a:endParaRPr>
-          </a:p>
-        </p:txBody>
-      </p:sp>
-      <p:sp>
-        <p:nvSpPr>
-          <p:cNvPr id="67" name="Arc 66">
+            </a:ln>
+          </p:spPr>
+          <p:style>
+            <a:lnRef idx="2">
+              <a:schemeClr val="accent1">
+                <a:shade val="50000"/>
+              </a:schemeClr>
+            </a:lnRef>
+            <a:fillRef idx="1">
+              <a:schemeClr val="accent1"/>
+            </a:fillRef>
+            <a:effectRef idx="0">
+              <a:schemeClr val="accent1"/>
+            </a:effectRef>
+            <a:fontRef idx="minor">
+              <a:schemeClr val="lt1"/>
+            </a:fontRef>
+          </p:style>
+          <p:txBody>
+            <a:bodyPr rtlCol="0" anchor="ctr"/>
+            <a:lstStyle/>
+            <a:p>
+              <a:pPr algn="ctr"/>
+              <a:endParaRPr lang="en-US"/>
+            </a:p>
+          </p:txBody>
+        </p:sp>
+        <mc:AlternateContent xmlns:mc="http://schemas.openxmlformats.org/markup-compatibility/2006">
+          <mc:Choice xmlns:a14="http://schemas.microsoft.com/office/drawing/2010/main" Requires="a14">
+            <p:sp>
+              <p:nvSpPr>
+                <p:cNvPr id="84" name="TextBox 83">
+                  <a:extLst>
+                    <a:ext uri="{FF2B5EF4-FFF2-40B4-BE49-F238E27FC236}">
+                      <a16:creationId xmlns:a16="http://schemas.microsoft.com/office/drawing/2014/main" id="{0B40A733-20E5-455E-D491-B3A7E15EC497}"/>
+                    </a:ext>
+                  </a:extLst>
+                </p:cNvPr>
+                <p:cNvSpPr txBox="1"/>
+                <p:nvPr/>
+              </p:nvSpPr>
+              <p:spPr>
+                <a:xfrm>
+                  <a:off x="7167329" y="3762440"/>
+                  <a:ext cx="335280" cy="369332"/>
+                </a:xfrm>
+                <a:prstGeom prst="rect">
+                  <a:avLst/>
+                </a:prstGeom>
+                <a:noFill/>
+              </p:spPr>
+              <p:txBody>
+                <a:bodyPr wrap="square" rtlCol="0">
+                  <a:spAutoFit/>
+                </a:bodyPr>
+                <a:lstStyle/>
+                <a:p>
+                  <a:pPr/>
+                  <a14:m>
+                    <m:oMathPara xmlns:m="http://schemas.openxmlformats.org/officeDocument/2006/math">
+                      <m:oMathParaPr>
+                        <m:jc m:val="centerGroup"/>
+                      </m:oMathParaPr>
+                      <m:oMath xmlns:m="http://schemas.openxmlformats.org/officeDocument/2006/math">
+                        <m:sSub>
+                          <m:sSubPr>
+                            <m:ctrlPr>
+                              <a:rPr lang="en-US" i="1" smtClean="0">
+                                <a:solidFill>
+                                  <a:schemeClr val="tx1"/>
+                                </a:solidFill>
+                                <a:latin typeface="Cambria Math" panose="02040503050406030204" pitchFamily="18" charset="0"/>
+                              </a:rPr>
+                            </m:ctrlPr>
+                          </m:sSubPr>
+                          <m:e>
+                            <m:acc>
+                              <m:accPr>
+                                <m:chr m:val="⃗"/>
+                                <m:ctrlPr>
+                                  <a:rPr lang="en-US" i="1" smtClean="0">
+                                    <a:solidFill>
+                                      <a:schemeClr val="tx1"/>
+                                    </a:solidFill>
+                                    <a:latin typeface="Cambria Math" panose="02040503050406030204" pitchFamily="18" charset="0"/>
+                                  </a:rPr>
+                                </m:ctrlPr>
+                              </m:accPr>
+                              <m:e>
+                                <m:r>
+                                  <a:rPr lang="en-US" b="0" i="1" smtClean="0">
+                                    <a:solidFill>
+                                      <a:schemeClr val="tx1"/>
+                                    </a:solidFill>
+                                    <a:latin typeface="Cambria Math" panose="02040503050406030204" pitchFamily="18" charset="0"/>
+                                  </a:rPr>
+                                  <m:t>𝑝</m:t>
+                                </m:r>
+                              </m:e>
+                            </m:acc>
+                          </m:e>
+                          <m:sub>
+                            <m:r>
+                              <a:rPr lang="en-US" b="0" i="1" smtClean="0">
+                                <a:solidFill>
+                                  <a:schemeClr val="tx1"/>
+                                </a:solidFill>
+                                <a:latin typeface="Cambria Math" panose="02040503050406030204" pitchFamily="18" charset="0"/>
+                              </a:rPr>
+                              <m:t>1</m:t>
+                            </m:r>
+                          </m:sub>
+                        </m:sSub>
+                      </m:oMath>
+                    </m:oMathPara>
+                  </a14:m>
+                  <a:endParaRPr lang="en-US" dirty="0">
+                    <a:solidFill>
+                      <a:schemeClr val="tx1"/>
+                    </a:solidFill>
+                  </a:endParaRPr>
+                </a:p>
+              </p:txBody>
+            </p:sp>
+          </mc:Choice>
+          <mc:Fallback>
+            <p:sp>
+              <p:nvSpPr>
+                <p:cNvPr id="84" name="TextBox 83">
+                  <a:extLst>
+                    <a:ext uri="{FF2B5EF4-FFF2-40B4-BE49-F238E27FC236}">
+                      <a16:creationId xmlns:a16="http://schemas.microsoft.com/office/drawing/2014/main" id="{0B40A733-20E5-455E-D491-B3A7E15EC497}"/>
+                    </a:ext>
+                  </a:extLst>
+                </p:cNvPr>
+                <p:cNvSpPr txBox="1">
+                  <a:spLocks noRot="1" noChangeAspect="1" noMove="1" noResize="1" noEditPoints="1" noAdjustHandles="1" noChangeArrowheads="1" noChangeShapeType="1" noTextEdit="1"/>
+                </p:cNvSpPr>
+                <p:nvPr/>
+              </p:nvSpPr>
+              <p:spPr>
+                <a:xfrm>
+                  <a:off x="7167329" y="3762440"/>
+                  <a:ext cx="335280" cy="369332"/>
+                </a:xfrm>
+                <a:prstGeom prst="rect">
+                  <a:avLst/>
+                </a:prstGeom>
+                <a:blipFill>
+                  <a:blip r:embed="rId12"/>
+                  <a:stretch>
+                    <a:fillRect t="-22951" r="-23636" b="-6557"/>
+                  </a:stretch>
+                </a:blipFill>
+              </p:spPr>
+              <p:txBody>
+                <a:bodyPr/>
+                <a:lstStyle/>
+                <a:p>
+                  <a:r>
+                    <a:rPr lang="en-US">
+                      <a:noFill/>
+                    </a:rPr>
+                    <a:t> </a:t>
+                  </a:r>
+                </a:p>
+              </p:txBody>
+            </p:sp>
+          </mc:Fallback>
+        </mc:AlternateContent>
+        <mc:AlternateContent xmlns:mc="http://schemas.openxmlformats.org/markup-compatibility/2006">
+          <mc:Choice xmlns:a14="http://schemas.microsoft.com/office/drawing/2010/main" Requires="a14">
+            <p:sp>
+              <p:nvSpPr>
+                <p:cNvPr id="85" name="TextBox 84">
+                  <a:extLst>
+                    <a:ext uri="{FF2B5EF4-FFF2-40B4-BE49-F238E27FC236}">
+                      <a16:creationId xmlns:a16="http://schemas.microsoft.com/office/drawing/2014/main" id="{3F140FEA-9935-0CA4-3F99-279E1AD40403}"/>
+                    </a:ext>
+                  </a:extLst>
+                </p:cNvPr>
+                <p:cNvSpPr txBox="1"/>
+                <p:nvPr/>
+              </p:nvSpPr>
+              <p:spPr>
+                <a:xfrm>
+                  <a:off x="5725221" y="3322726"/>
+                  <a:ext cx="335280" cy="369332"/>
+                </a:xfrm>
+                <a:prstGeom prst="rect">
+                  <a:avLst/>
+                </a:prstGeom>
+                <a:noFill/>
+              </p:spPr>
+              <p:txBody>
+                <a:bodyPr wrap="square" rtlCol="0">
+                  <a:spAutoFit/>
+                </a:bodyPr>
+                <a:lstStyle/>
+                <a:p>
+                  <a:pPr/>
+                  <a14:m>
+                    <m:oMathPara xmlns:m="http://schemas.openxmlformats.org/officeDocument/2006/math">
+                      <m:oMathParaPr>
+                        <m:jc m:val="centerGroup"/>
+                      </m:oMathParaPr>
+                      <m:oMath xmlns:m="http://schemas.openxmlformats.org/officeDocument/2006/math">
+                        <m:sSub>
+                          <m:sSubPr>
+                            <m:ctrlPr>
+                              <a:rPr lang="en-US" i="1" smtClean="0">
+                                <a:solidFill>
+                                  <a:schemeClr val="tx1"/>
+                                </a:solidFill>
+                                <a:latin typeface="Cambria Math" panose="02040503050406030204" pitchFamily="18" charset="0"/>
+                              </a:rPr>
+                            </m:ctrlPr>
+                          </m:sSubPr>
+                          <m:e>
+                            <m:acc>
+                              <m:accPr>
+                                <m:chr m:val="⃗"/>
+                                <m:ctrlPr>
+                                  <a:rPr lang="en-US" i="1" smtClean="0">
+                                    <a:solidFill>
+                                      <a:schemeClr val="tx1"/>
+                                    </a:solidFill>
+                                    <a:latin typeface="Cambria Math" panose="02040503050406030204" pitchFamily="18" charset="0"/>
+                                  </a:rPr>
+                                </m:ctrlPr>
+                              </m:accPr>
+                              <m:e>
+                                <m:r>
+                                  <a:rPr lang="en-US" b="0" i="1" smtClean="0">
+                                    <a:solidFill>
+                                      <a:schemeClr val="tx1"/>
+                                    </a:solidFill>
+                                    <a:latin typeface="Cambria Math" panose="02040503050406030204" pitchFamily="18" charset="0"/>
+                                  </a:rPr>
+                                  <m:t>𝑝</m:t>
+                                </m:r>
+                              </m:e>
+                            </m:acc>
+                          </m:e>
+                          <m:sub>
+                            <m:r>
+                              <a:rPr lang="en-US" b="0" i="1" smtClean="0">
+                                <a:solidFill>
+                                  <a:schemeClr val="tx1"/>
+                                </a:solidFill>
+                                <a:latin typeface="Cambria Math" panose="02040503050406030204" pitchFamily="18" charset="0"/>
+                              </a:rPr>
+                              <m:t>0</m:t>
+                            </m:r>
+                          </m:sub>
+                        </m:sSub>
+                      </m:oMath>
+                    </m:oMathPara>
+                  </a14:m>
+                  <a:endParaRPr lang="en-US" dirty="0">
+                    <a:solidFill>
+                      <a:schemeClr val="tx1"/>
+                    </a:solidFill>
+                  </a:endParaRPr>
+                </a:p>
+              </p:txBody>
+            </p:sp>
+          </mc:Choice>
+          <mc:Fallback>
+            <p:sp>
+              <p:nvSpPr>
+                <p:cNvPr id="85" name="TextBox 84">
+                  <a:extLst>
+                    <a:ext uri="{FF2B5EF4-FFF2-40B4-BE49-F238E27FC236}">
+                      <a16:creationId xmlns:a16="http://schemas.microsoft.com/office/drawing/2014/main" id="{3F140FEA-9935-0CA4-3F99-279E1AD40403}"/>
+                    </a:ext>
+                  </a:extLst>
+                </p:cNvPr>
+                <p:cNvSpPr txBox="1">
+                  <a:spLocks noRot="1" noChangeAspect="1" noMove="1" noResize="1" noEditPoints="1" noAdjustHandles="1" noChangeArrowheads="1" noChangeShapeType="1" noTextEdit="1"/>
+                </p:cNvSpPr>
+                <p:nvPr/>
+              </p:nvSpPr>
+              <p:spPr>
+                <a:xfrm>
+                  <a:off x="5725221" y="3322726"/>
+                  <a:ext cx="335280" cy="369332"/>
+                </a:xfrm>
+                <a:prstGeom prst="rect">
+                  <a:avLst/>
+                </a:prstGeom>
+                <a:blipFill>
+                  <a:blip r:embed="rId13"/>
+                  <a:stretch>
+                    <a:fillRect t="-22951" r="-25455" b="-6557"/>
+                  </a:stretch>
+                </a:blipFill>
+              </p:spPr>
+              <p:txBody>
+                <a:bodyPr/>
+                <a:lstStyle/>
+                <a:p>
+                  <a:r>
+                    <a:rPr lang="en-US">
+                      <a:noFill/>
+                    </a:rPr>
+                    <a:t> </a:t>
+                  </a:r>
+                </a:p>
+              </p:txBody>
+            </p:sp>
+          </mc:Fallback>
+        </mc:AlternateContent>
+        <p:sp>
+          <p:nvSpPr>
+            <p:cNvPr id="86" name="Oval 85">
+              <a:extLst>
+                <a:ext uri="{FF2B5EF4-FFF2-40B4-BE49-F238E27FC236}">
+                  <a16:creationId xmlns:a16="http://schemas.microsoft.com/office/drawing/2014/main" id="{B20A37A5-C256-D9A6-FD97-5F26FBD35B9C}"/>
+                </a:ext>
+              </a:extLst>
+            </p:cNvPr>
+            <p:cNvSpPr/>
+            <p:nvPr/>
+          </p:nvSpPr>
+          <p:spPr>
+            <a:xfrm>
+              <a:off x="6000467" y="3695534"/>
+              <a:ext cx="95026" cy="95026"/>
+            </a:xfrm>
+            <a:prstGeom prst="ellipse">
+              <a:avLst/>
+            </a:prstGeom>
+            <a:solidFill>
+              <a:schemeClr val="tx1"/>
+            </a:solidFill>
+            <a:ln w="25400">
+              <a:solidFill>
+                <a:schemeClr val="tx1"/>
+              </a:solidFill>
+            </a:ln>
+          </p:spPr>
+          <p:style>
+            <a:lnRef idx="2">
+              <a:schemeClr val="accent1">
+                <a:shade val="50000"/>
+              </a:schemeClr>
+            </a:lnRef>
+            <a:fillRef idx="1">
+              <a:schemeClr val="accent1"/>
+            </a:fillRef>
+            <a:effectRef idx="0">
+              <a:schemeClr val="accent1"/>
+            </a:effectRef>
+            <a:fontRef idx="minor">
+              <a:schemeClr val="lt1"/>
+            </a:fontRef>
+          </p:style>
+          <p:txBody>
+            <a:bodyPr rtlCol="0" anchor="ctr"/>
+            <a:lstStyle/>
+            <a:p>
+              <a:pPr algn="ctr"/>
+              <a:endParaRPr lang="en-US"/>
+            </a:p>
+          </p:txBody>
+        </p:sp>
+        <p:sp>
+          <p:nvSpPr>
+            <p:cNvPr id="87" name="Oval 86">
+              <a:extLst>
+                <a:ext uri="{FF2B5EF4-FFF2-40B4-BE49-F238E27FC236}">
+                  <a16:creationId xmlns:a16="http://schemas.microsoft.com/office/drawing/2014/main" id="{486BB8C3-8035-2706-287C-272BFCF6BF71}"/>
+                </a:ext>
+              </a:extLst>
+            </p:cNvPr>
+            <p:cNvSpPr/>
+            <p:nvPr/>
+          </p:nvSpPr>
+          <p:spPr>
+            <a:xfrm>
+              <a:off x="7086690" y="4059867"/>
+              <a:ext cx="95026" cy="95026"/>
+            </a:xfrm>
+            <a:prstGeom prst="ellipse">
+              <a:avLst/>
+            </a:prstGeom>
+            <a:solidFill>
+              <a:schemeClr val="tx1"/>
+            </a:solidFill>
+            <a:ln w="25400">
+              <a:solidFill>
+                <a:schemeClr val="tx1"/>
+              </a:solidFill>
+            </a:ln>
+          </p:spPr>
+          <p:style>
+            <a:lnRef idx="2">
+              <a:schemeClr val="accent1">
+                <a:shade val="50000"/>
+              </a:schemeClr>
+            </a:lnRef>
+            <a:fillRef idx="1">
+              <a:schemeClr val="accent1"/>
+            </a:fillRef>
+            <a:effectRef idx="0">
+              <a:schemeClr val="accent1"/>
+            </a:effectRef>
+            <a:fontRef idx="minor">
+              <a:schemeClr val="lt1"/>
+            </a:fontRef>
+          </p:style>
+          <p:txBody>
+            <a:bodyPr rtlCol="0" anchor="ctr"/>
+            <a:lstStyle/>
+            <a:p>
+              <a:pPr algn="ctr"/>
+              <a:endParaRPr lang="en-US"/>
+            </a:p>
+          </p:txBody>
+        </p:sp>
+        <p:sp>
+          <p:nvSpPr>
+            <p:cNvPr id="88" name="Arc 87">
+              <a:extLst>
+                <a:ext uri="{FF2B5EF4-FFF2-40B4-BE49-F238E27FC236}">
+                  <a16:creationId xmlns:a16="http://schemas.microsoft.com/office/drawing/2014/main" id="{C040AD18-3B90-6CAB-3CD8-97484C872979}"/>
+                </a:ext>
+              </a:extLst>
+            </p:cNvPr>
+            <p:cNvSpPr>
+              <a:spLocks noChangeAspect="1"/>
+            </p:cNvSpPr>
+            <p:nvPr/>
+          </p:nvSpPr>
+          <p:spPr>
+            <a:xfrm>
+              <a:off x="6088328" y="3980092"/>
+              <a:ext cx="744042" cy="749995"/>
+            </a:xfrm>
+            <a:prstGeom prst="arc">
+              <a:avLst>
+                <a:gd name="adj1" fmla="val 20357762"/>
+                <a:gd name="adj2" fmla="val 21364048"/>
+              </a:avLst>
+            </a:prstGeom>
+            <a:ln w="25400">
+              <a:solidFill>
+                <a:schemeClr val="accent6"/>
+              </a:solidFill>
+            </a:ln>
+          </p:spPr>
+          <p:style>
+            <a:lnRef idx="1">
+              <a:schemeClr val="accent1"/>
+            </a:lnRef>
+            <a:fillRef idx="0">
+              <a:schemeClr val="accent1"/>
+            </a:fillRef>
+            <a:effectRef idx="0">
+              <a:schemeClr val="accent1"/>
+            </a:effectRef>
+            <a:fontRef idx="minor">
+              <a:schemeClr val="tx1"/>
+            </a:fontRef>
+          </p:style>
+          <p:txBody>
+            <a:bodyPr rtlCol="0" anchor="ctr"/>
+            <a:lstStyle/>
+            <a:p>
+              <a:pPr algn="ctr"/>
+              <a:endParaRPr lang="en-US"/>
+            </a:p>
+          </p:txBody>
+        </p:sp>
+        <mc:AlternateContent xmlns:mc="http://schemas.openxmlformats.org/markup-compatibility/2006">
+          <mc:Choice xmlns:a14="http://schemas.microsoft.com/office/drawing/2010/main" Requires="a14">
+            <p:sp>
+              <p:nvSpPr>
+                <p:cNvPr id="89" name="TextBox 88">
+                  <a:extLst>
+                    <a:ext uri="{FF2B5EF4-FFF2-40B4-BE49-F238E27FC236}">
+                      <a16:creationId xmlns:a16="http://schemas.microsoft.com/office/drawing/2014/main" id="{81AA9AAA-ABEB-7201-5BB8-5562BAACA3CD}"/>
+                    </a:ext>
+                  </a:extLst>
+                </p:cNvPr>
+                <p:cNvSpPr txBox="1"/>
+                <p:nvPr/>
+              </p:nvSpPr>
+              <p:spPr>
+                <a:xfrm>
+                  <a:off x="6324690" y="3603032"/>
+                  <a:ext cx="762000" cy="369332"/>
+                </a:xfrm>
+                <a:prstGeom prst="rect">
+                  <a:avLst/>
+                </a:prstGeom>
+                <a:noFill/>
+              </p:spPr>
+              <p:txBody>
+                <a:bodyPr wrap="square" rtlCol="0">
+                  <a:spAutoFit/>
+                </a:bodyPr>
+                <a:lstStyle/>
+                <a:p>
+                  <a:pPr/>
+                  <a14:m>
+                    <m:oMathPara xmlns:m="http://schemas.openxmlformats.org/officeDocument/2006/math">
+                      <m:oMathParaPr>
+                        <m:jc m:val="centerGroup"/>
+                      </m:oMathParaPr>
+                      <m:oMath xmlns:m="http://schemas.openxmlformats.org/officeDocument/2006/math">
+                        <m:sSub>
+                          <m:sSubPr>
+                            <m:ctrlPr>
+                              <a:rPr lang="en-US" i="1" smtClean="0">
+                                <a:solidFill>
+                                  <a:srgbClr val="FF00FF"/>
+                                </a:solidFill>
+                                <a:latin typeface="Cambria Math" panose="02040503050406030204" pitchFamily="18" charset="0"/>
+                              </a:rPr>
+                            </m:ctrlPr>
+                          </m:sSubPr>
+                          <m:e>
+                            <m:r>
+                              <a:rPr lang="en-US" i="1" smtClean="0">
+                                <a:solidFill>
+                                  <a:srgbClr val="FF00FF"/>
+                                </a:solidFill>
+                                <a:latin typeface="Cambria Math" panose="02040503050406030204" pitchFamily="18" charset="0"/>
+                                <a:ea typeface="Cambria Math" panose="02040503050406030204" pitchFamily="18" charset="0"/>
+                              </a:rPr>
+                              <m:t>𝛼</m:t>
+                            </m:r>
+                          </m:e>
+                          <m:sub>
+                            <m:r>
+                              <a:rPr lang="en-US" b="0" i="1" smtClean="0">
+                                <a:solidFill>
+                                  <a:srgbClr val="FF00FF"/>
+                                </a:solidFill>
+                                <a:latin typeface="Cambria Math" panose="02040503050406030204" pitchFamily="18" charset="0"/>
+                              </a:rPr>
+                              <m:t>0</m:t>
+                            </m:r>
+                          </m:sub>
+                        </m:sSub>
+                      </m:oMath>
+                    </m:oMathPara>
+                  </a14:m>
+                  <a:endParaRPr lang="en-US" dirty="0">
+                    <a:solidFill>
+                      <a:schemeClr val="accent1"/>
+                    </a:solidFill>
+                  </a:endParaRPr>
+                </a:p>
+              </p:txBody>
+            </p:sp>
+          </mc:Choice>
+          <mc:Fallback>
+            <p:sp>
+              <p:nvSpPr>
+                <p:cNvPr id="89" name="TextBox 88">
+                  <a:extLst>
+                    <a:ext uri="{FF2B5EF4-FFF2-40B4-BE49-F238E27FC236}">
+                      <a16:creationId xmlns:a16="http://schemas.microsoft.com/office/drawing/2014/main" id="{81AA9AAA-ABEB-7201-5BB8-5562BAACA3CD}"/>
+                    </a:ext>
+                  </a:extLst>
+                </p:cNvPr>
+                <p:cNvSpPr txBox="1">
+                  <a:spLocks noRot="1" noChangeAspect="1" noMove="1" noResize="1" noEditPoints="1" noAdjustHandles="1" noChangeArrowheads="1" noChangeShapeType="1" noTextEdit="1"/>
+                </p:cNvSpPr>
+                <p:nvPr/>
+              </p:nvSpPr>
+              <p:spPr>
+                <a:xfrm>
+                  <a:off x="6324690" y="3603032"/>
+                  <a:ext cx="762000" cy="369332"/>
+                </a:xfrm>
+                <a:prstGeom prst="rect">
+                  <a:avLst/>
+                </a:prstGeom>
+                <a:blipFill>
+                  <a:blip r:embed="rId14"/>
+                  <a:stretch>
+                    <a:fillRect/>
+                  </a:stretch>
+                </a:blipFill>
+              </p:spPr>
+              <p:txBody>
+                <a:bodyPr/>
+                <a:lstStyle/>
+                <a:p>
+                  <a:r>
+                    <a:rPr lang="en-US">
+                      <a:noFill/>
+                    </a:rPr>
+                    <a:t> </a:t>
+                  </a:r>
+                </a:p>
+              </p:txBody>
+            </p:sp>
+          </mc:Fallback>
+        </mc:AlternateContent>
+        <mc:AlternateContent xmlns:mc="http://schemas.openxmlformats.org/markup-compatibility/2006">
+          <mc:Choice xmlns:a14="http://schemas.microsoft.com/office/drawing/2010/main" Requires="a14">
+            <p:sp>
+              <p:nvSpPr>
+                <p:cNvPr id="90" name="TextBox 89">
+                  <a:extLst>
+                    <a:ext uri="{FF2B5EF4-FFF2-40B4-BE49-F238E27FC236}">
+                      <a16:creationId xmlns:a16="http://schemas.microsoft.com/office/drawing/2014/main" id="{33C6C946-2E46-833C-B695-C41A3686910A}"/>
+                    </a:ext>
+                  </a:extLst>
+                </p:cNvPr>
+                <p:cNvSpPr txBox="1"/>
+                <p:nvPr/>
+              </p:nvSpPr>
+              <p:spPr>
+                <a:xfrm>
+                  <a:off x="5700775" y="5185201"/>
+                  <a:ext cx="1684528" cy="369332"/>
+                </a:xfrm>
+                <a:prstGeom prst="rect">
+                  <a:avLst/>
+                </a:prstGeom>
+                <a:noFill/>
+              </p:spPr>
+              <p:txBody>
+                <a:bodyPr wrap="square" rtlCol="0">
+                  <a:spAutoFit/>
+                </a:bodyPr>
+                <a:lstStyle/>
+                <a:p>
+                  <a:pPr/>
+                  <a14:m>
+                    <m:oMathPara xmlns:m="http://schemas.openxmlformats.org/officeDocument/2006/math">
+                      <m:oMathParaPr>
+                        <m:jc m:val="center"/>
+                      </m:oMathParaPr>
+                      <m:oMath xmlns:m="http://schemas.openxmlformats.org/officeDocument/2006/math">
+                        <m:sSub>
+                          <m:sSubPr>
+                            <m:ctrlPr>
+                              <a:rPr lang="en-US" i="1" smtClean="0">
+                                <a:solidFill>
+                                  <a:srgbClr val="FF00FF"/>
+                                </a:solidFill>
+                                <a:latin typeface="Cambria Math" panose="02040503050406030204" pitchFamily="18" charset="0"/>
+                              </a:rPr>
+                            </m:ctrlPr>
+                          </m:sSubPr>
+                          <m:e>
+                            <m:r>
+                              <a:rPr lang="en-US" i="1">
+                                <a:solidFill>
+                                  <a:srgbClr val="FF00FF"/>
+                                </a:solidFill>
+                                <a:latin typeface="Cambria Math" panose="02040503050406030204" pitchFamily="18" charset="0"/>
+                                <a:ea typeface="Cambria Math" panose="02040503050406030204" pitchFamily="18" charset="0"/>
+                              </a:rPr>
+                              <m:t>𝛼</m:t>
+                            </m:r>
+                          </m:e>
+                          <m:sub>
+                            <m:r>
+                              <a:rPr lang="en-US" i="1">
+                                <a:solidFill>
+                                  <a:srgbClr val="FF00FF"/>
+                                </a:solidFill>
+                                <a:latin typeface="Cambria Math" panose="02040503050406030204" pitchFamily="18" charset="0"/>
+                              </a:rPr>
+                              <m:t>0</m:t>
+                            </m:r>
+                          </m:sub>
+                        </m:sSub>
+                        <m:r>
+                          <a:rPr lang="en-US" b="0" i="0" smtClean="0">
+                            <a:latin typeface="Cambria Math" panose="02040503050406030204" pitchFamily="18" charset="0"/>
+                          </a:rPr>
+                          <m:t>&gt;</m:t>
+                        </m:r>
+                        <m:sSub>
+                          <m:sSubPr>
+                            <m:ctrlPr>
+                              <a:rPr lang="en-US" i="1" smtClean="0">
+                                <a:solidFill>
+                                  <a:schemeClr val="accent6"/>
+                                </a:solidFill>
+                                <a:latin typeface="Cambria Math" panose="02040503050406030204" pitchFamily="18" charset="0"/>
+                              </a:rPr>
+                            </m:ctrlPr>
+                          </m:sSubPr>
+                          <m:e>
+                            <m:r>
+                              <a:rPr lang="en-US" i="1">
+                                <a:solidFill>
+                                  <a:schemeClr val="accent6"/>
+                                </a:solidFill>
+                                <a:latin typeface="Cambria Math" panose="02040503050406030204" pitchFamily="18" charset="0"/>
+                                <a:ea typeface="Cambria Math" panose="02040503050406030204" pitchFamily="18" charset="0"/>
+                              </a:rPr>
+                              <m:t>𝛼</m:t>
+                            </m:r>
+                          </m:e>
+                          <m:sub>
+                            <m:r>
+                              <a:rPr lang="en-US" i="1">
+                                <a:solidFill>
+                                  <a:schemeClr val="accent6"/>
+                                </a:solidFill>
+                                <a:latin typeface="Cambria Math" panose="02040503050406030204" pitchFamily="18" charset="0"/>
+                              </a:rPr>
+                              <m:t>1</m:t>
+                            </m:r>
+                          </m:sub>
+                        </m:sSub>
+                      </m:oMath>
+                    </m:oMathPara>
+                  </a14:m>
+                  <a:endParaRPr lang="en-US" dirty="0"/>
+                </a:p>
+              </p:txBody>
+            </p:sp>
+          </mc:Choice>
+          <mc:Fallback>
+            <p:sp>
+              <p:nvSpPr>
+                <p:cNvPr id="90" name="TextBox 89">
+                  <a:extLst>
+                    <a:ext uri="{FF2B5EF4-FFF2-40B4-BE49-F238E27FC236}">
+                      <a16:creationId xmlns:a16="http://schemas.microsoft.com/office/drawing/2014/main" id="{33C6C946-2E46-833C-B695-C41A3686910A}"/>
+                    </a:ext>
+                  </a:extLst>
+                </p:cNvPr>
+                <p:cNvSpPr txBox="1">
+                  <a:spLocks noRot="1" noChangeAspect="1" noMove="1" noResize="1" noEditPoints="1" noAdjustHandles="1" noChangeArrowheads="1" noChangeShapeType="1" noTextEdit="1"/>
+                </p:cNvSpPr>
+                <p:nvPr/>
+              </p:nvSpPr>
+              <p:spPr>
+                <a:xfrm>
+                  <a:off x="5700775" y="5185201"/>
+                  <a:ext cx="1684528" cy="369332"/>
+                </a:xfrm>
+                <a:prstGeom prst="rect">
+                  <a:avLst/>
+                </a:prstGeom>
+                <a:blipFill>
+                  <a:blip r:embed="rId15"/>
+                  <a:stretch>
+                    <a:fillRect/>
+                  </a:stretch>
+                </a:blipFill>
+              </p:spPr>
+              <p:txBody>
+                <a:bodyPr/>
+                <a:lstStyle/>
+                <a:p>
+                  <a:r>
+                    <a:rPr lang="en-US">
+                      <a:noFill/>
+                    </a:rPr>
+                    <a:t> </a:t>
+                  </a:r>
+                </a:p>
+              </p:txBody>
+            </p:sp>
+          </mc:Fallback>
+        </mc:AlternateContent>
+        <p:sp>
+          <p:nvSpPr>
+            <p:cNvPr id="91" name="Arc 90">
+              <a:extLst>
+                <a:ext uri="{FF2B5EF4-FFF2-40B4-BE49-F238E27FC236}">
+                  <a16:creationId xmlns:a16="http://schemas.microsoft.com/office/drawing/2014/main" id="{9AD7EC49-1E43-E19A-9B05-DDE37066B454}"/>
+                </a:ext>
+              </a:extLst>
+            </p:cNvPr>
+            <p:cNvSpPr>
+              <a:spLocks noChangeAspect="1"/>
+            </p:cNvSpPr>
+            <p:nvPr/>
+          </p:nvSpPr>
+          <p:spPr>
+            <a:xfrm>
+              <a:off x="6026763" y="3901829"/>
+              <a:ext cx="862106" cy="869004"/>
+            </a:xfrm>
+            <a:prstGeom prst="arc">
+              <a:avLst>
+                <a:gd name="adj1" fmla="val 14083375"/>
+                <a:gd name="adj2" fmla="val 0"/>
+              </a:avLst>
+            </a:prstGeom>
+            <a:ln w="25400">
+              <a:solidFill>
+                <a:srgbClr val="FF00FF"/>
+              </a:solidFill>
+              <a:headEnd type="none"/>
+            </a:ln>
+          </p:spPr>
+          <p:style>
+            <a:lnRef idx="1">
+              <a:schemeClr val="accent1"/>
+            </a:lnRef>
+            <a:fillRef idx="0">
+              <a:schemeClr val="accent1"/>
+            </a:fillRef>
+            <a:effectRef idx="0">
+              <a:schemeClr val="accent1"/>
+            </a:effectRef>
+            <a:fontRef idx="minor">
+              <a:schemeClr val="tx1"/>
+            </a:fontRef>
+          </p:style>
+          <p:txBody>
+            <a:bodyPr rtlCol="0" anchor="ctr"/>
+            <a:lstStyle/>
+            <a:p>
+              <a:pPr algn="ctr"/>
+              <a:endParaRPr lang="en-US"/>
+            </a:p>
+          </p:txBody>
+        </p:sp>
+        <mc:AlternateContent xmlns:mc="http://schemas.openxmlformats.org/markup-compatibility/2006">
+          <mc:Choice xmlns:a14="http://schemas.microsoft.com/office/drawing/2010/main" Requires="a14">
+            <p:sp>
+              <p:nvSpPr>
+                <p:cNvPr id="92" name="TextBox 91">
+                  <a:extLst>
+                    <a:ext uri="{FF2B5EF4-FFF2-40B4-BE49-F238E27FC236}">
+                      <a16:creationId xmlns:a16="http://schemas.microsoft.com/office/drawing/2014/main" id="{331B7D26-3F53-C340-C792-4034B245047B}"/>
+                    </a:ext>
+                  </a:extLst>
+                </p:cNvPr>
+                <p:cNvSpPr txBox="1"/>
+                <p:nvPr/>
+              </p:nvSpPr>
+              <p:spPr>
+                <a:xfrm>
+                  <a:off x="6808477" y="4032208"/>
+                  <a:ext cx="419251" cy="369332"/>
+                </a:xfrm>
+                <a:prstGeom prst="rect">
+                  <a:avLst/>
+                </a:prstGeom>
+                <a:noFill/>
+              </p:spPr>
+              <p:txBody>
+                <a:bodyPr wrap="square" rtlCol="0">
+                  <a:spAutoFit/>
+                </a:bodyPr>
+                <a:lstStyle/>
+                <a:p>
+                  <a:pPr/>
+                  <a14:m>
+                    <m:oMathPara xmlns:m="http://schemas.openxmlformats.org/officeDocument/2006/math">
+                      <m:oMathParaPr>
+                        <m:jc m:val="centerGroup"/>
+                      </m:oMathParaPr>
+                      <m:oMath xmlns:m="http://schemas.openxmlformats.org/officeDocument/2006/math">
+                        <m:sSub>
+                          <m:sSubPr>
+                            <m:ctrlPr>
+                              <a:rPr lang="en-US" i="1" smtClean="0">
+                                <a:solidFill>
+                                  <a:schemeClr val="accent6"/>
+                                </a:solidFill>
+                                <a:latin typeface="Cambria Math" panose="02040503050406030204" pitchFamily="18" charset="0"/>
+                              </a:rPr>
+                            </m:ctrlPr>
+                          </m:sSubPr>
+                          <m:e>
+                            <m:r>
+                              <a:rPr lang="en-US" i="1" smtClean="0">
+                                <a:solidFill>
+                                  <a:schemeClr val="accent6"/>
+                                </a:solidFill>
+                                <a:latin typeface="Cambria Math" panose="02040503050406030204" pitchFamily="18" charset="0"/>
+                                <a:ea typeface="Cambria Math" panose="02040503050406030204" pitchFamily="18" charset="0"/>
+                              </a:rPr>
+                              <m:t>𝛼</m:t>
+                            </m:r>
+                          </m:e>
+                          <m:sub>
+                            <m:r>
+                              <a:rPr lang="en-US" b="0" i="1" smtClean="0">
+                                <a:solidFill>
+                                  <a:schemeClr val="accent6"/>
+                                </a:solidFill>
+                                <a:latin typeface="Cambria Math" panose="02040503050406030204" pitchFamily="18" charset="0"/>
+                              </a:rPr>
+                              <m:t>1</m:t>
+                            </m:r>
+                          </m:sub>
+                        </m:sSub>
+                      </m:oMath>
+                    </m:oMathPara>
+                  </a14:m>
+                  <a:endParaRPr lang="en-US" dirty="0">
+                    <a:solidFill>
+                      <a:schemeClr val="accent6"/>
+                    </a:solidFill>
+                  </a:endParaRPr>
+                </a:p>
+              </p:txBody>
+            </p:sp>
+          </mc:Choice>
+          <mc:Fallback>
+            <p:sp>
+              <p:nvSpPr>
+                <p:cNvPr id="92" name="TextBox 91">
+                  <a:extLst>
+                    <a:ext uri="{FF2B5EF4-FFF2-40B4-BE49-F238E27FC236}">
+                      <a16:creationId xmlns:a16="http://schemas.microsoft.com/office/drawing/2014/main" id="{331B7D26-3F53-C340-C792-4034B245047B}"/>
+                    </a:ext>
+                  </a:extLst>
+                </p:cNvPr>
+                <p:cNvSpPr txBox="1">
+                  <a:spLocks noRot="1" noChangeAspect="1" noMove="1" noResize="1" noEditPoints="1" noAdjustHandles="1" noChangeArrowheads="1" noChangeShapeType="1" noTextEdit="1"/>
+                </p:cNvSpPr>
+                <p:nvPr/>
+              </p:nvSpPr>
+              <p:spPr>
+                <a:xfrm>
+                  <a:off x="6808477" y="4032208"/>
+                  <a:ext cx="419251" cy="369332"/>
+                </a:xfrm>
+                <a:prstGeom prst="rect">
+                  <a:avLst/>
+                </a:prstGeom>
+                <a:blipFill>
+                  <a:blip r:embed="rId16"/>
+                  <a:stretch>
+                    <a:fillRect/>
+                  </a:stretch>
+                </a:blipFill>
+              </p:spPr>
+              <p:txBody>
+                <a:bodyPr/>
+                <a:lstStyle/>
+                <a:p>
+                  <a:r>
+                    <a:rPr lang="en-US">
+                      <a:noFill/>
+                    </a:rPr>
+                    <a:t> </a:t>
+                  </a:r>
+                </a:p>
+              </p:txBody>
+            </p:sp>
+          </mc:Fallback>
+        </mc:AlternateContent>
+        <mc:AlternateContent xmlns:mc="http://schemas.openxmlformats.org/markup-compatibility/2006">
+          <mc:Choice xmlns:a14="http://schemas.microsoft.com/office/drawing/2010/main" Requires="a14">
+            <p:sp>
+              <p:nvSpPr>
+                <p:cNvPr id="98" name="TextBox 97">
+                  <a:extLst>
+                    <a:ext uri="{FF2B5EF4-FFF2-40B4-BE49-F238E27FC236}">
+                      <a16:creationId xmlns:a16="http://schemas.microsoft.com/office/drawing/2014/main" id="{04750BFA-0526-2D6C-6CF5-C656C9DEC60A}"/>
+                    </a:ext>
+                  </a:extLst>
+                </p:cNvPr>
+                <p:cNvSpPr txBox="1"/>
+                <p:nvPr/>
+              </p:nvSpPr>
+              <p:spPr>
+                <a:xfrm>
+                  <a:off x="6711104" y="3305115"/>
+                  <a:ext cx="448734" cy="369332"/>
+                </a:xfrm>
+                <a:prstGeom prst="rect">
+                  <a:avLst/>
+                </a:prstGeom>
+                <a:noFill/>
+              </p:spPr>
+              <p:txBody>
+                <a:bodyPr wrap="square" rtlCol="0">
+                  <a:spAutoFit/>
+                </a:bodyPr>
+                <a:lstStyle/>
+                <a:p>
+                  <a:pPr/>
+                  <a14:m>
+                    <m:oMathPara xmlns:m="http://schemas.openxmlformats.org/officeDocument/2006/math">
+                      <m:oMathParaPr>
+                        <m:jc m:val="centerGroup"/>
+                      </m:oMathParaPr>
+                      <m:oMath xmlns:m="http://schemas.openxmlformats.org/officeDocument/2006/math">
+                        <m:sSub>
+                          <m:sSubPr>
+                            <m:ctrlPr>
+                              <a:rPr lang="en-US" i="1" smtClean="0">
+                                <a:solidFill>
+                                  <a:schemeClr val="accent5"/>
+                                </a:solidFill>
+                                <a:latin typeface="Cambria Math" panose="02040503050406030204" pitchFamily="18" charset="0"/>
+                              </a:rPr>
+                            </m:ctrlPr>
+                          </m:sSubPr>
+                          <m:e>
+                            <m:acc>
+                              <m:accPr>
+                                <m:chr m:val="̂"/>
+                                <m:ctrlPr>
+                                  <a:rPr lang="en-US" i="1" smtClean="0">
+                                    <a:solidFill>
+                                      <a:schemeClr val="accent5"/>
+                                    </a:solidFill>
+                                    <a:latin typeface="Cambria Math" panose="02040503050406030204" pitchFamily="18" charset="0"/>
+                                  </a:rPr>
+                                </m:ctrlPr>
+                              </m:accPr>
+                              <m:e>
+                                <m:r>
+                                  <a:rPr lang="en-US" b="0" i="1" smtClean="0">
+                                    <a:solidFill>
+                                      <a:schemeClr val="accent5"/>
+                                    </a:solidFill>
+                                    <a:latin typeface="Cambria Math" panose="02040503050406030204" pitchFamily="18" charset="0"/>
+                                  </a:rPr>
+                                  <m:t>𝑡</m:t>
+                                </m:r>
+                              </m:e>
+                            </m:acc>
+                          </m:e>
+                          <m:sub>
+                            <m:r>
+                              <a:rPr lang="en-US" b="0" i="1" smtClean="0">
+                                <a:solidFill>
+                                  <a:schemeClr val="accent5"/>
+                                </a:solidFill>
+                                <a:latin typeface="Cambria Math" panose="02040503050406030204" pitchFamily="18" charset="0"/>
+                              </a:rPr>
+                              <m:t>1</m:t>
+                            </m:r>
+                          </m:sub>
+                        </m:sSub>
+                      </m:oMath>
+                    </m:oMathPara>
+                  </a14:m>
+                  <a:endParaRPr lang="en-US" dirty="0">
+                    <a:solidFill>
+                      <a:schemeClr val="accent5"/>
+                    </a:solidFill>
+                  </a:endParaRPr>
+                </a:p>
+              </p:txBody>
+            </p:sp>
+          </mc:Choice>
+          <mc:Fallback>
+            <p:sp>
+              <p:nvSpPr>
+                <p:cNvPr id="98" name="TextBox 97">
+                  <a:extLst>
+                    <a:ext uri="{FF2B5EF4-FFF2-40B4-BE49-F238E27FC236}">
+                      <a16:creationId xmlns:a16="http://schemas.microsoft.com/office/drawing/2014/main" id="{04750BFA-0526-2D6C-6CF5-C656C9DEC60A}"/>
+                    </a:ext>
+                  </a:extLst>
+                </p:cNvPr>
+                <p:cNvSpPr txBox="1">
+                  <a:spLocks noRot="1" noChangeAspect="1" noMove="1" noResize="1" noEditPoints="1" noAdjustHandles="1" noChangeArrowheads="1" noChangeShapeType="1" noTextEdit="1"/>
+                </p:cNvSpPr>
+                <p:nvPr/>
+              </p:nvSpPr>
+              <p:spPr>
+                <a:xfrm>
+                  <a:off x="6711104" y="3305115"/>
+                  <a:ext cx="448734" cy="369332"/>
+                </a:xfrm>
+                <a:prstGeom prst="rect">
+                  <a:avLst/>
+                </a:prstGeom>
+                <a:blipFill>
+                  <a:blip r:embed="rId17"/>
+                  <a:stretch>
+                    <a:fillRect t="-13115" r="-24324"/>
+                  </a:stretch>
+                </a:blipFill>
+              </p:spPr>
+              <p:txBody>
+                <a:bodyPr/>
+                <a:lstStyle/>
+                <a:p>
+                  <a:r>
+                    <a:rPr lang="en-US">
+                      <a:noFill/>
+                    </a:rPr>
+                    <a:t> </a:t>
+                  </a:r>
+                </a:p>
+              </p:txBody>
+            </p:sp>
+          </mc:Fallback>
+        </mc:AlternateContent>
+        <mc:AlternateContent xmlns:mc="http://schemas.openxmlformats.org/markup-compatibility/2006">
+          <mc:Choice xmlns:a14="http://schemas.microsoft.com/office/drawing/2010/main" Requires="a14">
+            <p:sp>
+              <p:nvSpPr>
+                <p:cNvPr id="99" name="TextBox 98">
+                  <a:extLst>
+                    <a:ext uri="{FF2B5EF4-FFF2-40B4-BE49-F238E27FC236}">
+                      <a16:creationId xmlns:a16="http://schemas.microsoft.com/office/drawing/2014/main" id="{F9C14178-B7EA-03C6-9A8A-3251DDCDD4A2}"/>
+                    </a:ext>
+                  </a:extLst>
+                </p:cNvPr>
+                <p:cNvSpPr txBox="1"/>
+                <p:nvPr/>
+              </p:nvSpPr>
+              <p:spPr>
+                <a:xfrm>
+                  <a:off x="6264342" y="3130547"/>
+                  <a:ext cx="448734" cy="369332"/>
+                </a:xfrm>
+                <a:prstGeom prst="rect">
+                  <a:avLst/>
+                </a:prstGeom>
+                <a:noFill/>
+              </p:spPr>
+              <p:txBody>
+                <a:bodyPr wrap="square" rtlCol="0">
+                  <a:spAutoFit/>
+                </a:bodyPr>
+                <a:lstStyle/>
+                <a:p>
+                  <a:pPr/>
+                  <a14:m>
+                    <m:oMathPara xmlns:m="http://schemas.openxmlformats.org/officeDocument/2006/math">
+                      <m:oMathParaPr>
+                        <m:jc m:val="centerGroup"/>
+                      </m:oMathParaPr>
+                      <m:oMath xmlns:m="http://schemas.openxmlformats.org/officeDocument/2006/math">
+                        <m:sSub>
+                          <m:sSubPr>
+                            <m:ctrlPr>
+                              <a:rPr lang="en-US" i="1" smtClean="0">
+                                <a:solidFill>
+                                  <a:schemeClr val="accent5"/>
+                                </a:solidFill>
+                                <a:latin typeface="Cambria Math" panose="02040503050406030204" pitchFamily="18" charset="0"/>
+                              </a:rPr>
+                            </m:ctrlPr>
+                          </m:sSubPr>
+                          <m:e>
+                            <m:acc>
+                              <m:accPr>
+                                <m:chr m:val="̂"/>
+                                <m:ctrlPr>
+                                  <a:rPr lang="en-US" i="1" smtClean="0">
+                                    <a:solidFill>
+                                      <a:schemeClr val="accent5"/>
+                                    </a:solidFill>
+                                    <a:latin typeface="Cambria Math" panose="02040503050406030204" pitchFamily="18" charset="0"/>
+                                  </a:rPr>
+                                </m:ctrlPr>
+                              </m:accPr>
+                              <m:e>
+                                <m:r>
+                                  <a:rPr lang="en-US" b="0" i="1" smtClean="0">
+                                    <a:solidFill>
+                                      <a:schemeClr val="accent5"/>
+                                    </a:solidFill>
+                                    <a:latin typeface="Cambria Math" panose="02040503050406030204" pitchFamily="18" charset="0"/>
+                                  </a:rPr>
+                                  <m:t>𝑡</m:t>
+                                </m:r>
+                              </m:e>
+                            </m:acc>
+                          </m:e>
+                          <m:sub>
+                            <m:r>
+                              <a:rPr lang="en-US" b="0" i="1" smtClean="0">
+                                <a:solidFill>
+                                  <a:schemeClr val="accent5"/>
+                                </a:solidFill>
+                                <a:latin typeface="Cambria Math" panose="02040503050406030204" pitchFamily="18" charset="0"/>
+                              </a:rPr>
+                              <m:t>0</m:t>
+                            </m:r>
+                          </m:sub>
+                        </m:sSub>
+                      </m:oMath>
+                    </m:oMathPara>
+                  </a14:m>
+                  <a:endParaRPr lang="en-US" dirty="0">
+                    <a:solidFill>
+                      <a:schemeClr val="accent5"/>
+                    </a:solidFill>
+                  </a:endParaRPr>
+                </a:p>
+              </p:txBody>
+            </p:sp>
+          </mc:Choice>
+          <mc:Fallback>
+            <p:sp>
+              <p:nvSpPr>
+                <p:cNvPr id="99" name="TextBox 98">
+                  <a:extLst>
+                    <a:ext uri="{FF2B5EF4-FFF2-40B4-BE49-F238E27FC236}">
+                      <a16:creationId xmlns:a16="http://schemas.microsoft.com/office/drawing/2014/main" id="{F9C14178-B7EA-03C6-9A8A-3251DDCDD4A2}"/>
+                    </a:ext>
+                  </a:extLst>
+                </p:cNvPr>
+                <p:cNvSpPr txBox="1">
+                  <a:spLocks noRot="1" noChangeAspect="1" noMove="1" noResize="1" noEditPoints="1" noAdjustHandles="1" noChangeArrowheads="1" noChangeShapeType="1" noTextEdit="1"/>
+                </p:cNvSpPr>
+                <p:nvPr/>
+              </p:nvSpPr>
+              <p:spPr>
+                <a:xfrm>
+                  <a:off x="6264342" y="3130547"/>
+                  <a:ext cx="448734" cy="369332"/>
+                </a:xfrm>
+                <a:prstGeom prst="rect">
+                  <a:avLst/>
+                </a:prstGeom>
+                <a:blipFill>
+                  <a:blip r:embed="rId18"/>
+                  <a:stretch>
+                    <a:fillRect t="-13333" r="-26027"/>
+                  </a:stretch>
+                </a:blipFill>
+              </p:spPr>
+              <p:txBody>
+                <a:bodyPr/>
+                <a:lstStyle/>
+                <a:p>
+                  <a:r>
+                    <a:rPr lang="en-US">
+                      <a:noFill/>
+                    </a:rPr>
+                    <a:t> </a:t>
+                  </a:r>
+                </a:p>
+              </p:txBody>
+            </p:sp>
+          </mc:Fallback>
+        </mc:AlternateContent>
+      </p:grpSp>
+      <p:grpSp>
+        <p:nvGrpSpPr>
+          <p:cNvPr id="3" name="Group 2">
             <a:extLst>
               <a:ext uri="{FF2B5EF4-FFF2-40B4-BE49-F238E27FC236}">
-                <a16:creationId xmlns:a16="http://schemas.microsoft.com/office/drawing/2014/main" id="{83DBEBA2-2F69-FB2C-75B5-9FF55FBA75D0}"/>
+                <a16:creationId xmlns:a16="http://schemas.microsoft.com/office/drawing/2014/main" id="{4F0C50C3-0627-2BC8-8E3B-C1BFD849A958}"/>
               </a:ext>
             </a:extLst>
           </p:cNvPr>
-          <p:cNvSpPr>
-            <a:spLocks noChangeAspect="1"/>
-          </p:cNvSpPr>
+          <p:cNvGrpSpPr/>
           <p:nvPr/>
-        </p:nvSpPr>
-        <p:spPr>
+        </p:nvGrpSpPr>
+        <p:grpSpPr>
           <a:xfrm>
-            <a:off x="2765164" y="3958850"/>
-            <a:ext cx="1444752" cy="1444752"/>
+            <a:off x="2353638" y="3630437"/>
+            <a:ext cx="2296529" cy="1773165"/>
+            <a:chOff x="2353638" y="3630437"/>
+            <a:chExt cx="2296529" cy="1773165"/>
           </a:xfrm>
-          <a:prstGeom prst="arc">
-            <a:avLst>
-              <a:gd name="adj1" fmla="val 14056356"/>
-              <a:gd name="adj2" fmla="val 20443668"/>
-            </a:avLst>
-          </a:prstGeom>
-          <a:ln w="38100">
+        </p:grpSpPr>
+        <mc:AlternateContent xmlns:mc="http://schemas.openxmlformats.org/markup-compatibility/2006">
+          <mc:Choice xmlns:a14="http://schemas.microsoft.com/office/drawing/2010/main" Requires="a14">
+            <p:sp>
+              <p:nvSpPr>
+                <p:cNvPr id="96" name="TextBox 95">
+                  <a:extLst>
+                    <a:ext uri="{FF2B5EF4-FFF2-40B4-BE49-F238E27FC236}">
+                      <a16:creationId xmlns:a16="http://schemas.microsoft.com/office/drawing/2014/main" id="{1C2E84E0-DBF6-B6E3-C913-DAAEBB7757AC}"/>
+                    </a:ext>
+                  </a:extLst>
+                </p:cNvPr>
+                <p:cNvSpPr txBox="1"/>
+                <p:nvPr/>
+              </p:nvSpPr>
+              <p:spPr>
+                <a:xfrm>
+                  <a:off x="4201433" y="4801878"/>
+                  <a:ext cx="448734" cy="369332"/>
+                </a:xfrm>
+                <a:prstGeom prst="rect">
+                  <a:avLst/>
+                </a:prstGeom>
+                <a:noFill/>
+              </p:spPr>
+              <p:txBody>
+                <a:bodyPr wrap="square" rtlCol="0">
+                  <a:spAutoFit/>
+                </a:bodyPr>
+                <a:lstStyle/>
+                <a:p>
+                  <a:pPr/>
+                  <a14:m>
+                    <m:oMathPara xmlns:m="http://schemas.openxmlformats.org/officeDocument/2006/math">
+                      <m:oMathParaPr>
+                        <m:jc m:val="centerGroup"/>
+                      </m:oMathParaPr>
+                      <m:oMath xmlns:m="http://schemas.openxmlformats.org/officeDocument/2006/math">
+                        <m:sSub>
+                          <m:sSubPr>
+                            <m:ctrlPr>
+                              <a:rPr lang="en-US" i="1" smtClean="0">
+                                <a:solidFill>
+                                  <a:schemeClr val="accent5"/>
+                                </a:solidFill>
+                                <a:latin typeface="Cambria Math" panose="02040503050406030204" pitchFamily="18" charset="0"/>
+                              </a:rPr>
+                            </m:ctrlPr>
+                          </m:sSubPr>
+                          <m:e>
+                            <m:acc>
+                              <m:accPr>
+                                <m:chr m:val="̂"/>
+                                <m:ctrlPr>
+                                  <a:rPr lang="en-US" i="1" smtClean="0">
+                                    <a:solidFill>
+                                      <a:schemeClr val="accent5"/>
+                                    </a:solidFill>
+                                    <a:latin typeface="Cambria Math" panose="02040503050406030204" pitchFamily="18" charset="0"/>
+                                  </a:rPr>
+                                </m:ctrlPr>
+                              </m:accPr>
+                              <m:e>
+                                <m:r>
+                                  <a:rPr lang="en-US" b="0" i="1" smtClean="0">
+                                    <a:solidFill>
+                                      <a:schemeClr val="accent5"/>
+                                    </a:solidFill>
+                                    <a:latin typeface="Cambria Math" panose="02040503050406030204" pitchFamily="18" charset="0"/>
+                                  </a:rPr>
+                                  <m:t>𝑡</m:t>
+                                </m:r>
+                              </m:e>
+                            </m:acc>
+                          </m:e>
+                          <m:sub>
+                            <m:r>
+                              <a:rPr lang="en-US" b="0" i="1" smtClean="0">
+                                <a:solidFill>
+                                  <a:schemeClr val="accent5"/>
+                                </a:solidFill>
+                                <a:latin typeface="Cambria Math" panose="02040503050406030204" pitchFamily="18" charset="0"/>
+                              </a:rPr>
+                              <m:t>0</m:t>
+                            </m:r>
+                          </m:sub>
+                        </m:sSub>
+                      </m:oMath>
+                    </m:oMathPara>
+                  </a14:m>
+                  <a:endParaRPr lang="en-US" dirty="0">
+                    <a:solidFill>
+                      <a:schemeClr val="accent5"/>
+                    </a:solidFill>
+                  </a:endParaRPr>
+                </a:p>
+              </p:txBody>
+            </p:sp>
+          </mc:Choice>
+          <mc:Fallback>
+            <p:sp>
+              <p:nvSpPr>
+                <p:cNvPr id="96" name="TextBox 95">
+                  <a:extLst>
+                    <a:ext uri="{FF2B5EF4-FFF2-40B4-BE49-F238E27FC236}">
+                      <a16:creationId xmlns:a16="http://schemas.microsoft.com/office/drawing/2014/main" id="{1C2E84E0-DBF6-B6E3-C913-DAAEBB7757AC}"/>
+                    </a:ext>
+                  </a:extLst>
+                </p:cNvPr>
+                <p:cNvSpPr txBox="1">
+                  <a:spLocks noRot="1" noChangeAspect="1" noMove="1" noResize="1" noEditPoints="1" noAdjustHandles="1" noChangeArrowheads="1" noChangeShapeType="1" noTextEdit="1"/>
+                </p:cNvSpPr>
+                <p:nvPr/>
+              </p:nvSpPr>
+              <p:spPr>
+                <a:xfrm>
+                  <a:off x="4201433" y="4801878"/>
+                  <a:ext cx="448734" cy="369332"/>
+                </a:xfrm>
+                <a:prstGeom prst="rect">
+                  <a:avLst/>
+                </a:prstGeom>
+                <a:blipFill>
+                  <a:blip r:embed="rId19"/>
+                  <a:stretch>
+                    <a:fillRect t="-13333" r="-25676"/>
+                  </a:stretch>
+                </a:blipFill>
+              </p:spPr>
+              <p:txBody>
+                <a:bodyPr/>
+                <a:lstStyle/>
+                <a:p>
+                  <a:r>
+                    <a:rPr lang="en-US">
+                      <a:noFill/>
+                    </a:rPr>
+                    <a:t> </a:t>
+                  </a:r>
+                </a:p>
+              </p:txBody>
+            </p:sp>
+          </mc:Fallback>
+        </mc:AlternateContent>
+        <p:cxnSp>
+          <p:nvCxnSpPr>
+            <p:cNvPr id="93" name="Straight Arrow Connector 92">
+              <a:extLst>
+                <a:ext uri="{FF2B5EF4-FFF2-40B4-BE49-F238E27FC236}">
+                  <a16:creationId xmlns:a16="http://schemas.microsoft.com/office/drawing/2014/main" id="{7FF2F670-5C43-87AE-A274-7DA8FFFFDBEC}"/>
+                </a:ext>
+              </a:extLst>
+            </p:cNvPr>
+            <p:cNvCxnSpPr/>
+            <p:nvPr/>
+          </p:nvCxnSpPr>
+          <p:spPr>
+            <a:xfrm flipH="1">
+              <a:off x="2670638" y="4080029"/>
+              <a:ext cx="397349" cy="303002"/>
+            </a:xfrm>
+            <a:prstGeom prst="straightConnector1">
+              <a:avLst/>
+            </a:prstGeom>
+            <a:noFill/>
+            <a:ln w="38100" cap="flat" cmpd="sng" algn="ctr">
+              <a:solidFill>
+                <a:schemeClr val="accent5"/>
+              </a:solidFill>
+              <a:prstDash val="solid"/>
+              <a:miter lim="800000"/>
+              <a:headEnd type="none"/>
+              <a:tailEnd type="arrow"/>
+            </a:ln>
+            <a:effectLst/>
+          </p:spPr>
+        </p:cxnSp>
+        <mc:AlternateContent xmlns:mc="http://schemas.openxmlformats.org/markup-compatibility/2006">
+          <mc:Choice xmlns:a14="http://schemas.microsoft.com/office/drawing/2010/main" Requires="a14">
+            <p:sp>
+              <p:nvSpPr>
+                <p:cNvPr id="94" name="TextBox 93">
+                  <a:extLst>
+                    <a:ext uri="{FF2B5EF4-FFF2-40B4-BE49-F238E27FC236}">
+                      <a16:creationId xmlns:a16="http://schemas.microsoft.com/office/drawing/2014/main" id="{A433B01B-C909-E99D-95DC-EB23CAD0B46A}"/>
+                    </a:ext>
+                  </a:extLst>
+                </p:cNvPr>
+                <p:cNvSpPr txBox="1"/>
+                <p:nvPr/>
+              </p:nvSpPr>
+              <p:spPr>
+                <a:xfrm>
+                  <a:off x="2353638" y="4220575"/>
+                  <a:ext cx="448734" cy="369332"/>
+                </a:xfrm>
+                <a:prstGeom prst="rect">
+                  <a:avLst/>
+                </a:prstGeom>
+                <a:noFill/>
+              </p:spPr>
+              <p:txBody>
+                <a:bodyPr wrap="square" rtlCol="0">
+                  <a:spAutoFit/>
+                </a:bodyPr>
+                <a:lstStyle/>
+                <a:p>
+                  <a:pPr/>
+                  <a14:m>
+                    <m:oMathPara xmlns:m="http://schemas.openxmlformats.org/officeDocument/2006/math">
+                      <m:oMathParaPr>
+                        <m:jc m:val="centerGroup"/>
+                      </m:oMathParaPr>
+                      <m:oMath xmlns:m="http://schemas.openxmlformats.org/officeDocument/2006/math">
+                        <m:sSub>
+                          <m:sSubPr>
+                            <m:ctrlPr>
+                              <a:rPr lang="en-US" i="1" smtClean="0">
+                                <a:solidFill>
+                                  <a:schemeClr val="accent5"/>
+                                </a:solidFill>
+                                <a:latin typeface="Cambria Math" panose="02040503050406030204" pitchFamily="18" charset="0"/>
+                              </a:rPr>
+                            </m:ctrlPr>
+                          </m:sSubPr>
+                          <m:e>
+                            <m:acc>
+                              <m:accPr>
+                                <m:chr m:val="̂"/>
+                                <m:ctrlPr>
+                                  <a:rPr lang="en-US" i="1" smtClean="0">
+                                    <a:solidFill>
+                                      <a:schemeClr val="accent5"/>
+                                    </a:solidFill>
+                                    <a:latin typeface="Cambria Math" panose="02040503050406030204" pitchFamily="18" charset="0"/>
+                                  </a:rPr>
+                                </m:ctrlPr>
+                              </m:accPr>
+                              <m:e>
+                                <m:r>
+                                  <a:rPr lang="en-US" b="0" i="1" smtClean="0">
+                                    <a:solidFill>
+                                      <a:schemeClr val="accent5"/>
+                                    </a:solidFill>
+                                    <a:latin typeface="Cambria Math" panose="02040503050406030204" pitchFamily="18" charset="0"/>
+                                  </a:rPr>
+                                  <m:t>𝑡</m:t>
+                                </m:r>
+                              </m:e>
+                            </m:acc>
+                          </m:e>
+                          <m:sub>
+                            <m:r>
+                              <a:rPr lang="en-US" b="0" i="1" smtClean="0">
+                                <a:solidFill>
+                                  <a:schemeClr val="accent5"/>
+                                </a:solidFill>
+                                <a:latin typeface="Cambria Math" panose="02040503050406030204" pitchFamily="18" charset="0"/>
+                              </a:rPr>
+                              <m:t>1</m:t>
+                            </m:r>
+                          </m:sub>
+                        </m:sSub>
+                      </m:oMath>
+                    </m:oMathPara>
+                  </a14:m>
+                  <a:endParaRPr lang="en-US" dirty="0">
+                    <a:solidFill>
+                      <a:schemeClr val="accent5"/>
+                    </a:solidFill>
+                  </a:endParaRPr>
+                </a:p>
+              </p:txBody>
+            </p:sp>
+          </mc:Choice>
+          <mc:Fallback>
+            <p:sp>
+              <p:nvSpPr>
+                <p:cNvPr id="94" name="TextBox 93">
+                  <a:extLst>
+                    <a:ext uri="{FF2B5EF4-FFF2-40B4-BE49-F238E27FC236}">
+                      <a16:creationId xmlns:a16="http://schemas.microsoft.com/office/drawing/2014/main" id="{A433B01B-C909-E99D-95DC-EB23CAD0B46A}"/>
+                    </a:ext>
+                  </a:extLst>
+                </p:cNvPr>
+                <p:cNvSpPr txBox="1">
+                  <a:spLocks noRot="1" noChangeAspect="1" noMove="1" noResize="1" noEditPoints="1" noAdjustHandles="1" noChangeArrowheads="1" noChangeShapeType="1" noTextEdit="1"/>
+                </p:cNvSpPr>
+                <p:nvPr/>
+              </p:nvSpPr>
+              <p:spPr>
+                <a:xfrm>
+                  <a:off x="2353638" y="4220575"/>
+                  <a:ext cx="448734" cy="369332"/>
+                </a:xfrm>
+                <a:prstGeom prst="rect">
+                  <a:avLst/>
+                </a:prstGeom>
+                <a:blipFill>
+                  <a:blip r:embed="rId20"/>
+                  <a:stretch>
+                    <a:fillRect t="-13115" r="-25676"/>
+                  </a:stretch>
+                </a:blipFill>
+              </p:spPr>
+              <p:txBody>
+                <a:bodyPr/>
+                <a:lstStyle/>
+                <a:p>
+                  <a:r>
+                    <a:rPr lang="en-US">
+                      <a:noFill/>
+                    </a:rPr>
+                    <a:t> </a:t>
+                  </a:r>
+                </a:p>
+              </p:txBody>
+            </p:sp>
+          </mc:Fallback>
+        </mc:AlternateContent>
+        <p:sp>
+          <p:nvSpPr>
+            <p:cNvPr id="66" name="Pie 21">
+              <a:extLst>
+                <a:ext uri="{FF2B5EF4-FFF2-40B4-BE49-F238E27FC236}">
+                  <a16:creationId xmlns:a16="http://schemas.microsoft.com/office/drawing/2014/main" id="{E569EC7F-2C31-C17C-C9A7-19A92A15F3DF}"/>
+                </a:ext>
+              </a:extLst>
+            </p:cNvPr>
+            <p:cNvSpPr>
+              <a:spLocks noChangeAspect="1"/>
+            </p:cNvSpPr>
+            <p:nvPr/>
+          </p:nvSpPr>
+          <p:spPr>
+            <a:xfrm>
+              <a:off x="2765164" y="3957326"/>
+              <a:ext cx="1444752" cy="1444752"/>
+            </a:xfrm>
+            <a:prstGeom prst="pie">
+              <a:avLst>
+                <a:gd name="adj1" fmla="val 14056324"/>
+                <a:gd name="adj2" fmla="val 20398635"/>
+              </a:avLst>
+            </a:prstGeom>
+            <a:noFill/>
+            <a:ln>
+              <a:solidFill>
+                <a:schemeClr val="tx1"/>
+              </a:solidFill>
+              <a:prstDash val="solid"/>
+            </a:ln>
+          </p:spPr>
+          <p:style>
+            <a:lnRef idx="2">
+              <a:schemeClr val="accent1">
+                <a:shade val="50000"/>
+              </a:schemeClr>
+            </a:lnRef>
+            <a:fillRef idx="1">
+              <a:schemeClr val="accent1"/>
+            </a:fillRef>
+            <a:effectRef idx="0">
+              <a:schemeClr val="accent1"/>
+            </a:effectRef>
+            <a:fontRef idx="minor">
+              <a:schemeClr val="lt1"/>
+            </a:fontRef>
+          </p:style>
+          <p:txBody>
+            <a:bodyPr rtlCol="0" anchor="ctr"/>
+            <a:lstStyle/>
+            <a:p>
+              <a:pPr algn="ctr"/>
+              <a:endParaRPr lang="en-US">
+                <a:solidFill>
+                  <a:schemeClr val="tx1"/>
+                </a:solidFill>
+              </a:endParaRPr>
+            </a:p>
+          </p:txBody>
+        </p:sp>
+        <p:sp>
+          <p:nvSpPr>
+            <p:cNvPr id="67" name="Arc 66">
+              <a:extLst>
+                <a:ext uri="{FF2B5EF4-FFF2-40B4-BE49-F238E27FC236}">
+                  <a16:creationId xmlns:a16="http://schemas.microsoft.com/office/drawing/2014/main" id="{83DBEBA2-2F69-FB2C-75B5-9FF55FBA75D0}"/>
+                </a:ext>
+              </a:extLst>
+            </p:cNvPr>
+            <p:cNvSpPr>
+              <a:spLocks noChangeAspect="1"/>
+            </p:cNvSpPr>
+            <p:nvPr/>
+          </p:nvSpPr>
+          <p:spPr>
+            <a:xfrm>
+              <a:off x="2765164" y="3958850"/>
+              <a:ext cx="1444752" cy="1444752"/>
+            </a:xfrm>
+            <a:prstGeom prst="arc">
+              <a:avLst>
+                <a:gd name="adj1" fmla="val 14056356"/>
+                <a:gd name="adj2" fmla="val 20443668"/>
+              </a:avLst>
+            </a:prstGeom>
+            <a:ln w="38100">
+              <a:solidFill>
+                <a:schemeClr val="tx1"/>
+              </a:solidFill>
+            </a:ln>
+          </p:spPr>
+          <p:style>
+            <a:lnRef idx="1">
+              <a:schemeClr val="accent1"/>
+            </a:lnRef>
+            <a:fillRef idx="0">
+              <a:schemeClr val="accent1"/>
+            </a:fillRef>
+            <a:effectRef idx="0">
+              <a:schemeClr val="accent1"/>
+            </a:effectRef>
+            <a:fontRef idx="minor">
+              <a:schemeClr val="tx1"/>
+            </a:fontRef>
+          </p:style>
+          <p:txBody>
+            <a:bodyPr rtlCol="0" anchor="ctr"/>
+            <a:lstStyle/>
+            <a:p>
+              <a:pPr algn="ctr"/>
+              <a:endParaRPr lang="en-US"/>
+            </a:p>
+          </p:txBody>
+        </p:sp>
+        <p:cxnSp>
+          <p:nvCxnSpPr>
+            <p:cNvPr id="68" name="Straight Arrow Connector 67">
+              <a:extLst>
+                <a:ext uri="{FF2B5EF4-FFF2-40B4-BE49-F238E27FC236}">
+                  <a16:creationId xmlns:a16="http://schemas.microsoft.com/office/drawing/2014/main" id="{98E7028F-908F-A4A3-79BC-F1E38B9829A6}"/>
+                </a:ext>
+              </a:extLst>
+            </p:cNvPr>
+            <p:cNvCxnSpPr/>
+            <p:nvPr/>
+          </p:nvCxnSpPr>
+          <p:spPr>
+            <a:xfrm>
+              <a:off x="2604636" y="4679702"/>
+              <a:ext cx="1828800" cy="0"/>
+            </a:xfrm>
+            <a:prstGeom prst="straightConnector1">
+              <a:avLst/>
+            </a:prstGeom>
+            <a:ln w="25400" cap="sq">
+              <a:solidFill>
+                <a:schemeClr val="bg1">
+                  <a:lumMod val="85000"/>
+                </a:schemeClr>
+              </a:solidFill>
+              <a:prstDash val="solid"/>
+              <a:miter lim="800000"/>
+              <a:tailEnd type="none"/>
+            </a:ln>
+          </p:spPr>
+          <p:style>
+            <a:lnRef idx="1">
+              <a:schemeClr val="accent1"/>
+            </a:lnRef>
+            <a:fillRef idx="0">
+              <a:schemeClr val="accent1"/>
+            </a:fillRef>
+            <a:effectRef idx="0">
+              <a:schemeClr val="accent1"/>
+            </a:effectRef>
+            <a:fontRef idx="minor">
+              <a:schemeClr val="tx1"/>
+            </a:fontRef>
+          </p:style>
+        </p:cxnSp>
+        <p:sp>
+          <p:nvSpPr>
+            <p:cNvPr id="69" name="Oval 68">
+              <a:extLst>
+                <a:ext uri="{FF2B5EF4-FFF2-40B4-BE49-F238E27FC236}">
+                  <a16:creationId xmlns:a16="http://schemas.microsoft.com/office/drawing/2014/main" id="{C74561A0-8E97-A710-46C0-AAB51C407AFC}"/>
+                </a:ext>
+              </a:extLst>
+            </p:cNvPr>
+            <p:cNvSpPr/>
+            <p:nvPr/>
+          </p:nvSpPr>
+          <p:spPr>
+            <a:xfrm>
+              <a:off x="3438503" y="4633713"/>
+              <a:ext cx="95026" cy="95026"/>
+            </a:xfrm>
+            <a:prstGeom prst="ellipse">
+              <a:avLst/>
+            </a:prstGeom>
             <a:solidFill>
               <a:schemeClr val="tx1"/>
             </a:solidFill>
-          </a:ln>
-        </p:spPr>
-        <p:style>
-          <a:lnRef idx="1">
-            <a:schemeClr val="accent1"/>
-          </a:lnRef>
-          <a:fillRef idx="0">
-            <a:schemeClr val="accent1"/>
-          </a:fillRef>
-          <a:effectRef idx="0">
-            <a:schemeClr val="accent1"/>
-          </a:effectRef>
-          <a:fontRef idx="minor">
-            <a:schemeClr val="tx1"/>
-          </a:fontRef>
-        </p:style>
-        <p:txBody>
-          <a:bodyPr rtlCol="0" anchor="ctr"/>
-          <a:lstStyle/>
-          <a:p>
-            <a:pPr algn="ctr"/>
-            <a:endParaRPr lang="en-US"/>
-          </a:p>
-        </p:txBody>
-      </p:sp>
-      <p:cxnSp>
-        <p:nvCxnSpPr>
-          <p:cNvPr id="68" name="Straight Arrow Connector 67">
-            <a:extLst>
-              <a:ext uri="{FF2B5EF4-FFF2-40B4-BE49-F238E27FC236}">
-                <a16:creationId xmlns:a16="http://schemas.microsoft.com/office/drawing/2014/main" id="{98E7028F-908F-A4A3-79BC-F1E38B9829A6}"/>
-              </a:ext>
-            </a:extLst>
-          </p:cNvPr>
-          <p:cNvCxnSpPr/>
-          <p:nvPr/>
-        </p:nvCxnSpPr>
-        <p:spPr>
-          <a:xfrm>
-            <a:off x="2604636" y="4679702"/>
-            <a:ext cx="1828800" cy="0"/>
-          </a:xfrm>
-          <a:prstGeom prst="straightConnector1">
-            <a:avLst/>
-          </a:prstGeom>
-          <a:ln w="25400" cap="sq">
-            <a:solidFill>
-              <a:schemeClr val="bg1">
-                <a:lumMod val="85000"/>
+            <a:ln w="25400">
+              <a:solidFill>
+                <a:schemeClr val="tx1"/>
+              </a:solidFill>
+            </a:ln>
+          </p:spPr>
+          <p:style>
+            <a:lnRef idx="2">
+              <a:schemeClr val="accent1">
+                <a:shade val="50000"/>
               </a:schemeClr>
-            </a:solidFill>
-            <a:prstDash val="solid"/>
-            <a:miter lim="800000"/>
-            <a:tailEnd type="none"/>
-          </a:ln>
-        </p:spPr>
-        <p:style>
-          <a:lnRef idx="1">
-            <a:schemeClr val="accent1"/>
-          </a:lnRef>
-          <a:fillRef idx="0">
-            <a:schemeClr val="accent1"/>
-          </a:fillRef>
-          <a:effectRef idx="0">
-            <a:schemeClr val="accent1"/>
-          </a:effectRef>
-          <a:fontRef idx="minor">
-            <a:schemeClr val="tx1"/>
-          </a:fontRef>
-        </p:style>
-      </p:cxnSp>
-      <p:sp>
-        <p:nvSpPr>
-          <p:cNvPr id="69" name="Oval 68">
-            <a:extLst>
-              <a:ext uri="{FF2B5EF4-FFF2-40B4-BE49-F238E27FC236}">
-                <a16:creationId xmlns:a16="http://schemas.microsoft.com/office/drawing/2014/main" id="{C74561A0-8E97-A710-46C0-AAB51C407AFC}"/>
-              </a:ext>
-            </a:extLst>
-          </p:cNvPr>
-          <p:cNvSpPr/>
-          <p:nvPr/>
-        </p:nvSpPr>
-        <p:spPr>
-          <a:xfrm>
-            <a:off x="3438503" y="4633713"/>
-            <a:ext cx="95026" cy="95026"/>
-          </a:xfrm>
-          <a:prstGeom prst="ellipse">
-            <a:avLst/>
-          </a:prstGeom>
-          <a:solidFill>
-            <a:schemeClr val="tx1"/>
-          </a:solidFill>
-          <a:ln w="25400">
+            </a:lnRef>
+            <a:fillRef idx="1">
+              <a:schemeClr val="accent1"/>
+            </a:fillRef>
+            <a:effectRef idx="0">
+              <a:schemeClr val="accent1"/>
+            </a:effectRef>
+            <a:fontRef idx="minor">
+              <a:schemeClr val="lt1"/>
+            </a:fontRef>
+          </p:style>
+          <p:txBody>
+            <a:bodyPr rtlCol="0" anchor="ctr"/>
+            <a:lstStyle/>
+            <a:p>
+              <a:pPr algn="ctr"/>
+              <a:endParaRPr lang="en-US"/>
+            </a:p>
+          </p:txBody>
+        </p:sp>
+        <mc:AlternateContent xmlns:mc="http://schemas.openxmlformats.org/markup-compatibility/2006">
+          <mc:Choice xmlns:a14="http://schemas.microsoft.com/office/drawing/2010/main" Requires="a14">
+            <p:sp>
+              <p:nvSpPr>
+                <p:cNvPr id="70" name="TextBox 69">
+                  <a:extLst>
+                    <a:ext uri="{FF2B5EF4-FFF2-40B4-BE49-F238E27FC236}">
+                      <a16:creationId xmlns:a16="http://schemas.microsoft.com/office/drawing/2014/main" id="{028C85A2-B639-11EF-9AA0-28C2242940EC}"/>
+                    </a:ext>
+                  </a:extLst>
+                </p:cNvPr>
+                <p:cNvSpPr txBox="1"/>
+                <p:nvPr/>
+              </p:nvSpPr>
+              <p:spPr>
+                <a:xfrm>
+                  <a:off x="4195529" y="4105657"/>
+                  <a:ext cx="335280" cy="369332"/>
+                </a:xfrm>
+                <a:prstGeom prst="rect">
+                  <a:avLst/>
+                </a:prstGeom>
+                <a:noFill/>
+              </p:spPr>
+              <p:txBody>
+                <a:bodyPr wrap="square" rtlCol="0">
+                  <a:spAutoFit/>
+                </a:bodyPr>
+                <a:lstStyle/>
+                <a:p>
+                  <a:pPr/>
+                  <a14:m>
+                    <m:oMathPara xmlns:m="http://schemas.openxmlformats.org/officeDocument/2006/math">
+                      <m:oMathParaPr>
+                        <m:jc m:val="centerGroup"/>
+                      </m:oMathParaPr>
+                      <m:oMath xmlns:m="http://schemas.openxmlformats.org/officeDocument/2006/math">
+                        <m:sSub>
+                          <m:sSubPr>
+                            <m:ctrlPr>
+                              <a:rPr lang="en-US" i="1" smtClean="0">
+                                <a:solidFill>
+                                  <a:schemeClr val="tx1"/>
+                                </a:solidFill>
+                                <a:latin typeface="Cambria Math" panose="02040503050406030204" pitchFamily="18" charset="0"/>
+                              </a:rPr>
+                            </m:ctrlPr>
+                          </m:sSubPr>
+                          <m:e>
+                            <m:acc>
+                              <m:accPr>
+                                <m:chr m:val="⃗"/>
+                                <m:ctrlPr>
+                                  <a:rPr lang="en-US" i="1" smtClean="0">
+                                    <a:solidFill>
+                                      <a:schemeClr val="tx1"/>
+                                    </a:solidFill>
+                                    <a:latin typeface="Cambria Math" panose="02040503050406030204" pitchFamily="18" charset="0"/>
+                                  </a:rPr>
+                                </m:ctrlPr>
+                              </m:accPr>
+                              <m:e>
+                                <m:r>
+                                  <a:rPr lang="en-US" b="0" i="1" smtClean="0">
+                                    <a:solidFill>
+                                      <a:schemeClr val="tx1"/>
+                                    </a:solidFill>
+                                    <a:latin typeface="Cambria Math" panose="02040503050406030204" pitchFamily="18" charset="0"/>
+                                  </a:rPr>
+                                  <m:t>𝑝</m:t>
+                                </m:r>
+                              </m:e>
+                            </m:acc>
+                          </m:e>
+                          <m:sub>
+                            <m:r>
+                              <a:rPr lang="en-US" b="0" i="1" smtClean="0">
+                                <a:solidFill>
+                                  <a:schemeClr val="tx1"/>
+                                </a:solidFill>
+                                <a:latin typeface="Cambria Math" panose="02040503050406030204" pitchFamily="18" charset="0"/>
+                              </a:rPr>
+                              <m:t>0</m:t>
+                            </m:r>
+                          </m:sub>
+                        </m:sSub>
+                      </m:oMath>
+                    </m:oMathPara>
+                  </a14:m>
+                  <a:endParaRPr lang="en-US" dirty="0">
+                    <a:solidFill>
+                      <a:schemeClr val="tx1"/>
+                    </a:solidFill>
+                  </a:endParaRPr>
+                </a:p>
+              </p:txBody>
+            </p:sp>
+          </mc:Choice>
+          <mc:Fallback>
+            <p:sp>
+              <p:nvSpPr>
+                <p:cNvPr id="70" name="TextBox 69">
+                  <a:extLst>
+                    <a:ext uri="{FF2B5EF4-FFF2-40B4-BE49-F238E27FC236}">
+                      <a16:creationId xmlns:a16="http://schemas.microsoft.com/office/drawing/2014/main" id="{028C85A2-B639-11EF-9AA0-28C2242940EC}"/>
+                    </a:ext>
+                  </a:extLst>
+                </p:cNvPr>
+                <p:cNvSpPr txBox="1">
+                  <a:spLocks noRot="1" noChangeAspect="1" noMove="1" noResize="1" noEditPoints="1" noAdjustHandles="1" noChangeArrowheads="1" noChangeShapeType="1" noTextEdit="1"/>
+                </p:cNvSpPr>
+                <p:nvPr/>
+              </p:nvSpPr>
+              <p:spPr>
+                <a:xfrm>
+                  <a:off x="4195529" y="4105657"/>
+                  <a:ext cx="335280" cy="369332"/>
+                </a:xfrm>
+                <a:prstGeom prst="rect">
+                  <a:avLst/>
+                </a:prstGeom>
+                <a:blipFill>
+                  <a:blip r:embed="rId21"/>
+                  <a:stretch>
+                    <a:fillRect t="-23333" r="-25455" b="-6667"/>
+                  </a:stretch>
+                </a:blipFill>
+              </p:spPr>
+              <p:txBody>
+                <a:bodyPr/>
+                <a:lstStyle/>
+                <a:p>
+                  <a:r>
+                    <a:rPr lang="en-US">
+                      <a:noFill/>
+                    </a:rPr>
+                    <a:t> </a:t>
+                  </a:r>
+                </a:p>
+              </p:txBody>
+            </p:sp>
+          </mc:Fallback>
+        </mc:AlternateContent>
+        <mc:AlternateContent xmlns:mc="http://schemas.openxmlformats.org/markup-compatibility/2006">
+          <mc:Choice xmlns:a14="http://schemas.microsoft.com/office/drawing/2010/main" Requires="a14">
+            <p:sp>
+              <p:nvSpPr>
+                <p:cNvPr id="71" name="TextBox 70">
+                  <a:extLst>
+                    <a:ext uri="{FF2B5EF4-FFF2-40B4-BE49-F238E27FC236}">
+                      <a16:creationId xmlns:a16="http://schemas.microsoft.com/office/drawing/2014/main" id="{52478DE4-C76A-121F-EA42-F78002E84D63}"/>
+                    </a:ext>
+                  </a:extLst>
+                </p:cNvPr>
+                <p:cNvSpPr txBox="1"/>
+                <p:nvPr/>
+              </p:nvSpPr>
+              <p:spPr>
+                <a:xfrm>
+                  <a:off x="2765164" y="3630437"/>
+                  <a:ext cx="335280" cy="369332"/>
+                </a:xfrm>
+                <a:prstGeom prst="rect">
+                  <a:avLst/>
+                </a:prstGeom>
+                <a:noFill/>
+              </p:spPr>
+              <p:txBody>
+                <a:bodyPr wrap="square" rtlCol="0">
+                  <a:spAutoFit/>
+                </a:bodyPr>
+                <a:lstStyle/>
+                <a:p>
+                  <a:pPr/>
+                  <a14:m>
+                    <m:oMathPara xmlns:m="http://schemas.openxmlformats.org/officeDocument/2006/math">
+                      <m:oMathParaPr>
+                        <m:jc m:val="centerGroup"/>
+                      </m:oMathParaPr>
+                      <m:oMath xmlns:m="http://schemas.openxmlformats.org/officeDocument/2006/math">
+                        <m:sSub>
+                          <m:sSubPr>
+                            <m:ctrlPr>
+                              <a:rPr lang="en-US" i="1" smtClean="0">
+                                <a:solidFill>
+                                  <a:schemeClr val="tx1"/>
+                                </a:solidFill>
+                                <a:latin typeface="Cambria Math" panose="02040503050406030204" pitchFamily="18" charset="0"/>
+                              </a:rPr>
+                            </m:ctrlPr>
+                          </m:sSubPr>
+                          <m:e>
+                            <m:acc>
+                              <m:accPr>
+                                <m:chr m:val="⃗"/>
+                                <m:ctrlPr>
+                                  <a:rPr lang="en-US" i="1" smtClean="0">
+                                    <a:solidFill>
+                                      <a:schemeClr val="tx1"/>
+                                    </a:solidFill>
+                                    <a:latin typeface="Cambria Math" panose="02040503050406030204" pitchFamily="18" charset="0"/>
+                                  </a:rPr>
+                                </m:ctrlPr>
+                              </m:accPr>
+                              <m:e>
+                                <m:r>
+                                  <a:rPr lang="en-US" b="0" i="1" smtClean="0">
+                                    <a:solidFill>
+                                      <a:schemeClr val="tx1"/>
+                                    </a:solidFill>
+                                    <a:latin typeface="Cambria Math" panose="02040503050406030204" pitchFamily="18" charset="0"/>
+                                  </a:rPr>
+                                  <m:t>𝑝</m:t>
+                                </m:r>
+                              </m:e>
+                            </m:acc>
+                          </m:e>
+                          <m:sub>
+                            <m:r>
+                              <a:rPr lang="en-US" b="0" i="1" smtClean="0">
+                                <a:solidFill>
+                                  <a:schemeClr val="tx1"/>
+                                </a:solidFill>
+                                <a:latin typeface="Cambria Math" panose="02040503050406030204" pitchFamily="18" charset="0"/>
+                              </a:rPr>
+                              <m:t>1</m:t>
+                            </m:r>
+                          </m:sub>
+                        </m:sSub>
+                      </m:oMath>
+                    </m:oMathPara>
+                  </a14:m>
+                  <a:endParaRPr lang="en-US" dirty="0">
+                    <a:solidFill>
+                      <a:schemeClr val="tx1"/>
+                    </a:solidFill>
+                  </a:endParaRPr>
+                </a:p>
+              </p:txBody>
+            </p:sp>
+          </mc:Choice>
+          <mc:Fallback>
+            <p:sp>
+              <p:nvSpPr>
+                <p:cNvPr id="71" name="TextBox 70">
+                  <a:extLst>
+                    <a:ext uri="{FF2B5EF4-FFF2-40B4-BE49-F238E27FC236}">
+                      <a16:creationId xmlns:a16="http://schemas.microsoft.com/office/drawing/2014/main" id="{52478DE4-C76A-121F-EA42-F78002E84D63}"/>
+                    </a:ext>
+                  </a:extLst>
+                </p:cNvPr>
+                <p:cNvSpPr txBox="1">
+                  <a:spLocks noRot="1" noChangeAspect="1" noMove="1" noResize="1" noEditPoints="1" noAdjustHandles="1" noChangeArrowheads="1" noChangeShapeType="1" noTextEdit="1"/>
+                </p:cNvSpPr>
+                <p:nvPr/>
+              </p:nvSpPr>
+              <p:spPr>
+                <a:xfrm>
+                  <a:off x="2765164" y="3630437"/>
+                  <a:ext cx="335280" cy="369332"/>
+                </a:xfrm>
+                <a:prstGeom prst="rect">
+                  <a:avLst/>
+                </a:prstGeom>
+                <a:blipFill>
+                  <a:blip r:embed="rId22"/>
+                  <a:stretch>
+                    <a:fillRect t="-23333" r="-23636" b="-6667"/>
+                  </a:stretch>
+                </a:blipFill>
+              </p:spPr>
+              <p:txBody>
+                <a:bodyPr/>
+                <a:lstStyle/>
+                <a:p>
+                  <a:r>
+                    <a:rPr lang="en-US">
+                      <a:noFill/>
+                    </a:rPr>
+                    <a:t> </a:t>
+                  </a:r>
+                </a:p>
+              </p:txBody>
+            </p:sp>
+          </mc:Fallback>
+        </mc:AlternateContent>
+        <p:sp>
+          <p:nvSpPr>
+            <p:cNvPr id="72" name="Oval 71">
+              <a:extLst>
+                <a:ext uri="{FF2B5EF4-FFF2-40B4-BE49-F238E27FC236}">
+                  <a16:creationId xmlns:a16="http://schemas.microsoft.com/office/drawing/2014/main" id="{C492FE16-BCB6-C0EC-A568-A89143F44F89}"/>
+                </a:ext>
+              </a:extLst>
+            </p:cNvPr>
+            <p:cNvSpPr/>
+            <p:nvPr/>
+          </p:nvSpPr>
+          <p:spPr>
+            <a:xfrm>
+              <a:off x="3017610" y="4036195"/>
+              <a:ext cx="95026" cy="95026"/>
+            </a:xfrm>
+            <a:prstGeom prst="ellipse">
+              <a:avLst/>
+            </a:prstGeom>
             <a:solidFill>
               <a:schemeClr val="tx1"/>
             </a:solidFill>
-          </a:ln>
-        </p:spPr>
-        <p:style>
-          <a:lnRef idx="2">
-            <a:schemeClr val="accent1">
-              <a:shade val="50000"/>
-            </a:schemeClr>
-          </a:lnRef>
-          <a:fillRef idx="1">
-            <a:schemeClr val="accent1"/>
-          </a:fillRef>
-          <a:effectRef idx="0">
-            <a:schemeClr val="accent1"/>
-          </a:effectRef>
-          <a:fontRef idx="minor">
-            <a:schemeClr val="lt1"/>
-          </a:fontRef>
-        </p:style>
-        <p:txBody>
-          <a:bodyPr rtlCol="0" anchor="ctr"/>
-          <a:lstStyle/>
-          <a:p>
-            <a:pPr algn="ctr"/>
-            <a:endParaRPr lang="en-US"/>
-          </a:p>
-        </p:txBody>
-      </p:sp>
-      <mc:AlternateContent xmlns:mc="http://schemas.openxmlformats.org/markup-compatibility/2006">
-        <mc:Choice xmlns:a14="http://schemas.microsoft.com/office/drawing/2010/main" Requires="a14">
-          <p:sp>
-            <p:nvSpPr>
-              <p:cNvPr id="70" name="TextBox 69">
-                <a:extLst>
-                  <a:ext uri="{FF2B5EF4-FFF2-40B4-BE49-F238E27FC236}">
-                    <a16:creationId xmlns:a16="http://schemas.microsoft.com/office/drawing/2014/main" id="{028C85A2-B639-11EF-9AA0-28C2242940EC}"/>
-                  </a:ext>
-                </a:extLst>
-              </p:cNvPr>
-              <p:cNvSpPr txBox="1"/>
-              <p:nvPr/>
-            </p:nvSpPr>
-            <p:spPr>
-              <a:xfrm>
-                <a:off x="4195529" y="4105657"/>
-                <a:ext cx="335280" cy="369332"/>
-              </a:xfrm>
-              <a:prstGeom prst="rect">
-                <a:avLst/>
-              </a:prstGeom>
-              <a:noFill/>
-            </p:spPr>
-            <p:txBody>
-              <a:bodyPr wrap="square" rtlCol="0">
-                <a:spAutoFit/>
-              </a:bodyPr>
-              <a:lstStyle/>
-              <a:p>
-                <a:pPr/>
-                <a14:m>
-                  <m:oMathPara xmlns:m="http://schemas.openxmlformats.org/officeDocument/2006/math">
-                    <m:oMathParaPr>
-                      <m:jc m:val="centerGroup"/>
-                    </m:oMathParaPr>
-                    <m:oMath xmlns:m="http://schemas.openxmlformats.org/officeDocument/2006/math">
-                      <m:sSub>
-                        <m:sSubPr>
-                          <m:ctrlPr>
-                            <a:rPr lang="en-US" i="1" smtClean="0">
-                              <a:solidFill>
-                                <a:schemeClr val="tx1"/>
-                              </a:solidFill>
-                              <a:latin typeface="Cambria Math" panose="02040503050406030204" pitchFamily="18" charset="0"/>
-                            </a:rPr>
-                          </m:ctrlPr>
-                        </m:sSubPr>
-                        <m:e>
-                          <m:acc>
-                            <m:accPr>
-                              <m:chr m:val="⃗"/>
-                              <m:ctrlPr>
-                                <a:rPr lang="en-US" i="1" smtClean="0">
-                                  <a:solidFill>
-                                    <a:schemeClr val="tx1"/>
-                                  </a:solidFill>
-                                  <a:latin typeface="Cambria Math" panose="02040503050406030204" pitchFamily="18" charset="0"/>
-                                </a:rPr>
-                              </m:ctrlPr>
-                            </m:accPr>
-                            <m:e>
-                              <m:r>
-                                <a:rPr lang="en-US" b="0" i="1" smtClean="0">
-                                  <a:solidFill>
-                                    <a:schemeClr val="tx1"/>
-                                  </a:solidFill>
-                                  <a:latin typeface="Cambria Math" panose="02040503050406030204" pitchFamily="18" charset="0"/>
-                                </a:rPr>
-                                <m:t>𝑝</m:t>
-                              </m:r>
-                            </m:e>
-                          </m:acc>
-                        </m:e>
-                        <m:sub>
-                          <m:r>
-                            <a:rPr lang="en-US" b="0" i="1" smtClean="0">
-                              <a:solidFill>
-                                <a:schemeClr val="tx1"/>
-                              </a:solidFill>
-                              <a:latin typeface="Cambria Math" panose="02040503050406030204" pitchFamily="18" charset="0"/>
-                            </a:rPr>
-                            <m:t>0</m:t>
-                          </m:r>
-                        </m:sub>
-                      </m:sSub>
-                    </m:oMath>
-                  </m:oMathPara>
-                </a14:m>
-                <a:endParaRPr lang="en-US" dirty="0">
-                  <a:solidFill>
-                    <a:schemeClr val="tx1"/>
-                  </a:solidFill>
-                </a:endParaRPr>
-              </a:p>
-            </p:txBody>
-          </p:sp>
-        </mc:Choice>
-        <mc:Fallback>
-          <p:sp>
-            <p:nvSpPr>
-              <p:cNvPr id="70" name="TextBox 69">
-                <a:extLst>
-                  <a:ext uri="{FF2B5EF4-FFF2-40B4-BE49-F238E27FC236}">
-                    <a16:creationId xmlns:a16="http://schemas.microsoft.com/office/drawing/2014/main" id="{028C85A2-B639-11EF-9AA0-28C2242940EC}"/>
-                  </a:ext>
-                </a:extLst>
-              </p:cNvPr>
-              <p:cNvSpPr txBox="1">
-                <a:spLocks noRot="1" noChangeAspect="1" noMove="1" noResize="1" noEditPoints="1" noAdjustHandles="1" noChangeArrowheads="1" noChangeShapeType="1" noTextEdit="1"/>
-              </p:cNvSpPr>
-              <p:nvPr/>
-            </p:nvSpPr>
-            <p:spPr>
-              <a:xfrm>
-                <a:off x="4195529" y="4105657"/>
-                <a:ext cx="335280" cy="369332"/>
-              </a:xfrm>
-              <a:prstGeom prst="rect">
-                <a:avLst/>
-              </a:prstGeom>
-              <a:blipFill>
-                <a:blip r:embed="rId12"/>
-                <a:stretch>
-                  <a:fillRect t="-23333" r="-25455" b="-6667"/>
-                </a:stretch>
-              </a:blipFill>
-            </p:spPr>
-            <p:txBody>
-              <a:bodyPr/>
-              <a:lstStyle/>
-              <a:p>
-                <a:r>
-                  <a:rPr lang="en-US">
-                    <a:noFill/>
-                  </a:rPr>
-                  <a:t> </a:t>
-                </a:r>
-              </a:p>
-            </p:txBody>
-          </p:sp>
-        </mc:Fallback>
-      </mc:AlternateContent>
-      <mc:AlternateContent xmlns:mc="http://schemas.openxmlformats.org/markup-compatibility/2006">
-        <mc:Choice xmlns:a14="http://schemas.microsoft.com/office/drawing/2010/main" Requires="a14">
-          <p:sp>
-            <p:nvSpPr>
-              <p:cNvPr id="71" name="TextBox 70">
-                <a:extLst>
-                  <a:ext uri="{FF2B5EF4-FFF2-40B4-BE49-F238E27FC236}">
-                    <a16:creationId xmlns:a16="http://schemas.microsoft.com/office/drawing/2014/main" id="{52478DE4-C76A-121F-EA42-F78002E84D63}"/>
-                  </a:ext>
-                </a:extLst>
-              </p:cNvPr>
-              <p:cNvSpPr txBox="1"/>
-              <p:nvPr/>
-            </p:nvSpPr>
-            <p:spPr>
-              <a:xfrm>
-                <a:off x="2765164" y="3630437"/>
-                <a:ext cx="335280" cy="369332"/>
-              </a:xfrm>
-              <a:prstGeom prst="rect">
-                <a:avLst/>
-              </a:prstGeom>
-              <a:noFill/>
-            </p:spPr>
-            <p:txBody>
-              <a:bodyPr wrap="square" rtlCol="0">
-                <a:spAutoFit/>
-              </a:bodyPr>
-              <a:lstStyle/>
-              <a:p>
-                <a:pPr/>
-                <a14:m>
-                  <m:oMathPara xmlns:m="http://schemas.openxmlformats.org/officeDocument/2006/math">
-                    <m:oMathParaPr>
-                      <m:jc m:val="centerGroup"/>
-                    </m:oMathParaPr>
-                    <m:oMath xmlns:m="http://schemas.openxmlformats.org/officeDocument/2006/math">
-                      <m:sSub>
-                        <m:sSubPr>
-                          <m:ctrlPr>
-                            <a:rPr lang="en-US" i="1" smtClean="0">
-                              <a:solidFill>
-                                <a:schemeClr val="tx1"/>
-                              </a:solidFill>
-                              <a:latin typeface="Cambria Math" panose="02040503050406030204" pitchFamily="18" charset="0"/>
-                            </a:rPr>
-                          </m:ctrlPr>
-                        </m:sSubPr>
-                        <m:e>
-                          <m:acc>
-                            <m:accPr>
-                              <m:chr m:val="⃗"/>
-                              <m:ctrlPr>
-                                <a:rPr lang="en-US" i="1" smtClean="0">
-                                  <a:solidFill>
-                                    <a:schemeClr val="tx1"/>
-                                  </a:solidFill>
-                                  <a:latin typeface="Cambria Math" panose="02040503050406030204" pitchFamily="18" charset="0"/>
-                                </a:rPr>
-                              </m:ctrlPr>
-                            </m:accPr>
-                            <m:e>
-                              <m:r>
-                                <a:rPr lang="en-US" b="0" i="1" smtClean="0">
-                                  <a:solidFill>
-                                    <a:schemeClr val="tx1"/>
-                                  </a:solidFill>
-                                  <a:latin typeface="Cambria Math" panose="02040503050406030204" pitchFamily="18" charset="0"/>
-                                </a:rPr>
-                                <m:t>𝑝</m:t>
-                              </m:r>
-                            </m:e>
-                          </m:acc>
-                        </m:e>
-                        <m:sub>
-                          <m:r>
-                            <a:rPr lang="en-US" b="0" i="1" smtClean="0">
-                              <a:solidFill>
-                                <a:schemeClr val="tx1"/>
-                              </a:solidFill>
-                              <a:latin typeface="Cambria Math" panose="02040503050406030204" pitchFamily="18" charset="0"/>
-                            </a:rPr>
-                            <m:t>1</m:t>
-                          </m:r>
-                        </m:sub>
-                      </m:sSub>
-                    </m:oMath>
-                  </m:oMathPara>
-                </a14:m>
-                <a:endParaRPr lang="en-US" dirty="0">
-                  <a:solidFill>
-                    <a:schemeClr val="tx1"/>
-                  </a:solidFill>
-                </a:endParaRPr>
-              </a:p>
-            </p:txBody>
-          </p:sp>
-        </mc:Choice>
-        <mc:Fallback>
-          <p:sp>
-            <p:nvSpPr>
-              <p:cNvPr id="71" name="TextBox 70">
-                <a:extLst>
-                  <a:ext uri="{FF2B5EF4-FFF2-40B4-BE49-F238E27FC236}">
-                    <a16:creationId xmlns:a16="http://schemas.microsoft.com/office/drawing/2014/main" id="{52478DE4-C76A-121F-EA42-F78002E84D63}"/>
-                  </a:ext>
-                </a:extLst>
-              </p:cNvPr>
-              <p:cNvSpPr txBox="1">
-                <a:spLocks noRot="1" noChangeAspect="1" noMove="1" noResize="1" noEditPoints="1" noAdjustHandles="1" noChangeArrowheads="1" noChangeShapeType="1" noTextEdit="1"/>
-              </p:cNvSpPr>
-              <p:nvPr/>
-            </p:nvSpPr>
-            <p:spPr>
-              <a:xfrm>
-                <a:off x="2765164" y="3630437"/>
-                <a:ext cx="335280" cy="369332"/>
-              </a:xfrm>
-              <a:prstGeom prst="rect">
-                <a:avLst/>
-              </a:prstGeom>
-              <a:blipFill>
-                <a:blip r:embed="rId13"/>
-                <a:stretch>
-                  <a:fillRect t="-23333" r="-23636" b="-6667"/>
-                </a:stretch>
-              </a:blipFill>
-            </p:spPr>
-            <p:txBody>
-              <a:bodyPr/>
-              <a:lstStyle/>
-              <a:p>
-                <a:r>
-                  <a:rPr lang="en-US">
-                    <a:noFill/>
-                  </a:rPr>
-                  <a:t> </a:t>
-                </a:r>
-              </a:p>
-            </p:txBody>
-          </p:sp>
-        </mc:Fallback>
-      </mc:AlternateContent>
-      <p:sp>
-        <p:nvSpPr>
-          <p:cNvPr id="72" name="Oval 71">
-            <a:extLst>
-              <a:ext uri="{FF2B5EF4-FFF2-40B4-BE49-F238E27FC236}">
-                <a16:creationId xmlns:a16="http://schemas.microsoft.com/office/drawing/2014/main" id="{C492FE16-BCB6-C0EC-A568-A89143F44F89}"/>
-              </a:ext>
-            </a:extLst>
-          </p:cNvPr>
-          <p:cNvSpPr/>
-          <p:nvPr/>
-        </p:nvSpPr>
-        <p:spPr>
-          <a:xfrm>
-            <a:off x="3017610" y="4036195"/>
-            <a:ext cx="95026" cy="95026"/>
-          </a:xfrm>
-          <a:prstGeom prst="ellipse">
-            <a:avLst/>
-          </a:prstGeom>
-          <a:solidFill>
-            <a:schemeClr val="tx1"/>
-          </a:solidFill>
-          <a:ln w="25400">
+            <a:ln w="25400">
+              <a:solidFill>
+                <a:schemeClr val="tx1"/>
+              </a:solidFill>
+            </a:ln>
+          </p:spPr>
+          <p:style>
+            <a:lnRef idx="2">
+              <a:schemeClr val="accent1">
+                <a:shade val="50000"/>
+              </a:schemeClr>
+            </a:lnRef>
+            <a:fillRef idx="1">
+              <a:schemeClr val="accent1"/>
+            </a:fillRef>
+            <a:effectRef idx="0">
+              <a:schemeClr val="accent1"/>
+            </a:effectRef>
+            <a:fontRef idx="minor">
+              <a:schemeClr val="lt1"/>
+            </a:fontRef>
+          </p:style>
+          <p:txBody>
+            <a:bodyPr rtlCol="0" anchor="ctr"/>
+            <a:lstStyle/>
+            <a:p>
+              <a:pPr algn="ctr"/>
+              <a:endParaRPr lang="en-US"/>
+            </a:p>
+          </p:txBody>
+        </p:sp>
+        <p:sp>
+          <p:nvSpPr>
+            <p:cNvPr id="74" name="Arc 73">
+              <a:extLst>
+                <a:ext uri="{FF2B5EF4-FFF2-40B4-BE49-F238E27FC236}">
+                  <a16:creationId xmlns:a16="http://schemas.microsoft.com/office/drawing/2014/main" id="{BC5D834D-8E3D-48F7-7854-AA9AED7349CE}"/>
+                </a:ext>
+              </a:extLst>
+            </p:cNvPr>
+            <p:cNvSpPr>
+              <a:spLocks noChangeAspect="1"/>
+            </p:cNvSpPr>
+            <p:nvPr/>
+          </p:nvSpPr>
+          <p:spPr>
+            <a:xfrm>
+              <a:off x="3114130" y="4303387"/>
+              <a:ext cx="744042" cy="749995"/>
+            </a:xfrm>
+            <a:prstGeom prst="arc">
+              <a:avLst>
+                <a:gd name="adj1" fmla="val 20461720"/>
+                <a:gd name="adj2" fmla="val 0"/>
+              </a:avLst>
+            </a:prstGeom>
+            <a:ln w="25400">
+              <a:solidFill>
+                <a:srgbClr val="FF00FF"/>
+              </a:solidFill>
+            </a:ln>
+          </p:spPr>
+          <p:style>
+            <a:lnRef idx="1">
+              <a:schemeClr val="accent1"/>
+            </a:lnRef>
+            <a:fillRef idx="0">
+              <a:schemeClr val="accent1"/>
+            </a:fillRef>
+            <a:effectRef idx="0">
+              <a:schemeClr val="accent1"/>
+            </a:effectRef>
+            <a:fontRef idx="minor">
+              <a:schemeClr val="tx1"/>
+            </a:fontRef>
+          </p:style>
+          <p:txBody>
+            <a:bodyPr rtlCol="0" anchor="ctr"/>
+            <a:lstStyle/>
+            <a:p>
+              <a:pPr algn="ctr"/>
+              <a:endParaRPr lang="en-US"/>
+            </a:p>
+          </p:txBody>
+        </p:sp>
+        <p:sp>
+          <p:nvSpPr>
+            <p:cNvPr id="75" name="Arc 74">
+              <a:extLst>
+                <a:ext uri="{FF2B5EF4-FFF2-40B4-BE49-F238E27FC236}">
+                  <a16:creationId xmlns:a16="http://schemas.microsoft.com/office/drawing/2014/main" id="{BDE32F43-51B1-F11F-948A-A02554E648E3}"/>
+                </a:ext>
+              </a:extLst>
+            </p:cNvPr>
+            <p:cNvSpPr>
+              <a:spLocks noChangeAspect="1"/>
+            </p:cNvSpPr>
+            <p:nvPr/>
+          </p:nvSpPr>
+          <p:spPr>
+            <a:xfrm>
+              <a:off x="3054963" y="4247878"/>
+              <a:ext cx="862106" cy="869004"/>
+            </a:xfrm>
+            <a:prstGeom prst="arc">
+              <a:avLst>
+                <a:gd name="adj1" fmla="val 14083375"/>
+                <a:gd name="adj2" fmla="val 0"/>
+              </a:avLst>
+            </a:prstGeom>
+            <a:ln w="25400">
+              <a:solidFill>
+                <a:schemeClr val="accent6"/>
+              </a:solidFill>
+              <a:headEnd type="none"/>
+            </a:ln>
+          </p:spPr>
+          <p:style>
+            <a:lnRef idx="1">
+              <a:schemeClr val="accent1"/>
+            </a:lnRef>
+            <a:fillRef idx="0">
+              <a:schemeClr val="accent1"/>
+            </a:fillRef>
+            <a:effectRef idx="0">
+              <a:schemeClr val="accent1"/>
+            </a:effectRef>
+            <a:fontRef idx="minor">
+              <a:schemeClr val="tx1"/>
+            </a:fontRef>
+          </p:style>
+          <p:txBody>
+            <a:bodyPr rtlCol="0" anchor="ctr"/>
+            <a:lstStyle/>
+            <a:p>
+              <a:pPr algn="ctr"/>
+              <a:endParaRPr lang="en-US"/>
+            </a:p>
+          </p:txBody>
+        </p:sp>
+        <mc:AlternateContent xmlns:mc="http://schemas.openxmlformats.org/markup-compatibility/2006">
+          <mc:Choice xmlns:a14="http://schemas.microsoft.com/office/drawing/2010/main" Requires="a14">
+            <p:sp>
+              <p:nvSpPr>
+                <p:cNvPr id="76" name="TextBox 75">
+                  <a:extLst>
+                    <a:ext uri="{FF2B5EF4-FFF2-40B4-BE49-F238E27FC236}">
+                      <a16:creationId xmlns:a16="http://schemas.microsoft.com/office/drawing/2014/main" id="{34624F1F-3491-2F2B-E2BB-336CB5430443}"/>
+                    </a:ext>
+                  </a:extLst>
+                </p:cNvPr>
+                <p:cNvSpPr txBox="1"/>
+                <p:nvPr/>
+              </p:nvSpPr>
+              <p:spPr>
+                <a:xfrm>
+                  <a:off x="3791608" y="4374523"/>
+                  <a:ext cx="540726" cy="369332"/>
+                </a:xfrm>
+                <a:prstGeom prst="rect">
+                  <a:avLst/>
+                </a:prstGeom>
+                <a:noFill/>
+              </p:spPr>
+              <p:txBody>
+                <a:bodyPr wrap="square" rtlCol="0">
+                  <a:spAutoFit/>
+                </a:bodyPr>
+                <a:lstStyle/>
+                <a:p>
+                  <a:pPr/>
+                  <a14:m>
+                    <m:oMathPara xmlns:m="http://schemas.openxmlformats.org/officeDocument/2006/math">
+                      <m:oMathParaPr>
+                        <m:jc m:val="centerGroup"/>
+                      </m:oMathParaPr>
+                      <m:oMath xmlns:m="http://schemas.openxmlformats.org/officeDocument/2006/math">
+                        <m:sSub>
+                          <m:sSubPr>
+                            <m:ctrlPr>
+                              <a:rPr lang="en-US" i="1" smtClean="0">
+                                <a:solidFill>
+                                  <a:srgbClr val="FF00FF"/>
+                                </a:solidFill>
+                                <a:latin typeface="Cambria Math" panose="02040503050406030204" pitchFamily="18" charset="0"/>
+                              </a:rPr>
+                            </m:ctrlPr>
+                          </m:sSubPr>
+                          <m:e>
+                            <m:r>
+                              <a:rPr lang="en-US" i="1" smtClean="0">
+                                <a:solidFill>
+                                  <a:srgbClr val="FF00FF"/>
+                                </a:solidFill>
+                                <a:latin typeface="Cambria Math" panose="02040503050406030204" pitchFamily="18" charset="0"/>
+                                <a:ea typeface="Cambria Math" panose="02040503050406030204" pitchFamily="18" charset="0"/>
+                              </a:rPr>
+                              <m:t>𝛼</m:t>
+                            </m:r>
+                          </m:e>
+                          <m:sub>
+                            <m:r>
+                              <a:rPr lang="en-US" b="0" i="1" smtClean="0">
+                                <a:solidFill>
+                                  <a:srgbClr val="FF00FF"/>
+                                </a:solidFill>
+                                <a:latin typeface="Cambria Math" panose="02040503050406030204" pitchFamily="18" charset="0"/>
+                              </a:rPr>
+                              <m:t>0</m:t>
+                            </m:r>
+                          </m:sub>
+                        </m:sSub>
+                      </m:oMath>
+                    </m:oMathPara>
+                  </a14:m>
+                  <a:endParaRPr lang="en-US" dirty="0">
+                    <a:solidFill>
+                      <a:srgbClr val="FF00FF"/>
+                    </a:solidFill>
+                  </a:endParaRPr>
+                </a:p>
+              </p:txBody>
+            </p:sp>
+          </mc:Choice>
+          <mc:Fallback>
+            <p:sp>
+              <p:nvSpPr>
+                <p:cNvPr id="76" name="TextBox 75">
+                  <a:extLst>
+                    <a:ext uri="{FF2B5EF4-FFF2-40B4-BE49-F238E27FC236}">
+                      <a16:creationId xmlns:a16="http://schemas.microsoft.com/office/drawing/2014/main" id="{34624F1F-3491-2F2B-E2BB-336CB5430443}"/>
+                    </a:ext>
+                  </a:extLst>
+                </p:cNvPr>
+                <p:cNvSpPr txBox="1">
+                  <a:spLocks noRot="1" noChangeAspect="1" noMove="1" noResize="1" noEditPoints="1" noAdjustHandles="1" noChangeArrowheads="1" noChangeShapeType="1" noTextEdit="1"/>
+                </p:cNvSpPr>
+                <p:nvPr/>
+              </p:nvSpPr>
+              <p:spPr>
+                <a:xfrm>
+                  <a:off x="3791608" y="4374523"/>
+                  <a:ext cx="540726" cy="369332"/>
+                </a:xfrm>
+                <a:prstGeom prst="rect">
+                  <a:avLst/>
+                </a:prstGeom>
+                <a:blipFill>
+                  <a:blip r:embed="rId23"/>
+                  <a:stretch>
+                    <a:fillRect/>
+                  </a:stretch>
+                </a:blipFill>
+              </p:spPr>
+              <p:txBody>
+                <a:bodyPr/>
+                <a:lstStyle/>
+                <a:p>
+                  <a:r>
+                    <a:rPr lang="en-US">
+                      <a:noFill/>
+                    </a:rPr>
+                    <a:t> </a:t>
+                  </a:r>
+                </a:p>
+              </p:txBody>
+            </p:sp>
+          </mc:Fallback>
+        </mc:AlternateContent>
+        <mc:AlternateContent xmlns:mc="http://schemas.openxmlformats.org/markup-compatibility/2006">
+          <mc:Choice xmlns:a14="http://schemas.microsoft.com/office/drawing/2010/main" Requires="a14">
+            <p:sp>
+              <p:nvSpPr>
+                <p:cNvPr id="77" name="TextBox 76">
+                  <a:extLst>
+                    <a:ext uri="{FF2B5EF4-FFF2-40B4-BE49-F238E27FC236}">
+                      <a16:creationId xmlns:a16="http://schemas.microsoft.com/office/drawing/2014/main" id="{3779938F-2F73-C155-B40F-0994E2CDA1F3}"/>
+                    </a:ext>
+                  </a:extLst>
+                </p:cNvPr>
+                <p:cNvSpPr txBox="1"/>
+                <p:nvPr/>
+              </p:nvSpPr>
+              <p:spPr>
+                <a:xfrm>
+                  <a:off x="3576440" y="3984078"/>
+                  <a:ext cx="397349" cy="369332"/>
+                </a:xfrm>
+                <a:prstGeom prst="rect">
+                  <a:avLst/>
+                </a:prstGeom>
+                <a:noFill/>
+              </p:spPr>
+              <p:txBody>
+                <a:bodyPr wrap="square" rtlCol="0">
+                  <a:spAutoFit/>
+                </a:bodyPr>
+                <a:lstStyle/>
+                <a:p>
+                  <a:pPr/>
+                  <a14:m>
+                    <m:oMathPara xmlns:m="http://schemas.openxmlformats.org/officeDocument/2006/math">
+                      <m:oMathParaPr>
+                        <m:jc m:val="centerGroup"/>
+                      </m:oMathParaPr>
+                      <m:oMath xmlns:m="http://schemas.openxmlformats.org/officeDocument/2006/math">
+                        <m:sSub>
+                          <m:sSubPr>
+                            <m:ctrlPr>
+                              <a:rPr lang="en-US" i="1" smtClean="0">
+                                <a:solidFill>
+                                  <a:schemeClr val="accent6"/>
+                                </a:solidFill>
+                                <a:latin typeface="Cambria Math" panose="02040503050406030204" pitchFamily="18" charset="0"/>
+                              </a:rPr>
+                            </m:ctrlPr>
+                          </m:sSubPr>
+                          <m:e>
+                            <m:r>
+                              <a:rPr lang="en-US" i="1" smtClean="0">
+                                <a:solidFill>
+                                  <a:schemeClr val="accent6"/>
+                                </a:solidFill>
+                                <a:latin typeface="Cambria Math" panose="02040503050406030204" pitchFamily="18" charset="0"/>
+                                <a:ea typeface="Cambria Math" panose="02040503050406030204" pitchFamily="18" charset="0"/>
+                              </a:rPr>
+                              <m:t>𝛼</m:t>
+                            </m:r>
+                          </m:e>
+                          <m:sub>
+                            <m:r>
+                              <a:rPr lang="en-US" b="0" i="1" smtClean="0">
+                                <a:solidFill>
+                                  <a:schemeClr val="accent6"/>
+                                </a:solidFill>
+                                <a:latin typeface="Cambria Math" panose="02040503050406030204" pitchFamily="18" charset="0"/>
+                              </a:rPr>
+                              <m:t>1</m:t>
+                            </m:r>
+                          </m:sub>
+                        </m:sSub>
+                      </m:oMath>
+                    </m:oMathPara>
+                  </a14:m>
+                  <a:endParaRPr lang="en-US" dirty="0">
+                    <a:solidFill>
+                      <a:schemeClr val="tx1"/>
+                    </a:solidFill>
+                  </a:endParaRPr>
+                </a:p>
+              </p:txBody>
+            </p:sp>
+          </mc:Choice>
+          <mc:Fallback>
+            <p:sp>
+              <p:nvSpPr>
+                <p:cNvPr id="77" name="TextBox 76">
+                  <a:extLst>
+                    <a:ext uri="{FF2B5EF4-FFF2-40B4-BE49-F238E27FC236}">
+                      <a16:creationId xmlns:a16="http://schemas.microsoft.com/office/drawing/2014/main" id="{3779938F-2F73-C155-B40F-0994E2CDA1F3}"/>
+                    </a:ext>
+                  </a:extLst>
+                </p:cNvPr>
+                <p:cNvSpPr txBox="1">
+                  <a:spLocks noRot="1" noChangeAspect="1" noMove="1" noResize="1" noEditPoints="1" noAdjustHandles="1" noChangeArrowheads="1" noChangeShapeType="1" noTextEdit="1"/>
+                </p:cNvSpPr>
+                <p:nvPr/>
+              </p:nvSpPr>
+              <p:spPr>
+                <a:xfrm>
+                  <a:off x="3576440" y="3984078"/>
+                  <a:ext cx="397349" cy="369332"/>
+                </a:xfrm>
+                <a:prstGeom prst="rect">
+                  <a:avLst/>
+                </a:prstGeom>
+                <a:blipFill>
+                  <a:blip r:embed="rId24"/>
+                  <a:stretch>
+                    <a:fillRect/>
+                  </a:stretch>
+                </a:blipFill>
+              </p:spPr>
+              <p:txBody>
+                <a:bodyPr/>
+                <a:lstStyle/>
+                <a:p>
+                  <a:r>
+                    <a:rPr lang="en-US">
+                      <a:noFill/>
+                    </a:rPr>
+                    <a:t> </a:t>
+                  </a:r>
+                </a:p>
+              </p:txBody>
+            </p:sp>
+          </mc:Fallback>
+        </mc:AlternateContent>
+        <mc:AlternateContent xmlns:mc="http://schemas.openxmlformats.org/markup-compatibility/2006">
+          <mc:Choice xmlns:a14="http://schemas.microsoft.com/office/drawing/2010/main" Requires="a14">
+            <p:sp>
+              <p:nvSpPr>
+                <p:cNvPr id="78" name="TextBox 77">
+                  <a:extLst>
+                    <a:ext uri="{FF2B5EF4-FFF2-40B4-BE49-F238E27FC236}">
+                      <a16:creationId xmlns:a16="http://schemas.microsoft.com/office/drawing/2014/main" id="{14849E52-83CF-AE80-7A85-218339249A7B}"/>
+                    </a:ext>
+                  </a:extLst>
+                </p:cNvPr>
+                <p:cNvSpPr txBox="1"/>
+                <p:nvPr/>
+              </p:nvSpPr>
+              <p:spPr>
+                <a:xfrm>
+                  <a:off x="2734176" y="4823624"/>
+                  <a:ext cx="1684528" cy="369332"/>
+                </a:xfrm>
+                <a:prstGeom prst="rect">
+                  <a:avLst/>
+                </a:prstGeom>
+                <a:noFill/>
+              </p:spPr>
+              <p:txBody>
+                <a:bodyPr wrap="square" rtlCol="0">
+                  <a:spAutoFit/>
+                </a:bodyPr>
+                <a:lstStyle/>
+                <a:p>
+                  <a:pPr/>
+                  <a14:m>
+                    <m:oMathPara xmlns:m="http://schemas.openxmlformats.org/officeDocument/2006/math">
+                      <m:oMathParaPr>
+                        <m:jc m:val="center"/>
+                      </m:oMathParaPr>
+                      <m:oMath xmlns:m="http://schemas.openxmlformats.org/officeDocument/2006/math">
+                        <m:sSub>
+                          <m:sSubPr>
+                            <m:ctrlPr>
+                              <a:rPr lang="en-US" i="1" smtClean="0">
+                                <a:solidFill>
+                                  <a:srgbClr val="FF00FF"/>
+                                </a:solidFill>
+                                <a:latin typeface="Cambria Math" panose="02040503050406030204" pitchFamily="18" charset="0"/>
+                              </a:rPr>
+                            </m:ctrlPr>
+                          </m:sSubPr>
+                          <m:e>
+                            <m:r>
+                              <a:rPr lang="en-US" i="1">
+                                <a:solidFill>
+                                  <a:srgbClr val="FF00FF"/>
+                                </a:solidFill>
+                                <a:latin typeface="Cambria Math" panose="02040503050406030204" pitchFamily="18" charset="0"/>
+                                <a:ea typeface="Cambria Math" panose="02040503050406030204" pitchFamily="18" charset="0"/>
+                              </a:rPr>
+                              <m:t>𝛼</m:t>
+                            </m:r>
+                          </m:e>
+                          <m:sub>
+                            <m:r>
+                              <a:rPr lang="en-US" i="1">
+                                <a:solidFill>
+                                  <a:srgbClr val="FF00FF"/>
+                                </a:solidFill>
+                                <a:latin typeface="Cambria Math" panose="02040503050406030204" pitchFamily="18" charset="0"/>
+                              </a:rPr>
+                              <m:t>0</m:t>
+                            </m:r>
+                          </m:sub>
+                        </m:sSub>
+                        <m:r>
+                          <a:rPr lang="en-US">
+                            <a:latin typeface="Cambria Math" panose="02040503050406030204" pitchFamily="18" charset="0"/>
+                          </a:rPr>
+                          <m:t>&lt;</m:t>
+                        </m:r>
+                        <m:sSub>
+                          <m:sSubPr>
+                            <m:ctrlPr>
+                              <a:rPr lang="en-US" i="1" smtClean="0">
+                                <a:solidFill>
+                                  <a:schemeClr val="accent6"/>
+                                </a:solidFill>
+                                <a:latin typeface="Cambria Math" panose="02040503050406030204" pitchFamily="18" charset="0"/>
+                              </a:rPr>
+                            </m:ctrlPr>
+                          </m:sSubPr>
+                          <m:e>
+                            <m:r>
+                              <a:rPr lang="en-US" i="1">
+                                <a:solidFill>
+                                  <a:schemeClr val="accent6"/>
+                                </a:solidFill>
+                                <a:latin typeface="Cambria Math" panose="02040503050406030204" pitchFamily="18" charset="0"/>
+                                <a:ea typeface="Cambria Math" panose="02040503050406030204" pitchFamily="18" charset="0"/>
+                              </a:rPr>
+                              <m:t>𝛼</m:t>
+                            </m:r>
+                          </m:e>
+                          <m:sub>
+                            <m:r>
+                              <a:rPr lang="en-US" i="1">
+                                <a:solidFill>
+                                  <a:schemeClr val="accent6"/>
+                                </a:solidFill>
+                                <a:latin typeface="Cambria Math" panose="02040503050406030204" pitchFamily="18" charset="0"/>
+                              </a:rPr>
+                              <m:t>1</m:t>
+                            </m:r>
+                          </m:sub>
+                        </m:sSub>
+                      </m:oMath>
+                    </m:oMathPara>
+                  </a14:m>
+                  <a:endParaRPr lang="en-US" dirty="0"/>
+                </a:p>
+              </p:txBody>
+            </p:sp>
+          </mc:Choice>
+          <mc:Fallback>
+            <p:sp>
+              <p:nvSpPr>
+                <p:cNvPr id="78" name="TextBox 77">
+                  <a:extLst>
+                    <a:ext uri="{FF2B5EF4-FFF2-40B4-BE49-F238E27FC236}">
+                      <a16:creationId xmlns:a16="http://schemas.microsoft.com/office/drawing/2014/main" id="{14849E52-83CF-AE80-7A85-218339249A7B}"/>
+                    </a:ext>
+                  </a:extLst>
+                </p:cNvPr>
+                <p:cNvSpPr txBox="1">
+                  <a:spLocks noRot="1" noChangeAspect="1" noMove="1" noResize="1" noEditPoints="1" noAdjustHandles="1" noChangeArrowheads="1" noChangeShapeType="1" noTextEdit="1"/>
+                </p:cNvSpPr>
+                <p:nvPr/>
+              </p:nvSpPr>
+              <p:spPr>
+                <a:xfrm>
+                  <a:off x="2734176" y="4823624"/>
+                  <a:ext cx="1684528" cy="369332"/>
+                </a:xfrm>
+                <a:prstGeom prst="rect">
+                  <a:avLst/>
+                </a:prstGeom>
+                <a:blipFill>
+                  <a:blip r:embed="rId25"/>
+                  <a:stretch>
+                    <a:fillRect/>
+                  </a:stretch>
+                </a:blipFill>
+              </p:spPr>
+              <p:txBody>
+                <a:bodyPr/>
+                <a:lstStyle/>
+                <a:p>
+                  <a:r>
+                    <a:rPr lang="en-US">
+                      <a:noFill/>
+                    </a:rPr>
+                    <a:t> </a:t>
+                  </a:r>
+                </a:p>
+              </p:txBody>
+            </p:sp>
+          </mc:Fallback>
+        </mc:AlternateContent>
+        <p:cxnSp>
+          <p:nvCxnSpPr>
+            <p:cNvPr id="95" name="Straight Arrow Connector 94">
+              <a:extLst>
+                <a:ext uri="{FF2B5EF4-FFF2-40B4-BE49-F238E27FC236}">
+                  <a16:creationId xmlns:a16="http://schemas.microsoft.com/office/drawing/2014/main" id="{32B99805-05A5-17C3-F5A0-59E7CE83B196}"/>
+                </a:ext>
+              </a:extLst>
+            </p:cNvPr>
+            <p:cNvCxnSpPr/>
+            <p:nvPr/>
+          </p:nvCxnSpPr>
+          <p:spPr>
+            <a:xfrm flipH="1" flipV="1">
+              <a:off x="4161904" y="4450597"/>
+              <a:ext cx="142538" cy="446231"/>
+            </a:xfrm>
+            <a:prstGeom prst="straightConnector1">
+              <a:avLst/>
+            </a:prstGeom>
+            <a:noFill/>
+            <a:ln w="38100" cap="flat" cmpd="sng" algn="ctr">
+              <a:solidFill>
+                <a:schemeClr val="accent5"/>
+              </a:solidFill>
+              <a:prstDash val="solid"/>
+              <a:miter lim="800000"/>
+              <a:headEnd type="arrow"/>
+              <a:tailEnd type="none"/>
+            </a:ln>
+            <a:effectLst/>
+          </p:spPr>
+        </p:cxnSp>
+        <p:sp>
+          <p:nvSpPr>
+            <p:cNvPr id="73" name="Oval 72">
+              <a:extLst>
+                <a:ext uri="{FF2B5EF4-FFF2-40B4-BE49-F238E27FC236}">
+                  <a16:creationId xmlns:a16="http://schemas.microsoft.com/office/drawing/2014/main" id="{F168C559-3250-AB48-BBA5-53B7576E19CD}"/>
+                </a:ext>
+              </a:extLst>
+            </p:cNvPr>
+            <p:cNvSpPr/>
+            <p:nvPr/>
+          </p:nvSpPr>
+          <p:spPr>
+            <a:xfrm>
+              <a:off x="4114890" y="4403084"/>
+              <a:ext cx="95026" cy="95026"/>
+            </a:xfrm>
+            <a:prstGeom prst="ellipse">
+              <a:avLst/>
+            </a:prstGeom>
             <a:solidFill>
               <a:schemeClr val="tx1"/>
             </a:solidFill>
-          </a:ln>
-        </p:spPr>
-        <p:style>
-          <a:lnRef idx="2">
-            <a:schemeClr val="accent1">
-              <a:shade val="50000"/>
-            </a:schemeClr>
-          </a:lnRef>
-          <a:fillRef idx="1">
-            <a:schemeClr val="accent1"/>
-          </a:fillRef>
-          <a:effectRef idx="0">
-            <a:schemeClr val="accent1"/>
-          </a:effectRef>
-          <a:fontRef idx="minor">
-            <a:schemeClr val="lt1"/>
-          </a:fontRef>
-        </p:style>
-        <p:txBody>
-          <a:bodyPr rtlCol="0" anchor="ctr"/>
-          <a:lstStyle/>
-          <a:p>
-            <a:pPr algn="ctr"/>
-            <a:endParaRPr lang="en-US"/>
-          </a:p>
-        </p:txBody>
-      </p:sp>
-      <p:sp>
-        <p:nvSpPr>
-          <p:cNvPr id="74" name="Arc 73">
-            <a:extLst>
-              <a:ext uri="{FF2B5EF4-FFF2-40B4-BE49-F238E27FC236}">
-                <a16:creationId xmlns:a16="http://schemas.microsoft.com/office/drawing/2014/main" id="{BC5D834D-8E3D-48F7-7854-AA9AED7349CE}"/>
-              </a:ext>
-            </a:extLst>
-          </p:cNvPr>
-          <p:cNvSpPr>
-            <a:spLocks noChangeAspect="1"/>
-          </p:cNvSpPr>
-          <p:nvPr/>
-        </p:nvSpPr>
-        <p:spPr>
-          <a:xfrm>
-            <a:off x="3114130" y="4303387"/>
-            <a:ext cx="744042" cy="749995"/>
-          </a:xfrm>
-          <a:prstGeom prst="arc">
-            <a:avLst>
-              <a:gd name="adj1" fmla="val 20461720"/>
-              <a:gd name="adj2" fmla="val 0"/>
-            </a:avLst>
-          </a:prstGeom>
-          <a:ln w="25400">
-            <a:solidFill>
-              <a:srgbClr val="FF00FF"/>
-            </a:solidFill>
-          </a:ln>
-        </p:spPr>
-        <p:style>
-          <a:lnRef idx="1">
-            <a:schemeClr val="accent1"/>
-          </a:lnRef>
-          <a:fillRef idx="0">
-            <a:schemeClr val="accent1"/>
-          </a:fillRef>
-          <a:effectRef idx="0">
-            <a:schemeClr val="accent1"/>
-          </a:effectRef>
-          <a:fontRef idx="minor">
-            <a:schemeClr val="tx1"/>
-          </a:fontRef>
-        </p:style>
-        <p:txBody>
-          <a:bodyPr rtlCol="0" anchor="ctr"/>
-          <a:lstStyle/>
-          <a:p>
-            <a:pPr algn="ctr"/>
-            <a:endParaRPr lang="en-US"/>
-          </a:p>
-        </p:txBody>
-      </p:sp>
-      <p:sp>
-        <p:nvSpPr>
-          <p:cNvPr id="75" name="Arc 74">
-            <a:extLst>
-              <a:ext uri="{FF2B5EF4-FFF2-40B4-BE49-F238E27FC236}">
-                <a16:creationId xmlns:a16="http://schemas.microsoft.com/office/drawing/2014/main" id="{BDE32F43-51B1-F11F-948A-A02554E648E3}"/>
-              </a:ext>
-            </a:extLst>
-          </p:cNvPr>
-          <p:cNvSpPr>
-            <a:spLocks noChangeAspect="1"/>
-          </p:cNvSpPr>
-          <p:nvPr/>
-        </p:nvSpPr>
-        <p:spPr>
-          <a:xfrm>
-            <a:off x="3054963" y="4247878"/>
-            <a:ext cx="862106" cy="869004"/>
-          </a:xfrm>
-          <a:prstGeom prst="arc">
-            <a:avLst>
-              <a:gd name="adj1" fmla="val 14083375"/>
-              <a:gd name="adj2" fmla="val 0"/>
-            </a:avLst>
-          </a:prstGeom>
-          <a:ln w="25400">
-            <a:solidFill>
-              <a:schemeClr val="accent6"/>
-            </a:solidFill>
-            <a:headEnd type="none"/>
-          </a:ln>
-        </p:spPr>
-        <p:style>
-          <a:lnRef idx="1">
-            <a:schemeClr val="accent1"/>
-          </a:lnRef>
-          <a:fillRef idx="0">
-            <a:schemeClr val="accent1"/>
-          </a:fillRef>
-          <a:effectRef idx="0">
-            <a:schemeClr val="accent1"/>
-          </a:effectRef>
-          <a:fontRef idx="minor">
-            <a:schemeClr val="tx1"/>
-          </a:fontRef>
-        </p:style>
-        <p:txBody>
-          <a:bodyPr rtlCol="0" anchor="ctr"/>
-          <a:lstStyle/>
-          <a:p>
-            <a:pPr algn="ctr"/>
-            <a:endParaRPr lang="en-US"/>
-          </a:p>
-        </p:txBody>
-      </p:sp>
-      <mc:AlternateContent xmlns:mc="http://schemas.openxmlformats.org/markup-compatibility/2006">
-        <mc:Choice xmlns:a14="http://schemas.microsoft.com/office/drawing/2010/main" Requires="a14">
-          <p:sp>
-            <p:nvSpPr>
-              <p:cNvPr id="76" name="TextBox 75">
-                <a:extLst>
-                  <a:ext uri="{FF2B5EF4-FFF2-40B4-BE49-F238E27FC236}">
-                    <a16:creationId xmlns:a16="http://schemas.microsoft.com/office/drawing/2014/main" id="{34624F1F-3491-2F2B-E2BB-336CB5430443}"/>
-                  </a:ext>
-                </a:extLst>
-              </p:cNvPr>
-              <p:cNvSpPr txBox="1"/>
-              <p:nvPr/>
-            </p:nvSpPr>
-            <p:spPr>
-              <a:xfrm>
-                <a:off x="3791608" y="4374523"/>
-                <a:ext cx="540726" cy="369332"/>
-              </a:xfrm>
-              <a:prstGeom prst="rect">
-                <a:avLst/>
-              </a:prstGeom>
-              <a:noFill/>
-            </p:spPr>
-            <p:txBody>
-              <a:bodyPr wrap="square" rtlCol="0">
-                <a:spAutoFit/>
-              </a:bodyPr>
-              <a:lstStyle/>
-              <a:p>
-                <a:pPr/>
-                <a14:m>
-                  <m:oMathPara xmlns:m="http://schemas.openxmlformats.org/officeDocument/2006/math">
-                    <m:oMathParaPr>
-                      <m:jc m:val="centerGroup"/>
-                    </m:oMathParaPr>
-                    <m:oMath xmlns:m="http://schemas.openxmlformats.org/officeDocument/2006/math">
-                      <m:sSub>
-                        <m:sSubPr>
-                          <m:ctrlPr>
-                            <a:rPr lang="en-US" i="1" smtClean="0">
-                              <a:solidFill>
-                                <a:srgbClr val="FF00FF"/>
-                              </a:solidFill>
-                              <a:latin typeface="Cambria Math" panose="02040503050406030204" pitchFamily="18" charset="0"/>
-                            </a:rPr>
-                          </m:ctrlPr>
-                        </m:sSubPr>
-                        <m:e>
-                          <m:r>
-                            <a:rPr lang="en-US" i="1" smtClean="0">
-                              <a:solidFill>
-                                <a:srgbClr val="FF00FF"/>
-                              </a:solidFill>
-                              <a:latin typeface="Cambria Math" panose="02040503050406030204" pitchFamily="18" charset="0"/>
-                              <a:ea typeface="Cambria Math" panose="02040503050406030204" pitchFamily="18" charset="0"/>
-                            </a:rPr>
-                            <m:t>𝛼</m:t>
-                          </m:r>
-                        </m:e>
-                        <m:sub>
-                          <m:r>
-                            <a:rPr lang="en-US" b="0" i="1" smtClean="0">
-                              <a:solidFill>
-                                <a:srgbClr val="FF00FF"/>
-                              </a:solidFill>
-                              <a:latin typeface="Cambria Math" panose="02040503050406030204" pitchFamily="18" charset="0"/>
-                            </a:rPr>
-                            <m:t>0</m:t>
-                          </m:r>
-                        </m:sub>
-                      </m:sSub>
-                    </m:oMath>
-                  </m:oMathPara>
-                </a14:m>
-                <a:endParaRPr lang="en-US" dirty="0">
-                  <a:solidFill>
-                    <a:srgbClr val="FF00FF"/>
-                  </a:solidFill>
-                </a:endParaRPr>
-              </a:p>
-            </p:txBody>
-          </p:sp>
-        </mc:Choice>
-        <mc:Fallback>
-          <p:sp>
-            <p:nvSpPr>
-              <p:cNvPr id="76" name="TextBox 75">
-                <a:extLst>
-                  <a:ext uri="{FF2B5EF4-FFF2-40B4-BE49-F238E27FC236}">
-                    <a16:creationId xmlns:a16="http://schemas.microsoft.com/office/drawing/2014/main" id="{34624F1F-3491-2F2B-E2BB-336CB5430443}"/>
-                  </a:ext>
-                </a:extLst>
-              </p:cNvPr>
-              <p:cNvSpPr txBox="1">
-                <a:spLocks noRot="1" noChangeAspect="1" noMove="1" noResize="1" noEditPoints="1" noAdjustHandles="1" noChangeArrowheads="1" noChangeShapeType="1" noTextEdit="1"/>
-              </p:cNvSpPr>
-              <p:nvPr/>
-            </p:nvSpPr>
-            <p:spPr>
-              <a:xfrm>
-                <a:off x="3791608" y="4374523"/>
-                <a:ext cx="540726" cy="369332"/>
-              </a:xfrm>
-              <a:prstGeom prst="rect">
-                <a:avLst/>
-              </a:prstGeom>
-              <a:blipFill>
-                <a:blip r:embed="rId14"/>
-                <a:stretch>
-                  <a:fillRect/>
-                </a:stretch>
-              </a:blipFill>
-            </p:spPr>
-            <p:txBody>
-              <a:bodyPr/>
-              <a:lstStyle/>
-              <a:p>
-                <a:r>
-                  <a:rPr lang="en-US">
-                    <a:noFill/>
-                  </a:rPr>
-                  <a:t> </a:t>
-                </a:r>
-              </a:p>
-            </p:txBody>
-          </p:sp>
-        </mc:Fallback>
-      </mc:AlternateContent>
-      <mc:AlternateContent xmlns:mc="http://schemas.openxmlformats.org/markup-compatibility/2006">
-        <mc:Choice xmlns:a14="http://schemas.microsoft.com/office/drawing/2010/main" Requires="a14">
-          <p:sp>
-            <p:nvSpPr>
-              <p:cNvPr id="77" name="TextBox 76">
-                <a:extLst>
-                  <a:ext uri="{FF2B5EF4-FFF2-40B4-BE49-F238E27FC236}">
-                    <a16:creationId xmlns:a16="http://schemas.microsoft.com/office/drawing/2014/main" id="{3779938F-2F73-C155-B40F-0994E2CDA1F3}"/>
-                  </a:ext>
-                </a:extLst>
-              </p:cNvPr>
-              <p:cNvSpPr txBox="1"/>
-              <p:nvPr/>
-            </p:nvSpPr>
-            <p:spPr>
-              <a:xfrm>
-                <a:off x="3576440" y="3984078"/>
-                <a:ext cx="397349" cy="369332"/>
-              </a:xfrm>
-              <a:prstGeom prst="rect">
-                <a:avLst/>
-              </a:prstGeom>
-              <a:noFill/>
-            </p:spPr>
-            <p:txBody>
-              <a:bodyPr wrap="square" rtlCol="0">
-                <a:spAutoFit/>
-              </a:bodyPr>
-              <a:lstStyle/>
-              <a:p>
-                <a:pPr/>
-                <a14:m>
-                  <m:oMathPara xmlns:m="http://schemas.openxmlformats.org/officeDocument/2006/math">
-                    <m:oMathParaPr>
-                      <m:jc m:val="centerGroup"/>
-                    </m:oMathParaPr>
-                    <m:oMath xmlns:m="http://schemas.openxmlformats.org/officeDocument/2006/math">
-                      <m:sSub>
-                        <m:sSubPr>
-                          <m:ctrlPr>
-                            <a:rPr lang="en-US" i="1" smtClean="0">
-                              <a:solidFill>
-                                <a:schemeClr val="accent6"/>
-                              </a:solidFill>
-                              <a:latin typeface="Cambria Math" panose="02040503050406030204" pitchFamily="18" charset="0"/>
-                            </a:rPr>
-                          </m:ctrlPr>
-                        </m:sSubPr>
-                        <m:e>
-                          <m:r>
-                            <a:rPr lang="en-US" i="1" smtClean="0">
-                              <a:solidFill>
-                                <a:schemeClr val="accent6"/>
-                              </a:solidFill>
-                              <a:latin typeface="Cambria Math" panose="02040503050406030204" pitchFamily="18" charset="0"/>
-                              <a:ea typeface="Cambria Math" panose="02040503050406030204" pitchFamily="18" charset="0"/>
-                            </a:rPr>
-                            <m:t>𝛼</m:t>
-                          </m:r>
-                        </m:e>
-                        <m:sub>
-                          <m:r>
-                            <a:rPr lang="en-US" b="0" i="1" smtClean="0">
-                              <a:solidFill>
-                                <a:schemeClr val="accent6"/>
-                              </a:solidFill>
-                              <a:latin typeface="Cambria Math" panose="02040503050406030204" pitchFamily="18" charset="0"/>
-                            </a:rPr>
-                            <m:t>1</m:t>
-                          </m:r>
-                        </m:sub>
-                      </m:sSub>
-                    </m:oMath>
-                  </m:oMathPara>
-                </a14:m>
-                <a:endParaRPr lang="en-US" dirty="0">
-                  <a:solidFill>
-                    <a:schemeClr val="tx1"/>
-                  </a:solidFill>
-                </a:endParaRPr>
-              </a:p>
-            </p:txBody>
-          </p:sp>
-        </mc:Choice>
-        <mc:Fallback>
-          <p:sp>
-            <p:nvSpPr>
-              <p:cNvPr id="77" name="TextBox 76">
-                <a:extLst>
-                  <a:ext uri="{FF2B5EF4-FFF2-40B4-BE49-F238E27FC236}">
-                    <a16:creationId xmlns:a16="http://schemas.microsoft.com/office/drawing/2014/main" id="{3779938F-2F73-C155-B40F-0994E2CDA1F3}"/>
-                  </a:ext>
-                </a:extLst>
-              </p:cNvPr>
-              <p:cNvSpPr txBox="1">
-                <a:spLocks noRot="1" noChangeAspect="1" noMove="1" noResize="1" noEditPoints="1" noAdjustHandles="1" noChangeArrowheads="1" noChangeShapeType="1" noTextEdit="1"/>
-              </p:cNvSpPr>
-              <p:nvPr/>
-            </p:nvSpPr>
-            <p:spPr>
-              <a:xfrm>
-                <a:off x="3576440" y="3984078"/>
-                <a:ext cx="397349" cy="369332"/>
-              </a:xfrm>
-              <a:prstGeom prst="rect">
-                <a:avLst/>
-              </a:prstGeom>
-              <a:blipFill>
-                <a:blip r:embed="rId15"/>
-                <a:stretch>
-                  <a:fillRect/>
-                </a:stretch>
-              </a:blipFill>
-            </p:spPr>
-            <p:txBody>
-              <a:bodyPr/>
-              <a:lstStyle/>
-              <a:p>
-                <a:r>
-                  <a:rPr lang="en-US">
-                    <a:noFill/>
-                  </a:rPr>
-                  <a:t> </a:t>
-                </a:r>
-              </a:p>
-            </p:txBody>
-          </p:sp>
-        </mc:Fallback>
-      </mc:AlternateContent>
-      <mc:AlternateContent xmlns:mc="http://schemas.openxmlformats.org/markup-compatibility/2006">
-        <mc:Choice xmlns:a14="http://schemas.microsoft.com/office/drawing/2010/main" Requires="a14">
-          <p:sp>
-            <p:nvSpPr>
-              <p:cNvPr id="78" name="TextBox 77">
-                <a:extLst>
-                  <a:ext uri="{FF2B5EF4-FFF2-40B4-BE49-F238E27FC236}">
-                    <a16:creationId xmlns:a16="http://schemas.microsoft.com/office/drawing/2014/main" id="{14849E52-83CF-AE80-7A85-218339249A7B}"/>
-                  </a:ext>
-                </a:extLst>
-              </p:cNvPr>
-              <p:cNvSpPr txBox="1"/>
-              <p:nvPr/>
-            </p:nvSpPr>
-            <p:spPr>
-              <a:xfrm>
-                <a:off x="2734176" y="4823624"/>
-                <a:ext cx="1684528" cy="369332"/>
-              </a:xfrm>
-              <a:prstGeom prst="rect">
-                <a:avLst/>
-              </a:prstGeom>
-              <a:noFill/>
-            </p:spPr>
-            <p:txBody>
-              <a:bodyPr wrap="square" rtlCol="0">
-                <a:spAutoFit/>
-              </a:bodyPr>
-              <a:lstStyle/>
-              <a:p>
-                <a:pPr/>
-                <a14:m>
-                  <m:oMathPara xmlns:m="http://schemas.openxmlformats.org/officeDocument/2006/math">
-                    <m:oMathParaPr>
-                      <m:jc m:val="center"/>
-                    </m:oMathParaPr>
-                    <m:oMath xmlns:m="http://schemas.openxmlformats.org/officeDocument/2006/math">
-                      <m:sSub>
-                        <m:sSubPr>
-                          <m:ctrlPr>
-                            <a:rPr lang="en-US" i="1" smtClean="0">
-                              <a:solidFill>
-                                <a:srgbClr val="FF00FF"/>
-                              </a:solidFill>
-                              <a:latin typeface="Cambria Math" panose="02040503050406030204" pitchFamily="18" charset="0"/>
-                            </a:rPr>
-                          </m:ctrlPr>
-                        </m:sSubPr>
-                        <m:e>
-                          <m:r>
-                            <a:rPr lang="en-US" i="1">
-                              <a:solidFill>
-                                <a:srgbClr val="FF00FF"/>
-                              </a:solidFill>
-                              <a:latin typeface="Cambria Math" panose="02040503050406030204" pitchFamily="18" charset="0"/>
-                              <a:ea typeface="Cambria Math" panose="02040503050406030204" pitchFamily="18" charset="0"/>
-                            </a:rPr>
-                            <m:t>𝛼</m:t>
-                          </m:r>
-                        </m:e>
-                        <m:sub>
-                          <m:r>
-                            <a:rPr lang="en-US" i="1">
-                              <a:solidFill>
-                                <a:srgbClr val="FF00FF"/>
-                              </a:solidFill>
-                              <a:latin typeface="Cambria Math" panose="02040503050406030204" pitchFamily="18" charset="0"/>
-                            </a:rPr>
-                            <m:t>0</m:t>
-                          </m:r>
-                        </m:sub>
-                      </m:sSub>
-                      <m:r>
-                        <a:rPr lang="en-US">
-                          <a:latin typeface="Cambria Math" panose="02040503050406030204" pitchFamily="18" charset="0"/>
-                        </a:rPr>
-                        <m:t>&lt;</m:t>
-                      </m:r>
-                      <m:sSub>
-                        <m:sSubPr>
-                          <m:ctrlPr>
-                            <a:rPr lang="en-US" i="1" smtClean="0">
-                              <a:solidFill>
-                                <a:schemeClr val="accent6"/>
-                              </a:solidFill>
-                              <a:latin typeface="Cambria Math" panose="02040503050406030204" pitchFamily="18" charset="0"/>
-                            </a:rPr>
-                          </m:ctrlPr>
-                        </m:sSubPr>
-                        <m:e>
-                          <m:r>
-                            <a:rPr lang="en-US" i="1">
-                              <a:solidFill>
-                                <a:schemeClr val="accent6"/>
-                              </a:solidFill>
-                              <a:latin typeface="Cambria Math" panose="02040503050406030204" pitchFamily="18" charset="0"/>
-                              <a:ea typeface="Cambria Math" panose="02040503050406030204" pitchFamily="18" charset="0"/>
-                            </a:rPr>
-                            <m:t>𝛼</m:t>
-                          </m:r>
-                        </m:e>
-                        <m:sub>
-                          <m:r>
-                            <a:rPr lang="en-US" i="1">
-                              <a:solidFill>
-                                <a:schemeClr val="accent6"/>
-                              </a:solidFill>
-                              <a:latin typeface="Cambria Math" panose="02040503050406030204" pitchFamily="18" charset="0"/>
-                            </a:rPr>
-                            <m:t>1</m:t>
-                          </m:r>
-                        </m:sub>
-                      </m:sSub>
-                    </m:oMath>
-                  </m:oMathPara>
-                </a14:m>
-                <a:endParaRPr lang="en-US" dirty="0"/>
-              </a:p>
-            </p:txBody>
-          </p:sp>
-        </mc:Choice>
-        <mc:Fallback>
-          <p:sp>
-            <p:nvSpPr>
-              <p:cNvPr id="78" name="TextBox 77">
-                <a:extLst>
-                  <a:ext uri="{FF2B5EF4-FFF2-40B4-BE49-F238E27FC236}">
-                    <a16:creationId xmlns:a16="http://schemas.microsoft.com/office/drawing/2014/main" id="{14849E52-83CF-AE80-7A85-218339249A7B}"/>
-                  </a:ext>
-                </a:extLst>
-              </p:cNvPr>
-              <p:cNvSpPr txBox="1">
-                <a:spLocks noRot="1" noChangeAspect="1" noMove="1" noResize="1" noEditPoints="1" noAdjustHandles="1" noChangeArrowheads="1" noChangeShapeType="1" noTextEdit="1"/>
-              </p:cNvSpPr>
-              <p:nvPr/>
-            </p:nvSpPr>
-            <p:spPr>
-              <a:xfrm>
-                <a:off x="2734176" y="4823624"/>
-                <a:ext cx="1684528" cy="369332"/>
-              </a:xfrm>
-              <a:prstGeom prst="rect">
-                <a:avLst/>
-              </a:prstGeom>
-              <a:blipFill>
-                <a:blip r:embed="rId16"/>
-                <a:stretch>
-                  <a:fillRect/>
-                </a:stretch>
-              </a:blipFill>
-            </p:spPr>
-            <p:txBody>
-              <a:bodyPr/>
-              <a:lstStyle/>
-              <a:p>
-                <a:r>
-                  <a:rPr lang="en-US">
-                    <a:noFill/>
-                  </a:rPr>
-                  <a:t> </a:t>
-                </a:r>
-              </a:p>
-            </p:txBody>
-          </p:sp>
-        </mc:Fallback>
-      </mc:AlternateContent>
-      <p:cxnSp>
-        <p:nvCxnSpPr>
-          <p:cNvPr id="80" name="Straight Arrow Connector 79">
-            <a:extLst>
-              <a:ext uri="{FF2B5EF4-FFF2-40B4-BE49-F238E27FC236}">
-                <a16:creationId xmlns:a16="http://schemas.microsoft.com/office/drawing/2014/main" id="{68592584-C972-8A87-4FCA-CD283135604C}"/>
-              </a:ext>
-            </a:extLst>
-          </p:cNvPr>
-          <p:cNvCxnSpPr/>
-          <p:nvPr/>
-        </p:nvCxnSpPr>
-        <p:spPr>
-          <a:xfrm>
-            <a:off x="5576436" y="4336485"/>
-            <a:ext cx="1828800" cy="0"/>
-          </a:xfrm>
-          <a:prstGeom prst="straightConnector1">
-            <a:avLst/>
-          </a:prstGeom>
-          <a:ln w="25400" cap="sq">
-            <a:solidFill>
-              <a:schemeClr val="bg1">
-                <a:lumMod val="85000"/>
-              </a:schemeClr>
-            </a:solidFill>
-            <a:prstDash val="solid"/>
-            <a:miter lim="800000"/>
-            <a:tailEnd type="none"/>
-          </a:ln>
-        </p:spPr>
-        <p:style>
-          <a:lnRef idx="1">
-            <a:schemeClr val="accent1"/>
-          </a:lnRef>
-          <a:fillRef idx="0">
-            <a:schemeClr val="accent1"/>
-          </a:fillRef>
-          <a:effectRef idx="0">
-            <a:schemeClr val="accent1"/>
-          </a:effectRef>
-          <a:fontRef idx="minor">
-            <a:schemeClr val="tx1"/>
-          </a:fontRef>
-        </p:style>
-      </p:cxnSp>
-      <p:sp>
-        <p:nvSpPr>
-          <p:cNvPr id="81" name="Pie 32">
-            <a:extLst>
-              <a:ext uri="{FF2B5EF4-FFF2-40B4-BE49-F238E27FC236}">
-                <a16:creationId xmlns:a16="http://schemas.microsoft.com/office/drawing/2014/main" id="{083E6E03-B925-6ABF-9284-9035EC7FCB23}"/>
-              </a:ext>
-            </a:extLst>
-          </p:cNvPr>
-          <p:cNvSpPr>
-            <a:spLocks noChangeAspect="1"/>
-          </p:cNvSpPr>
-          <p:nvPr/>
-        </p:nvSpPr>
-        <p:spPr>
-          <a:xfrm>
-            <a:off x="5740012" y="3619844"/>
-            <a:ext cx="1444752" cy="1444752"/>
-          </a:xfrm>
-          <a:prstGeom prst="pie">
-            <a:avLst>
-              <a:gd name="adj1" fmla="val 20419494"/>
-              <a:gd name="adj2" fmla="val 14108426"/>
-            </a:avLst>
-          </a:prstGeom>
-          <a:noFill/>
-          <a:ln>
-            <a:solidFill>
-              <a:schemeClr val="tx1"/>
-            </a:solidFill>
-            <a:prstDash val="solid"/>
-          </a:ln>
-        </p:spPr>
-        <p:style>
-          <a:lnRef idx="2">
-            <a:schemeClr val="accent1">
-              <a:shade val="50000"/>
-            </a:schemeClr>
-          </a:lnRef>
-          <a:fillRef idx="1">
-            <a:schemeClr val="accent1"/>
-          </a:fillRef>
-          <a:effectRef idx="0">
-            <a:schemeClr val="accent1"/>
-          </a:effectRef>
-          <a:fontRef idx="minor">
-            <a:schemeClr val="lt1"/>
-          </a:fontRef>
-        </p:style>
-        <p:txBody>
-          <a:bodyPr rtlCol="0" anchor="ctr"/>
-          <a:lstStyle/>
-          <a:p>
-            <a:pPr algn="ctr"/>
-            <a:endParaRPr lang="en-US">
+            <a:ln w="25400">
               <a:solidFill>
                 <a:schemeClr val="tx1"/>
               </a:solidFill>
-            </a:endParaRPr>
-          </a:p>
-        </p:txBody>
-      </p:sp>
-      <p:sp>
-        <p:nvSpPr>
-          <p:cNvPr id="82" name="Arc 81">
-            <a:extLst>
-              <a:ext uri="{FF2B5EF4-FFF2-40B4-BE49-F238E27FC236}">
-                <a16:creationId xmlns:a16="http://schemas.microsoft.com/office/drawing/2014/main" id="{FF547E05-2FBC-43A3-360D-30D0F68B3115}"/>
-              </a:ext>
-            </a:extLst>
-          </p:cNvPr>
-          <p:cNvSpPr>
-            <a:spLocks noChangeAspect="1"/>
-          </p:cNvSpPr>
-          <p:nvPr/>
-        </p:nvSpPr>
-        <p:spPr>
-          <a:xfrm>
-            <a:off x="5736964" y="3615633"/>
-            <a:ext cx="1444752" cy="1444752"/>
-          </a:xfrm>
-          <a:prstGeom prst="arc">
-            <a:avLst>
-              <a:gd name="adj1" fmla="val 20403662"/>
-              <a:gd name="adj2" fmla="val 14049640"/>
-            </a:avLst>
-          </a:prstGeom>
-          <a:ln w="38100">
-            <a:solidFill>
-              <a:schemeClr val="tx1"/>
-            </a:solidFill>
-          </a:ln>
-        </p:spPr>
-        <p:style>
-          <a:lnRef idx="1">
-            <a:schemeClr val="accent1"/>
-          </a:lnRef>
-          <a:fillRef idx="0">
-            <a:schemeClr val="accent1"/>
-          </a:fillRef>
-          <a:effectRef idx="0">
-            <a:schemeClr val="accent1"/>
-          </a:effectRef>
-          <a:fontRef idx="minor">
-            <a:schemeClr val="tx1"/>
-          </a:fontRef>
-        </p:style>
-        <p:txBody>
-          <a:bodyPr rtlCol="0" anchor="ctr"/>
-          <a:lstStyle/>
-          <a:p>
-            <a:pPr algn="ctr"/>
-            <a:endParaRPr lang="en-US"/>
-          </a:p>
-        </p:txBody>
-      </p:sp>
-      <p:sp>
-        <p:nvSpPr>
-          <p:cNvPr id="83" name="Oval 82">
-            <a:extLst>
-              <a:ext uri="{FF2B5EF4-FFF2-40B4-BE49-F238E27FC236}">
-                <a16:creationId xmlns:a16="http://schemas.microsoft.com/office/drawing/2014/main" id="{0A6A6962-45A7-1659-441D-2767F173B713}"/>
-              </a:ext>
-            </a:extLst>
-          </p:cNvPr>
-          <p:cNvSpPr/>
-          <p:nvPr/>
-        </p:nvSpPr>
-        <p:spPr>
-          <a:xfrm>
-            <a:off x="6410303" y="4290496"/>
-            <a:ext cx="95026" cy="95026"/>
-          </a:xfrm>
-          <a:prstGeom prst="ellipse">
-            <a:avLst/>
-          </a:prstGeom>
-          <a:solidFill>
-            <a:schemeClr val="tx1"/>
-          </a:solidFill>
-          <a:ln w="25400">
-            <a:solidFill>
-              <a:schemeClr val="tx1"/>
-            </a:solidFill>
-          </a:ln>
-        </p:spPr>
-        <p:style>
-          <a:lnRef idx="2">
-            <a:schemeClr val="accent1">
-              <a:shade val="50000"/>
-            </a:schemeClr>
-          </a:lnRef>
-          <a:fillRef idx="1">
-            <a:schemeClr val="accent1"/>
-          </a:fillRef>
-          <a:effectRef idx="0">
-            <a:schemeClr val="accent1"/>
-          </a:effectRef>
-          <a:fontRef idx="minor">
-            <a:schemeClr val="lt1"/>
-          </a:fontRef>
-        </p:style>
-        <p:txBody>
-          <a:bodyPr rtlCol="0" anchor="ctr"/>
-          <a:lstStyle/>
-          <a:p>
-            <a:pPr algn="ctr"/>
-            <a:endParaRPr lang="en-US"/>
-          </a:p>
-        </p:txBody>
-      </p:sp>
-      <mc:AlternateContent xmlns:mc="http://schemas.openxmlformats.org/markup-compatibility/2006">
-        <mc:Choice xmlns:a14="http://schemas.microsoft.com/office/drawing/2010/main" Requires="a14">
-          <p:sp>
-            <p:nvSpPr>
-              <p:cNvPr id="84" name="TextBox 83">
-                <a:extLst>
-                  <a:ext uri="{FF2B5EF4-FFF2-40B4-BE49-F238E27FC236}">
-                    <a16:creationId xmlns:a16="http://schemas.microsoft.com/office/drawing/2014/main" id="{0B40A733-20E5-455E-D491-B3A7E15EC497}"/>
-                  </a:ext>
-                </a:extLst>
-              </p:cNvPr>
-              <p:cNvSpPr txBox="1"/>
-              <p:nvPr/>
-            </p:nvSpPr>
-            <p:spPr>
-              <a:xfrm>
-                <a:off x="7167329" y="3762440"/>
-                <a:ext cx="335280" cy="369332"/>
-              </a:xfrm>
-              <a:prstGeom prst="rect">
-                <a:avLst/>
-              </a:prstGeom>
-              <a:noFill/>
-            </p:spPr>
-            <p:txBody>
-              <a:bodyPr wrap="square" rtlCol="0">
-                <a:spAutoFit/>
-              </a:bodyPr>
-              <a:lstStyle/>
-              <a:p>
-                <a:pPr/>
-                <a14:m>
-                  <m:oMathPara xmlns:m="http://schemas.openxmlformats.org/officeDocument/2006/math">
-                    <m:oMathParaPr>
-                      <m:jc m:val="centerGroup"/>
-                    </m:oMathParaPr>
-                    <m:oMath xmlns:m="http://schemas.openxmlformats.org/officeDocument/2006/math">
-                      <m:sSub>
-                        <m:sSubPr>
-                          <m:ctrlPr>
-                            <a:rPr lang="en-US" i="1" smtClean="0">
-                              <a:solidFill>
-                                <a:schemeClr val="tx1"/>
-                              </a:solidFill>
-                              <a:latin typeface="Cambria Math" panose="02040503050406030204" pitchFamily="18" charset="0"/>
-                            </a:rPr>
-                          </m:ctrlPr>
-                        </m:sSubPr>
-                        <m:e>
-                          <m:acc>
-                            <m:accPr>
-                              <m:chr m:val="⃗"/>
-                              <m:ctrlPr>
-                                <a:rPr lang="en-US" i="1" smtClean="0">
-                                  <a:solidFill>
-                                    <a:schemeClr val="tx1"/>
-                                  </a:solidFill>
-                                  <a:latin typeface="Cambria Math" panose="02040503050406030204" pitchFamily="18" charset="0"/>
-                                </a:rPr>
-                              </m:ctrlPr>
-                            </m:accPr>
-                            <m:e>
-                              <m:r>
-                                <a:rPr lang="en-US" b="0" i="1" smtClean="0">
-                                  <a:solidFill>
-                                    <a:schemeClr val="tx1"/>
-                                  </a:solidFill>
-                                  <a:latin typeface="Cambria Math" panose="02040503050406030204" pitchFamily="18" charset="0"/>
-                                </a:rPr>
-                                <m:t>𝑝</m:t>
-                              </m:r>
-                            </m:e>
-                          </m:acc>
-                        </m:e>
-                        <m:sub>
-                          <m:r>
-                            <a:rPr lang="en-US" b="0" i="1" smtClean="0">
-                              <a:solidFill>
-                                <a:schemeClr val="tx1"/>
-                              </a:solidFill>
-                              <a:latin typeface="Cambria Math" panose="02040503050406030204" pitchFamily="18" charset="0"/>
-                            </a:rPr>
-                            <m:t>1</m:t>
-                          </m:r>
-                        </m:sub>
-                      </m:sSub>
-                    </m:oMath>
-                  </m:oMathPara>
-                </a14:m>
-                <a:endParaRPr lang="en-US" dirty="0">
-                  <a:solidFill>
-                    <a:schemeClr val="tx1"/>
-                  </a:solidFill>
-                </a:endParaRPr>
-              </a:p>
-            </p:txBody>
-          </p:sp>
-        </mc:Choice>
-        <mc:Fallback>
-          <p:sp>
-            <p:nvSpPr>
-              <p:cNvPr id="84" name="TextBox 83">
-                <a:extLst>
-                  <a:ext uri="{FF2B5EF4-FFF2-40B4-BE49-F238E27FC236}">
-                    <a16:creationId xmlns:a16="http://schemas.microsoft.com/office/drawing/2014/main" id="{0B40A733-20E5-455E-D491-B3A7E15EC497}"/>
-                  </a:ext>
-                </a:extLst>
-              </p:cNvPr>
-              <p:cNvSpPr txBox="1">
-                <a:spLocks noRot="1" noChangeAspect="1" noMove="1" noResize="1" noEditPoints="1" noAdjustHandles="1" noChangeArrowheads="1" noChangeShapeType="1" noTextEdit="1"/>
-              </p:cNvSpPr>
-              <p:nvPr/>
-            </p:nvSpPr>
-            <p:spPr>
-              <a:xfrm>
-                <a:off x="7167329" y="3762440"/>
-                <a:ext cx="335280" cy="369332"/>
-              </a:xfrm>
-              <a:prstGeom prst="rect">
-                <a:avLst/>
-              </a:prstGeom>
-              <a:blipFill>
-                <a:blip r:embed="rId17"/>
-                <a:stretch>
-                  <a:fillRect t="-22951" r="-23636" b="-6557"/>
-                </a:stretch>
-              </a:blipFill>
-            </p:spPr>
-            <p:txBody>
-              <a:bodyPr/>
-              <a:lstStyle/>
-              <a:p>
-                <a:r>
-                  <a:rPr lang="en-US">
-                    <a:noFill/>
-                  </a:rPr>
-                  <a:t> </a:t>
-                </a:r>
-              </a:p>
-            </p:txBody>
-          </p:sp>
-        </mc:Fallback>
-      </mc:AlternateContent>
-      <mc:AlternateContent xmlns:mc="http://schemas.openxmlformats.org/markup-compatibility/2006">
-        <mc:Choice xmlns:a14="http://schemas.microsoft.com/office/drawing/2010/main" Requires="a14">
-          <p:sp>
-            <p:nvSpPr>
-              <p:cNvPr id="85" name="TextBox 84">
-                <a:extLst>
-                  <a:ext uri="{FF2B5EF4-FFF2-40B4-BE49-F238E27FC236}">
-                    <a16:creationId xmlns:a16="http://schemas.microsoft.com/office/drawing/2014/main" id="{3F140FEA-9935-0CA4-3F99-279E1AD40403}"/>
-                  </a:ext>
-                </a:extLst>
-              </p:cNvPr>
-              <p:cNvSpPr txBox="1"/>
-              <p:nvPr/>
-            </p:nvSpPr>
-            <p:spPr>
-              <a:xfrm>
-                <a:off x="5725221" y="3322726"/>
-                <a:ext cx="335280" cy="369332"/>
-              </a:xfrm>
-              <a:prstGeom prst="rect">
-                <a:avLst/>
-              </a:prstGeom>
-              <a:noFill/>
-            </p:spPr>
-            <p:txBody>
-              <a:bodyPr wrap="square" rtlCol="0">
-                <a:spAutoFit/>
-              </a:bodyPr>
-              <a:lstStyle/>
-              <a:p>
-                <a:pPr/>
-                <a14:m>
-                  <m:oMathPara xmlns:m="http://schemas.openxmlformats.org/officeDocument/2006/math">
-                    <m:oMathParaPr>
-                      <m:jc m:val="centerGroup"/>
-                    </m:oMathParaPr>
-                    <m:oMath xmlns:m="http://schemas.openxmlformats.org/officeDocument/2006/math">
-                      <m:sSub>
-                        <m:sSubPr>
-                          <m:ctrlPr>
-                            <a:rPr lang="en-US" i="1" smtClean="0">
-                              <a:solidFill>
-                                <a:schemeClr val="tx1"/>
-                              </a:solidFill>
-                              <a:latin typeface="Cambria Math" panose="02040503050406030204" pitchFamily="18" charset="0"/>
-                            </a:rPr>
-                          </m:ctrlPr>
-                        </m:sSubPr>
-                        <m:e>
-                          <m:acc>
-                            <m:accPr>
-                              <m:chr m:val="⃗"/>
-                              <m:ctrlPr>
-                                <a:rPr lang="en-US" i="1" smtClean="0">
-                                  <a:solidFill>
-                                    <a:schemeClr val="tx1"/>
-                                  </a:solidFill>
-                                  <a:latin typeface="Cambria Math" panose="02040503050406030204" pitchFamily="18" charset="0"/>
-                                </a:rPr>
-                              </m:ctrlPr>
-                            </m:accPr>
-                            <m:e>
-                              <m:r>
-                                <a:rPr lang="en-US" b="0" i="1" smtClean="0">
-                                  <a:solidFill>
-                                    <a:schemeClr val="tx1"/>
-                                  </a:solidFill>
-                                  <a:latin typeface="Cambria Math" panose="02040503050406030204" pitchFamily="18" charset="0"/>
-                                </a:rPr>
-                                <m:t>𝑝</m:t>
-                              </m:r>
-                            </m:e>
-                          </m:acc>
-                        </m:e>
-                        <m:sub>
-                          <m:r>
-                            <a:rPr lang="en-US" b="0" i="1" smtClean="0">
-                              <a:solidFill>
-                                <a:schemeClr val="tx1"/>
-                              </a:solidFill>
-                              <a:latin typeface="Cambria Math" panose="02040503050406030204" pitchFamily="18" charset="0"/>
-                            </a:rPr>
-                            <m:t>0</m:t>
-                          </m:r>
-                        </m:sub>
-                      </m:sSub>
-                    </m:oMath>
-                  </m:oMathPara>
-                </a14:m>
-                <a:endParaRPr lang="en-US" dirty="0">
-                  <a:solidFill>
-                    <a:schemeClr val="tx1"/>
-                  </a:solidFill>
-                </a:endParaRPr>
-              </a:p>
-            </p:txBody>
-          </p:sp>
-        </mc:Choice>
-        <mc:Fallback>
-          <p:sp>
-            <p:nvSpPr>
-              <p:cNvPr id="85" name="TextBox 84">
-                <a:extLst>
-                  <a:ext uri="{FF2B5EF4-FFF2-40B4-BE49-F238E27FC236}">
-                    <a16:creationId xmlns:a16="http://schemas.microsoft.com/office/drawing/2014/main" id="{3F140FEA-9935-0CA4-3F99-279E1AD40403}"/>
-                  </a:ext>
-                </a:extLst>
-              </p:cNvPr>
-              <p:cNvSpPr txBox="1">
-                <a:spLocks noRot="1" noChangeAspect="1" noMove="1" noResize="1" noEditPoints="1" noAdjustHandles="1" noChangeArrowheads="1" noChangeShapeType="1" noTextEdit="1"/>
-              </p:cNvSpPr>
-              <p:nvPr/>
-            </p:nvSpPr>
-            <p:spPr>
-              <a:xfrm>
-                <a:off x="5725221" y="3322726"/>
-                <a:ext cx="335280" cy="369332"/>
-              </a:xfrm>
-              <a:prstGeom prst="rect">
-                <a:avLst/>
-              </a:prstGeom>
-              <a:blipFill>
-                <a:blip r:embed="rId18"/>
-                <a:stretch>
-                  <a:fillRect t="-22951" r="-25455" b="-6557"/>
-                </a:stretch>
-              </a:blipFill>
-            </p:spPr>
-            <p:txBody>
-              <a:bodyPr/>
-              <a:lstStyle/>
-              <a:p>
-                <a:r>
-                  <a:rPr lang="en-US">
-                    <a:noFill/>
-                  </a:rPr>
-                  <a:t> </a:t>
-                </a:r>
-              </a:p>
-            </p:txBody>
-          </p:sp>
-        </mc:Fallback>
-      </mc:AlternateContent>
-      <p:sp>
-        <p:nvSpPr>
-          <p:cNvPr id="86" name="Oval 85">
-            <a:extLst>
-              <a:ext uri="{FF2B5EF4-FFF2-40B4-BE49-F238E27FC236}">
-                <a16:creationId xmlns:a16="http://schemas.microsoft.com/office/drawing/2014/main" id="{B20A37A5-C256-D9A6-FD97-5F26FBD35B9C}"/>
-              </a:ext>
-            </a:extLst>
-          </p:cNvPr>
-          <p:cNvSpPr/>
-          <p:nvPr/>
-        </p:nvSpPr>
-        <p:spPr>
-          <a:xfrm>
-            <a:off x="6000467" y="3695534"/>
-            <a:ext cx="95026" cy="95026"/>
-          </a:xfrm>
-          <a:prstGeom prst="ellipse">
-            <a:avLst/>
-          </a:prstGeom>
-          <a:solidFill>
-            <a:schemeClr val="tx1"/>
-          </a:solidFill>
-          <a:ln w="25400">
-            <a:solidFill>
-              <a:schemeClr val="tx1"/>
-            </a:solidFill>
-          </a:ln>
-        </p:spPr>
-        <p:style>
-          <a:lnRef idx="2">
-            <a:schemeClr val="accent1">
-              <a:shade val="50000"/>
-            </a:schemeClr>
-          </a:lnRef>
-          <a:fillRef idx="1">
-            <a:schemeClr val="accent1"/>
-          </a:fillRef>
-          <a:effectRef idx="0">
-            <a:schemeClr val="accent1"/>
-          </a:effectRef>
-          <a:fontRef idx="minor">
-            <a:schemeClr val="lt1"/>
-          </a:fontRef>
-        </p:style>
-        <p:txBody>
-          <a:bodyPr rtlCol="0" anchor="ctr"/>
-          <a:lstStyle/>
-          <a:p>
-            <a:pPr algn="ctr"/>
-            <a:endParaRPr lang="en-US"/>
-          </a:p>
-        </p:txBody>
-      </p:sp>
-      <p:sp>
-        <p:nvSpPr>
-          <p:cNvPr id="87" name="Oval 86">
-            <a:extLst>
-              <a:ext uri="{FF2B5EF4-FFF2-40B4-BE49-F238E27FC236}">
-                <a16:creationId xmlns:a16="http://schemas.microsoft.com/office/drawing/2014/main" id="{486BB8C3-8035-2706-287C-272BFCF6BF71}"/>
-              </a:ext>
-            </a:extLst>
-          </p:cNvPr>
-          <p:cNvSpPr/>
-          <p:nvPr/>
-        </p:nvSpPr>
-        <p:spPr>
-          <a:xfrm>
-            <a:off x="7086690" y="4059867"/>
-            <a:ext cx="95026" cy="95026"/>
-          </a:xfrm>
-          <a:prstGeom prst="ellipse">
-            <a:avLst/>
-          </a:prstGeom>
-          <a:solidFill>
-            <a:schemeClr val="tx1"/>
-          </a:solidFill>
-          <a:ln w="25400">
-            <a:solidFill>
-              <a:schemeClr val="tx1"/>
-            </a:solidFill>
-          </a:ln>
-        </p:spPr>
-        <p:style>
-          <a:lnRef idx="2">
-            <a:schemeClr val="accent1">
-              <a:shade val="50000"/>
-            </a:schemeClr>
-          </a:lnRef>
-          <a:fillRef idx="1">
-            <a:schemeClr val="accent1"/>
-          </a:fillRef>
-          <a:effectRef idx="0">
-            <a:schemeClr val="accent1"/>
-          </a:effectRef>
-          <a:fontRef idx="minor">
-            <a:schemeClr val="lt1"/>
-          </a:fontRef>
-        </p:style>
-        <p:txBody>
-          <a:bodyPr rtlCol="0" anchor="ctr"/>
-          <a:lstStyle/>
-          <a:p>
-            <a:pPr algn="ctr"/>
-            <a:endParaRPr lang="en-US"/>
-          </a:p>
-        </p:txBody>
-      </p:sp>
-      <p:sp>
-        <p:nvSpPr>
-          <p:cNvPr id="88" name="Arc 87">
-            <a:extLst>
-              <a:ext uri="{FF2B5EF4-FFF2-40B4-BE49-F238E27FC236}">
-                <a16:creationId xmlns:a16="http://schemas.microsoft.com/office/drawing/2014/main" id="{C040AD18-3B90-6CAB-3CD8-97484C872979}"/>
-              </a:ext>
-            </a:extLst>
-          </p:cNvPr>
-          <p:cNvSpPr>
-            <a:spLocks noChangeAspect="1"/>
-          </p:cNvSpPr>
-          <p:nvPr/>
-        </p:nvSpPr>
-        <p:spPr>
-          <a:xfrm>
-            <a:off x="6088328" y="3980092"/>
-            <a:ext cx="744042" cy="749995"/>
-          </a:xfrm>
-          <a:prstGeom prst="arc">
-            <a:avLst>
-              <a:gd name="adj1" fmla="val 20357762"/>
-              <a:gd name="adj2" fmla="val 21364048"/>
-            </a:avLst>
-          </a:prstGeom>
-          <a:ln w="25400">
-            <a:solidFill>
-              <a:schemeClr val="accent6"/>
-            </a:solidFill>
-          </a:ln>
-        </p:spPr>
-        <p:style>
-          <a:lnRef idx="1">
-            <a:schemeClr val="accent1"/>
-          </a:lnRef>
-          <a:fillRef idx="0">
-            <a:schemeClr val="accent1"/>
-          </a:fillRef>
-          <a:effectRef idx="0">
-            <a:schemeClr val="accent1"/>
-          </a:effectRef>
-          <a:fontRef idx="minor">
-            <a:schemeClr val="tx1"/>
-          </a:fontRef>
-        </p:style>
-        <p:txBody>
-          <a:bodyPr rtlCol="0" anchor="ctr"/>
-          <a:lstStyle/>
-          <a:p>
-            <a:pPr algn="ctr"/>
-            <a:endParaRPr lang="en-US"/>
-          </a:p>
-        </p:txBody>
-      </p:sp>
-      <mc:AlternateContent xmlns:mc="http://schemas.openxmlformats.org/markup-compatibility/2006">
-        <mc:Choice xmlns:a14="http://schemas.microsoft.com/office/drawing/2010/main" Requires="a14">
-          <p:sp>
-            <p:nvSpPr>
-              <p:cNvPr id="89" name="TextBox 88">
-                <a:extLst>
-                  <a:ext uri="{FF2B5EF4-FFF2-40B4-BE49-F238E27FC236}">
-                    <a16:creationId xmlns:a16="http://schemas.microsoft.com/office/drawing/2014/main" id="{81AA9AAA-ABEB-7201-5BB8-5562BAACA3CD}"/>
-                  </a:ext>
-                </a:extLst>
-              </p:cNvPr>
-              <p:cNvSpPr txBox="1"/>
-              <p:nvPr/>
-            </p:nvSpPr>
-            <p:spPr>
-              <a:xfrm>
-                <a:off x="6324690" y="3603032"/>
-                <a:ext cx="762000" cy="369332"/>
-              </a:xfrm>
-              <a:prstGeom prst="rect">
-                <a:avLst/>
-              </a:prstGeom>
-              <a:noFill/>
-            </p:spPr>
-            <p:txBody>
-              <a:bodyPr wrap="square" rtlCol="0">
-                <a:spAutoFit/>
-              </a:bodyPr>
-              <a:lstStyle/>
-              <a:p>
-                <a:pPr/>
-                <a14:m>
-                  <m:oMathPara xmlns:m="http://schemas.openxmlformats.org/officeDocument/2006/math">
-                    <m:oMathParaPr>
-                      <m:jc m:val="centerGroup"/>
-                    </m:oMathParaPr>
-                    <m:oMath xmlns:m="http://schemas.openxmlformats.org/officeDocument/2006/math">
-                      <m:sSub>
-                        <m:sSubPr>
-                          <m:ctrlPr>
-                            <a:rPr lang="en-US" i="1" smtClean="0">
-                              <a:solidFill>
-                                <a:srgbClr val="FF00FF"/>
-                              </a:solidFill>
-                              <a:latin typeface="Cambria Math" panose="02040503050406030204" pitchFamily="18" charset="0"/>
-                            </a:rPr>
-                          </m:ctrlPr>
-                        </m:sSubPr>
-                        <m:e>
-                          <m:r>
-                            <a:rPr lang="en-US" i="1" smtClean="0">
-                              <a:solidFill>
-                                <a:srgbClr val="FF00FF"/>
-                              </a:solidFill>
-                              <a:latin typeface="Cambria Math" panose="02040503050406030204" pitchFamily="18" charset="0"/>
-                              <a:ea typeface="Cambria Math" panose="02040503050406030204" pitchFamily="18" charset="0"/>
-                            </a:rPr>
-                            <m:t>𝛼</m:t>
-                          </m:r>
-                        </m:e>
-                        <m:sub>
-                          <m:r>
-                            <a:rPr lang="en-US" b="0" i="1" smtClean="0">
-                              <a:solidFill>
-                                <a:srgbClr val="FF00FF"/>
-                              </a:solidFill>
-                              <a:latin typeface="Cambria Math" panose="02040503050406030204" pitchFamily="18" charset="0"/>
-                            </a:rPr>
-                            <m:t>0</m:t>
-                          </m:r>
-                        </m:sub>
-                      </m:sSub>
-                    </m:oMath>
-                  </m:oMathPara>
-                </a14:m>
-                <a:endParaRPr lang="en-US" dirty="0">
-                  <a:solidFill>
-                    <a:schemeClr val="accent1"/>
-                  </a:solidFill>
-                </a:endParaRPr>
-              </a:p>
-            </p:txBody>
-          </p:sp>
-        </mc:Choice>
-        <mc:Fallback>
-          <p:sp>
-            <p:nvSpPr>
-              <p:cNvPr id="89" name="TextBox 88">
-                <a:extLst>
-                  <a:ext uri="{FF2B5EF4-FFF2-40B4-BE49-F238E27FC236}">
-                    <a16:creationId xmlns:a16="http://schemas.microsoft.com/office/drawing/2014/main" id="{81AA9AAA-ABEB-7201-5BB8-5562BAACA3CD}"/>
-                  </a:ext>
-                </a:extLst>
-              </p:cNvPr>
-              <p:cNvSpPr txBox="1">
-                <a:spLocks noRot="1" noChangeAspect="1" noMove="1" noResize="1" noEditPoints="1" noAdjustHandles="1" noChangeArrowheads="1" noChangeShapeType="1" noTextEdit="1"/>
-              </p:cNvSpPr>
-              <p:nvPr/>
-            </p:nvSpPr>
-            <p:spPr>
-              <a:xfrm>
-                <a:off x="6324690" y="3603032"/>
-                <a:ext cx="762000" cy="369332"/>
-              </a:xfrm>
-              <a:prstGeom prst="rect">
-                <a:avLst/>
-              </a:prstGeom>
-              <a:blipFill>
-                <a:blip r:embed="rId19"/>
-                <a:stretch>
-                  <a:fillRect/>
-                </a:stretch>
-              </a:blipFill>
-            </p:spPr>
-            <p:txBody>
-              <a:bodyPr/>
-              <a:lstStyle/>
-              <a:p>
-                <a:r>
-                  <a:rPr lang="en-US">
-                    <a:noFill/>
-                  </a:rPr>
-                  <a:t> </a:t>
-                </a:r>
-              </a:p>
-            </p:txBody>
-          </p:sp>
-        </mc:Fallback>
-      </mc:AlternateContent>
-      <mc:AlternateContent xmlns:mc="http://schemas.openxmlformats.org/markup-compatibility/2006">
-        <mc:Choice xmlns:a14="http://schemas.microsoft.com/office/drawing/2010/main" Requires="a14">
-          <p:sp>
-            <p:nvSpPr>
-              <p:cNvPr id="90" name="TextBox 89">
-                <a:extLst>
-                  <a:ext uri="{FF2B5EF4-FFF2-40B4-BE49-F238E27FC236}">
-                    <a16:creationId xmlns:a16="http://schemas.microsoft.com/office/drawing/2014/main" id="{33C6C946-2E46-833C-B695-C41A3686910A}"/>
-                  </a:ext>
-                </a:extLst>
-              </p:cNvPr>
-              <p:cNvSpPr txBox="1"/>
-              <p:nvPr/>
-            </p:nvSpPr>
-            <p:spPr>
-              <a:xfrm>
-                <a:off x="5700775" y="5185201"/>
-                <a:ext cx="1684528" cy="369332"/>
-              </a:xfrm>
-              <a:prstGeom prst="rect">
-                <a:avLst/>
-              </a:prstGeom>
-              <a:noFill/>
-            </p:spPr>
-            <p:txBody>
-              <a:bodyPr wrap="square" rtlCol="0">
-                <a:spAutoFit/>
-              </a:bodyPr>
-              <a:lstStyle/>
-              <a:p>
-                <a:pPr/>
-                <a14:m>
-                  <m:oMathPara xmlns:m="http://schemas.openxmlformats.org/officeDocument/2006/math">
-                    <m:oMathParaPr>
-                      <m:jc m:val="center"/>
-                    </m:oMathParaPr>
-                    <m:oMath xmlns:m="http://schemas.openxmlformats.org/officeDocument/2006/math">
-                      <m:sSub>
-                        <m:sSubPr>
-                          <m:ctrlPr>
-                            <a:rPr lang="en-US" i="1" smtClean="0">
-                              <a:solidFill>
-                                <a:srgbClr val="FF00FF"/>
-                              </a:solidFill>
-                              <a:latin typeface="Cambria Math" panose="02040503050406030204" pitchFamily="18" charset="0"/>
-                            </a:rPr>
-                          </m:ctrlPr>
-                        </m:sSubPr>
-                        <m:e>
-                          <m:r>
-                            <a:rPr lang="en-US" i="1">
-                              <a:solidFill>
-                                <a:srgbClr val="FF00FF"/>
-                              </a:solidFill>
-                              <a:latin typeface="Cambria Math" panose="02040503050406030204" pitchFamily="18" charset="0"/>
-                              <a:ea typeface="Cambria Math" panose="02040503050406030204" pitchFamily="18" charset="0"/>
-                            </a:rPr>
-                            <m:t>𝛼</m:t>
-                          </m:r>
-                        </m:e>
-                        <m:sub>
-                          <m:r>
-                            <a:rPr lang="en-US" i="1">
-                              <a:solidFill>
-                                <a:srgbClr val="FF00FF"/>
-                              </a:solidFill>
-                              <a:latin typeface="Cambria Math" panose="02040503050406030204" pitchFamily="18" charset="0"/>
-                            </a:rPr>
-                            <m:t>0</m:t>
-                          </m:r>
-                        </m:sub>
-                      </m:sSub>
-                      <m:r>
-                        <a:rPr lang="en-US" b="0" i="0" smtClean="0">
-                          <a:latin typeface="Cambria Math" panose="02040503050406030204" pitchFamily="18" charset="0"/>
-                        </a:rPr>
-                        <m:t>&gt;</m:t>
-                      </m:r>
-                      <m:sSub>
-                        <m:sSubPr>
-                          <m:ctrlPr>
-                            <a:rPr lang="en-US" i="1" smtClean="0">
-                              <a:solidFill>
-                                <a:schemeClr val="accent6"/>
-                              </a:solidFill>
-                              <a:latin typeface="Cambria Math" panose="02040503050406030204" pitchFamily="18" charset="0"/>
-                            </a:rPr>
-                          </m:ctrlPr>
-                        </m:sSubPr>
-                        <m:e>
-                          <m:r>
-                            <a:rPr lang="en-US" i="1">
-                              <a:solidFill>
-                                <a:schemeClr val="accent6"/>
-                              </a:solidFill>
-                              <a:latin typeface="Cambria Math" panose="02040503050406030204" pitchFamily="18" charset="0"/>
-                              <a:ea typeface="Cambria Math" panose="02040503050406030204" pitchFamily="18" charset="0"/>
-                            </a:rPr>
-                            <m:t>𝛼</m:t>
-                          </m:r>
-                        </m:e>
-                        <m:sub>
-                          <m:r>
-                            <a:rPr lang="en-US" i="1">
-                              <a:solidFill>
-                                <a:schemeClr val="accent6"/>
-                              </a:solidFill>
-                              <a:latin typeface="Cambria Math" panose="02040503050406030204" pitchFamily="18" charset="0"/>
-                            </a:rPr>
-                            <m:t>1</m:t>
-                          </m:r>
-                        </m:sub>
-                      </m:sSub>
-                    </m:oMath>
-                  </m:oMathPara>
-                </a14:m>
-                <a:endParaRPr lang="en-US" dirty="0"/>
-              </a:p>
-            </p:txBody>
-          </p:sp>
-        </mc:Choice>
-        <mc:Fallback>
-          <p:sp>
-            <p:nvSpPr>
-              <p:cNvPr id="90" name="TextBox 89">
-                <a:extLst>
-                  <a:ext uri="{FF2B5EF4-FFF2-40B4-BE49-F238E27FC236}">
-                    <a16:creationId xmlns:a16="http://schemas.microsoft.com/office/drawing/2014/main" id="{33C6C946-2E46-833C-B695-C41A3686910A}"/>
-                  </a:ext>
-                </a:extLst>
-              </p:cNvPr>
-              <p:cNvSpPr txBox="1">
-                <a:spLocks noRot="1" noChangeAspect="1" noMove="1" noResize="1" noEditPoints="1" noAdjustHandles="1" noChangeArrowheads="1" noChangeShapeType="1" noTextEdit="1"/>
-              </p:cNvSpPr>
-              <p:nvPr/>
-            </p:nvSpPr>
-            <p:spPr>
-              <a:xfrm>
-                <a:off x="5700775" y="5185201"/>
-                <a:ext cx="1684528" cy="369332"/>
-              </a:xfrm>
-              <a:prstGeom prst="rect">
-                <a:avLst/>
-              </a:prstGeom>
-              <a:blipFill>
-                <a:blip r:embed="rId20"/>
-                <a:stretch>
-                  <a:fillRect/>
-                </a:stretch>
-              </a:blipFill>
-            </p:spPr>
-            <p:txBody>
-              <a:bodyPr/>
-              <a:lstStyle/>
-              <a:p>
-                <a:r>
-                  <a:rPr lang="en-US">
-                    <a:noFill/>
-                  </a:rPr>
-                  <a:t> </a:t>
-                </a:r>
-              </a:p>
-            </p:txBody>
-          </p:sp>
-        </mc:Fallback>
-      </mc:AlternateContent>
-      <p:sp>
-        <p:nvSpPr>
-          <p:cNvPr id="91" name="Arc 90">
-            <a:extLst>
-              <a:ext uri="{FF2B5EF4-FFF2-40B4-BE49-F238E27FC236}">
-                <a16:creationId xmlns:a16="http://schemas.microsoft.com/office/drawing/2014/main" id="{9AD7EC49-1E43-E19A-9B05-DDE37066B454}"/>
-              </a:ext>
-            </a:extLst>
-          </p:cNvPr>
-          <p:cNvSpPr>
-            <a:spLocks noChangeAspect="1"/>
-          </p:cNvSpPr>
-          <p:nvPr/>
-        </p:nvSpPr>
-        <p:spPr>
-          <a:xfrm>
-            <a:off x="6026763" y="3901829"/>
-            <a:ext cx="862106" cy="869004"/>
-          </a:xfrm>
-          <a:prstGeom prst="arc">
-            <a:avLst>
-              <a:gd name="adj1" fmla="val 14083375"/>
-              <a:gd name="adj2" fmla="val 0"/>
-            </a:avLst>
-          </a:prstGeom>
-          <a:ln w="25400">
-            <a:solidFill>
-              <a:srgbClr val="FF00FF"/>
-            </a:solidFill>
-            <a:headEnd type="none"/>
-          </a:ln>
-        </p:spPr>
-        <p:style>
-          <a:lnRef idx="1">
-            <a:schemeClr val="accent1"/>
-          </a:lnRef>
-          <a:fillRef idx="0">
-            <a:schemeClr val="accent1"/>
-          </a:fillRef>
-          <a:effectRef idx="0">
-            <a:schemeClr val="accent1"/>
-          </a:effectRef>
-          <a:fontRef idx="minor">
-            <a:schemeClr val="tx1"/>
-          </a:fontRef>
-        </p:style>
-        <p:txBody>
-          <a:bodyPr rtlCol="0" anchor="ctr"/>
-          <a:lstStyle/>
-          <a:p>
-            <a:pPr algn="ctr"/>
-            <a:endParaRPr lang="en-US"/>
-          </a:p>
-        </p:txBody>
-      </p:sp>
-      <mc:AlternateContent xmlns:mc="http://schemas.openxmlformats.org/markup-compatibility/2006">
-        <mc:Choice xmlns:a14="http://schemas.microsoft.com/office/drawing/2010/main" Requires="a14">
-          <p:sp>
-            <p:nvSpPr>
-              <p:cNvPr id="92" name="TextBox 91">
-                <a:extLst>
-                  <a:ext uri="{FF2B5EF4-FFF2-40B4-BE49-F238E27FC236}">
-                    <a16:creationId xmlns:a16="http://schemas.microsoft.com/office/drawing/2014/main" id="{331B7D26-3F53-C340-C792-4034B245047B}"/>
-                  </a:ext>
-                </a:extLst>
-              </p:cNvPr>
-              <p:cNvSpPr txBox="1"/>
-              <p:nvPr/>
-            </p:nvSpPr>
-            <p:spPr>
-              <a:xfrm>
-                <a:off x="6808477" y="4032208"/>
-                <a:ext cx="419251" cy="369332"/>
-              </a:xfrm>
-              <a:prstGeom prst="rect">
-                <a:avLst/>
-              </a:prstGeom>
-              <a:noFill/>
-            </p:spPr>
-            <p:txBody>
-              <a:bodyPr wrap="square" rtlCol="0">
-                <a:spAutoFit/>
-              </a:bodyPr>
-              <a:lstStyle/>
-              <a:p>
-                <a:pPr/>
-                <a14:m>
-                  <m:oMathPara xmlns:m="http://schemas.openxmlformats.org/officeDocument/2006/math">
-                    <m:oMathParaPr>
-                      <m:jc m:val="centerGroup"/>
-                    </m:oMathParaPr>
-                    <m:oMath xmlns:m="http://schemas.openxmlformats.org/officeDocument/2006/math">
-                      <m:sSub>
-                        <m:sSubPr>
-                          <m:ctrlPr>
-                            <a:rPr lang="en-US" i="1" smtClean="0">
-                              <a:solidFill>
-                                <a:schemeClr val="accent6"/>
-                              </a:solidFill>
-                              <a:latin typeface="Cambria Math" panose="02040503050406030204" pitchFamily="18" charset="0"/>
-                            </a:rPr>
-                          </m:ctrlPr>
-                        </m:sSubPr>
-                        <m:e>
-                          <m:r>
-                            <a:rPr lang="en-US" i="1" smtClean="0">
-                              <a:solidFill>
-                                <a:schemeClr val="accent6"/>
-                              </a:solidFill>
-                              <a:latin typeface="Cambria Math" panose="02040503050406030204" pitchFamily="18" charset="0"/>
-                              <a:ea typeface="Cambria Math" panose="02040503050406030204" pitchFamily="18" charset="0"/>
-                            </a:rPr>
-                            <m:t>𝛼</m:t>
-                          </m:r>
-                        </m:e>
-                        <m:sub>
-                          <m:r>
-                            <a:rPr lang="en-US" b="0" i="1" smtClean="0">
-                              <a:solidFill>
-                                <a:schemeClr val="accent6"/>
-                              </a:solidFill>
-                              <a:latin typeface="Cambria Math" panose="02040503050406030204" pitchFamily="18" charset="0"/>
-                            </a:rPr>
-                            <m:t>1</m:t>
-                          </m:r>
-                        </m:sub>
-                      </m:sSub>
-                    </m:oMath>
-                  </m:oMathPara>
-                </a14:m>
-                <a:endParaRPr lang="en-US" dirty="0">
-                  <a:solidFill>
-                    <a:schemeClr val="accent6"/>
-                  </a:solidFill>
-                </a:endParaRPr>
-              </a:p>
-            </p:txBody>
-          </p:sp>
-        </mc:Choice>
-        <mc:Fallback>
-          <p:sp>
-            <p:nvSpPr>
-              <p:cNvPr id="92" name="TextBox 91">
-                <a:extLst>
-                  <a:ext uri="{FF2B5EF4-FFF2-40B4-BE49-F238E27FC236}">
-                    <a16:creationId xmlns:a16="http://schemas.microsoft.com/office/drawing/2014/main" id="{331B7D26-3F53-C340-C792-4034B245047B}"/>
-                  </a:ext>
-                </a:extLst>
-              </p:cNvPr>
-              <p:cNvSpPr txBox="1">
-                <a:spLocks noRot="1" noChangeAspect="1" noMove="1" noResize="1" noEditPoints="1" noAdjustHandles="1" noChangeArrowheads="1" noChangeShapeType="1" noTextEdit="1"/>
-              </p:cNvSpPr>
-              <p:nvPr/>
-            </p:nvSpPr>
-            <p:spPr>
-              <a:xfrm>
-                <a:off x="6808477" y="4032208"/>
-                <a:ext cx="419251" cy="369332"/>
-              </a:xfrm>
-              <a:prstGeom prst="rect">
-                <a:avLst/>
-              </a:prstGeom>
-              <a:blipFill>
-                <a:blip r:embed="rId21"/>
-                <a:stretch>
-                  <a:fillRect/>
-                </a:stretch>
-              </a:blipFill>
-            </p:spPr>
-            <p:txBody>
-              <a:bodyPr/>
-              <a:lstStyle/>
-              <a:p>
-                <a:r>
-                  <a:rPr lang="en-US">
-                    <a:noFill/>
-                  </a:rPr>
-                  <a:t> </a:t>
-                </a:r>
-              </a:p>
-            </p:txBody>
-          </p:sp>
-        </mc:Fallback>
-      </mc:AlternateContent>
-      <mc:AlternateContent xmlns:mc="http://schemas.openxmlformats.org/markup-compatibility/2006">
-        <mc:Choice xmlns:a14="http://schemas.microsoft.com/office/drawing/2010/main" Requires="a14">
-          <p:sp>
-            <p:nvSpPr>
-              <p:cNvPr id="98" name="TextBox 97">
-                <a:extLst>
-                  <a:ext uri="{FF2B5EF4-FFF2-40B4-BE49-F238E27FC236}">
-                    <a16:creationId xmlns:a16="http://schemas.microsoft.com/office/drawing/2014/main" id="{04750BFA-0526-2D6C-6CF5-C656C9DEC60A}"/>
-                  </a:ext>
-                </a:extLst>
-              </p:cNvPr>
-              <p:cNvSpPr txBox="1"/>
-              <p:nvPr/>
-            </p:nvSpPr>
-            <p:spPr>
-              <a:xfrm>
-                <a:off x="6711104" y="3305115"/>
-                <a:ext cx="448734" cy="369332"/>
-              </a:xfrm>
-              <a:prstGeom prst="rect">
-                <a:avLst/>
-              </a:prstGeom>
-              <a:noFill/>
-            </p:spPr>
-            <p:txBody>
-              <a:bodyPr wrap="square" rtlCol="0">
-                <a:spAutoFit/>
-              </a:bodyPr>
-              <a:lstStyle/>
-              <a:p>
-                <a:pPr/>
-                <a14:m>
-                  <m:oMathPara xmlns:m="http://schemas.openxmlformats.org/officeDocument/2006/math">
-                    <m:oMathParaPr>
-                      <m:jc m:val="centerGroup"/>
-                    </m:oMathParaPr>
-                    <m:oMath xmlns:m="http://schemas.openxmlformats.org/officeDocument/2006/math">
-                      <m:sSub>
-                        <m:sSubPr>
-                          <m:ctrlPr>
-                            <a:rPr lang="en-US" i="1" smtClean="0">
-                              <a:solidFill>
-                                <a:schemeClr val="accent5"/>
-                              </a:solidFill>
-                              <a:latin typeface="Cambria Math" panose="02040503050406030204" pitchFamily="18" charset="0"/>
-                            </a:rPr>
-                          </m:ctrlPr>
-                        </m:sSubPr>
-                        <m:e>
-                          <m:acc>
-                            <m:accPr>
-                              <m:chr m:val="̂"/>
-                              <m:ctrlPr>
-                                <a:rPr lang="en-US" i="1" smtClean="0">
-                                  <a:solidFill>
-                                    <a:schemeClr val="accent5"/>
-                                  </a:solidFill>
-                                  <a:latin typeface="Cambria Math" panose="02040503050406030204" pitchFamily="18" charset="0"/>
-                                </a:rPr>
-                              </m:ctrlPr>
-                            </m:accPr>
-                            <m:e>
-                              <m:r>
-                                <a:rPr lang="en-US" b="0" i="1" smtClean="0">
-                                  <a:solidFill>
-                                    <a:schemeClr val="accent5"/>
-                                  </a:solidFill>
-                                  <a:latin typeface="Cambria Math" panose="02040503050406030204" pitchFamily="18" charset="0"/>
-                                </a:rPr>
-                                <m:t>𝑡</m:t>
-                              </m:r>
-                            </m:e>
-                          </m:acc>
-                        </m:e>
-                        <m:sub>
-                          <m:r>
-                            <a:rPr lang="en-US" b="0" i="1" smtClean="0">
-                              <a:solidFill>
-                                <a:schemeClr val="accent5"/>
-                              </a:solidFill>
-                              <a:latin typeface="Cambria Math" panose="02040503050406030204" pitchFamily="18" charset="0"/>
-                            </a:rPr>
-                            <m:t>1</m:t>
-                          </m:r>
-                        </m:sub>
-                      </m:sSub>
-                    </m:oMath>
-                  </m:oMathPara>
-                </a14:m>
-                <a:endParaRPr lang="en-US" dirty="0">
-                  <a:solidFill>
-                    <a:schemeClr val="accent5"/>
-                  </a:solidFill>
-                </a:endParaRPr>
-              </a:p>
-            </p:txBody>
-          </p:sp>
-        </mc:Choice>
-        <mc:Fallback>
-          <p:sp>
-            <p:nvSpPr>
-              <p:cNvPr id="98" name="TextBox 97">
-                <a:extLst>
-                  <a:ext uri="{FF2B5EF4-FFF2-40B4-BE49-F238E27FC236}">
-                    <a16:creationId xmlns:a16="http://schemas.microsoft.com/office/drawing/2014/main" id="{04750BFA-0526-2D6C-6CF5-C656C9DEC60A}"/>
-                  </a:ext>
-                </a:extLst>
-              </p:cNvPr>
-              <p:cNvSpPr txBox="1">
-                <a:spLocks noRot="1" noChangeAspect="1" noMove="1" noResize="1" noEditPoints="1" noAdjustHandles="1" noChangeArrowheads="1" noChangeShapeType="1" noTextEdit="1"/>
-              </p:cNvSpPr>
-              <p:nvPr/>
-            </p:nvSpPr>
-            <p:spPr>
-              <a:xfrm>
-                <a:off x="6711104" y="3305115"/>
-                <a:ext cx="448734" cy="369332"/>
-              </a:xfrm>
-              <a:prstGeom prst="rect">
-                <a:avLst/>
-              </a:prstGeom>
-              <a:blipFill>
-                <a:blip r:embed="rId22"/>
-                <a:stretch>
-                  <a:fillRect t="-13115" r="-24324"/>
-                </a:stretch>
-              </a:blipFill>
-            </p:spPr>
-            <p:txBody>
-              <a:bodyPr/>
-              <a:lstStyle/>
-              <a:p>
-                <a:r>
-                  <a:rPr lang="en-US">
-                    <a:noFill/>
-                  </a:rPr>
-                  <a:t> </a:t>
-                </a:r>
-              </a:p>
-            </p:txBody>
-          </p:sp>
-        </mc:Fallback>
-      </mc:AlternateContent>
-      <mc:AlternateContent xmlns:mc="http://schemas.openxmlformats.org/markup-compatibility/2006">
-        <mc:Choice xmlns:a14="http://schemas.microsoft.com/office/drawing/2010/main" Requires="a14">
-          <p:sp>
-            <p:nvSpPr>
-              <p:cNvPr id="99" name="TextBox 98">
-                <a:extLst>
-                  <a:ext uri="{FF2B5EF4-FFF2-40B4-BE49-F238E27FC236}">
-                    <a16:creationId xmlns:a16="http://schemas.microsoft.com/office/drawing/2014/main" id="{F9C14178-B7EA-03C6-9A8A-3251DDCDD4A2}"/>
-                  </a:ext>
-                </a:extLst>
-              </p:cNvPr>
-              <p:cNvSpPr txBox="1"/>
-              <p:nvPr/>
-            </p:nvSpPr>
-            <p:spPr>
-              <a:xfrm>
-                <a:off x="6264342" y="3130547"/>
-                <a:ext cx="448734" cy="369332"/>
-              </a:xfrm>
-              <a:prstGeom prst="rect">
-                <a:avLst/>
-              </a:prstGeom>
-              <a:noFill/>
-            </p:spPr>
-            <p:txBody>
-              <a:bodyPr wrap="square" rtlCol="0">
-                <a:spAutoFit/>
-              </a:bodyPr>
-              <a:lstStyle/>
-              <a:p>
-                <a:pPr/>
-                <a14:m>
-                  <m:oMathPara xmlns:m="http://schemas.openxmlformats.org/officeDocument/2006/math">
-                    <m:oMathParaPr>
-                      <m:jc m:val="centerGroup"/>
-                    </m:oMathParaPr>
-                    <m:oMath xmlns:m="http://schemas.openxmlformats.org/officeDocument/2006/math">
-                      <m:sSub>
-                        <m:sSubPr>
-                          <m:ctrlPr>
-                            <a:rPr lang="en-US" i="1" smtClean="0">
-                              <a:solidFill>
-                                <a:schemeClr val="accent5"/>
-                              </a:solidFill>
-                              <a:latin typeface="Cambria Math" panose="02040503050406030204" pitchFamily="18" charset="0"/>
-                            </a:rPr>
-                          </m:ctrlPr>
-                        </m:sSubPr>
-                        <m:e>
-                          <m:acc>
-                            <m:accPr>
-                              <m:chr m:val="̂"/>
-                              <m:ctrlPr>
-                                <a:rPr lang="en-US" i="1" smtClean="0">
-                                  <a:solidFill>
-                                    <a:schemeClr val="accent5"/>
-                                  </a:solidFill>
-                                  <a:latin typeface="Cambria Math" panose="02040503050406030204" pitchFamily="18" charset="0"/>
-                                </a:rPr>
-                              </m:ctrlPr>
-                            </m:accPr>
-                            <m:e>
-                              <m:r>
-                                <a:rPr lang="en-US" b="0" i="1" smtClean="0">
-                                  <a:solidFill>
-                                    <a:schemeClr val="accent5"/>
-                                  </a:solidFill>
-                                  <a:latin typeface="Cambria Math" panose="02040503050406030204" pitchFamily="18" charset="0"/>
-                                </a:rPr>
-                                <m:t>𝑡</m:t>
-                              </m:r>
-                            </m:e>
-                          </m:acc>
-                        </m:e>
-                        <m:sub>
-                          <m:r>
-                            <a:rPr lang="en-US" b="0" i="1" smtClean="0">
-                              <a:solidFill>
-                                <a:schemeClr val="accent5"/>
-                              </a:solidFill>
-                              <a:latin typeface="Cambria Math" panose="02040503050406030204" pitchFamily="18" charset="0"/>
-                            </a:rPr>
-                            <m:t>0</m:t>
-                          </m:r>
-                        </m:sub>
-                      </m:sSub>
-                    </m:oMath>
-                  </m:oMathPara>
-                </a14:m>
-                <a:endParaRPr lang="en-US" dirty="0">
-                  <a:solidFill>
-                    <a:schemeClr val="accent5"/>
-                  </a:solidFill>
-                </a:endParaRPr>
-              </a:p>
-            </p:txBody>
-          </p:sp>
-        </mc:Choice>
-        <mc:Fallback>
-          <p:sp>
-            <p:nvSpPr>
-              <p:cNvPr id="99" name="TextBox 98">
-                <a:extLst>
-                  <a:ext uri="{FF2B5EF4-FFF2-40B4-BE49-F238E27FC236}">
-                    <a16:creationId xmlns:a16="http://schemas.microsoft.com/office/drawing/2014/main" id="{F9C14178-B7EA-03C6-9A8A-3251DDCDD4A2}"/>
-                  </a:ext>
-                </a:extLst>
-              </p:cNvPr>
-              <p:cNvSpPr txBox="1">
-                <a:spLocks noRot="1" noChangeAspect="1" noMove="1" noResize="1" noEditPoints="1" noAdjustHandles="1" noChangeArrowheads="1" noChangeShapeType="1" noTextEdit="1"/>
-              </p:cNvSpPr>
-              <p:nvPr/>
-            </p:nvSpPr>
-            <p:spPr>
-              <a:xfrm>
-                <a:off x="6264342" y="3130547"/>
-                <a:ext cx="448734" cy="369332"/>
-              </a:xfrm>
-              <a:prstGeom prst="rect">
-                <a:avLst/>
-              </a:prstGeom>
-              <a:blipFill>
-                <a:blip r:embed="rId23"/>
-                <a:stretch>
-                  <a:fillRect t="-13333" r="-26027"/>
-                </a:stretch>
-              </a:blipFill>
-            </p:spPr>
-            <p:txBody>
-              <a:bodyPr/>
-              <a:lstStyle/>
-              <a:p>
-                <a:r>
-                  <a:rPr lang="en-US">
-                    <a:noFill/>
-                  </a:rPr>
-                  <a:t> </a:t>
-                </a:r>
-              </a:p>
-            </p:txBody>
-          </p:sp>
-        </mc:Fallback>
-      </mc:AlternateContent>
-      <p:cxnSp>
-        <p:nvCxnSpPr>
-          <p:cNvPr id="95" name="Straight Arrow Connector 94">
-            <a:extLst>
-              <a:ext uri="{FF2B5EF4-FFF2-40B4-BE49-F238E27FC236}">
-                <a16:creationId xmlns:a16="http://schemas.microsoft.com/office/drawing/2014/main" id="{32B99805-05A5-17C3-F5A0-59E7CE83B196}"/>
-              </a:ext>
-            </a:extLst>
-          </p:cNvPr>
-          <p:cNvCxnSpPr/>
-          <p:nvPr/>
-        </p:nvCxnSpPr>
-        <p:spPr>
-          <a:xfrm flipH="1" flipV="1">
-            <a:off x="4161904" y="4450597"/>
-            <a:ext cx="142538" cy="446231"/>
-          </a:xfrm>
-          <a:prstGeom prst="straightConnector1">
-            <a:avLst/>
-          </a:prstGeom>
-          <a:noFill/>
-          <a:ln w="38100" cap="flat" cmpd="sng" algn="ctr">
-            <a:solidFill>
-              <a:schemeClr val="accent5"/>
-            </a:solidFill>
-            <a:prstDash val="solid"/>
-            <a:miter lim="800000"/>
-            <a:headEnd type="arrow"/>
-            <a:tailEnd type="none"/>
-          </a:ln>
-          <a:effectLst/>
-        </p:spPr>
-      </p:cxnSp>
-      <p:sp>
-        <p:nvSpPr>
-          <p:cNvPr id="73" name="Oval 72">
-            <a:extLst>
-              <a:ext uri="{FF2B5EF4-FFF2-40B4-BE49-F238E27FC236}">
-                <a16:creationId xmlns:a16="http://schemas.microsoft.com/office/drawing/2014/main" id="{F168C559-3250-AB48-BBA5-53B7576E19CD}"/>
-              </a:ext>
-            </a:extLst>
-          </p:cNvPr>
-          <p:cNvSpPr/>
-          <p:nvPr/>
-        </p:nvSpPr>
-        <p:spPr>
-          <a:xfrm>
-            <a:off x="4114890" y="4403084"/>
-            <a:ext cx="95026" cy="95026"/>
-          </a:xfrm>
-          <a:prstGeom prst="ellipse">
-            <a:avLst/>
-          </a:prstGeom>
-          <a:solidFill>
-            <a:schemeClr val="tx1"/>
-          </a:solidFill>
-          <a:ln w="25400">
-            <a:solidFill>
-              <a:schemeClr val="tx1"/>
-            </a:solidFill>
-          </a:ln>
-        </p:spPr>
-        <p:style>
-          <a:lnRef idx="2">
-            <a:schemeClr val="accent1">
-              <a:shade val="50000"/>
-            </a:schemeClr>
-          </a:lnRef>
-          <a:fillRef idx="1">
-            <a:schemeClr val="accent1"/>
-          </a:fillRef>
-          <a:effectRef idx="0">
-            <a:schemeClr val="accent1"/>
-          </a:effectRef>
-          <a:fontRef idx="minor">
-            <a:schemeClr val="lt1"/>
-          </a:fontRef>
-        </p:style>
-        <p:txBody>
-          <a:bodyPr rtlCol="0" anchor="ctr"/>
-          <a:lstStyle/>
-          <a:p>
-            <a:pPr algn="ctr"/>
-            <a:endParaRPr lang="en-US"/>
-          </a:p>
-        </p:txBody>
-      </p:sp>
+            </a:ln>
+          </p:spPr>
+          <p:style>
+            <a:lnRef idx="2">
+              <a:schemeClr val="accent1">
+                <a:shade val="50000"/>
+              </a:schemeClr>
+            </a:lnRef>
+            <a:fillRef idx="1">
+              <a:schemeClr val="accent1"/>
+            </a:fillRef>
+            <a:effectRef idx="0">
+              <a:schemeClr val="accent1"/>
+            </a:effectRef>
+            <a:fontRef idx="minor">
+              <a:schemeClr val="lt1"/>
+            </a:fontRef>
+          </p:style>
+          <p:txBody>
+            <a:bodyPr rtlCol="0" anchor="ctr"/>
+            <a:lstStyle/>
+            <a:p>
+              <a:pPr algn="ctr"/>
+              <a:endParaRPr lang="en-US"/>
+            </a:p>
+          </p:txBody>
+        </p:sp>
+      </p:grpSp>
     </p:spTree>
     <p:extLst>
       <p:ext uri="{BB962C8B-B14F-4D97-AF65-F5344CB8AC3E}">
@@ -27270,8 +27314,8 @@
             <a:chExt cx="2638625" cy="2491055"/>
           </a:xfrm>
         </p:grpSpPr>
-        <mc:AlternateContent xmlns:mc="http://schemas.openxmlformats.org/markup-compatibility/2006">
-          <mc:Choice xmlns:a14="http://schemas.microsoft.com/office/drawing/2010/main" Requires="a14">
+        <mc:AlternateContent xmlns:mc="http://schemas.openxmlformats.org/markup-compatibility/2006" xmlns:a14="http://schemas.microsoft.com/office/drawing/2010/main">
+          <mc:Choice Requires="a14">
             <p:sp>
               <p:nvSpPr>
                 <p:cNvPr id="5" name="TextBox 4">
@@ -27368,7 +27412,7 @@
               </p:txBody>
             </p:sp>
           </mc:Choice>
-          <mc:Fallback>
+          <mc:Fallback xmlns="">
             <p:sp>
               <p:nvSpPr>
                 <p:cNvPr id="5" name="TextBox 4">
@@ -27413,8 +27457,8 @@
             </p:sp>
           </mc:Fallback>
         </mc:AlternateContent>
-        <mc:AlternateContent xmlns:mc="http://schemas.openxmlformats.org/markup-compatibility/2006">
-          <mc:Choice xmlns:a14="http://schemas.microsoft.com/office/drawing/2010/main" Requires="a14">
+        <mc:AlternateContent xmlns:mc="http://schemas.openxmlformats.org/markup-compatibility/2006" xmlns:a14="http://schemas.microsoft.com/office/drawing/2010/main">
+          <mc:Choice Requires="a14">
             <p:sp>
               <p:nvSpPr>
                 <p:cNvPr id="7" name="TextBox 6">
@@ -27507,7 +27551,7 @@
               </p:txBody>
             </p:sp>
           </mc:Choice>
-          <mc:Fallback>
+          <mc:Fallback xmlns="">
             <p:sp>
               <p:nvSpPr>
                 <p:cNvPr id="7" name="TextBox 6">
@@ -27921,8 +27965,8 @@
             </a:p>
           </p:txBody>
         </p:sp>
-        <mc:AlternateContent xmlns:mc="http://schemas.openxmlformats.org/markup-compatibility/2006">
-          <mc:Choice xmlns:a14="http://schemas.microsoft.com/office/drawing/2010/main" Requires="a14">
+        <mc:AlternateContent xmlns:mc="http://schemas.openxmlformats.org/markup-compatibility/2006" xmlns:a14="http://schemas.microsoft.com/office/drawing/2010/main">
+          <mc:Choice Requires="a14">
             <p:sp>
               <p:nvSpPr>
                 <p:cNvPr id="10" name="TextBox 9">
@@ -28019,7 +28063,7 @@
               </p:txBody>
             </p:sp>
           </mc:Choice>
-          <mc:Fallback>
+          <mc:Fallback xmlns="">
             <p:sp>
               <p:nvSpPr>
                 <p:cNvPr id="10" name="TextBox 9">
@@ -28280,8 +28324,8 @@
             </a:p>
           </p:txBody>
         </p:sp>
-        <mc:AlternateContent xmlns:mc="http://schemas.openxmlformats.org/markup-compatibility/2006">
-          <mc:Choice xmlns:a14="http://schemas.microsoft.com/office/drawing/2010/main" Requires="a14">
+        <mc:AlternateContent xmlns:mc="http://schemas.openxmlformats.org/markup-compatibility/2006" xmlns:a14="http://schemas.microsoft.com/office/drawing/2010/main">
+          <mc:Choice Requires="a14">
             <p:sp>
               <p:nvSpPr>
                 <p:cNvPr id="15" name="TextBox 14">
@@ -28374,7 +28418,7 @@
               </p:txBody>
             </p:sp>
           </mc:Choice>
-          <mc:Fallback>
+          <mc:Fallback xmlns="">
             <p:sp>
               <p:nvSpPr>
                 <p:cNvPr id="15" name="TextBox 14">
@@ -28419,8 +28463,8 @@
             </p:sp>
           </mc:Fallback>
         </mc:AlternateContent>
-        <mc:AlternateContent xmlns:mc="http://schemas.openxmlformats.org/markup-compatibility/2006">
-          <mc:Choice xmlns:a14="http://schemas.microsoft.com/office/drawing/2010/main" Requires="a14">
+        <mc:AlternateContent xmlns:mc="http://schemas.openxmlformats.org/markup-compatibility/2006" xmlns:a14="http://schemas.microsoft.com/office/drawing/2010/main">
+          <mc:Choice Requires="a14">
             <p:sp>
               <p:nvSpPr>
                 <p:cNvPr id="16" name="TextBox 15">
@@ -28513,7 +28557,7 @@
               </p:txBody>
             </p:sp>
           </mc:Choice>
-          <mc:Fallback>
+          <mc:Fallback xmlns="">
             <p:sp>
               <p:nvSpPr>
                 <p:cNvPr id="16" name="TextBox 15">
@@ -28558,8 +28602,8 @@
             </p:sp>
           </mc:Fallback>
         </mc:AlternateContent>
-        <mc:AlternateContent xmlns:mc="http://schemas.openxmlformats.org/markup-compatibility/2006">
-          <mc:Choice xmlns:a14="http://schemas.microsoft.com/office/drawing/2010/main" Requires="a14">
+        <mc:AlternateContent xmlns:mc="http://schemas.openxmlformats.org/markup-compatibility/2006" xmlns:a14="http://schemas.microsoft.com/office/drawing/2010/main">
+          <mc:Choice Requires="a14">
             <p:sp>
               <p:nvSpPr>
                 <p:cNvPr id="17" name="TextBox 16">
@@ -28652,7 +28696,7 @@
               </p:txBody>
             </p:sp>
           </mc:Choice>
-          <mc:Fallback>
+          <mc:Fallback xmlns="">
             <p:sp>
               <p:nvSpPr>
                 <p:cNvPr id="17" name="TextBox 16">
@@ -28873,8 +28917,8 @@
             </a:fontRef>
           </p:style>
         </p:cxnSp>
-        <mc:AlternateContent xmlns:mc="http://schemas.openxmlformats.org/markup-compatibility/2006">
-          <mc:Choice xmlns:a14="http://schemas.microsoft.com/office/drawing/2010/main" Requires="a14">
+        <mc:AlternateContent xmlns:mc="http://schemas.openxmlformats.org/markup-compatibility/2006" xmlns:a14="http://schemas.microsoft.com/office/drawing/2010/main">
+          <mc:Choice Requires="a14">
             <p:sp>
               <p:nvSpPr>
                 <p:cNvPr id="76" name="TextBox 75">
@@ -28967,7 +29011,7 @@
               </p:txBody>
             </p:sp>
           </mc:Choice>
-          <mc:Fallback>
+          <mc:Fallback xmlns="">
             <p:sp>
               <p:nvSpPr>
                 <p:cNvPr id="76" name="TextBox 75">
@@ -29012,8 +29056,8 @@
             </p:sp>
           </mc:Fallback>
         </mc:AlternateContent>
-        <mc:AlternateContent xmlns:mc="http://schemas.openxmlformats.org/markup-compatibility/2006">
-          <mc:Choice xmlns:a14="http://schemas.microsoft.com/office/drawing/2010/main" Requires="a14">
+        <mc:AlternateContent xmlns:mc="http://schemas.openxmlformats.org/markup-compatibility/2006" xmlns:a14="http://schemas.microsoft.com/office/drawing/2010/main">
+          <mc:Choice Requires="a14">
             <p:sp>
               <p:nvSpPr>
                 <p:cNvPr id="77" name="TextBox 76">
@@ -29106,7 +29150,7 @@
               </p:txBody>
             </p:sp>
           </mc:Choice>
-          <mc:Fallback>
+          <mc:Fallback xmlns="">
             <p:sp>
               <p:nvSpPr>
                 <p:cNvPr id="77" name="TextBox 76">
@@ -29151,8 +29195,8 @@
             </p:sp>
           </mc:Fallback>
         </mc:AlternateContent>
-        <mc:AlternateContent xmlns:mc="http://schemas.openxmlformats.org/markup-compatibility/2006">
-          <mc:Choice xmlns:a14="http://schemas.microsoft.com/office/drawing/2010/main" Requires="a14">
+        <mc:AlternateContent xmlns:mc="http://schemas.openxmlformats.org/markup-compatibility/2006" xmlns:a14="http://schemas.microsoft.com/office/drawing/2010/main">
+          <mc:Choice Requires="a14">
             <p:sp>
               <p:nvSpPr>
                 <p:cNvPr id="78" name="TextBox 77">
@@ -29245,7 +29289,7 @@
               </p:txBody>
             </p:sp>
           </mc:Choice>
-          <mc:Fallback>
+          <mc:Fallback xmlns="">
             <p:sp>
               <p:nvSpPr>
                 <p:cNvPr id="78" name="TextBox 77">
@@ -29452,8 +29496,8 @@
             </a:p>
           </p:txBody>
         </p:sp>
-        <mc:AlternateContent xmlns:mc="http://schemas.openxmlformats.org/markup-compatibility/2006">
-          <mc:Choice xmlns:a14="http://schemas.microsoft.com/office/drawing/2010/main" Requires="a14">
+        <mc:AlternateContent xmlns:mc="http://schemas.openxmlformats.org/markup-compatibility/2006" xmlns:a14="http://schemas.microsoft.com/office/drawing/2010/main">
+          <mc:Choice Requires="a14">
             <p:sp>
               <p:nvSpPr>
                 <p:cNvPr id="63" name="TextBox 62">
@@ -29546,7 +29590,7 @@
               </p:txBody>
             </p:sp>
           </mc:Choice>
-          <mc:Fallback>
+          <mc:Fallback xmlns="">
             <p:sp>
               <p:nvSpPr>
                 <p:cNvPr id="63" name="TextBox 62">
@@ -29591,8 +29635,8 @@
             </p:sp>
           </mc:Fallback>
         </mc:AlternateContent>
-        <mc:AlternateContent xmlns:mc="http://schemas.openxmlformats.org/markup-compatibility/2006">
-          <mc:Choice xmlns:a14="http://schemas.microsoft.com/office/drawing/2010/main" Requires="a14">
+        <mc:AlternateContent xmlns:mc="http://schemas.openxmlformats.org/markup-compatibility/2006" xmlns:a14="http://schemas.microsoft.com/office/drawing/2010/main">
+          <mc:Choice Requires="a14">
             <p:sp>
               <p:nvSpPr>
                 <p:cNvPr id="89" name="TextBox 88">
@@ -29689,7 +29733,7 @@
               </p:txBody>
             </p:sp>
           </mc:Choice>
-          <mc:Fallback>
+          <mc:Fallback xmlns="">
             <p:sp>
               <p:nvSpPr>
                 <p:cNvPr id="89" name="TextBox 88">
@@ -29734,8 +29778,8 @@
             </p:sp>
           </mc:Fallback>
         </mc:AlternateContent>
-        <mc:AlternateContent xmlns:mc="http://schemas.openxmlformats.org/markup-compatibility/2006">
-          <mc:Choice xmlns:a14="http://schemas.microsoft.com/office/drawing/2010/main" Requires="a14">
+        <mc:AlternateContent xmlns:mc="http://schemas.openxmlformats.org/markup-compatibility/2006" xmlns:a14="http://schemas.microsoft.com/office/drawing/2010/main">
+          <mc:Choice Requires="a14">
             <p:sp>
               <p:nvSpPr>
                 <p:cNvPr id="90" name="TextBox 89">
@@ -29832,7 +29876,7 @@
               </p:txBody>
             </p:sp>
           </mc:Choice>
-          <mc:Fallback>
+          <mc:Fallback xmlns="">
             <p:sp>
               <p:nvSpPr>
                 <p:cNvPr id="90" name="TextBox 89">
@@ -29877,8 +29921,8 @@
             </p:sp>
           </mc:Fallback>
         </mc:AlternateContent>
-        <mc:AlternateContent xmlns:mc="http://schemas.openxmlformats.org/markup-compatibility/2006">
-          <mc:Choice xmlns:a14="http://schemas.microsoft.com/office/drawing/2010/main" Requires="a14">
+        <mc:AlternateContent xmlns:mc="http://schemas.openxmlformats.org/markup-compatibility/2006" xmlns:a14="http://schemas.microsoft.com/office/drawing/2010/main">
+          <mc:Choice Requires="a14">
             <p:sp>
               <p:nvSpPr>
                 <p:cNvPr id="91" name="TextBox 90">
@@ -29975,7 +30019,7 @@
               </p:txBody>
             </p:sp>
           </mc:Choice>
-          <mc:Fallback>
+          <mc:Fallback xmlns="">
             <p:sp>
               <p:nvSpPr>
                 <p:cNvPr id="91" name="TextBox 90">
@@ -30020,8 +30064,8 @@
             </p:sp>
           </mc:Fallback>
         </mc:AlternateContent>
-        <mc:AlternateContent xmlns:mc="http://schemas.openxmlformats.org/markup-compatibility/2006">
-          <mc:Choice xmlns:a14="http://schemas.microsoft.com/office/drawing/2010/main" Requires="a14">
+        <mc:AlternateContent xmlns:mc="http://schemas.openxmlformats.org/markup-compatibility/2006" xmlns:a14="http://schemas.microsoft.com/office/drawing/2010/main">
+          <mc:Choice Requires="a14">
             <p:sp>
               <p:nvSpPr>
                 <p:cNvPr id="92" name="TextBox 91">
@@ -30118,7 +30162,7 @@
               </p:txBody>
             </p:sp>
           </mc:Choice>
-          <mc:Fallback>
+          <mc:Fallback xmlns="">
             <p:sp>
               <p:nvSpPr>
                 <p:cNvPr id="92" name="TextBox 91">
@@ -30163,8 +30207,8 @@
             </p:sp>
           </mc:Fallback>
         </mc:AlternateContent>
-        <mc:AlternateContent xmlns:mc="http://schemas.openxmlformats.org/markup-compatibility/2006">
-          <mc:Choice xmlns:a14="http://schemas.microsoft.com/office/drawing/2010/main" Requires="a14">
+        <mc:AlternateContent xmlns:mc="http://schemas.openxmlformats.org/markup-compatibility/2006" xmlns:a14="http://schemas.microsoft.com/office/drawing/2010/main">
+          <mc:Choice Requires="a14">
             <p:sp>
               <p:nvSpPr>
                 <p:cNvPr id="93" name="TextBox 92">
@@ -30261,7 +30305,7 @@
               </p:txBody>
             </p:sp>
           </mc:Choice>
-          <mc:Fallback>
+          <mc:Fallback xmlns="">
             <p:sp>
               <p:nvSpPr>
                 <p:cNvPr id="93" name="TextBox 92">
@@ -31002,8 +31046,8 @@
             </a:p>
           </p:txBody>
         </p:sp>
-        <mc:AlternateContent xmlns:mc="http://schemas.openxmlformats.org/markup-compatibility/2006">
-          <mc:Choice xmlns:a14="http://schemas.microsoft.com/office/drawing/2010/main" Requires="a14">
+        <mc:AlternateContent xmlns:mc="http://schemas.openxmlformats.org/markup-compatibility/2006" xmlns:a14="http://schemas.microsoft.com/office/drawing/2010/main">
+          <mc:Choice Requires="a14">
             <p:sp>
               <p:nvSpPr>
                 <p:cNvPr id="94" name="TextBox 93">
@@ -31100,7 +31144,7 @@
               </p:txBody>
             </p:sp>
           </mc:Choice>
-          <mc:Fallback>
+          <mc:Fallback xmlns="">
             <p:sp>
               <p:nvSpPr>
                 <p:cNvPr id="94" name="TextBox 93">
@@ -32024,7 +32068,7 @@
                 <a:srgbClr val="C00000"/>
               </a:solidFill>
               <a:prstDash val="solid"/>
-              <a:headEnd type="arrow"/>
+              <a:headEnd type="none"/>
             </a:ln>
             <a:effectLst/>
           </p:spPr>
@@ -33253,7 +33297,7 @@
                 <a:srgbClr val="00B0F0"/>
               </a:solidFill>
               <a:prstDash val="solid"/>
-              <a:headEnd type="arrow"/>
+              <a:headEnd type="none"/>
             </a:ln>
             <a:effectLst/>
           </p:spPr>
@@ -33510,7 +33554,7 @@
                 <a:srgbClr val="C00000"/>
               </a:solidFill>
               <a:prstDash val="solid"/>
-              <a:headEnd type="arrow"/>
+              <a:headEnd type="none"/>
             </a:ln>
             <a:effectLst/>
           </p:spPr>
@@ -34111,7 +34155,7 @@
                     <a:srgbClr val="92D050"/>
                   </a:solidFill>
                   <a:prstDash val="solid"/>
-                  <a:headEnd type="arrow"/>
+                  <a:headEnd type="none"/>
                 </a:ln>
                 <a:effectLst/>
               </p:spPr>
@@ -36560,7 +36604,7 @@
                 <a:srgbClr val="00B0F0"/>
               </a:solidFill>
               <a:prstDash val="solid"/>
-              <a:headEnd type="arrow"/>
+              <a:headEnd type="none"/>
             </a:ln>
             <a:effectLst/>
           </p:spPr>
